--- a/PPT_BE_IT_G7_EDUFLEX.pptx
+++ b/PPT_BE_IT_G7_EDUFLEX.pptx
@@ -5,28 +5,27 @@
     <p:sldMasterId id="2147483648" r:id="rId1"/>
   </p:sldMasterIdLst>
   <p:notesMasterIdLst>
-    <p:notesMasterId r:id="rId21"/>
+    <p:notesMasterId r:id="rId20"/>
   </p:notesMasterIdLst>
   <p:sldIdLst>
     <p:sldId id="256" r:id="rId2"/>
     <p:sldId id="257" r:id="rId3"/>
-    <p:sldId id="271" r:id="rId4"/>
-    <p:sldId id="269" r:id="rId5"/>
-    <p:sldId id="258" r:id="rId6"/>
-    <p:sldId id="261" r:id="rId7"/>
-    <p:sldId id="272" r:id="rId8"/>
-    <p:sldId id="267" r:id="rId9"/>
-    <p:sldId id="270" r:id="rId10"/>
-    <p:sldId id="264" r:id="rId11"/>
-    <p:sldId id="263" r:id="rId12"/>
-    <p:sldId id="273" r:id="rId13"/>
-    <p:sldId id="286" r:id="rId14"/>
-    <p:sldId id="274" r:id="rId15"/>
-    <p:sldId id="287" r:id="rId16"/>
-    <p:sldId id="276" r:id="rId17"/>
-    <p:sldId id="275" r:id="rId18"/>
-    <p:sldId id="277" r:id="rId19"/>
-    <p:sldId id="260" r:id="rId20"/>
+    <p:sldId id="269" r:id="rId4"/>
+    <p:sldId id="258" r:id="rId5"/>
+    <p:sldId id="261" r:id="rId6"/>
+    <p:sldId id="272" r:id="rId7"/>
+    <p:sldId id="267" r:id="rId8"/>
+    <p:sldId id="270" r:id="rId9"/>
+    <p:sldId id="264" r:id="rId10"/>
+    <p:sldId id="263" r:id="rId11"/>
+    <p:sldId id="273" r:id="rId12"/>
+    <p:sldId id="286" r:id="rId13"/>
+    <p:sldId id="274" r:id="rId14"/>
+    <p:sldId id="287" r:id="rId15"/>
+    <p:sldId id="276" r:id="rId16"/>
+    <p:sldId id="275" r:id="rId17"/>
+    <p:sldId id="277" r:id="rId18"/>
+    <p:sldId id="260" r:id="rId19"/>
   </p:sldIdLst>
   <p:sldSz cx="10080625" cy="7559675"/>
   <p:notesSz cx="6858000" cy="9144000"/>
@@ -981,8 +980,8 @@
         </p:nvSpPr>
         <p:spPr>
           <a:xfrm>
-            <a:off x="215900" y="812800"/>
-            <a:ext cx="7127875" cy="4008438"/>
+            <a:off x="1106488" y="812800"/>
+            <a:ext cx="5346700" cy="4008438"/>
           </a:xfrm>
           <a:solidFill>
             <a:srgbClr val="FFFFFF">
@@ -1033,151 +1032,6 @@
 </file>
 
 <file path=ppt/notesSlides/notesSlide10.xml><?xml version="1.0" encoding="utf-8"?>
-<p:notes xmlns:a="http://schemas.openxmlformats.org/drawingml/2006/main" xmlns:r="http://schemas.openxmlformats.org/officeDocument/2006/relationships" xmlns:p="http://schemas.openxmlformats.org/presentationml/2006/main">
-  <p:cSld>
-    <p:bg>
-      <p:bgPr>
-        <a:solidFill>
-          <a:srgbClr val="FFFFFF"/>
-        </a:solidFill>
-        <a:effectLst/>
-      </p:bgPr>
-    </p:bg>
-    <p:spTree>
-      <p:nvGrpSpPr>
-        <p:cNvPr id="1" name=""/>
-        <p:cNvGrpSpPr/>
-        <p:nvPr/>
-      </p:nvGrpSpPr>
-      <p:grpSpPr>
-        <a:xfrm>
-          <a:off x="0" y="0"/>
-          <a:ext cx="0" cy="0"/>
-          <a:chOff x="0" y="0"/>
-          <a:chExt cx="0" cy="0"/>
-        </a:xfrm>
-      </p:grpSpPr>
-      <p:sp>
-        <p:nvSpPr>
-          <p:cNvPr id="27650" name="Rectangle 6"/>
-          <p:cNvSpPr txBox="1">
-            <a:spLocks noGrp="1"/>
-          </p:cNvSpPr>
-          <p:nvPr>
-            <p:ph type="sldNum" sz="quarter"/>
-          </p:nvPr>
-        </p:nvSpPr>
-        <p:spPr>
-          <a:xfrm>
-            <a:off x="4278313" y="10156825"/>
-            <a:ext cx="3279775" cy="533400"/>
-          </a:xfrm>
-          <a:prstGeom prst="rect">
-            <a:avLst/>
-          </a:prstGeom>
-          <a:noFill/>
-          <a:ln w="9525">
-            <a:noFill/>
-          </a:ln>
-        </p:spPr>
-        <p:txBody>
-          <a:bodyPr lIns="0" tIns="0" rIns="0" bIns="0" anchor="b" anchorCtr="0"/>
-          <a:lstStyle/>
-          <a:p>
-            <a:pPr lvl="0" algn="r" defTabSz="457200" eaLnBrk="1" hangingPunct="1">
-              <a:lnSpc>
-                <a:spcPct val="93000"/>
-              </a:lnSpc>
-              <a:spcBef>
-                <a:spcPct val="0"/>
-              </a:spcBef>
-              <a:tabLst>
-                <a:tab pos="449580" algn="l"/>
-                <a:tab pos="898525" algn="l"/>
-                <a:tab pos="1348105" algn="l"/>
-                <a:tab pos="1797050" algn="l"/>
-                <a:tab pos="2246630" algn="l"/>
-                <a:tab pos="2695575" algn="l"/>
-                <a:tab pos="3145155" algn="l"/>
-              </a:tabLst>
-            </a:pPr>
-            <a:fld id="{9A0DB2DC-4C9A-4742-B13C-FB6460FD3503}" type="slidenum">
-              <a:rPr lang="en-IN" altLang="en-US" sz="1400" dirty="0">
-                <a:cs typeface="DejaVu Sans" charset="0"/>
-              </a:rPr>
-              <a:t>10</a:t>
-            </a:fld>
-            <a:endParaRPr lang="en-IN" altLang="en-US" sz="1400" dirty="0">
-              <a:ea typeface="DejaVu Sans" charset="0"/>
-              <a:cs typeface="DejaVu Sans" charset="0"/>
-            </a:endParaRPr>
-          </a:p>
-        </p:txBody>
-      </p:sp>
-      <p:sp>
-        <p:nvSpPr>
-          <p:cNvPr id="27651" name="Rectangle 1"/>
-          <p:cNvSpPr>
-            <a:spLocks noGrp="1" noRot="1" noChangeAspect="1" noTextEdit="1"/>
-          </p:cNvSpPr>
-          <p:nvPr>
-            <p:ph type="sldImg"/>
-          </p:nvPr>
-        </p:nvSpPr>
-        <p:spPr>
-          <a:xfrm>
-            <a:off x="1106488" y="812800"/>
-            <a:ext cx="5346700" cy="4008438"/>
-          </a:xfrm>
-          <a:solidFill>
-            <a:srgbClr val="FFFFFF">
-              <a:alpha val="100000"/>
-            </a:srgbClr>
-          </a:solidFill>
-          <a:ln>
-            <a:solidFill>
-              <a:srgbClr val="000000">
-                <a:alpha val="100000"/>
-              </a:srgbClr>
-            </a:solidFill>
-            <a:miter lim="800000"/>
-          </a:ln>
-        </p:spPr>
-      </p:sp>
-      <p:sp>
-        <p:nvSpPr>
-          <p:cNvPr id="27652" name="Rectangle 2"/>
-          <p:cNvSpPr>
-            <a:spLocks noGrp="1"/>
-          </p:cNvSpPr>
-          <p:nvPr>
-            <p:ph type="body" idx="1"/>
-          </p:nvPr>
-        </p:nvSpPr>
-        <p:spPr>
-          <a:xfrm>
-            <a:off x="755650" y="5078413"/>
-            <a:ext cx="6048375" cy="4811712"/>
-          </a:xfrm>
-        </p:spPr>
-        <p:txBody>
-          <a:bodyPr wrap="none" lIns="0" tIns="0" rIns="0" bIns="0" anchor="ctr" anchorCtr="0"/>
-          <a:lstStyle/>
-          <a:p>
-            <a:pPr lvl="0"/>
-            <a:endParaRPr lang="en-US" altLang="en-US" dirty="0"/>
-          </a:p>
-        </p:txBody>
-      </p:sp>
-    </p:spTree>
-  </p:cSld>
-  <p:clrMapOvr>
-    <a:masterClrMapping/>
-  </p:clrMapOvr>
-</p:notes>
-</file>
-
-<file path=ppt/notesSlides/notesSlide11.xml><?xml version="1.0" encoding="utf-8"?>
 <p:notes xmlns:a="http://schemas.openxmlformats.org/drawingml/2006/main" xmlns:r="http://schemas.openxmlformats.org/officeDocument/2006/relationships" xmlns:p="http://schemas.openxmlformats.org/presentationml/2006/main">
   <p:cSld>
     <p:bg>
@@ -1250,7 +1104,7 @@
               <a:rPr lang="en-IN" altLang="en-US" sz="1400" dirty="0">
                 <a:cs typeface="DejaVu Sans" charset="0"/>
               </a:rPr>
-              <a:t>11</a:t>
+              <a:t>10</a:t>
             </a:fld>
             <a:endParaRPr lang="en-IN" altLang="en-US" sz="1400" dirty="0">
               <a:ea typeface="DejaVu Sans" charset="0"/>
@@ -1322,7 +1176,7 @@
 </p:notes>
 </file>
 
-<file path=ppt/notesSlides/notesSlide12.xml><?xml version="1.0" encoding="utf-8"?>
+<file path=ppt/notesSlides/notesSlide11.xml><?xml version="1.0" encoding="utf-8"?>
 <p:notes xmlns:a="http://schemas.openxmlformats.org/drawingml/2006/main" xmlns:r="http://schemas.openxmlformats.org/officeDocument/2006/relationships" xmlns:p="http://schemas.openxmlformats.org/presentationml/2006/main">
   <p:cSld>
     <p:bg>
@@ -1395,7 +1249,7 @@
               <a:rPr lang="en-IN" altLang="en-US" sz="1400" dirty="0">
                 <a:cs typeface="DejaVu Sans" charset="0"/>
               </a:rPr>
-              <a:t>12</a:t>
+              <a:t>11</a:t>
             </a:fld>
             <a:endParaRPr lang="en-IN" altLang="en-US" sz="1400" dirty="0">
               <a:ea typeface="DejaVu Sans" charset="0"/>
@@ -1467,7 +1321,7 @@
 </p:notes>
 </file>
 
-<file path=ppt/notesSlides/notesSlide13.xml><?xml version="1.0" encoding="utf-8"?>
+<file path=ppt/notesSlides/notesSlide12.xml><?xml version="1.0" encoding="utf-8"?>
 <p:notes xmlns:a="http://schemas.openxmlformats.org/drawingml/2006/main" xmlns:r="http://schemas.openxmlformats.org/officeDocument/2006/relationships" xmlns:p="http://schemas.openxmlformats.org/presentationml/2006/main">
   <p:cSld>
     <p:bg>
@@ -1540,7 +1394,7 @@
               <a:rPr lang="en-IN" altLang="en-US" sz="1400" dirty="0">
                 <a:cs typeface="DejaVu Sans" charset="0"/>
               </a:rPr>
-              <a:t>14</a:t>
+              <a:t>13</a:t>
             </a:fld>
             <a:endParaRPr lang="en-IN" altLang="en-US" sz="1400" dirty="0">
               <a:ea typeface="DejaVu Sans" charset="0"/>
@@ -1612,7 +1466,7 @@
 </p:notes>
 </file>
 
-<file path=ppt/notesSlides/notesSlide14.xml><?xml version="1.0" encoding="utf-8"?>
+<file path=ppt/notesSlides/notesSlide13.xml><?xml version="1.0" encoding="utf-8"?>
 <p:notes xmlns:a="http://schemas.openxmlformats.org/drawingml/2006/main" xmlns:r="http://schemas.openxmlformats.org/officeDocument/2006/relationships" xmlns:p="http://schemas.openxmlformats.org/presentationml/2006/main">
   <p:cSld>
     <p:bg>
@@ -1685,7 +1539,7 @@
               <a:rPr lang="en-IN" altLang="en-US" sz="1400" dirty="0">
                 <a:cs typeface="DejaVu Sans" charset="0"/>
               </a:rPr>
-              <a:t>16</a:t>
+              <a:t>15</a:t>
             </a:fld>
             <a:endParaRPr lang="en-IN" altLang="en-US" sz="1400" dirty="0">
               <a:ea typeface="DejaVu Sans" charset="0"/>
@@ -1757,7 +1611,7 @@
 </p:notes>
 </file>
 
-<file path=ppt/notesSlides/notesSlide15.xml><?xml version="1.0" encoding="utf-8"?>
+<file path=ppt/notesSlides/notesSlide14.xml><?xml version="1.0" encoding="utf-8"?>
 <p:notes xmlns:a="http://schemas.openxmlformats.org/drawingml/2006/main" xmlns:r="http://schemas.openxmlformats.org/officeDocument/2006/relationships" xmlns:p="http://schemas.openxmlformats.org/presentationml/2006/main">
   <p:cSld>
     <p:bg>
@@ -1830,7 +1684,7 @@
               <a:rPr lang="en-IN" altLang="en-US" sz="1400" dirty="0">
                 <a:cs typeface="DejaVu Sans" charset="0"/>
               </a:rPr>
-              <a:t>17</a:t>
+              <a:t>16</a:t>
             </a:fld>
             <a:endParaRPr lang="en-IN" altLang="en-US" sz="1400" dirty="0">
               <a:ea typeface="DejaVu Sans" charset="0"/>
@@ -1902,7 +1756,7 @@
 </p:notes>
 </file>
 
-<file path=ppt/notesSlides/notesSlide16.xml><?xml version="1.0" encoding="utf-8"?>
+<file path=ppt/notesSlides/notesSlide15.xml><?xml version="1.0" encoding="utf-8"?>
 <p:notes xmlns:a="http://schemas.openxmlformats.org/drawingml/2006/main" xmlns:r="http://schemas.openxmlformats.org/officeDocument/2006/relationships" xmlns:p="http://schemas.openxmlformats.org/presentationml/2006/main">
   <p:cSld>
     <p:bg>
@@ -1975,7 +1829,7 @@
               <a:rPr lang="en-IN" altLang="en-US" sz="1400" dirty="0">
                 <a:cs typeface="DejaVu Sans" charset="0"/>
               </a:rPr>
-              <a:t>18</a:t>
+              <a:t>17</a:t>
             </a:fld>
             <a:endParaRPr lang="en-IN" altLang="en-US" sz="1400" dirty="0">
               <a:ea typeface="DejaVu Sans" charset="0"/>
@@ -2047,7 +1901,7 @@
 </p:notes>
 </file>
 
-<file path=ppt/notesSlides/notesSlide17.xml><?xml version="1.0" encoding="utf-8"?>
+<file path=ppt/notesSlides/notesSlide16.xml><?xml version="1.0" encoding="utf-8"?>
 <p:notes xmlns:a="http://schemas.openxmlformats.org/drawingml/2006/main" xmlns:r="http://schemas.openxmlformats.org/officeDocument/2006/relationships" xmlns:p="http://schemas.openxmlformats.org/presentationml/2006/main">
   <p:cSld>
     <p:bg>
@@ -2120,7 +1974,7 @@
               <a:rPr lang="en-IN" altLang="en-US" sz="1400" dirty="0">
                 <a:cs typeface="DejaVu Sans" charset="0"/>
               </a:rPr>
-              <a:t>19</a:t>
+              <a:t>18</a:t>
             </a:fld>
             <a:endParaRPr lang="en-IN" altLang="en-US" sz="1400" dirty="0">
               <a:ea typeface="DejaVu Sans" charset="0"/>
@@ -2286,8 +2140,8 @@
         </p:nvSpPr>
         <p:spPr>
           <a:xfrm>
-            <a:off x="215900" y="812800"/>
-            <a:ext cx="7127875" cy="4008438"/>
+            <a:off x="1106488" y="812800"/>
+            <a:ext cx="5346700" cy="4008438"/>
           </a:xfrm>
           <a:solidFill>
             <a:srgbClr val="FFFFFF">
@@ -2338,151 +2192,6 @@
 </file>
 
 <file path=ppt/notesSlides/notesSlide3.xml><?xml version="1.0" encoding="utf-8"?>
-<p:notes xmlns:a="http://schemas.openxmlformats.org/drawingml/2006/main" xmlns:r="http://schemas.openxmlformats.org/officeDocument/2006/relationships" xmlns:p="http://schemas.openxmlformats.org/presentationml/2006/main">
-  <p:cSld>
-    <p:bg>
-      <p:bgPr>
-        <a:solidFill>
-          <a:srgbClr val="FFFFFF"/>
-        </a:solidFill>
-        <a:effectLst/>
-      </p:bgPr>
-    </p:bg>
-    <p:spTree>
-      <p:nvGrpSpPr>
-        <p:cNvPr id="1" name=""/>
-        <p:cNvGrpSpPr/>
-        <p:nvPr/>
-      </p:nvGrpSpPr>
-      <p:grpSpPr>
-        <a:xfrm>
-          <a:off x="0" y="0"/>
-          <a:ext cx="0" cy="0"/>
-          <a:chOff x="0" y="0"/>
-          <a:chExt cx="0" cy="0"/>
-        </a:xfrm>
-      </p:grpSpPr>
-      <p:sp>
-        <p:nvSpPr>
-          <p:cNvPr id="13314" name="Rectangle 6"/>
-          <p:cNvSpPr txBox="1">
-            <a:spLocks noGrp="1"/>
-          </p:cNvSpPr>
-          <p:nvPr>
-            <p:ph type="sldNum" sz="quarter"/>
-          </p:nvPr>
-        </p:nvSpPr>
-        <p:spPr>
-          <a:xfrm>
-            <a:off x="4278313" y="10156825"/>
-            <a:ext cx="3279775" cy="533400"/>
-          </a:xfrm>
-          <a:prstGeom prst="rect">
-            <a:avLst/>
-          </a:prstGeom>
-          <a:noFill/>
-          <a:ln w="9525">
-            <a:noFill/>
-          </a:ln>
-        </p:spPr>
-        <p:txBody>
-          <a:bodyPr lIns="0" tIns="0" rIns="0" bIns="0" anchor="b" anchorCtr="0"/>
-          <a:lstStyle/>
-          <a:p>
-            <a:pPr lvl="0" algn="r" defTabSz="457200" eaLnBrk="1" hangingPunct="1">
-              <a:lnSpc>
-                <a:spcPct val="93000"/>
-              </a:lnSpc>
-              <a:spcBef>
-                <a:spcPct val="0"/>
-              </a:spcBef>
-              <a:tabLst>
-                <a:tab pos="449580" algn="l"/>
-                <a:tab pos="898525" algn="l"/>
-                <a:tab pos="1348105" algn="l"/>
-                <a:tab pos="1797050" algn="l"/>
-                <a:tab pos="2246630" algn="l"/>
-                <a:tab pos="2695575" algn="l"/>
-                <a:tab pos="3145155" algn="l"/>
-              </a:tabLst>
-            </a:pPr>
-            <a:fld id="{9A0DB2DC-4C9A-4742-B13C-FB6460FD3503}" type="slidenum">
-              <a:rPr lang="en-IN" altLang="en-US" sz="1400" dirty="0">
-                <a:cs typeface="DejaVu Sans" charset="0"/>
-              </a:rPr>
-              <a:t>3</a:t>
-            </a:fld>
-            <a:endParaRPr lang="en-IN" altLang="en-US" sz="1400" dirty="0">
-              <a:ea typeface="DejaVu Sans" charset="0"/>
-              <a:cs typeface="DejaVu Sans" charset="0"/>
-            </a:endParaRPr>
-          </a:p>
-        </p:txBody>
-      </p:sp>
-      <p:sp>
-        <p:nvSpPr>
-          <p:cNvPr id="13315" name="Rectangle 1"/>
-          <p:cNvSpPr>
-            <a:spLocks noGrp="1" noRot="1" noChangeAspect="1" noTextEdit="1"/>
-          </p:cNvSpPr>
-          <p:nvPr>
-            <p:ph type="sldImg"/>
-          </p:nvPr>
-        </p:nvSpPr>
-        <p:spPr>
-          <a:xfrm>
-            <a:off x="1106488" y="812800"/>
-            <a:ext cx="5346700" cy="4008438"/>
-          </a:xfrm>
-          <a:solidFill>
-            <a:srgbClr val="FFFFFF">
-              <a:alpha val="100000"/>
-            </a:srgbClr>
-          </a:solidFill>
-          <a:ln>
-            <a:solidFill>
-              <a:srgbClr val="000000">
-                <a:alpha val="100000"/>
-              </a:srgbClr>
-            </a:solidFill>
-            <a:miter lim="800000"/>
-          </a:ln>
-        </p:spPr>
-      </p:sp>
-      <p:sp>
-        <p:nvSpPr>
-          <p:cNvPr id="13316" name="Rectangle 2"/>
-          <p:cNvSpPr>
-            <a:spLocks noGrp="1"/>
-          </p:cNvSpPr>
-          <p:nvPr>
-            <p:ph type="body" idx="1"/>
-          </p:nvPr>
-        </p:nvSpPr>
-        <p:spPr>
-          <a:xfrm>
-            <a:off x="755650" y="5078413"/>
-            <a:ext cx="6048375" cy="4811712"/>
-          </a:xfrm>
-        </p:spPr>
-        <p:txBody>
-          <a:bodyPr wrap="none" lIns="0" tIns="0" rIns="0" bIns="0" anchor="ctr" anchorCtr="0"/>
-          <a:lstStyle/>
-          <a:p>
-            <a:pPr lvl="0"/>
-            <a:endParaRPr lang="en-US" altLang="en-US" dirty="0"/>
-          </a:p>
-        </p:txBody>
-      </p:sp>
-    </p:spTree>
-  </p:cSld>
-  <p:clrMapOvr>
-    <a:masterClrMapping/>
-  </p:clrMapOvr>
-</p:notes>
-</file>
-
-<file path=ppt/notesSlides/notesSlide4.xml><?xml version="1.0" encoding="utf-8"?>
 <p:notes xmlns:a="http://schemas.openxmlformats.org/drawingml/2006/main" xmlns:r="http://schemas.openxmlformats.org/officeDocument/2006/relationships" xmlns:p="http://schemas.openxmlformats.org/presentationml/2006/main">
   <p:cSld>
     <p:bg>
@@ -2555,7 +2264,7 @@
               <a:rPr lang="en-IN" altLang="en-US" sz="1400" dirty="0">
                 <a:cs typeface="DejaVu Sans" charset="0"/>
               </a:rPr>
-              <a:t>4</a:t>
+              <a:t>3</a:t>
             </a:fld>
             <a:endParaRPr lang="en-IN" altLang="en-US" sz="1400" dirty="0">
               <a:ea typeface="DejaVu Sans" charset="0"/>
@@ -2627,7 +2336,7 @@
 </p:notes>
 </file>
 
-<file path=ppt/notesSlides/notesSlide5.xml><?xml version="1.0" encoding="utf-8"?>
+<file path=ppt/notesSlides/notesSlide4.xml><?xml version="1.0" encoding="utf-8"?>
 <p:notes xmlns:a="http://schemas.openxmlformats.org/drawingml/2006/main" xmlns:r="http://schemas.openxmlformats.org/officeDocument/2006/relationships" xmlns:p="http://schemas.openxmlformats.org/presentationml/2006/main">
   <p:cSld>
     <p:bg>
@@ -2700,7 +2409,7 @@
               <a:rPr lang="en-IN" altLang="en-US" sz="1400" dirty="0">
                 <a:cs typeface="DejaVu Sans" charset="0"/>
               </a:rPr>
-              <a:t>5</a:t>
+              <a:t>4</a:t>
             </a:fld>
             <a:endParaRPr lang="en-IN" altLang="en-US" sz="1400" dirty="0">
               <a:ea typeface="DejaVu Sans" charset="0"/>
@@ -2772,7 +2481,7 @@
 </p:notes>
 </file>
 
-<file path=ppt/notesSlides/notesSlide6.xml><?xml version="1.0" encoding="utf-8"?>
+<file path=ppt/notesSlides/notesSlide5.xml><?xml version="1.0" encoding="utf-8"?>
 <p:notes xmlns:a="http://schemas.openxmlformats.org/drawingml/2006/main" xmlns:r="http://schemas.openxmlformats.org/officeDocument/2006/relationships" xmlns:p="http://schemas.openxmlformats.org/presentationml/2006/main">
   <p:cSld>
     <p:bg>
@@ -2845,7 +2554,7 @@
               <a:rPr lang="en-IN" altLang="en-US" sz="1400" dirty="0">
                 <a:cs typeface="DejaVu Sans" charset="0"/>
               </a:rPr>
-              <a:t>6</a:t>
+              <a:t>5</a:t>
             </a:fld>
             <a:endParaRPr lang="en-IN" altLang="en-US" sz="1400" dirty="0">
               <a:ea typeface="DejaVu Sans" charset="0"/>
@@ -2917,7 +2626,7 @@
 </p:notes>
 </file>
 
-<file path=ppt/notesSlides/notesSlide7.xml><?xml version="1.0" encoding="utf-8"?>
+<file path=ppt/notesSlides/notesSlide6.xml><?xml version="1.0" encoding="utf-8"?>
 <p:notes xmlns:a="http://schemas.openxmlformats.org/drawingml/2006/main" xmlns:r="http://schemas.openxmlformats.org/officeDocument/2006/relationships" xmlns:p="http://schemas.openxmlformats.org/presentationml/2006/main">
   <p:cSld>
     <p:bg>
@@ -2990,7 +2699,7 @@
               <a:rPr lang="en-IN" altLang="en-US" sz="1400" dirty="0">
                 <a:cs typeface="DejaVu Sans" charset="0"/>
               </a:rPr>
-              <a:t>7</a:t>
+              <a:t>6</a:t>
             </a:fld>
             <a:endParaRPr lang="en-IN" altLang="en-US" sz="1400" dirty="0">
               <a:ea typeface="DejaVu Sans" charset="0"/>
@@ -3062,7 +2771,7 @@
 </p:notes>
 </file>
 
-<file path=ppt/notesSlides/notesSlide8.xml><?xml version="1.0" encoding="utf-8"?>
+<file path=ppt/notesSlides/notesSlide7.xml><?xml version="1.0" encoding="utf-8"?>
 <p:notes xmlns:a="http://schemas.openxmlformats.org/drawingml/2006/main" xmlns:r="http://schemas.openxmlformats.org/officeDocument/2006/relationships" xmlns:p="http://schemas.openxmlformats.org/presentationml/2006/main">
   <p:cSld>
     <p:bg>
@@ -3135,7 +2844,7 @@
               <a:rPr lang="en-IN" altLang="en-US" sz="1400" dirty="0">
                 <a:cs typeface="DejaVu Sans" charset="0"/>
               </a:rPr>
-              <a:t>8</a:t>
+              <a:t>7</a:t>
             </a:fld>
             <a:endParaRPr lang="en-IN" altLang="en-US" sz="1400" dirty="0">
               <a:ea typeface="DejaVu Sans" charset="0"/>
@@ -3207,7 +2916,7 @@
 </p:notes>
 </file>
 
-<file path=ppt/notesSlides/notesSlide9.xml><?xml version="1.0" encoding="utf-8"?>
+<file path=ppt/notesSlides/notesSlide8.xml><?xml version="1.0" encoding="utf-8"?>
 <p:notes xmlns:a="http://schemas.openxmlformats.org/drawingml/2006/main" xmlns:r="http://schemas.openxmlformats.org/officeDocument/2006/relationships" xmlns:p="http://schemas.openxmlformats.org/presentationml/2006/main">
   <p:cSld>
     <p:bg>
@@ -3280,7 +2989,7 @@
               <a:rPr lang="en-IN" altLang="en-US" sz="1400" dirty="0">
                 <a:cs typeface="DejaVu Sans" charset="0"/>
               </a:rPr>
-              <a:t>9</a:t>
+              <a:t>8</a:t>
             </a:fld>
             <a:endParaRPr lang="en-IN" altLang="en-US" sz="1400" dirty="0">
               <a:ea typeface="DejaVu Sans" charset="0"/>
@@ -3322,6 +3031,151 @@
       <p:sp>
         <p:nvSpPr>
           <p:cNvPr id="25604" name="Rectangle 2"/>
+          <p:cNvSpPr>
+            <a:spLocks noGrp="1"/>
+          </p:cNvSpPr>
+          <p:nvPr>
+            <p:ph type="body" idx="1"/>
+          </p:nvPr>
+        </p:nvSpPr>
+        <p:spPr>
+          <a:xfrm>
+            <a:off x="755650" y="5078413"/>
+            <a:ext cx="6048375" cy="4811712"/>
+          </a:xfrm>
+        </p:spPr>
+        <p:txBody>
+          <a:bodyPr wrap="none" lIns="0" tIns="0" rIns="0" bIns="0" anchor="ctr" anchorCtr="0"/>
+          <a:lstStyle/>
+          <a:p>
+            <a:pPr lvl="0"/>
+            <a:endParaRPr lang="en-US" altLang="en-US" dirty="0"/>
+          </a:p>
+        </p:txBody>
+      </p:sp>
+    </p:spTree>
+  </p:cSld>
+  <p:clrMapOvr>
+    <a:masterClrMapping/>
+  </p:clrMapOvr>
+</p:notes>
+</file>
+
+<file path=ppt/notesSlides/notesSlide9.xml><?xml version="1.0" encoding="utf-8"?>
+<p:notes xmlns:a="http://schemas.openxmlformats.org/drawingml/2006/main" xmlns:r="http://schemas.openxmlformats.org/officeDocument/2006/relationships" xmlns:p="http://schemas.openxmlformats.org/presentationml/2006/main">
+  <p:cSld>
+    <p:bg>
+      <p:bgPr>
+        <a:solidFill>
+          <a:srgbClr val="FFFFFF"/>
+        </a:solidFill>
+        <a:effectLst/>
+      </p:bgPr>
+    </p:bg>
+    <p:spTree>
+      <p:nvGrpSpPr>
+        <p:cNvPr id="1" name=""/>
+        <p:cNvGrpSpPr/>
+        <p:nvPr/>
+      </p:nvGrpSpPr>
+      <p:grpSpPr>
+        <a:xfrm>
+          <a:off x="0" y="0"/>
+          <a:ext cx="0" cy="0"/>
+          <a:chOff x="0" y="0"/>
+          <a:chExt cx="0" cy="0"/>
+        </a:xfrm>
+      </p:grpSpPr>
+      <p:sp>
+        <p:nvSpPr>
+          <p:cNvPr id="27650" name="Rectangle 6"/>
+          <p:cNvSpPr txBox="1">
+            <a:spLocks noGrp="1"/>
+          </p:cNvSpPr>
+          <p:nvPr>
+            <p:ph type="sldNum" sz="quarter"/>
+          </p:nvPr>
+        </p:nvSpPr>
+        <p:spPr>
+          <a:xfrm>
+            <a:off x="4278313" y="10156825"/>
+            <a:ext cx="3279775" cy="533400"/>
+          </a:xfrm>
+          <a:prstGeom prst="rect">
+            <a:avLst/>
+          </a:prstGeom>
+          <a:noFill/>
+          <a:ln w="9525">
+            <a:noFill/>
+          </a:ln>
+        </p:spPr>
+        <p:txBody>
+          <a:bodyPr lIns="0" tIns="0" rIns="0" bIns="0" anchor="b" anchorCtr="0"/>
+          <a:lstStyle/>
+          <a:p>
+            <a:pPr lvl="0" algn="r" defTabSz="457200" eaLnBrk="1" hangingPunct="1">
+              <a:lnSpc>
+                <a:spcPct val="93000"/>
+              </a:lnSpc>
+              <a:spcBef>
+                <a:spcPct val="0"/>
+              </a:spcBef>
+              <a:tabLst>
+                <a:tab pos="449580" algn="l"/>
+                <a:tab pos="898525" algn="l"/>
+                <a:tab pos="1348105" algn="l"/>
+                <a:tab pos="1797050" algn="l"/>
+                <a:tab pos="2246630" algn="l"/>
+                <a:tab pos="2695575" algn="l"/>
+                <a:tab pos="3145155" algn="l"/>
+              </a:tabLst>
+            </a:pPr>
+            <a:fld id="{9A0DB2DC-4C9A-4742-B13C-FB6460FD3503}" type="slidenum">
+              <a:rPr lang="en-IN" altLang="en-US" sz="1400" dirty="0">
+                <a:cs typeface="DejaVu Sans" charset="0"/>
+              </a:rPr>
+              <a:t>9</a:t>
+            </a:fld>
+            <a:endParaRPr lang="en-IN" altLang="en-US" sz="1400" dirty="0">
+              <a:ea typeface="DejaVu Sans" charset="0"/>
+              <a:cs typeface="DejaVu Sans" charset="0"/>
+            </a:endParaRPr>
+          </a:p>
+        </p:txBody>
+      </p:sp>
+      <p:sp>
+        <p:nvSpPr>
+          <p:cNvPr id="27651" name="Rectangle 1"/>
+          <p:cNvSpPr>
+            <a:spLocks noGrp="1" noRot="1" noChangeAspect="1" noTextEdit="1"/>
+          </p:cNvSpPr>
+          <p:nvPr>
+            <p:ph type="sldImg"/>
+          </p:nvPr>
+        </p:nvSpPr>
+        <p:spPr>
+          <a:xfrm>
+            <a:off x="1106488" y="812800"/>
+            <a:ext cx="5346700" cy="4008438"/>
+          </a:xfrm>
+          <a:solidFill>
+            <a:srgbClr val="FFFFFF">
+              <a:alpha val="100000"/>
+            </a:srgbClr>
+          </a:solidFill>
+          <a:ln>
+            <a:solidFill>
+              <a:srgbClr val="000000">
+                <a:alpha val="100000"/>
+              </a:srgbClr>
+            </a:solidFill>
+            <a:miter lim="800000"/>
+          </a:ln>
+        </p:spPr>
+      </p:sp>
+      <p:sp>
+        <p:nvSpPr>
+          <p:cNvPr id="27652" name="Rectangle 2"/>
           <p:cNvSpPr>
             <a:spLocks noGrp="1"/>
           </p:cNvSpPr>
@@ -4198,7 +4052,7 @@
                 <a:ea typeface="+mn-ea"/>
                 <a:cs typeface="+mn-cs"/>
               </a:rPr>
-              <a:t>10/7/2024</a:t>
+              <a:t>10/26/2024</a:t>
             </a:fld>
             <a:endParaRPr kumimoji="0" lang="en-US" sz="990" b="0" i="0" u="none" strike="noStrike" kern="1200" cap="none" spc="0" normalizeH="0" baseline="0" noProof="0" dirty="0">
               <a:ln>
@@ -4540,7 +4394,7 @@
                 <a:ea typeface="+mn-ea"/>
                 <a:cs typeface="+mn-cs"/>
               </a:rPr>
-              <a:t>10/7/2024</a:t>
+              <a:t>10/26/2024</a:t>
             </a:fld>
             <a:endParaRPr kumimoji="0" lang="en-US" sz="990" b="0" i="0" u="none" strike="noStrike" kern="1200" cap="none" spc="0" normalizeH="0" baseline="0" noProof="0" dirty="0">
               <a:ln>
@@ -5065,7 +4919,7 @@
                 <a:ea typeface="+mn-ea"/>
                 <a:cs typeface="+mn-cs"/>
               </a:rPr>
-              <a:t>10/7/2024</a:t>
+              <a:t>10/26/2024</a:t>
             </a:fld>
             <a:endParaRPr kumimoji="0" lang="en-US" sz="990" b="0" i="0" u="none" strike="noStrike" kern="1200" cap="none" spc="0" normalizeH="0" baseline="0" noProof="0" dirty="0">
               <a:ln>
@@ -5407,7 +5261,7 @@
                 <a:ea typeface="+mn-ea"/>
                 <a:cs typeface="+mn-cs"/>
               </a:rPr>
-              <a:t>10/7/2024</a:t>
+              <a:t>10/26/2024</a:t>
             </a:fld>
             <a:endParaRPr kumimoji="0" lang="en-US" sz="990" b="0" i="0" u="none" strike="noStrike" kern="1200" cap="none" spc="0" normalizeH="0" baseline="0" noProof="0" dirty="0">
               <a:ln>
@@ -5932,7 +5786,7 @@
                 <a:ea typeface="+mn-ea"/>
                 <a:cs typeface="+mn-cs"/>
               </a:rPr>
-              <a:t>10/7/2024</a:t>
+              <a:t>10/26/2024</a:t>
             </a:fld>
             <a:endParaRPr kumimoji="0" lang="en-US" sz="990" b="0" i="0" u="none" strike="noStrike" kern="1200" cap="none" spc="0" normalizeH="0" baseline="0" noProof="0" dirty="0">
               <a:ln>
@@ -6334,7 +6188,7 @@
                 <a:ea typeface="+mn-ea"/>
                 <a:cs typeface="+mn-cs"/>
               </a:rPr>
-              <a:t>10/7/2024</a:t>
+              <a:t>10/26/2024</a:t>
             </a:fld>
             <a:endParaRPr kumimoji="0" lang="en-US" sz="990" b="0" i="0" u="none" strike="noStrike" kern="1200" cap="none" spc="0" normalizeH="0" baseline="0" noProof="0" dirty="0">
               <a:ln>
@@ -6583,7 +6437,7 @@
                 <a:ea typeface="+mn-ea"/>
                 <a:cs typeface="+mn-cs"/>
               </a:rPr>
-              <a:t>10/7/2024</a:t>
+              <a:t>10/26/2024</a:t>
             </a:fld>
             <a:endParaRPr kumimoji="0" lang="en-US" sz="990" b="0" i="0" u="none" strike="noStrike" kern="1200" cap="none" spc="0" normalizeH="0" baseline="0" noProof="0" dirty="0">
               <a:ln>
@@ -6842,7 +6696,7 @@
                 <a:ea typeface="+mn-ea"/>
                 <a:cs typeface="+mn-cs"/>
               </a:rPr>
-              <a:t>10/7/2024</a:t>
+              <a:t>10/26/2024</a:t>
             </a:fld>
             <a:endParaRPr kumimoji="0" lang="en-US" sz="990" b="0" i="0" u="none" strike="noStrike" kern="1200" cap="none" spc="0" normalizeH="0" baseline="0" noProof="0" dirty="0">
               <a:ln>
@@ -7095,7 +6949,7 @@
                 <a:ea typeface="+mn-ea"/>
                 <a:cs typeface="+mn-cs"/>
               </a:rPr>
-              <a:t>10/7/2024</a:t>
+              <a:t>10/26/2024</a:t>
             </a:fld>
             <a:endParaRPr kumimoji="0" lang="en-US" sz="990" b="0" i="0" u="none" strike="noStrike" kern="1200" cap="none" spc="0" normalizeH="0" baseline="0" noProof="0" dirty="0">
               <a:ln>
@@ -7421,7 +7275,7 @@
                 <a:ea typeface="+mn-ea"/>
                 <a:cs typeface="+mn-cs"/>
               </a:rPr>
-              <a:t>10/7/2024</a:t>
+              <a:t>10/26/2024</a:t>
             </a:fld>
             <a:endParaRPr kumimoji="0" lang="en-US" sz="990" b="0" i="0" u="none" strike="noStrike" kern="1200" cap="none" spc="0" normalizeH="0" baseline="0" noProof="0" dirty="0">
               <a:ln>
@@ -7793,7 +7647,7 @@
                 <a:ea typeface="+mn-ea"/>
                 <a:cs typeface="+mn-cs"/>
               </a:rPr>
-              <a:t>10/7/2024</a:t>
+              <a:t>10/26/2024</a:t>
             </a:fld>
             <a:endParaRPr kumimoji="0" lang="en-US" sz="990" b="0" i="0" u="none" strike="noStrike" kern="1200" cap="none" spc="0" normalizeH="0" baseline="0" noProof="0" dirty="0">
               <a:ln>
@@ -8247,7 +8101,7 @@
                 <a:ea typeface="+mn-ea"/>
                 <a:cs typeface="+mn-cs"/>
               </a:rPr>
-              <a:t>10/7/2024</a:t>
+              <a:t>10/26/2024</a:t>
             </a:fld>
             <a:endParaRPr kumimoji="0" lang="en-US" sz="990" b="0" i="0" u="none" strike="noStrike" kern="1200" cap="none" spc="0" normalizeH="0" baseline="0" noProof="0" dirty="0">
               <a:ln>
@@ -8449,7 +8303,7 @@
                 <a:ea typeface="+mn-ea"/>
                 <a:cs typeface="+mn-cs"/>
               </a:rPr>
-              <a:t>10/7/2024</a:t>
+              <a:t>10/26/2024</a:t>
             </a:fld>
             <a:endParaRPr kumimoji="0" lang="en-US" sz="990" b="0" i="0" u="none" strike="noStrike" kern="1200" cap="none" spc="0" normalizeH="0" baseline="0" noProof="0" dirty="0">
               <a:ln>
@@ -8623,7 +8477,7 @@
                 <a:ea typeface="+mn-ea"/>
                 <a:cs typeface="+mn-cs"/>
               </a:rPr>
-              <a:t>10/7/2024</a:t>
+              <a:t>10/26/2024</a:t>
             </a:fld>
             <a:endParaRPr kumimoji="0" lang="en-US" sz="990" b="0" i="0" u="none" strike="noStrike" kern="1200" cap="none" spc="0" normalizeH="0" baseline="0" noProof="0" dirty="0">
               <a:ln>
@@ -8951,7 +8805,7 @@
                 <a:ea typeface="+mn-ea"/>
                 <a:cs typeface="+mn-cs"/>
               </a:rPr>
-              <a:t>10/7/2024</a:t>
+              <a:t>10/26/2024</a:t>
             </a:fld>
             <a:endParaRPr kumimoji="0" lang="en-US" sz="990" b="0" i="0" u="none" strike="noStrike" kern="1200" cap="none" spc="0" normalizeH="0" baseline="0" noProof="0" dirty="0">
               <a:ln>
@@ -9333,7 +9187,7 @@
                 <a:ea typeface="+mn-ea"/>
                 <a:cs typeface="+mn-cs"/>
               </a:rPr>
-              <a:t>10/7/2024</a:t>
+              <a:t>10/26/2024</a:t>
             </a:fld>
             <a:endParaRPr kumimoji="0" lang="en-US" sz="990" b="0" i="0" u="none" strike="noStrike" kern="1200" cap="none" spc="0" normalizeH="0" baseline="0" noProof="0" dirty="0">
               <a:ln>
@@ -10240,7 +10094,7 @@
                 <a:ea typeface="+mn-ea"/>
                 <a:cs typeface="+mn-cs"/>
               </a:rPr>
-              <a:t>10/7/2024</a:t>
+              <a:t>10/26/2024</a:t>
             </a:fld>
             <a:endParaRPr kumimoji="0" lang="en-US" sz="990" b="0" i="0" u="none" strike="noStrike" kern="1200" cap="none" spc="0" normalizeH="0" baseline="0" noProof="0" dirty="0">
               <a:ln>
@@ -11659,7 +11513,7 @@
                 <a:ea typeface="+mn-ea"/>
                 <a:cs typeface="Times New Roman" panose="02020603050405020304" pitchFamily="16" charset="0"/>
               </a:rPr>
-              <a:t>EduFlex: An AI -ML driven cross-platform application for displaying and acknowledging students achievement</a:t>
+              <a:t>EduFlex: ML driven cross-platform application for displaying and acknowledging students achievement</a:t>
             </a:r>
             <a:r>
               <a:rPr kumimoji="0" lang="en-IN" altLang="en-US" sz="3000" b="0" i="0" u="none" strike="noStrike" kern="1200" cap="none" spc="0" normalizeH="0" baseline="0" noProof="0" dirty="0">
@@ -12466,8 +12320,8 @@
         </p:nvSpPr>
         <p:spPr bwMode="auto">
           <a:xfrm>
-            <a:off x="503555" y="301625"/>
-            <a:ext cx="9070975" cy="1028065"/>
+            <a:off x="503238" y="301625"/>
+            <a:ext cx="9070975" cy="1262063"/>
           </a:xfrm>
           <a:prstGeom prst="rect">
             <a:avLst/>
@@ -12913,37 +12767,26 @@
                 <a:ea typeface="+mn-ea"/>
                 <a:cs typeface="DejaVu Sans" charset="0"/>
               </a:rPr>
-              <a:t>8. Technology Stack</a:t>
+              <a:t>9. Proposed System Architecture</a:t>
             </a:r>
           </a:p>
-        </p:txBody>
-      </p:sp>
-      <p:sp>
-        <p:nvSpPr>
-          <p:cNvPr id="6146" name="Rectangle 2"/>
-          <p:cNvSpPr>
-            <a:spLocks noChangeArrowheads="1"/>
-          </p:cNvSpPr>
-          <p:nvPr/>
-        </p:nvSpPr>
-        <p:spPr bwMode="auto">
-          <a:xfrm>
-            <a:off x="503555" y="1365250"/>
-            <a:ext cx="9070975" cy="5702300"/>
-          </a:xfrm>
-          <a:prstGeom prst="rect">
-            <a:avLst/>
-          </a:prstGeom>
-          <a:noFill/>
-          <a:ln>
-            <a:noFill/>
-          </a:ln>
-          <a:effectLst/>
-        </p:spPr>
-        <p:txBody>
-          <a:bodyPr lIns="0" tIns="21240" rIns="0" bIns="0"/>
-          <a:lstStyle>
-            <a:lvl1pPr marL="430530" indent="-322580">
+          <a:p>
+            <a:pPr marL="0" marR="0" lvl="0" indent="0" algn="l" defTabSz="457200" rtl="0" eaLnBrk="1" fontAlgn="auto" latinLnBrk="0" hangingPunct="1">
+              <a:lnSpc>
+                <a:spcPct val="93000"/>
+              </a:lnSpc>
+              <a:spcBef>
+                <a:spcPts val="0"/>
+              </a:spcBef>
+              <a:spcAft>
+                <a:spcPts val="0"/>
+              </a:spcAft>
+              <a:buClr>
+                <a:srgbClr val="000000"/>
+              </a:buClr>
+              <a:buSzPct val="100000"/>
+              <a:buFont typeface="Times New Roman" panose="02020603050405020304" pitchFamily="16" charset="0"/>
+              <a:buNone/>
               <a:tabLst>
                 <a:tab pos="448945" algn="l"/>
                 <a:tab pos="898525" algn="l"/>
@@ -12966,376 +12809,9 @@
                 <a:tab pos="8535670" algn="l"/>
                 <a:tab pos="8985250" algn="l"/>
               </a:tabLst>
-              <a:defRPr>
-                <a:solidFill>
-                  <a:srgbClr val="000000"/>
-                </a:solidFill>
-                <a:latin typeface="Arial" panose="020B0604020202020204" pitchFamily="34" charset="0"/>
-                <a:cs typeface="Noto Sans CJK SC Regular" charset="0"/>
-              </a:defRPr>
-            </a:lvl1pPr>
-            <a:lvl2pPr>
-              <a:tabLst>
-                <a:tab pos="448945" algn="l"/>
-                <a:tab pos="898525" algn="l"/>
-                <a:tab pos="1347470" algn="l"/>
-                <a:tab pos="1797050" algn="l"/>
-                <a:tab pos="2245995" algn="l"/>
-                <a:tab pos="2695575" algn="l"/>
-                <a:tab pos="3144520" algn="l"/>
-                <a:tab pos="3594100" algn="l"/>
-                <a:tab pos="4043045" algn="l"/>
-                <a:tab pos="4492625" algn="l"/>
-                <a:tab pos="4941570" algn="l"/>
-                <a:tab pos="5391150" algn="l"/>
-                <a:tab pos="5840095" algn="l"/>
-                <a:tab pos="6289675" algn="l"/>
-                <a:tab pos="6738620" algn="l"/>
-                <a:tab pos="7188200" algn="l"/>
-                <a:tab pos="7637145" algn="l"/>
-                <a:tab pos="8086725" algn="l"/>
-                <a:tab pos="8535670" algn="l"/>
-                <a:tab pos="8985250" algn="l"/>
-              </a:tabLst>
-              <a:defRPr>
-                <a:solidFill>
-                  <a:srgbClr val="000000"/>
-                </a:solidFill>
-                <a:latin typeface="Arial" panose="020B0604020202020204" pitchFamily="34" charset="0"/>
-                <a:cs typeface="Noto Sans CJK SC Regular" charset="0"/>
-              </a:defRPr>
-            </a:lvl2pPr>
-            <a:lvl3pPr>
-              <a:tabLst>
-                <a:tab pos="448945" algn="l"/>
-                <a:tab pos="898525" algn="l"/>
-                <a:tab pos="1347470" algn="l"/>
-                <a:tab pos="1797050" algn="l"/>
-                <a:tab pos="2245995" algn="l"/>
-                <a:tab pos="2695575" algn="l"/>
-                <a:tab pos="3144520" algn="l"/>
-                <a:tab pos="3594100" algn="l"/>
-                <a:tab pos="4043045" algn="l"/>
-                <a:tab pos="4492625" algn="l"/>
-                <a:tab pos="4941570" algn="l"/>
-                <a:tab pos="5391150" algn="l"/>
-                <a:tab pos="5840095" algn="l"/>
-                <a:tab pos="6289675" algn="l"/>
-                <a:tab pos="6738620" algn="l"/>
-                <a:tab pos="7188200" algn="l"/>
-                <a:tab pos="7637145" algn="l"/>
-                <a:tab pos="8086725" algn="l"/>
-                <a:tab pos="8535670" algn="l"/>
-                <a:tab pos="8985250" algn="l"/>
-              </a:tabLst>
-              <a:defRPr>
-                <a:solidFill>
-                  <a:srgbClr val="000000"/>
-                </a:solidFill>
-                <a:latin typeface="Arial" panose="020B0604020202020204" pitchFamily="34" charset="0"/>
-                <a:cs typeface="Noto Sans CJK SC Regular" charset="0"/>
-              </a:defRPr>
-            </a:lvl3pPr>
-            <a:lvl4pPr>
-              <a:tabLst>
-                <a:tab pos="448945" algn="l"/>
-                <a:tab pos="898525" algn="l"/>
-                <a:tab pos="1347470" algn="l"/>
-                <a:tab pos="1797050" algn="l"/>
-                <a:tab pos="2245995" algn="l"/>
-                <a:tab pos="2695575" algn="l"/>
-                <a:tab pos="3144520" algn="l"/>
-                <a:tab pos="3594100" algn="l"/>
-                <a:tab pos="4043045" algn="l"/>
-                <a:tab pos="4492625" algn="l"/>
-                <a:tab pos="4941570" algn="l"/>
-                <a:tab pos="5391150" algn="l"/>
-                <a:tab pos="5840095" algn="l"/>
-                <a:tab pos="6289675" algn="l"/>
-                <a:tab pos="6738620" algn="l"/>
-                <a:tab pos="7188200" algn="l"/>
-                <a:tab pos="7637145" algn="l"/>
-                <a:tab pos="8086725" algn="l"/>
-                <a:tab pos="8535670" algn="l"/>
-                <a:tab pos="8985250" algn="l"/>
-              </a:tabLst>
-              <a:defRPr>
-                <a:solidFill>
-                  <a:srgbClr val="000000"/>
-                </a:solidFill>
-                <a:latin typeface="Arial" panose="020B0604020202020204" pitchFamily="34" charset="0"/>
-                <a:cs typeface="Noto Sans CJK SC Regular" charset="0"/>
-              </a:defRPr>
-            </a:lvl4pPr>
-            <a:lvl5pPr>
-              <a:tabLst>
-                <a:tab pos="448945" algn="l"/>
-                <a:tab pos="898525" algn="l"/>
-                <a:tab pos="1347470" algn="l"/>
-                <a:tab pos="1797050" algn="l"/>
-                <a:tab pos="2245995" algn="l"/>
-                <a:tab pos="2695575" algn="l"/>
-                <a:tab pos="3144520" algn="l"/>
-                <a:tab pos="3594100" algn="l"/>
-                <a:tab pos="4043045" algn="l"/>
-                <a:tab pos="4492625" algn="l"/>
-                <a:tab pos="4941570" algn="l"/>
-                <a:tab pos="5391150" algn="l"/>
-                <a:tab pos="5840095" algn="l"/>
-                <a:tab pos="6289675" algn="l"/>
-                <a:tab pos="6738620" algn="l"/>
-                <a:tab pos="7188200" algn="l"/>
-                <a:tab pos="7637145" algn="l"/>
-                <a:tab pos="8086725" algn="l"/>
-                <a:tab pos="8535670" algn="l"/>
-                <a:tab pos="8985250" algn="l"/>
-              </a:tabLst>
-              <a:defRPr>
-                <a:solidFill>
-                  <a:srgbClr val="000000"/>
-                </a:solidFill>
-                <a:latin typeface="Arial" panose="020B0604020202020204" pitchFamily="34" charset="0"/>
-                <a:cs typeface="Noto Sans CJK SC Regular" charset="0"/>
-              </a:defRPr>
-            </a:lvl5pPr>
-            <a:lvl6pPr marL="2514600" indent="-228600" defTabSz="449580" fontAlgn="base" hangingPunct="0">
-              <a:lnSpc>
-                <a:spcPct val="93000"/>
-              </a:lnSpc>
-              <a:spcBef>
-                <a:spcPct val="0"/>
-              </a:spcBef>
-              <a:spcAft>
-                <a:spcPct val="0"/>
-              </a:spcAft>
-              <a:buClr>
-                <a:srgbClr val="000000"/>
-              </a:buClr>
-              <a:buSzPct val="100000"/>
-              <a:buFont typeface="Times New Roman" panose="02020603050405020304" pitchFamily="16" charset="0"/>
-              <a:tabLst>
-                <a:tab pos="448945" algn="l"/>
-                <a:tab pos="898525" algn="l"/>
-                <a:tab pos="1347470" algn="l"/>
-                <a:tab pos="1797050" algn="l"/>
-                <a:tab pos="2245995" algn="l"/>
-                <a:tab pos="2695575" algn="l"/>
-                <a:tab pos="3144520" algn="l"/>
-                <a:tab pos="3594100" algn="l"/>
-                <a:tab pos="4043045" algn="l"/>
-                <a:tab pos="4492625" algn="l"/>
-                <a:tab pos="4941570" algn="l"/>
-                <a:tab pos="5391150" algn="l"/>
-                <a:tab pos="5840095" algn="l"/>
-                <a:tab pos="6289675" algn="l"/>
-                <a:tab pos="6738620" algn="l"/>
-                <a:tab pos="7188200" algn="l"/>
-                <a:tab pos="7637145" algn="l"/>
-                <a:tab pos="8086725" algn="l"/>
-                <a:tab pos="8535670" algn="l"/>
-                <a:tab pos="8985250" algn="l"/>
-              </a:tabLst>
-              <a:defRPr>
-                <a:solidFill>
-                  <a:srgbClr val="000000"/>
-                </a:solidFill>
-                <a:latin typeface="Arial" panose="020B0604020202020204" pitchFamily="34" charset="0"/>
-                <a:cs typeface="Noto Sans CJK SC Regular" charset="0"/>
-              </a:defRPr>
-            </a:lvl6pPr>
-            <a:lvl7pPr marL="2971800" indent="-228600" defTabSz="449580" fontAlgn="base" hangingPunct="0">
-              <a:lnSpc>
-                <a:spcPct val="93000"/>
-              </a:lnSpc>
-              <a:spcBef>
-                <a:spcPct val="0"/>
-              </a:spcBef>
-              <a:spcAft>
-                <a:spcPct val="0"/>
-              </a:spcAft>
-              <a:buClr>
-                <a:srgbClr val="000000"/>
-              </a:buClr>
-              <a:buSzPct val="100000"/>
-              <a:buFont typeface="Times New Roman" panose="02020603050405020304" pitchFamily="16" charset="0"/>
-              <a:tabLst>
-                <a:tab pos="448945" algn="l"/>
-                <a:tab pos="898525" algn="l"/>
-                <a:tab pos="1347470" algn="l"/>
-                <a:tab pos="1797050" algn="l"/>
-                <a:tab pos="2245995" algn="l"/>
-                <a:tab pos="2695575" algn="l"/>
-                <a:tab pos="3144520" algn="l"/>
-                <a:tab pos="3594100" algn="l"/>
-                <a:tab pos="4043045" algn="l"/>
-                <a:tab pos="4492625" algn="l"/>
-                <a:tab pos="4941570" algn="l"/>
-                <a:tab pos="5391150" algn="l"/>
-                <a:tab pos="5840095" algn="l"/>
-                <a:tab pos="6289675" algn="l"/>
-                <a:tab pos="6738620" algn="l"/>
-                <a:tab pos="7188200" algn="l"/>
-                <a:tab pos="7637145" algn="l"/>
-                <a:tab pos="8086725" algn="l"/>
-                <a:tab pos="8535670" algn="l"/>
-                <a:tab pos="8985250" algn="l"/>
-              </a:tabLst>
-              <a:defRPr>
-                <a:solidFill>
-                  <a:srgbClr val="000000"/>
-                </a:solidFill>
-                <a:latin typeface="Arial" panose="020B0604020202020204" pitchFamily="34" charset="0"/>
-                <a:cs typeface="Noto Sans CJK SC Regular" charset="0"/>
-              </a:defRPr>
-            </a:lvl7pPr>
-            <a:lvl8pPr marL="3429000" indent="-228600" defTabSz="449580" fontAlgn="base" hangingPunct="0">
-              <a:lnSpc>
-                <a:spcPct val="93000"/>
-              </a:lnSpc>
-              <a:spcBef>
-                <a:spcPct val="0"/>
-              </a:spcBef>
-              <a:spcAft>
-                <a:spcPct val="0"/>
-              </a:spcAft>
-              <a:buClr>
-                <a:srgbClr val="000000"/>
-              </a:buClr>
-              <a:buSzPct val="100000"/>
-              <a:buFont typeface="Times New Roman" panose="02020603050405020304" pitchFamily="16" charset="0"/>
-              <a:tabLst>
-                <a:tab pos="448945" algn="l"/>
-                <a:tab pos="898525" algn="l"/>
-                <a:tab pos="1347470" algn="l"/>
-                <a:tab pos="1797050" algn="l"/>
-                <a:tab pos="2245995" algn="l"/>
-                <a:tab pos="2695575" algn="l"/>
-                <a:tab pos="3144520" algn="l"/>
-                <a:tab pos="3594100" algn="l"/>
-                <a:tab pos="4043045" algn="l"/>
-                <a:tab pos="4492625" algn="l"/>
-                <a:tab pos="4941570" algn="l"/>
-                <a:tab pos="5391150" algn="l"/>
-                <a:tab pos="5840095" algn="l"/>
-                <a:tab pos="6289675" algn="l"/>
-                <a:tab pos="6738620" algn="l"/>
-                <a:tab pos="7188200" algn="l"/>
-                <a:tab pos="7637145" algn="l"/>
-                <a:tab pos="8086725" algn="l"/>
-                <a:tab pos="8535670" algn="l"/>
-                <a:tab pos="8985250" algn="l"/>
-              </a:tabLst>
-              <a:defRPr>
-                <a:solidFill>
-                  <a:srgbClr val="000000"/>
-                </a:solidFill>
-                <a:latin typeface="Arial" panose="020B0604020202020204" pitchFamily="34" charset="0"/>
-                <a:cs typeface="Noto Sans CJK SC Regular" charset="0"/>
-              </a:defRPr>
-            </a:lvl8pPr>
-            <a:lvl9pPr marL="3886200" indent="-228600" defTabSz="449580" fontAlgn="base" hangingPunct="0">
-              <a:lnSpc>
-                <a:spcPct val="93000"/>
-              </a:lnSpc>
-              <a:spcBef>
-                <a:spcPct val="0"/>
-              </a:spcBef>
-              <a:spcAft>
-                <a:spcPct val="0"/>
-              </a:spcAft>
-              <a:buClr>
-                <a:srgbClr val="000000"/>
-              </a:buClr>
-              <a:buSzPct val="100000"/>
-              <a:buFont typeface="Times New Roman" panose="02020603050405020304" pitchFamily="16" charset="0"/>
-              <a:tabLst>
-                <a:tab pos="448945" algn="l"/>
-                <a:tab pos="898525" algn="l"/>
-                <a:tab pos="1347470" algn="l"/>
-                <a:tab pos="1797050" algn="l"/>
-                <a:tab pos="2245995" algn="l"/>
-                <a:tab pos="2695575" algn="l"/>
-                <a:tab pos="3144520" algn="l"/>
-                <a:tab pos="3594100" algn="l"/>
-                <a:tab pos="4043045" algn="l"/>
-                <a:tab pos="4492625" algn="l"/>
-                <a:tab pos="4941570" algn="l"/>
-                <a:tab pos="5391150" algn="l"/>
-                <a:tab pos="5840095" algn="l"/>
-                <a:tab pos="6289675" algn="l"/>
-                <a:tab pos="6738620" algn="l"/>
-                <a:tab pos="7188200" algn="l"/>
-                <a:tab pos="7637145" algn="l"/>
-                <a:tab pos="8086725" algn="l"/>
-                <a:tab pos="8535670" algn="l"/>
-                <a:tab pos="8985250" algn="l"/>
-              </a:tabLst>
-              <a:defRPr>
-                <a:solidFill>
-                  <a:srgbClr val="000000"/>
-                </a:solidFill>
-                <a:latin typeface="Arial" panose="020B0604020202020204" pitchFamily="34" charset="0"/>
-                <a:cs typeface="Noto Sans CJK SC Regular" charset="0"/>
-              </a:defRPr>
-            </a:lvl9pPr>
-          </a:lstStyle>
-          <a:p>
-            <a:pPr marL="109220" marR="0" lvl="0" indent="0" algn="just" defTabSz="457200" rtl="0" eaLnBrk="1" fontAlgn="auto" latinLnBrk="0" hangingPunct="1">
-              <a:lnSpc>
-                <a:spcPct val="93000"/>
-              </a:lnSpc>
-              <a:spcBef>
-                <a:spcPts val="0"/>
-              </a:spcBef>
-              <a:spcAft>
-                <a:spcPts val="1415"/>
-              </a:spcAft>
-              <a:buClrTx/>
-              <a:buSzTx/>
-              <a:buFontTx/>
-              <a:buNone/>
-              <a:tabLst>
-                <a:tab pos="448945" algn="l"/>
-                <a:tab pos="898525" algn="l"/>
-                <a:tab pos="1347470" algn="l"/>
-                <a:tab pos="1797050" algn="l"/>
-                <a:tab pos="2245995" algn="l"/>
-                <a:tab pos="2695575" algn="l"/>
-                <a:tab pos="3144520" algn="l"/>
-                <a:tab pos="3594100" algn="l"/>
-                <a:tab pos="4043045" algn="l"/>
-                <a:tab pos="4492625" algn="l"/>
-                <a:tab pos="4941570" algn="l"/>
-                <a:tab pos="5391150" algn="l"/>
-                <a:tab pos="5840095" algn="l"/>
-                <a:tab pos="6289675" algn="l"/>
-                <a:tab pos="6738620" algn="l"/>
-                <a:tab pos="7188200" algn="l"/>
-                <a:tab pos="7637145" algn="l"/>
-                <a:tab pos="8086725" algn="l"/>
-                <a:tab pos="8535670" algn="l"/>
-                <a:tab pos="8985250" algn="l"/>
-              </a:tabLst>
               <a:defRPr/>
             </a:pPr>
-            <a:r>
-              <a:rPr kumimoji="0" lang="en-IN" altLang="en-US" sz="2400" b="1" i="0" u="none" strike="noStrike" kern="1200" cap="none" spc="0" normalizeH="0" baseline="0" noProof="0" dirty="0">
-                <a:ln>
-                  <a:noFill/>
-                </a:ln>
-                <a:solidFill>
-                  <a:srgbClr val="000000"/>
-                </a:solidFill>
-                <a:effectLst/>
-                <a:uLnTx/>
-                <a:uFillTx/>
-                <a:latin typeface="Times New Roman" panose="02020603050405020304" pitchFamily="16" charset="0"/>
-                <a:ea typeface="+mn-ea"/>
-                <a:cs typeface="Times New Roman" panose="02020603050405020304" pitchFamily="16" charset="0"/>
-              </a:rPr>
-              <a:t>1. FRONTEND (GUI):</a:t>
-            </a:r>
-            <a:endParaRPr kumimoji="0" lang="en-IN" altLang="en-US" sz="2400" b="0" i="0" u="none" strike="noStrike" kern="1200" cap="none" spc="0" normalizeH="0" baseline="0" noProof="0" dirty="0">
+            <a:endParaRPr kumimoji="0" lang="en-IN" altLang="en-US" sz="3600" b="1" i="0" u="none" strike="noStrike" kern="1200" cap="none" spc="0" normalizeH="0" baseline="0" noProof="0" dirty="0">
               <a:ln>
                 <a:noFill/>
               </a:ln>
@@ -13347,578 +12823,142 @@
               <a:uFillTx/>
               <a:latin typeface="Times New Roman" panose="02020603050405020304" pitchFamily="16" charset="0"/>
               <a:ea typeface="+mn-ea"/>
-              <a:cs typeface="Times New Roman" panose="02020603050405020304" pitchFamily="16" charset="0"/>
+              <a:cs typeface="DejaVu Sans" charset="0"/>
             </a:endParaRPr>
           </a:p>
-          <a:p>
-            <a:pPr marL="452120" marR="0" lvl="0" indent="-342900" algn="just" defTabSz="457200" rtl="0" eaLnBrk="1" fontAlgn="auto" latinLnBrk="0" hangingPunct="1">
+        </p:txBody>
+      </p:sp>
+      <p:sp>
+        <p:nvSpPr>
+          <p:cNvPr id="28675" name="Rectangle 2"/>
+          <p:cNvSpPr/>
+          <p:nvPr/>
+        </p:nvSpPr>
+        <p:spPr>
+          <a:xfrm>
+            <a:off x="431800" y="1563688"/>
+            <a:ext cx="9070975" cy="4989512"/>
+          </a:xfrm>
+          <a:prstGeom prst="rect">
+            <a:avLst/>
+          </a:prstGeom>
+          <a:noFill/>
+          <a:ln w="9525">
+            <a:noFill/>
+          </a:ln>
+        </p:spPr>
+        <p:txBody>
+          <a:bodyPr lIns="0" tIns="21240" rIns="0" bIns="0"/>
+          <a:lstStyle/>
+          <a:p>
+            <a:pPr marL="107950" defTabSz="457200" eaLnBrk="1" hangingPunct="1">
               <a:lnSpc>
                 <a:spcPct val="93000"/>
               </a:lnSpc>
-              <a:spcBef>
-                <a:spcPts val="0"/>
-              </a:spcBef>
               <a:spcAft>
                 <a:spcPts val="1415"/>
               </a:spcAft>
-              <a:buClrTx/>
-              <a:buSzTx/>
-              <a:buFont typeface="Arial" panose="020B0604020202020204" pitchFamily="34" charset="0"/>
-              <a:buChar char="•"/>
-              <a:tabLst>
-                <a:tab pos="448945" algn="l"/>
-                <a:tab pos="898525" algn="l"/>
-                <a:tab pos="1347470" algn="l"/>
-                <a:tab pos="1797050" algn="l"/>
-                <a:tab pos="2245995" algn="l"/>
-                <a:tab pos="2695575" algn="l"/>
-                <a:tab pos="3144520" algn="l"/>
+              <a:buNone/>
+              <a:tabLst>
+                <a:tab pos="449580" algn="l"/>
+                <a:tab pos="898525" algn="l"/>
+                <a:tab pos="1348105" algn="l"/>
+                <a:tab pos="1797050" algn="l"/>
+                <a:tab pos="2246630" algn="l"/>
+                <a:tab pos="2695575" algn="l"/>
+                <a:tab pos="3145155" algn="l"/>
                 <a:tab pos="3594100" algn="l"/>
-                <a:tab pos="4043045" algn="l"/>
+                <a:tab pos="4043680" algn="l"/>
                 <a:tab pos="4492625" algn="l"/>
-                <a:tab pos="4941570" algn="l"/>
+                <a:tab pos="4942205" algn="l"/>
                 <a:tab pos="5391150" algn="l"/>
-                <a:tab pos="5840095" algn="l"/>
+                <a:tab pos="5840730" algn="l"/>
                 <a:tab pos="6289675" algn="l"/>
-                <a:tab pos="6738620" algn="l"/>
+                <a:tab pos="6739255" algn="l"/>
                 <a:tab pos="7188200" algn="l"/>
-                <a:tab pos="7637145" algn="l"/>
+                <a:tab pos="7637780" algn="l"/>
                 <a:tab pos="8086725" algn="l"/>
-                <a:tab pos="8535670" algn="l"/>
+                <a:tab pos="8536305" algn="l"/>
                 <a:tab pos="8985250" algn="l"/>
               </a:tabLst>
-              <a:defRPr/>
             </a:pPr>
-            <a:r>
-              <a:rPr kumimoji="0" lang="en-IN" altLang="en-US" sz="2400" b="0" i="0" u="none" strike="noStrike" kern="1200" cap="none" spc="0" normalizeH="0" baseline="0" noProof="0" dirty="0">
-                <a:ln>
-                  <a:noFill/>
-                </a:ln>
-                <a:solidFill>
-                  <a:srgbClr val="000000"/>
-                </a:solidFill>
-                <a:effectLst/>
-                <a:uLnTx/>
-                <a:uFillTx/>
-                <a:latin typeface="Times New Roman" panose="02020603050405020304" pitchFamily="16" charset="0"/>
-                <a:ea typeface="+mn-ea"/>
-                <a:cs typeface="Times New Roman" panose="02020603050405020304" pitchFamily="16" charset="0"/>
-              </a:rPr>
-              <a:t>HTML</a:t>
-            </a:r>
-          </a:p>
-          <a:p>
-            <a:pPr marL="452120" marR="0" lvl="0" indent="-342900" algn="just" defTabSz="457200" rtl="0" eaLnBrk="1" fontAlgn="auto" latinLnBrk="0" hangingPunct="1">
-              <a:lnSpc>
-                <a:spcPct val="93000"/>
-              </a:lnSpc>
-              <a:spcBef>
-                <a:spcPts val="0"/>
-              </a:spcBef>
-              <a:spcAft>
-                <a:spcPts val="1415"/>
-              </a:spcAft>
-              <a:buClrTx/>
-              <a:buSzTx/>
-              <a:buFont typeface="Arial" panose="020B0604020202020204" pitchFamily="34" charset="0"/>
-              <a:buChar char="•"/>
-              <a:tabLst>
-                <a:tab pos="448945" algn="l"/>
-                <a:tab pos="898525" algn="l"/>
-                <a:tab pos="1347470" algn="l"/>
-                <a:tab pos="1797050" algn="l"/>
-                <a:tab pos="2245995" algn="l"/>
-                <a:tab pos="2695575" algn="l"/>
-                <a:tab pos="3144520" algn="l"/>
-                <a:tab pos="3594100" algn="l"/>
-                <a:tab pos="4043045" algn="l"/>
-                <a:tab pos="4492625" algn="l"/>
-                <a:tab pos="4941570" algn="l"/>
-                <a:tab pos="5391150" algn="l"/>
-                <a:tab pos="5840095" algn="l"/>
-                <a:tab pos="6289675" algn="l"/>
-                <a:tab pos="6738620" algn="l"/>
-                <a:tab pos="7188200" algn="l"/>
-                <a:tab pos="7637145" algn="l"/>
-                <a:tab pos="8086725" algn="l"/>
-                <a:tab pos="8535670" algn="l"/>
-                <a:tab pos="8985250" algn="l"/>
-              </a:tabLst>
-              <a:defRPr/>
-            </a:pPr>
-            <a:r>
-              <a:rPr kumimoji="0" lang="en-IN" altLang="en-US" sz="2400" b="0" i="0" u="none" strike="noStrike" kern="1200" cap="none" spc="0" normalizeH="0" baseline="0" noProof="0" dirty="0">
-                <a:ln>
-                  <a:noFill/>
-                </a:ln>
-                <a:solidFill>
-                  <a:srgbClr val="000000"/>
-                </a:solidFill>
-                <a:effectLst/>
-                <a:uLnTx/>
-                <a:uFillTx/>
-                <a:latin typeface="Times New Roman" panose="02020603050405020304" pitchFamily="16" charset="0"/>
-                <a:ea typeface="+mn-ea"/>
-                <a:cs typeface="Times New Roman" panose="02020603050405020304" pitchFamily="16" charset="0"/>
-              </a:rPr>
-              <a:t>CSS</a:t>
-            </a:r>
-          </a:p>
-          <a:p>
-            <a:pPr marL="452120" marR="0" lvl="0" indent="-342900" algn="just" defTabSz="457200" rtl="0" eaLnBrk="1" fontAlgn="auto" latinLnBrk="0" hangingPunct="1">
-              <a:lnSpc>
-                <a:spcPct val="93000"/>
-              </a:lnSpc>
-              <a:spcBef>
-                <a:spcPts val="0"/>
-              </a:spcBef>
-              <a:spcAft>
-                <a:spcPts val="1415"/>
-              </a:spcAft>
-              <a:buClrTx/>
-              <a:buSzTx/>
-              <a:buFont typeface="Arial" panose="020B0604020202020204" pitchFamily="34" charset="0"/>
-              <a:buChar char="•"/>
-              <a:tabLst>
-                <a:tab pos="448945" algn="l"/>
-                <a:tab pos="898525" algn="l"/>
-                <a:tab pos="1347470" algn="l"/>
-                <a:tab pos="1797050" algn="l"/>
-                <a:tab pos="2245995" algn="l"/>
-                <a:tab pos="2695575" algn="l"/>
-                <a:tab pos="3144520" algn="l"/>
-                <a:tab pos="3594100" algn="l"/>
-                <a:tab pos="4043045" algn="l"/>
-                <a:tab pos="4492625" algn="l"/>
-                <a:tab pos="4941570" algn="l"/>
-                <a:tab pos="5391150" algn="l"/>
-                <a:tab pos="5840095" algn="l"/>
-                <a:tab pos="6289675" algn="l"/>
-                <a:tab pos="6738620" algn="l"/>
-                <a:tab pos="7188200" algn="l"/>
-                <a:tab pos="7637145" algn="l"/>
-                <a:tab pos="8086725" algn="l"/>
-                <a:tab pos="8535670" algn="l"/>
-                <a:tab pos="8985250" algn="l"/>
-              </a:tabLst>
-              <a:defRPr/>
-            </a:pPr>
-            <a:r>
-              <a:rPr kumimoji="0" lang="en-IN" altLang="en-US" sz="2400" b="0" i="0" u="none" strike="noStrike" kern="1200" cap="none" spc="0" normalizeH="0" baseline="0" noProof="0" dirty="0">
-                <a:ln>
-                  <a:noFill/>
-                </a:ln>
-                <a:solidFill>
-                  <a:srgbClr val="000000"/>
-                </a:solidFill>
-                <a:effectLst/>
-                <a:uLnTx/>
-                <a:uFillTx/>
-                <a:latin typeface="Times New Roman" panose="02020603050405020304" pitchFamily="16" charset="0"/>
-                <a:ea typeface="+mn-ea"/>
-                <a:cs typeface="Times New Roman" panose="02020603050405020304" pitchFamily="16" charset="0"/>
-              </a:rPr>
-              <a:t>JAVASCRIPT</a:t>
-            </a:r>
-          </a:p>
-          <a:p>
-            <a:pPr marL="109220" marR="0" lvl="0" indent="0" algn="just" defTabSz="457200" rtl="0" eaLnBrk="1" fontAlgn="auto" latinLnBrk="0" hangingPunct="1">
-              <a:lnSpc>
-                <a:spcPct val="93000"/>
-              </a:lnSpc>
-              <a:spcBef>
-                <a:spcPts val="0"/>
-              </a:spcBef>
-              <a:spcAft>
-                <a:spcPts val="1415"/>
-              </a:spcAft>
-              <a:buClrTx/>
-              <a:buSzTx/>
-              <a:buFontTx/>
-              <a:buNone/>
-              <a:tabLst>
-                <a:tab pos="448945" algn="l"/>
-                <a:tab pos="898525" algn="l"/>
-                <a:tab pos="1347470" algn="l"/>
-                <a:tab pos="1797050" algn="l"/>
-                <a:tab pos="2245995" algn="l"/>
-                <a:tab pos="2695575" algn="l"/>
-                <a:tab pos="3144520" algn="l"/>
-                <a:tab pos="3594100" algn="l"/>
-                <a:tab pos="4043045" algn="l"/>
-                <a:tab pos="4492625" algn="l"/>
-                <a:tab pos="4941570" algn="l"/>
-                <a:tab pos="5391150" algn="l"/>
-                <a:tab pos="5840095" algn="l"/>
-                <a:tab pos="6289675" algn="l"/>
-                <a:tab pos="6738620" algn="l"/>
-                <a:tab pos="7188200" algn="l"/>
-                <a:tab pos="7637145" algn="l"/>
-                <a:tab pos="8086725" algn="l"/>
-                <a:tab pos="8535670" algn="l"/>
-                <a:tab pos="8985250" algn="l"/>
-              </a:tabLst>
-              <a:defRPr/>
-            </a:pPr>
-            <a:endParaRPr kumimoji="0" lang="en-IN" altLang="en-US" sz="2400" b="0" i="0" u="none" strike="noStrike" kern="1200" cap="none" spc="0" normalizeH="0" baseline="0" noProof="0" dirty="0">
-              <a:ln>
-                <a:noFill/>
-              </a:ln>
+            <a:endParaRPr lang="en-IN" altLang="en-US" sz="2400" dirty="0">
               <a:solidFill>
                 <a:srgbClr val="000000"/>
               </a:solidFill>
-              <a:effectLst/>
-              <a:uLnTx/>
-              <a:uFillTx/>
               <a:latin typeface="Times New Roman" panose="02020603050405020304" pitchFamily="16" charset="0"/>
-              <a:ea typeface="+mn-ea"/>
-              <a:cs typeface="Times New Roman" panose="02020603050405020304" pitchFamily="16" charset="0"/>
+              <a:ea typeface="Times New Roman" panose="02020603050405020304" pitchFamily="16" charset="0"/>
             </a:endParaRPr>
           </a:p>
-          <a:p>
-            <a:pPr marL="109220" marR="0" lvl="0" indent="0" algn="just" defTabSz="457200" rtl="0" eaLnBrk="1" fontAlgn="auto" latinLnBrk="0" hangingPunct="1">
-              <a:lnSpc>
-                <a:spcPct val="93000"/>
-              </a:lnSpc>
-              <a:spcBef>
-                <a:spcPts val="0"/>
-              </a:spcBef>
-              <a:spcAft>
-                <a:spcPts val="1415"/>
-              </a:spcAft>
-              <a:buClrTx/>
-              <a:buSzTx/>
-              <a:buFontTx/>
-              <a:buNone/>
-              <a:tabLst>
-                <a:tab pos="448945" algn="l"/>
-                <a:tab pos="898525" algn="l"/>
-                <a:tab pos="1347470" algn="l"/>
-                <a:tab pos="1797050" algn="l"/>
-                <a:tab pos="2245995" algn="l"/>
-                <a:tab pos="2695575" algn="l"/>
-                <a:tab pos="3144520" algn="l"/>
-                <a:tab pos="3594100" algn="l"/>
-                <a:tab pos="4043045" algn="l"/>
-                <a:tab pos="4492625" algn="l"/>
-                <a:tab pos="4941570" algn="l"/>
-                <a:tab pos="5391150" algn="l"/>
-                <a:tab pos="5840095" algn="l"/>
-                <a:tab pos="6289675" algn="l"/>
-                <a:tab pos="6738620" algn="l"/>
-                <a:tab pos="7188200" algn="l"/>
-                <a:tab pos="7637145" algn="l"/>
-                <a:tab pos="8086725" algn="l"/>
-                <a:tab pos="8535670" algn="l"/>
-                <a:tab pos="8985250" algn="l"/>
-              </a:tabLst>
-              <a:defRPr/>
-            </a:pPr>
+        </p:txBody>
+      </p:sp>
+      <p:sp>
+        <p:nvSpPr>
+          <p:cNvPr id="4" name="Text Box 3"/>
+          <p:cNvSpPr txBox="1"/>
+          <p:nvPr/>
+        </p:nvSpPr>
+        <p:spPr>
+          <a:xfrm>
+            <a:off x="3360420" y="7020560"/>
+            <a:ext cx="3360420" cy="368300"/>
+          </a:xfrm>
+          <a:prstGeom prst="rect">
+            <a:avLst/>
+          </a:prstGeom>
+          <a:noFill/>
+        </p:spPr>
+        <p:txBody>
+          <a:bodyPr wrap="square" rtlCol="0">
+            <a:spAutoFit/>
+          </a:bodyPr>
+          <a:lstStyle/>
+          <a:p>
             <a:r>
-              <a:rPr kumimoji="0" lang="en-IN" altLang="en-US" sz="2400" b="1" i="0" u="none" strike="noStrike" kern="1200" cap="none" spc="0" normalizeH="0" baseline="0" noProof="0" dirty="0">
-                <a:ln>
-                  <a:noFill/>
-                </a:ln>
-                <a:solidFill>
-                  <a:srgbClr val="000000"/>
-                </a:solidFill>
-                <a:effectLst/>
-                <a:uLnTx/>
-                <a:uFillTx/>
+              <a:rPr lang="en-IN" altLang="en-US" b="1">
                 <a:latin typeface="Times New Roman" panose="02020603050405020304" pitchFamily="16" charset="0"/>
-                <a:ea typeface="+mn-ea"/>
                 <a:cs typeface="Times New Roman" panose="02020603050405020304" pitchFamily="16" charset="0"/>
               </a:rPr>
-              <a:t>2. BACKEND:</a:t>
-            </a:r>
-          </a:p>
-          <a:p>
-            <a:pPr marL="452120" marR="0" lvl="0" indent="-342900" algn="just" defTabSz="457200" rtl="0" eaLnBrk="1" fontAlgn="auto" latinLnBrk="0" hangingPunct="1">
-              <a:lnSpc>
-                <a:spcPct val="93000"/>
-              </a:lnSpc>
-              <a:spcBef>
-                <a:spcPts val="0"/>
-              </a:spcBef>
-              <a:spcAft>
-                <a:spcPts val="1415"/>
-              </a:spcAft>
-              <a:buClrTx/>
-              <a:buSzTx/>
-              <a:buFont typeface="Arial" panose="020B0604020202020204" pitchFamily="34" charset="0"/>
-              <a:buChar char="•"/>
-              <a:tabLst>
-                <a:tab pos="448945" algn="l"/>
-                <a:tab pos="898525" algn="l"/>
-                <a:tab pos="1347470" algn="l"/>
-                <a:tab pos="1797050" algn="l"/>
-                <a:tab pos="2245995" algn="l"/>
-                <a:tab pos="2695575" algn="l"/>
-                <a:tab pos="3144520" algn="l"/>
-                <a:tab pos="3594100" algn="l"/>
-                <a:tab pos="4043045" algn="l"/>
-                <a:tab pos="4492625" algn="l"/>
-                <a:tab pos="4941570" algn="l"/>
-                <a:tab pos="5391150" algn="l"/>
-                <a:tab pos="5840095" algn="l"/>
-                <a:tab pos="6289675" algn="l"/>
-                <a:tab pos="6738620" algn="l"/>
-                <a:tab pos="7188200" algn="l"/>
-                <a:tab pos="7637145" algn="l"/>
-                <a:tab pos="8086725" algn="l"/>
-                <a:tab pos="8535670" algn="l"/>
-                <a:tab pos="8985250" algn="l"/>
-              </a:tabLst>
-              <a:defRPr/>
-            </a:pPr>
-            <a:r>
-              <a:rPr kumimoji="0" lang="en-IN" altLang="en-US" sz="2400" b="0" i="0" u="none" strike="noStrike" kern="1200" cap="none" spc="0" normalizeH="0" baseline="0" noProof="0" dirty="0">
-                <a:ln>
-                  <a:noFill/>
-                </a:ln>
-                <a:solidFill>
-                  <a:srgbClr val="000000"/>
-                </a:solidFill>
-                <a:effectLst/>
-                <a:uLnTx/>
-                <a:uFillTx/>
-                <a:latin typeface="Times New Roman" panose="02020603050405020304" pitchFamily="16" charset="0"/>
-                <a:ea typeface="+mn-ea"/>
-                <a:cs typeface="Times New Roman" panose="02020603050405020304" pitchFamily="16" charset="0"/>
-              </a:rPr>
-              <a:t>Node.js</a:t>
-            </a:r>
-          </a:p>
-          <a:p>
-            <a:pPr marL="452120" marR="0" lvl="0" indent="-342900" algn="just" defTabSz="457200" rtl="0" eaLnBrk="1" fontAlgn="auto" latinLnBrk="0" hangingPunct="1">
-              <a:lnSpc>
-                <a:spcPct val="93000"/>
-              </a:lnSpc>
-              <a:spcBef>
-                <a:spcPts val="0"/>
-              </a:spcBef>
-              <a:spcAft>
-                <a:spcPts val="1415"/>
-              </a:spcAft>
-              <a:buClrTx/>
-              <a:buSzTx/>
-              <a:buFont typeface="Arial" panose="020B0604020202020204" pitchFamily="34" charset="0"/>
-              <a:buChar char="•"/>
-              <a:tabLst>
-                <a:tab pos="448945" algn="l"/>
-                <a:tab pos="898525" algn="l"/>
-                <a:tab pos="1347470" algn="l"/>
-                <a:tab pos="1797050" algn="l"/>
-                <a:tab pos="2245995" algn="l"/>
-                <a:tab pos="2695575" algn="l"/>
-                <a:tab pos="3144520" algn="l"/>
-                <a:tab pos="3594100" algn="l"/>
-                <a:tab pos="4043045" algn="l"/>
-                <a:tab pos="4492625" algn="l"/>
-                <a:tab pos="4941570" algn="l"/>
-                <a:tab pos="5391150" algn="l"/>
-                <a:tab pos="5840095" algn="l"/>
-                <a:tab pos="6289675" algn="l"/>
-                <a:tab pos="6738620" algn="l"/>
-                <a:tab pos="7188200" algn="l"/>
-                <a:tab pos="7637145" algn="l"/>
-                <a:tab pos="8086725" algn="l"/>
-                <a:tab pos="8535670" algn="l"/>
-                <a:tab pos="8985250" algn="l"/>
-              </a:tabLst>
-              <a:defRPr/>
-            </a:pPr>
-            <a:r>
-              <a:rPr kumimoji="0" lang="en-IN" altLang="en-US" sz="2400" b="0" i="0" u="none" strike="noStrike" kern="1200" cap="none" spc="0" normalizeH="0" baseline="0" noProof="0" dirty="0">
-                <a:ln>
-                  <a:noFill/>
-                </a:ln>
-                <a:solidFill>
-                  <a:srgbClr val="000000"/>
-                </a:solidFill>
-                <a:effectLst/>
-                <a:uLnTx/>
-                <a:uFillTx/>
-                <a:latin typeface="Times New Roman" panose="02020603050405020304" pitchFamily="16" charset="0"/>
-                <a:ea typeface="+mn-ea"/>
-                <a:cs typeface="Times New Roman" panose="02020603050405020304" pitchFamily="16" charset="0"/>
-              </a:rPr>
-              <a:t>Express.js</a:t>
-            </a:r>
-          </a:p>
-          <a:p>
-            <a:pPr marL="452120" marR="0" lvl="0" indent="-342900" algn="just" defTabSz="457200" rtl="0" eaLnBrk="1" fontAlgn="auto" latinLnBrk="0" hangingPunct="1">
-              <a:lnSpc>
-                <a:spcPct val="93000"/>
-              </a:lnSpc>
-              <a:spcBef>
-                <a:spcPts val="0"/>
-              </a:spcBef>
-              <a:spcAft>
-                <a:spcPts val="1415"/>
-              </a:spcAft>
-              <a:buClrTx/>
-              <a:buSzTx/>
-              <a:buFont typeface="Arial" panose="020B0604020202020204" pitchFamily="34" charset="0"/>
-              <a:buChar char="•"/>
-              <a:tabLst>
-                <a:tab pos="448945" algn="l"/>
-                <a:tab pos="898525" algn="l"/>
-                <a:tab pos="1347470" algn="l"/>
-                <a:tab pos="1797050" algn="l"/>
-                <a:tab pos="2245995" algn="l"/>
-                <a:tab pos="2695575" algn="l"/>
-                <a:tab pos="3144520" algn="l"/>
-                <a:tab pos="3594100" algn="l"/>
-                <a:tab pos="4043045" algn="l"/>
-                <a:tab pos="4492625" algn="l"/>
-                <a:tab pos="4941570" algn="l"/>
-                <a:tab pos="5391150" algn="l"/>
-                <a:tab pos="5840095" algn="l"/>
-                <a:tab pos="6289675" algn="l"/>
-                <a:tab pos="6738620" algn="l"/>
-                <a:tab pos="7188200" algn="l"/>
-                <a:tab pos="7637145" algn="l"/>
-                <a:tab pos="8086725" algn="l"/>
-                <a:tab pos="8535670" algn="l"/>
-                <a:tab pos="8985250" algn="l"/>
-              </a:tabLst>
-              <a:defRPr/>
-            </a:pPr>
-            <a:r>
-              <a:rPr kumimoji="0" lang="en-IN" altLang="en-US" sz="2400" b="0" i="0" u="none" strike="noStrike" kern="1200" cap="none" spc="0" normalizeH="0" baseline="0" noProof="0" dirty="0">
-                <a:ln>
-                  <a:noFill/>
-                </a:ln>
-                <a:solidFill>
-                  <a:srgbClr val="000000"/>
-                </a:solidFill>
-                <a:effectLst/>
-                <a:uLnTx/>
-                <a:uFillTx/>
-                <a:latin typeface="Times New Roman" panose="02020603050405020304" pitchFamily="16" charset="0"/>
-                <a:ea typeface="+mn-ea"/>
-                <a:cs typeface="Times New Roman" panose="02020603050405020304" pitchFamily="16" charset="0"/>
-              </a:rPr>
-              <a:t>MongoDB</a:t>
-            </a:r>
-          </a:p>
-          <a:p>
-            <a:pPr marL="452120" marR="0" lvl="0" indent="-342900" algn="just" defTabSz="457200" rtl="0" eaLnBrk="1" fontAlgn="auto" latinLnBrk="0" hangingPunct="1">
-              <a:lnSpc>
-                <a:spcPct val="93000"/>
-              </a:lnSpc>
-              <a:spcBef>
-                <a:spcPts val="0"/>
-              </a:spcBef>
-              <a:spcAft>
-                <a:spcPts val="1415"/>
-              </a:spcAft>
-              <a:buClrTx/>
-              <a:buSzTx/>
-              <a:buFont typeface="Arial" panose="020B0604020202020204" pitchFamily="34" charset="0"/>
-              <a:buChar char="•"/>
-              <a:tabLst>
-                <a:tab pos="448945" algn="l"/>
-                <a:tab pos="898525" algn="l"/>
-                <a:tab pos="1347470" algn="l"/>
-                <a:tab pos="1797050" algn="l"/>
-                <a:tab pos="2245995" algn="l"/>
-                <a:tab pos="2695575" algn="l"/>
-                <a:tab pos="3144520" algn="l"/>
-                <a:tab pos="3594100" algn="l"/>
-                <a:tab pos="4043045" algn="l"/>
-                <a:tab pos="4492625" algn="l"/>
-                <a:tab pos="4941570" algn="l"/>
-                <a:tab pos="5391150" algn="l"/>
-                <a:tab pos="5840095" algn="l"/>
-                <a:tab pos="6289675" algn="l"/>
-                <a:tab pos="6738620" algn="l"/>
-                <a:tab pos="7188200" algn="l"/>
-                <a:tab pos="7637145" algn="l"/>
-                <a:tab pos="8086725" algn="l"/>
-                <a:tab pos="8535670" algn="l"/>
-                <a:tab pos="8985250" algn="l"/>
-              </a:tabLst>
-              <a:defRPr/>
-            </a:pPr>
-            <a:r>
-              <a:rPr kumimoji="0" lang="en-IN" altLang="en-US" sz="2400" b="0" i="0" u="none" strike="noStrike" kern="1200" cap="none" spc="0" normalizeH="0" baseline="0" noProof="0" dirty="0">
-                <a:ln>
-                  <a:noFill/>
-                </a:ln>
-                <a:solidFill>
-                  <a:srgbClr val="000000"/>
-                </a:solidFill>
-                <a:effectLst/>
-                <a:uLnTx/>
-                <a:uFillTx/>
-                <a:latin typeface="Times New Roman" panose="02020603050405020304" pitchFamily="16" charset="0"/>
-                <a:ea typeface="+mn-ea"/>
-                <a:cs typeface="Times New Roman" panose="02020603050405020304" pitchFamily="16" charset="0"/>
-              </a:rPr>
-              <a:t>Python</a:t>
-            </a:r>
-          </a:p>
-          <a:p>
-            <a:pPr marL="452120" marR="0" lvl="0" indent="-342900" algn="just" defTabSz="457200" rtl="0" eaLnBrk="1" fontAlgn="auto" latinLnBrk="0" hangingPunct="1">
-              <a:lnSpc>
-                <a:spcPct val="93000"/>
-              </a:lnSpc>
-              <a:spcBef>
-                <a:spcPts val="0"/>
-              </a:spcBef>
-              <a:spcAft>
-                <a:spcPts val="1415"/>
-              </a:spcAft>
-              <a:buClrTx/>
-              <a:buSzTx/>
-              <a:buFont typeface="Arial" panose="020B0604020202020204" pitchFamily="34" charset="0"/>
-              <a:buChar char="•"/>
-              <a:tabLst>
-                <a:tab pos="448945" algn="l"/>
-                <a:tab pos="898525" algn="l"/>
-                <a:tab pos="1347470" algn="l"/>
-                <a:tab pos="1797050" algn="l"/>
-                <a:tab pos="2245995" algn="l"/>
-                <a:tab pos="2695575" algn="l"/>
-                <a:tab pos="3144520" algn="l"/>
-                <a:tab pos="3594100" algn="l"/>
-                <a:tab pos="4043045" algn="l"/>
-                <a:tab pos="4492625" algn="l"/>
-                <a:tab pos="4941570" algn="l"/>
-                <a:tab pos="5391150" algn="l"/>
-                <a:tab pos="5840095" algn="l"/>
-                <a:tab pos="6289675" algn="l"/>
-                <a:tab pos="6738620" algn="l"/>
-                <a:tab pos="7188200" algn="l"/>
-                <a:tab pos="7637145" algn="l"/>
-                <a:tab pos="8086725" algn="l"/>
-                <a:tab pos="8535670" algn="l"/>
-                <a:tab pos="8985250" algn="l"/>
-              </a:tabLst>
-              <a:defRPr/>
-            </a:pPr>
-            <a:r>
-              <a:rPr kumimoji="0" lang="en-IN" altLang="en-US" sz="2400" b="0" i="0" u="none" strike="noStrike" kern="1200" cap="none" spc="0" normalizeH="0" baseline="0" noProof="0" dirty="0">
-                <a:ln>
-                  <a:noFill/>
-                </a:ln>
-                <a:solidFill>
-                  <a:srgbClr val="000000"/>
-                </a:solidFill>
-                <a:effectLst/>
-                <a:uLnTx/>
-                <a:uFillTx/>
-                <a:latin typeface="Times New Roman" panose="02020603050405020304" pitchFamily="16" charset="0"/>
-                <a:ea typeface="+mn-ea"/>
-                <a:cs typeface="Times New Roman" panose="02020603050405020304" pitchFamily="16" charset="0"/>
-              </a:rPr>
-              <a:t>External API (Credly)</a:t>
+              <a:t>Fig 9.1: System Architecture</a:t>
             </a:r>
           </a:p>
         </p:txBody>
       </p:sp>
+      <p:pic>
+        <p:nvPicPr>
+          <p:cNvPr id="7" name="Content Placeholder 6">
+            <a:extLst>
+              <a:ext uri="{FF2B5EF4-FFF2-40B4-BE49-F238E27FC236}">
+                <a16:creationId xmlns:a16="http://schemas.microsoft.com/office/drawing/2014/main" id="{B00ECD61-B54E-5E66-BE2E-2E9DEA5EF6AE}"/>
+              </a:ext>
+            </a:extLst>
+          </p:cNvPr>
+          <p:cNvPicPr>
+            <a:picLocks noGrp="1" noChangeAspect="1"/>
+          </p:cNvPicPr>
+          <p:nvPr>
+            <p:ph idx="1"/>
+          </p:nvPr>
+        </p:nvPicPr>
+        <p:blipFill>
+          <a:blip r:embed="rId3">
+            <a:extLst>
+              <a:ext uri="{28A0092B-C50C-407E-A947-70E740481C1C}">
+                <a14:useLocalDpi xmlns:a14="http://schemas.microsoft.com/office/drawing/2010/main" val="0"/>
+              </a:ext>
+            </a:extLst>
+          </a:blip>
+          <a:stretch>
+            <a:fillRect/>
+          </a:stretch>
+        </p:blipFill>
+        <p:spPr>
+          <a:xfrm>
+            <a:off x="863848" y="1331565"/>
+            <a:ext cx="8710365" cy="5455315"/>
+          </a:xfrm>
+        </p:spPr>
+      </p:pic>
     </p:spTree>
   </p:cSld>
   <p:clrMapOvr>
@@ -14410,7 +13450,7 @@
                 <a:ea typeface="+mn-ea"/>
                 <a:cs typeface="DejaVu Sans" charset="0"/>
               </a:rPr>
-              <a:t>9. Proposed System Architecture</a:t>
+              <a:t>9. UML Diagrams</a:t>
             </a:r>
           </a:p>
           <a:p>
@@ -14473,7 +13513,7 @@
       </p:sp>
       <p:sp>
         <p:nvSpPr>
-          <p:cNvPr id="28675" name="Rectangle 2"/>
+          <p:cNvPr id="30723" name="Rectangle 2"/>
           <p:cNvSpPr/>
           <p:nvPr/>
         </p:nvSpPr>
@@ -14535,32 +13575,6 @@
           </a:p>
         </p:txBody>
       </p:sp>
-      <p:pic>
-        <p:nvPicPr>
-          <p:cNvPr id="2" name="Content Placeholder 1"/>
-          <p:cNvPicPr>
-            <a:picLocks noGrp="1" noChangeAspect="1"/>
-          </p:cNvPicPr>
-          <p:nvPr>
-            <p:ph idx="1"/>
-          </p:nvPr>
-        </p:nvPicPr>
-        <p:blipFill>
-          <a:blip r:embed="rId3"/>
-          <a:stretch>
-            <a:fillRect/>
-          </a:stretch>
-        </p:blipFill>
-        <p:spPr>
-          <a:xfrm>
-            <a:off x="574040" y="1230630"/>
-            <a:ext cx="8731250" cy="5589270"/>
-          </a:xfrm>
-          <a:prstGeom prst="rect">
-            <a:avLst/>
-          </a:prstGeom>
-        </p:spPr>
-      </p:pic>
       <p:sp>
         <p:nvSpPr>
           <p:cNvPr id="4" name="Text Box 3"/>
@@ -14569,7 +13583,7 @@
         </p:nvSpPr>
         <p:spPr>
           <a:xfrm>
-            <a:off x="3360420" y="7020560"/>
+            <a:off x="3312160" y="6746240"/>
             <a:ext cx="3360420" cy="368300"/>
           </a:xfrm>
           <a:prstGeom prst="rect">
@@ -14588,11 +13602,46 @@
                 <a:latin typeface="Times New Roman" panose="02020603050405020304" pitchFamily="16" charset="0"/>
                 <a:cs typeface="Times New Roman" panose="02020603050405020304" pitchFamily="16" charset="0"/>
               </a:rPr>
-              <a:t>Fig 9.1: System Architecture</a:t>
+              <a:t>Fig 9.2: Usecase Diagram</a:t>
             </a:r>
           </a:p>
         </p:txBody>
       </p:sp>
+      <p:pic>
+        <p:nvPicPr>
+          <p:cNvPr id="7" name="Content Placeholder 6">
+            <a:extLst>
+              <a:ext uri="{FF2B5EF4-FFF2-40B4-BE49-F238E27FC236}">
+                <a16:creationId xmlns:a16="http://schemas.microsoft.com/office/drawing/2014/main" id="{74E801DE-5CB6-AFF5-324E-3784CEE83DF0}"/>
+              </a:ext>
+            </a:extLst>
+          </p:cNvPr>
+          <p:cNvPicPr>
+            <a:picLocks noGrp="1" noChangeAspect="1"/>
+          </p:cNvPicPr>
+          <p:nvPr>
+            <p:ph idx="1"/>
+          </p:nvPr>
+        </p:nvPicPr>
+        <p:blipFill>
+          <a:blip r:embed="rId3">
+            <a:extLst>
+              <a:ext uri="{28A0092B-C50C-407E-A947-70E740481C1C}">
+                <a14:useLocalDpi xmlns:a14="http://schemas.microsoft.com/office/drawing/2010/main" val="0"/>
+              </a:ext>
+            </a:extLst>
+          </a:blip>
+          <a:stretch>
+            <a:fillRect/>
+          </a:stretch>
+        </p:blipFill>
+        <p:spPr>
+          <a:xfrm>
+            <a:off x="1264217" y="1370649"/>
+            <a:ext cx="7736535" cy="5129602"/>
+          </a:xfrm>
+        </p:spPr>
+      </p:pic>
     </p:spTree>
   </p:cSld>
   <p:clrMapOvr>
@@ -14603,6 +13652,98 @@
 </file>
 
 <file path=ppt/slides/slide12.xml><?xml version="1.0" encoding="utf-8"?>
+<p:sld xmlns:a="http://schemas.openxmlformats.org/drawingml/2006/main" xmlns:r="http://schemas.openxmlformats.org/officeDocument/2006/relationships" xmlns:p="http://schemas.openxmlformats.org/presentationml/2006/main">
+  <p:cSld>
+    <p:spTree>
+      <p:nvGrpSpPr>
+        <p:cNvPr id="1" name=""/>
+        <p:cNvGrpSpPr/>
+        <p:nvPr/>
+      </p:nvGrpSpPr>
+      <p:grpSpPr>
+        <a:xfrm>
+          <a:off x="0" y="0"/>
+          <a:ext cx="0" cy="0"/>
+          <a:chOff x="0" y="0"/>
+          <a:chExt cx="0" cy="0"/>
+        </a:xfrm>
+      </p:grpSpPr>
+      <p:sp>
+        <p:nvSpPr>
+          <p:cNvPr id="6" name="Text Box 5"/>
+          <p:cNvSpPr txBox="1"/>
+          <p:nvPr/>
+        </p:nvSpPr>
+        <p:spPr>
+          <a:xfrm>
+            <a:off x="3359785" y="6876415"/>
+            <a:ext cx="3360420" cy="368300"/>
+          </a:xfrm>
+          <a:prstGeom prst="rect">
+            <a:avLst/>
+          </a:prstGeom>
+          <a:noFill/>
+        </p:spPr>
+        <p:txBody>
+          <a:bodyPr wrap="square" rtlCol="0">
+            <a:spAutoFit/>
+          </a:bodyPr>
+          <a:lstStyle/>
+          <a:p>
+            <a:r>
+              <a:rPr lang="en-IN" altLang="en-US" b="1">
+                <a:latin typeface="Times New Roman" panose="02020603050405020304" pitchFamily="16" charset="0"/>
+                <a:cs typeface="Times New Roman" panose="02020603050405020304" pitchFamily="16" charset="0"/>
+              </a:rPr>
+              <a:t>Fig 9.3: Sequence Diagram</a:t>
+            </a:r>
+          </a:p>
+        </p:txBody>
+      </p:sp>
+      <p:pic>
+        <p:nvPicPr>
+          <p:cNvPr id="11" name="Content Placeholder 10">
+            <a:extLst>
+              <a:ext uri="{FF2B5EF4-FFF2-40B4-BE49-F238E27FC236}">
+                <a16:creationId xmlns:a16="http://schemas.microsoft.com/office/drawing/2014/main" id="{E7A26062-1163-74EA-74E0-C85BCBE083EC}"/>
+              </a:ext>
+            </a:extLst>
+          </p:cNvPr>
+          <p:cNvPicPr>
+            <a:picLocks noGrp="1" noChangeAspect="1"/>
+          </p:cNvPicPr>
+          <p:nvPr>
+            <p:ph idx="1"/>
+          </p:nvPr>
+        </p:nvPicPr>
+        <p:blipFill>
+          <a:blip r:embed="rId2">
+            <a:extLst>
+              <a:ext uri="{28A0092B-C50C-407E-A947-70E740481C1C}">
+                <a14:useLocalDpi xmlns:a14="http://schemas.microsoft.com/office/drawing/2010/main" val="0"/>
+              </a:ext>
+            </a:extLst>
+          </a:blip>
+          <a:stretch>
+            <a:fillRect/>
+          </a:stretch>
+        </p:blipFill>
+        <p:spPr>
+          <a:xfrm>
+            <a:off x="503808" y="611485"/>
+            <a:ext cx="9091010" cy="6128260"/>
+          </a:xfrm>
+        </p:spPr>
+      </p:pic>
+    </p:spTree>
+  </p:cSld>
+  <p:clrMapOvr>
+    <a:masterClrMapping/>
+  </p:clrMapOvr>
+</p:sld>
+</file>
+
+<file path=ppt/slides/slide13.xml><?xml version="1.0" encoding="utf-8"?>
 <p:sld xmlns:a="http://schemas.openxmlformats.org/drawingml/2006/main" xmlns:r="http://schemas.openxmlformats.org/officeDocument/2006/relationships" xmlns:p="http://schemas.openxmlformats.org/presentationml/2006/main">
   <p:cSld>
     <p:bg>
@@ -15084,7 +14225,7 @@
                 <a:ea typeface="+mn-ea"/>
                 <a:cs typeface="DejaVu Sans" charset="0"/>
               </a:rPr>
-              <a:t>9. UML Diagrams</a:t>
+              <a:t>10. Implementation Results</a:t>
             </a:r>
           </a:p>
           <a:p>
@@ -15147,7 +14288,7 @@
       </p:sp>
       <p:sp>
         <p:nvSpPr>
-          <p:cNvPr id="30723" name="Rectangle 2"/>
+          <p:cNvPr id="32771" name="Rectangle 2"/>
           <p:cNvSpPr/>
           <p:nvPr/>
         </p:nvSpPr>
@@ -15209,9 +14350,58 @@
           </a:p>
         </p:txBody>
       </p:sp>
+      <p:sp>
+        <p:nvSpPr>
+          <p:cNvPr id="4" name="Text Box 3"/>
+          <p:cNvSpPr txBox="1"/>
+          <p:nvPr/>
+        </p:nvSpPr>
+        <p:spPr>
+          <a:xfrm>
+            <a:off x="2783840" y="6732270"/>
+            <a:ext cx="4366895" cy="368300"/>
+          </a:xfrm>
+          <a:prstGeom prst="rect">
+            <a:avLst/>
+          </a:prstGeom>
+          <a:noFill/>
+        </p:spPr>
+        <p:txBody>
+          <a:bodyPr wrap="square" rtlCol="0">
+            <a:spAutoFit/>
+          </a:bodyPr>
+          <a:lstStyle/>
+          <a:p>
+            <a:r>
+              <a:rPr lang="en-IN" altLang="en-US" b="1" dirty="0">
+                <a:latin typeface="Times New Roman" panose="02020603050405020304" pitchFamily="16" charset="0"/>
+                <a:cs typeface="Times New Roman" panose="02020603050405020304" pitchFamily="16" charset="0"/>
+              </a:rPr>
+              <a:t>Fig 10.1: Automation using </a:t>
+            </a:r>
+            <a:r>
+              <a:rPr lang="en-IN" altLang="en-US" b="1" dirty="0" err="1">
+                <a:latin typeface="Times New Roman" panose="02020603050405020304" pitchFamily="16" charset="0"/>
+                <a:cs typeface="Times New Roman" panose="02020603050405020304" pitchFamily="16" charset="0"/>
+              </a:rPr>
+              <a:t>Credly</a:t>
+            </a:r>
+            <a:endParaRPr lang="en-IN" altLang="en-US" b="1" dirty="0">
+              <a:latin typeface="Times New Roman" panose="02020603050405020304" pitchFamily="16" charset="0"/>
+              <a:cs typeface="Times New Roman" panose="02020603050405020304" pitchFamily="16" charset="0"/>
+            </a:endParaRPr>
+          </a:p>
+        </p:txBody>
+      </p:sp>
       <p:pic>
         <p:nvPicPr>
-          <p:cNvPr id="2" name="Content Placeholder 1"/>
+          <p:cNvPr id="8" name="Content Placeholder 7">
+            <a:extLst>
+              <a:ext uri="{FF2B5EF4-FFF2-40B4-BE49-F238E27FC236}">
+                <a16:creationId xmlns:a16="http://schemas.microsoft.com/office/drawing/2014/main" id="{E19EA64E-B61D-22A1-2165-EDA13CC188B9}"/>
+              </a:ext>
+            </a:extLst>
+          </p:cNvPr>
           <p:cNvPicPr>
             <a:picLocks noGrp="1" noChangeAspect="1"/>
           </p:cNvPicPr>
@@ -15227,46 +14417,11 @@
         </p:blipFill>
         <p:spPr>
           <a:xfrm>
-            <a:off x="1347470" y="1619885"/>
-            <a:ext cx="7239000" cy="4488180"/>
+            <a:off x="1018121" y="1188941"/>
+            <a:ext cx="8041207" cy="5362442"/>
           </a:xfrm>
-          <a:prstGeom prst="rect">
-            <a:avLst/>
-          </a:prstGeom>
         </p:spPr>
       </p:pic>
-      <p:sp>
-        <p:nvSpPr>
-          <p:cNvPr id="4" name="Text Box 3"/>
-          <p:cNvSpPr txBox="1"/>
-          <p:nvPr/>
-        </p:nvSpPr>
-        <p:spPr>
-          <a:xfrm>
-            <a:off x="3312160" y="6746240"/>
-            <a:ext cx="3360420" cy="368300"/>
-          </a:xfrm>
-          <a:prstGeom prst="rect">
-            <a:avLst/>
-          </a:prstGeom>
-          <a:noFill/>
-        </p:spPr>
-        <p:txBody>
-          <a:bodyPr wrap="square" rtlCol="0">
-            <a:spAutoFit/>
-          </a:bodyPr>
-          <a:lstStyle/>
-          <a:p>
-            <a:r>
-              <a:rPr lang="en-IN" altLang="en-US" b="1">
-                <a:latin typeface="Times New Roman" panose="02020603050405020304" pitchFamily="16" charset="0"/>
-                <a:cs typeface="Times New Roman" panose="02020603050405020304" pitchFamily="16" charset="0"/>
-              </a:rPr>
-              <a:t>Fig 9.2: Usecase Diagram</a:t>
-            </a:r>
-          </a:p>
-        </p:txBody>
-      </p:sp>
     </p:spTree>
   </p:cSld>
   <p:clrMapOvr>
@@ -15276,7 +14431,7 @@
 </p:sld>
 </file>
 
-<file path=ppt/slides/slide13.xml><?xml version="1.0" encoding="utf-8"?>
+<file path=ppt/slides/slide14.xml><?xml version="1.0" encoding="utf-8"?>
 <p:sld xmlns:a="http://schemas.openxmlformats.org/drawingml/2006/main" xmlns:r="http://schemas.openxmlformats.org/officeDocument/2006/relationships" xmlns:p="http://schemas.openxmlformats.org/presentationml/2006/main">
   <p:cSld>
     <p:spTree>
@@ -15293,9 +14448,47 @@
           <a:chExt cx="0" cy="0"/>
         </a:xfrm>
       </p:grpSpPr>
+      <p:sp>
+        <p:nvSpPr>
+          <p:cNvPr id="6" name="Text Box 5"/>
+          <p:cNvSpPr txBox="1"/>
+          <p:nvPr/>
+        </p:nvSpPr>
+        <p:spPr>
+          <a:xfrm>
+            <a:off x="3359784" y="6552958"/>
+            <a:ext cx="3360420" cy="368300"/>
+          </a:xfrm>
+          <a:prstGeom prst="rect">
+            <a:avLst/>
+          </a:prstGeom>
+          <a:noFill/>
+        </p:spPr>
+        <p:txBody>
+          <a:bodyPr wrap="square" rtlCol="0">
+            <a:spAutoFit/>
+          </a:bodyPr>
+          <a:lstStyle/>
+          <a:p>
+            <a:r>
+              <a:rPr lang="en-IN" altLang="en-US" b="1" dirty="0">
+                <a:latin typeface="Times New Roman" panose="02020603050405020304" pitchFamily="16" charset="0"/>
+                <a:cs typeface="Times New Roman" panose="02020603050405020304" pitchFamily="16" charset="0"/>
+              </a:rPr>
+              <a:t>Fig 10.2: Certificate Validation</a:t>
+            </a:r>
+          </a:p>
+        </p:txBody>
+      </p:sp>
       <p:pic>
         <p:nvPicPr>
-          <p:cNvPr id="4" name="Content Placeholder 3" descr="Sequence Diagram"/>
+          <p:cNvPr id="7" name="Content Placeholder 6">
+            <a:extLst>
+              <a:ext uri="{FF2B5EF4-FFF2-40B4-BE49-F238E27FC236}">
+                <a16:creationId xmlns:a16="http://schemas.microsoft.com/office/drawing/2014/main" id="{4B12D4EC-46A3-07D9-5B9C-B8C3E086F5AA}"/>
+              </a:ext>
+            </a:extLst>
+          </p:cNvPr>
           <p:cNvPicPr>
             <a:picLocks noGrp="1" noChangeAspect="1"/>
           </p:cNvPicPr>
@@ -15311,46 +14504,11 @@
         </p:blipFill>
         <p:spPr>
           <a:xfrm>
-            <a:off x="575945" y="395605"/>
-            <a:ext cx="8973185" cy="5956300"/>
+            <a:off x="587343" y="683493"/>
+            <a:ext cx="8905303" cy="5688631"/>
           </a:xfrm>
-          <a:prstGeom prst="rect">
-            <a:avLst/>
-          </a:prstGeom>
         </p:spPr>
       </p:pic>
-      <p:sp>
-        <p:nvSpPr>
-          <p:cNvPr id="6" name="Text Box 5"/>
-          <p:cNvSpPr txBox="1"/>
-          <p:nvPr/>
-        </p:nvSpPr>
-        <p:spPr>
-          <a:xfrm>
-            <a:off x="3359785" y="6876415"/>
-            <a:ext cx="3360420" cy="368300"/>
-          </a:xfrm>
-          <a:prstGeom prst="rect">
-            <a:avLst/>
-          </a:prstGeom>
-          <a:noFill/>
-        </p:spPr>
-        <p:txBody>
-          <a:bodyPr wrap="square" rtlCol="0">
-            <a:spAutoFit/>
-          </a:bodyPr>
-          <a:lstStyle/>
-          <a:p>
-            <a:r>
-              <a:rPr lang="en-IN" altLang="en-US" b="1">
-                <a:latin typeface="Times New Roman" panose="02020603050405020304" pitchFamily="16" charset="0"/>
-                <a:cs typeface="Times New Roman" panose="02020603050405020304" pitchFamily="16" charset="0"/>
-              </a:rPr>
-              <a:t>Fig 9.3: Sequence Diagram</a:t>
-            </a:r>
-          </a:p>
-        </p:txBody>
-      </p:sp>
     </p:spTree>
   </p:cSld>
   <p:clrMapOvr>
@@ -15359,7 +14517,7 @@
 </p:sld>
 </file>
 
-<file path=ppt/slides/slide14.xml><?xml version="1.0" encoding="utf-8"?>
+<file path=ppt/slides/slide15.xml><?xml version="1.0" encoding="utf-8"?>
 <p:sld xmlns:a="http://schemas.openxmlformats.org/drawingml/2006/main" xmlns:r="http://schemas.openxmlformats.org/officeDocument/2006/relationships" xmlns:p="http://schemas.openxmlformats.org/presentationml/2006/main">
   <p:cSld>
     <p:bg>
@@ -15826,6 +14984,62 @@
               </a:tabLst>
               <a:defRPr/>
             </a:pPr>
+            <a:endParaRPr kumimoji="0" lang="en-IN" altLang="en-US" sz="3600" b="1" i="0" u="none" strike="noStrike" kern="1200" cap="none" spc="0" normalizeH="0" baseline="0" noProof="0" dirty="0">
+              <a:ln>
+                <a:noFill/>
+              </a:ln>
+              <a:solidFill>
+                <a:srgbClr val="000000"/>
+              </a:solidFill>
+              <a:effectLst/>
+              <a:uLnTx/>
+              <a:uFillTx/>
+              <a:latin typeface="Times New Roman" panose="02020603050405020304" pitchFamily="16" charset="0"/>
+              <a:ea typeface="+mn-ea"/>
+              <a:cs typeface="DejaVu Sans" charset="0"/>
+            </a:endParaRPr>
+          </a:p>
+          <a:p>
+            <a:pPr marL="0" marR="0" lvl="0" indent="0" algn="l" defTabSz="457200" rtl="0" eaLnBrk="1" fontAlgn="auto" latinLnBrk="0" hangingPunct="1">
+              <a:lnSpc>
+                <a:spcPct val="93000"/>
+              </a:lnSpc>
+              <a:spcBef>
+                <a:spcPts val="0"/>
+              </a:spcBef>
+              <a:spcAft>
+                <a:spcPts val="0"/>
+              </a:spcAft>
+              <a:buClr>
+                <a:srgbClr val="000000"/>
+              </a:buClr>
+              <a:buSzPct val="100000"/>
+              <a:buFont typeface="Times New Roman" panose="02020603050405020304" pitchFamily="16" charset="0"/>
+              <a:buNone/>
+              <a:tabLst>
+                <a:tab pos="448945" algn="l"/>
+                <a:tab pos="898525" algn="l"/>
+                <a:tab pos="1347470" algn="l"/>
+                <a:tab pos="1797050" algn="l"/>
+                <a:tab pos="2245995" algn="l"/>
+                <a:tab pos="2695575" algn="l"/>
+                <a:tab pos="3144520" algn="l"/>
+                <a:tab pos="3594100" algn="l"/>
+                <a:tab pos="4043045" algn="l"/>
+                <a:tab pos="4492625" algn="l"/>
+                <a:tab pos="4941570" algn="l"/>
+                <a:tab pos="5391150" algn="l"/>
+                <a:tab pos="5840095" algn="l"/>
+                <a:tab pos="6289675" algn="l"/>
+                <a:tab pos="6738620" algn="l"/>
+                <a:tab pos="7188200" algn="l"/>
+                <a:tab pos="7637145" algn="l"/>
+                <a:tab pos="8086725" algn="l"/>
+                <a:tab pos="8535670" algn="l"/>
+                <a:tab pos="8985250" algn="l"/>
+              </a:tabLst>
+              <a:defRPr/>
+            </a:pPr>
             <a:r>
               <a:rPr kumimoji="0" lang="en-IN" altLang="en-US" sz="3600" b="1" i="0" u="none" strike="noStrike" kern="1200" cap="none" spc="0" normalizeH="0" baseline="0" noProof="0" dirty="0">
                 <a:ln>
@@ -15841,7 +15055,24 @@
                 <a:ea typeface="+mn-ea"/>
                 <a:cs typeface="DejaVu Sans" charset="0"/>
               </a:rPr>
-              <a:t>10. Implementation Results</a:t>
+              <a:t>11. </a:t>
+            </a:r>
+            <a:r>
+              <a:rPr kumimoji="0" lang="en-IN" altLang="en-US" sz="3600" b="1" i="0" u="none" strike="noStrike" kern="1200" cap="none" spc="0" normalizeH="0" baseline="0" noProof="0" dirty="0">
+                <a:ln>
+                  <a:noFill/>
+                </a:ln>
+                <a:solidFill>
+                  <a:srgbClr val="000000"/>
+                </a:solidFill>
+                <a:effectLst/>
+                <a:uLnTx/>
+                <a:uFillTx/>
+                <a:latin typeface="Times New Roman" panose="02020603050405020304" pitchFamily="16" charset="0"/>
+                <a:ea typeface="+mn-ea"/>
+                <a:cs typeface="Noto Sans CJK SC Regular" charset="0"/>
+              </a:rPr>
+              <a:t>Gantt Chart of Sem VII</a:t>
             </a:r>
           </a:p>
           <a:p>
@@ -15900,113 +15131,67 @@
               <a:cs typeface="DejaVu Sans" charset="0"/>
             </a:endParaRPr>
           </a:p>
-        </p:txBody>
-      </p:sp>
-      <p:sp>
-        <p:nvSpPr>
-          <p:cNvPr id="32771" name="Rectangle 2"/>
-          <p:cNvSpPr/>
-          <p:nvPr/>
-        </p:nvSpPr>
-        <p:spPr>
-          <a:xfrm>
-            <a:off x="431800" y="1563688"/>
-            <a:ext cx="9070975" cy="4989512"/>
-          </a:xfrm>
-          <a:prstGeom prst="rect">
-            <a:avLst/>
-          </a:prstGeom>
-          <a:noFill/>
-          <a:ln w="9525">
-            <a:noFill/>
-          </a:ln>
-        </p:spPr>
-        <p:txBody>
-          <a:bodyPr lIns="0" tIns="21240" rIns="0" bIns="0"/>
-          <a:lstStyle/>
-          <a:p>
-            <a:pPr marL="107950" defTabSz="457200" eaLnBrk="1" hangingPunct="1">
+          <a:p>
+            <a:pPr marL="0" marR="0" lvl="0" indent="0" algn="l" defTabSz="457200" rtl="0" eaLnBrk="1" fontAlgn="auto" latinLnBrk="0" hangingPunct="1">
               <a:lnSpc>
                 <a:spcPct val="93000"/>
               </a:lnSpc>
+              <a:spcBef>
+                <a:spcPts val="0"/>
+              </a:spcBef>
               <a:spcAft>
-                <a:spcPts val="1415"/>
+                <a:spcPts val="0"/>
               </a:spcAft>
+              <a:buClr>
+                <a:srgbClr val="000000"/>
+              </a:buClr>
+              <a:buSzPct val="100000"/>
+              <a:buFont typeface="Times New Roman" panose="02020603050405020304" pitchFamily="16" charset="0"/>
               <a:buNone/>
               <a:tabLst>
-                <a:tab pos="449580" algn="l"/>
-                <a:tab pos="898525" algn="l"/>
-                <a:tab pos="1348105" algn="l"/>
-                <a:tab pos="1797050" algn="l"/>
-                <a:tab pos="2246630" algn="l"/>
-                <a:tab pos="2695575" algn="l"/>
-                <a:tab pos="3145155" algn="l"/>
+                <a:tab pos="448945" algn="l"/>
+                <a:tab pos="898525" algn="l"/>
+                <a:tab pos="1347470" algn="l"/>
+                <a:tab pos="1797050" algn="l"/>
+                <a:tab pos="2245995" algn="l"/>
+                <a:tab pos="2695575" algn="l"/>
+                <a:tab pos="3144520" algn="l"/>
                 <a:tab pos="3594100" algn="l"/>
-                <a:tab pos="4043680" algn="l"/>
+                <a:tab pos="4043045" algn="l"/>
                 <a:tab pos="4492625" algn="l"/>
-                <a:tab pos="4942205" algn="l"/>
+                <a:tab pos="4941570" algn="l"/>
                 <a:tab pos="5391150" algn="l"/>
-                <a:tab pos="5840730" algn="l"/>
+                <a:tab pos="5840095" algn="l"/>
                 <a:tab pos="6289675" algn="l"/>
-                <a:tab pos="6739255" algn="l"/>
+                <a:tab pos="6738620" algn="l"/>
                 <a:tab pos="7188200" algn="l"/>
-                <a:tab pos="7637780" algn="l"/>
+                <a:tab pos="7637145" algn="l"/>
                 <a:tab pos="8086725" algn="l"/>
-                <a:tab pos="8536305" algn="l"/>
+                <a:tab pos="8535670" algn="l"/>
                 <a:tab pos="8985250" algn="l"/>
               </a:tabLst>
+              <a:defRPr/>
             </a:pPr>
-            <a:endParaRPr lang="en-IN" altLang="en-US" sz="2400" dirty="0">
+            <a:endParaRPr kumimoji="0" lang="en-IN" altLang="en-US" sz="3600" b="1" i="0" u="none" strike="noStrike" kern="1200" cap="none" spc="0" normalizeH="0" baseline="0" noProof="0" dirty="0">
+              <a:ln>
+                <a:noFill/>
+              </a:ln>
               <a:solidFill>
                 <a:srgbClr val="000000"/>
               </a:solidFill>
+              <a:effectLst/>
+              <a:uLnTx/>
+              <a:uFillTx/>
               <a:latin typeface="Times New Roman" panose="02020603050405020304" pitchFamily="16" charset="0"/>
-              <a:ea typeface="Times New Roman" panose="02020603050405020304" pitchFamily="16" charset="0"/>
+              <a:ea typeface="+mn-ea"/>
+              <a:cs typeface="DejaVu Sans" charset="0"/>
             </a:endParaRPr>
-          </a:p>
-        </p:txBody>
-      </p:sp>
-      <p:sp>
-        <p:nvSpPr>
-          <p:cNvPr id="4" name="Text Box 3"/>
-          <p:cNvSpPr txBox="1"/>
-          <p:nvPr/>
-        </p:nvSpPr>
-        <p:spPr>
-          <a:xfrm>
-            <a:off x="2783840" y="6732270"/>
-            <a:ext cx="4366895" cy="368300"/>
-          </a:xfrm>
-          <a:prstGeom prst="rect">
-            <a:avLst/>
-          </a:prstGeom>
-          <a:noFill/>
-        </p:spPr>
-        <p:txBody>
-          <a:bodyPr wrap="square" rtlCol="0">
-            <a:spAutoFit/>
-          </a:bodyPr>
-          <a:lstStyle/>
-          <a:p>
-            <a:r>
-              <a:rPr lang="en-IN" altLang="en-US" b="1">
-                <a:latin typeface="Times New Roman" panose="02020603050405020304" pitchFamily="16" charset="0"/>
-                <a:cs typeface="Times New Roman" panose="02020603050405020304" pitchFamily="16" charset="0"/>
-              </a:rPr>
-              <a:t>Fig 10.1: Automation using Credly API</a:t>
-            </a:r>
           </a:p>
         </p:txBody>
       </p:sp>
       <p:pic>
         <p:nvPicPr>
-          <p:cNvPr id="8" name="Content Placeholder 7">
-            <a:extLst>
-              <a:ext uri="{FF2B5EF4-FFF2-40B4-BE49-F238E27FC236}">
-                <a16:creationId xmlns:a16="http://schemas.microsoft.com/office/drawing/2014/main" id="{E19EA64E-B61D-22A1-2165-EDA13CC188B9}"/>
-              </a:ext>
-            </a:extLst>
-          </p:cNvPr>
+          <p:cNvPr id="2" name="Content Placeholder 1" descr="Pic"/>
           <p:cNvPicPr>
             <a:picLocks noGrp="1" noChangeAspect="1"/>
           </p:cNvPicPr>
@@ -16022,9 +15207,12 @@
         </p:blipFill>
         <p:spPr>
           <a:xfrm>
-            <a:off x="1018121" y="1188941"/>
-            <a:ext cx="8041207" cy="5362442"/>
+            <a:off x="575945" y="1424305"/>
+            <a:ext cx="9086850" cy="5490845"/>
           </a:xfrm>
+          <a:prstGeom prst="rect">
+            <a:avLst/>
+          </a:prstGeom>
         </p:spPr>
       </p:pic>
     </p:spTree>
@@ -16033,92 +15221,6 @@
     <a:overrideClrMapping bg1="lt1" tx1="dk1" bg2="lt2" tx2="dk2" accent1="accent1" accent2="accent2" accent3="accent3" accent4="accent4" accent5="accent5" accent6="accent6" hlink="hlink" folHlink="folHlink"/>
   </p:clrMapOvr>
   <p:transition spd="med"/>
-</p:sld>
-</file>
-
-<file path=ppt/slides/slide15.xml><?xml version="1.0" encoding="utf-8"?>
-<p:sld xmlns:a="http://schemas.openxmlformats.org/drawingml/2006/main" xmlns:r="http://schemas.openxmlformats.org/officeDocument/2006/relationships" xmlns:p="http://schemas.openxmlformats.org/presentationml/2006/main">
-  <p:cSld>
-    <p:spTree>
-      <p:nvGrpSpPr>
-        <p:cNvPr id="1" name=""/>
-        <p:cNvGrpSpPr/>
-        <p:nvPr/>
-      </p:nvGrpSpPr>
-      <p:grpSpPr>
-        <a:xfrm>
-          <a:off x="0" y="0"/>
-          <a:ext cx="0" cy="0"/>
-          <a:chOff x="0" y="0"/>
-          <a:chExt cx="0" cy="0"/>
-        </a:xfrm>
-      </p:grpSpPr>
-      <p:sp>
-        <p:nvSpPr>
-          <p:cNvPr id="6" name="Text Box 5"/>
-          <p:cNvSpPr txBox="1"/>
-          <p:nvPr/>
-        </p:nvSpPr>
-        <p:spPr>
-          <a:xfrm>
-            <a:off x="3359785" y="6876415"/>
-            <a:ext cx="3360420" cy="368300"/>
-          </a:xfrm>
-          <a:prstGeom prst="rect">
-            <a:avLst/>
-          </a:prstGeom>
-          <a:noFill/>
-        </p:spPr>
-        <p:txBody>
-          <a:bodyPr wrap="square" rtlCol="0">
-            <a:spAutoFit/>
-          </a:bodyPr>
-          <a:lstStyle/>
-          <a:p>
-            <a:r>
-              <a:rPr lang="en-IN" altLang="en-US" b="1">
-                <a:latin typeface="Times New Roman" panose="02020603050405020304" pitchFamily="16" charset="0"/>
-                <a:cs typeface="Times New Roman" panose="02020603050405020304" pitchFamily="16" charset="0"/>
-              </a:rPr>
-              <a:t>Fig 10.2: Certificate Validation</a:t>
-            </a:r>
-          </a:p>
-        </p:txBody>
-      </p:sp>
-      <p:pic>
-        <p:nvPicPr>
-          <p:cNvPr id="7" name="Content Placeholder 6">
-            <a:extLst>
-              <a:ext uri="{FF2B5EF4-FFF2-40B4-BE49-F238E27FC236}">
-                <a16:creationId xmlns:a16="http://schemas.microsoft.com/office/drawing/2014/main" id="{4B12D4EC-46A3-07D9-5B9C-B8C3E086F5AA}"/>
-              </a:ext>
-            </a:extLst>
-          </p:cNvPr>
-          <p:cNvPicPr>
-            <a:picLocks noGrp="1" noChangeAspect="1"/>
-          </p:cNvPicPr>
-          <p:nvPr>
-            <p:ph idx="1"/>
-          </p:nvPr>
-        </p:nvPicPr>
-        <p:blipFill>
-          <a:blip r:embed="rId2"/>
-          <a:stretch>
-            <a:fillRect/>
-          </a:stretch>
-        </p:blipFill>
-        <p:spPr>
-          <a:xfrm>
-            <a:off x="587343" y="683493"/>
-            <a:ext cx="8905303" cy="5688631"/>
-          </a:xfrm>
-        </p:spPr>
-      </p:pic>
-    </p:spTree>
-  </p:cSld>
-  <p:clrMapOvr>
-    <a:masterClrMapping/>
-  </p:clrMapOvr>
 </p:sld>
 </file>
 
@@ -16589,62 +15691,6 @@
               </a:tabLst>
               <a:defRPr/>
             </a:pPr>
-            <a:endParaRPr kumimoji="0" lang="en-IN" altLang="en-US" sz="3600" b="1" i="0" u="none" strike="noStrike" kern="1200" cap="none" spc="0" normalizeH="0" baseline="0" noProof="0" dirty="0">
-              <a:ln>
-                <a:noFill/>
-              </a:ln>
-              <a:solidFill>
-                <a:srgbClr val="000000"/>
-              </a:solidFill>
-              <a:effectLst/>
-              <a:uLnTx/>
-              <a:uFillTx/>
-              <a:latin typeface="Times New Roman" panose="02020603050405020304" pitchFamily="16" charset="0"/>
-              <a:ea typeface="+mn-ea"/>
-              <a:cs typeface="DejaVu Sans" charset="0"/>
-            </a:endParaRPr>
-          </a:p>
-          <a:p>
-            <a:pPr marL="0" marR="0" lvl="0" indent="0" algn="l" defTabSz="457200" rtl="0" eaLnBrk="1" fontAlgn="auto" latinLnBrk="0" hangingPunct="1">
-              <a:lnSpc>
-                <a:spcPct val="93000"/>
-              </a:lnSpc>
-              <a:spcBef>
-                <a:spcPts val="0"/>
-              </a:spcBef>
-              <a:spcAft>
-                <a:spcPts val="0"/>
-              </a:spcAft>
-              <a:buClr>
-                <a:srgbClr val="000000"/>
-              </a:buClr>
-              <a:buSzPct val="100000"/>
-              <a:buFont typeface="Times New Roman" panose="02020603050405020304" pitchFamily="16" charset="0"/>
-              <a:buNone/>
-              <a:tabLst>
-                <a:tab pos="448945" algn="l"/>
-                <a:tab pos="898525" algn="l"/>
-                <a:tab pos="1347470" algn="l"/>
-                <a:tab pos="1797050" algn="l"/>
-                <a:tab pos="2245995" algn="l"/>
-                <a:tab pos="2695575" algn="l"/>
-                <a:tab pos="3144520" algn="l"/>
-                <a:tab pos="3594100" algn="l"/>
-                <a:tab pos="4043045" algn="l"/>
-                <a:tab pos="4492625" algn="l"/>
-                <a:tab pos="4941570" algn="l"/>
-                <a:tab pos="5391150" algn="l"/>
-                <a:tab pos="5840095" algn="l"/>
-                <a:tab pos="6289675" algn="l"/>
-                <a:tab pos="6738620" algn="l"/>
-                <a:tab pos="7188200" algn="l"/>
-                <a:tab pos="7637145" algn="l"/>
-                <a:tab pos="8086725" algn="l"/>
-                <a:tab pos="8535670" algn="l"/>
-                <a:tab pos="8985250" algn="l"/>
-              </a:tabLst>
-              <a:defRPr/>
-            </a:pPr>
             <a:r>
               <a:rPr kumimoji="0" lang="en-IN" altLang="en-US" sz="3600" b="1" i="0" u="none" strike="noStrike" kern="1200" cap="none" spc="0" normalizeH="0" baseline="0" noProof="0" dirty="0">
                 <a:ln>
@@ -16660,24 +15706,7 @@
                 <a:ea typeface="+mn-ea"/>
                 <a:cs typeface="DejaVu Sans" charset="0"/>
               </a:rPr>
-              <a:t>11. </a:t>
-            </a:r>
-            <a:r>
-              <a:rPr kumimoji="0" lang="en-IN" altLang="en-US" sz="3600" b="1" i="0" u="none" strike="noStrike" kern="1200" cap="none" spc="0" normalizeH="0" baseline="0" noProof="0" dirty="0">
-                <a:ln>
-                  <a:noFill/>
-                </a:ln>
-                <a:solidFill>
-                  <a:srgbClr val="000000"/>
-                </a:solidFill>
-                <a:effectLst/>
-                <a:uLnTx/>
-                <a:uFillTx/>
-                <a:latin typeface="Times New Roman" panose="02020603050405020304" pitchFamily="16" charset="0"/>
-                <a:ea typeface="+mn-ea"/>
-                <a:cs typeface="Noto Sans CJK SC Regular" charset="0"/>
-              </a:rPr>
-              <a:t>Gantt Chart of Sem VII</a:t>
+              <a:t>12. Summary</a:t>
             </a:r>
           </a:p>
           <a:p>
@@ -16736,8 +15765,32 @@
               <a:cs typeface="DejaVu Sans" charset="0"/>
             </a:endParaRPr>
           </a:p>
-          <a:p>
-            <a:pPr marL="0" marR="0" lvl="0" indent="0" algn="l" defTabSz="457200" rtl="0" eaLnBrk="1" fontAlgn="auto" latinLnBrk="0" hangingPunct="1">
+        </p:txBody>
+      </p:sp>
+      <p:sp>
+        <p:nvSpPr>
+          <p:cNvPr id="36867" name="Rectangle 2"/>
+          <p:cNvSpPr/>
+          <p:nvPr/>
+        </p:nvSpPr>
+        <p:spPr>
+          <a:xfrm>
+            <a:off x="431800" y="1329690"/>
+            <a:ext cx="9070975" cy="5223510"/>
+          </a:xfrm>
+          <a:prstGeom prst="rect">
+            <a:avLst/>
+          </a:prstGeom>
+          <a:noFill/>
+          <a:ln w="9525">
+            <a:noFill/>
+          </a:ln>
+        </p:spPr>
+        <p:txBody>
+          <a:bodyPr lIns="0" tIns="21240" rIns="0" bIns="0"/>
+          <a:lstStyle/>
+          <a:p>
+            <a:pPr marL="450850" indent="-342900" algn="just" defTabSz="457200" eaLnBrk="1" hangingPunct="1">
               <a:lnSpc>
                 <a:spcPct val="93000"/>
               </a:lnSpc>
@@ -16745,81 +15798,395 @@
                 <a:spcPts val="0"/>
               </a:spcBef>
               <a:spcAft>
+                <a:spcPts val="1415"/>
+              </a:spcAft>
+              <a:buFont typeface="Arial" panose="020B0604020202020204" pitchFamily="34" charset="0"/>
+              <a:buChar char="•"/>
+              <a:tabLst>
+                <a:tab pos="449580" algn="l"/>
+                <a:tab pos="898525" algn="l"/>
+                <a:tab pos="1348105" algn="l"/>
+                <a:tab pos="1797050" algn="l"/>
+                <a:tab pos="2246630" algn="l"/>
+                <a:tab pos="2695575" algn="l"/>
+                <a:tab pos="3145155" algn="l"/>
+                <a:tab pos="3594100" algn="l"/>
+                <a:tab pos="4043680" algn="l"/>
+                <a:tab pos="4492625" algn="l"/>
+                <a:tab pos="4942205" algn="l"/>
+                <a:tab pos="5391150" algn="l"/>
+                <a:tab pos="5840730" algn="l"/>
+                <a:tab pos="6289675" algn="l"/>
+                <a:tab pos="6739255" algn="l"/>
+                <a:tab pos="7188200" algn="l"/>
+                <a:tab pos="7637780" algn="l"/>
+                <a:tab pos="8086725" algn="l"/>
+                <a:tab pos="8536305" algn="l"/>
+                <a:tab pos="8985250" algn="l"/>
+              </a:tabLst>
+            </a:pPr>
+            <a:r>
+              <a:rPr lang="en-US" altLang="en-US" sz="2400" b="1" dirty="0">
+                <a:solidFill>
+                  <a:srgbClr val="000000"/>
+                </a:solidFill>
+                <a:latin typeface="Times New Roman" panose="02020603050405020304" pitchFamily="16" charset="0"/>
+                <a:cs typeface="Times New Roman" panose="02020603050405020304" pitchFamily="16" charset="0"/>
+              </a:rPr>
+              <a:t>Data Collection Process:</a:t>
+            </a:r>
+          </a:p>
+          <a:p>
+            <a:pPr marL="908050" lvl="1" indent="-342900" algn="just" defTabSz="457200" eaLnBrk="1" hangingPunct="1">
+              <a:lnSpc>
+                <a:spcPct val="93000"/>
+              </a:lnSpc>
+              <a:spcBef>
                 <a:spcPts val="0"/>
+              </a:spcBef>
+              <a:spcAft>
+                <a:spcPts val="1415"/>
               </a:spcAft>
-              <a:buClr>
-                <a:srgbClr val="000000"/>
-              </a:buClr>
-              <a:buSzPct val="100000"/>
-              <a:buFont typeface="Times New Roman" panose="02020603050405020304" pitchFamily="16" charset="0"/>
-              <a:buNone/>
-              <a:tabLst>
-                <a:tab pos="448945" algn="l"/>
-                <a:tab pos="898525" algn="l"/>
-                <a:tab pos="1347470" algn="l"/>
-                <a:tab pos="1797050" algn="l"/>
-                <a:tab pos="2245995" algn="l"/>
-                <a:tab pos="2695575" algn="l"/>
-                <a:tab pos="3144520" algn="l"/>
+              <a:buFont typeface="Wingdings" panose="05000000000000000000" charset="0"/>
+              <a:buChar char="Ø"/>
+              <a:tabLst>
+                <a:tab pos="449580" algn="l"/>
+                <a:tab pos="898525" algn="l"/>
+                <a:tab pos="1348105" algn="l"/>
+                <a:tab pos="1797050" algn="l"/>
+                <a:tab pos="2246630" algn="l"/>
+                <a:tab pos="2695575" algn="l"/>
+                <a:tab pos="3145155" algn="l"/>
                 <a:tab pos="3594100" algn="l"/>
-                <a:tab pos="4043045" algn="l"/>
+                <a:tab pos="4043680" algn="l"/>
                 <a:tab pos="4492625" algn="l"/>
-                <a:tab pos="4941570" algn="l"/>
+                <a:tab pos="4942205" algn="l"/>
                 <a:tab pos="5391150" algn="l"/>
-                <a:tab pos="5840095" algn="l"/>
+                <a:tab pos="5840730" algn="l"/>
                 <a:tab pos="6289675" algn="l"/>
-                <a:tab pos="6738620" algn="l"/>
+                <a:tab pos="6739255" algn="l"/>
                 <a:tab pos="7188200" algn="l"/>
-                <a:tab pos="7637145" algn="l"/>
+                <a:tab pos="7637780" algn="l"/>
                 <a:tab pos="8086725" algn="l"/>
-                <a:tab pos="8535670" algn="l"/>
+                <a:tab pos="8536305" algn="l"/>
                 <a:tab pos="8985250" algn="l"/>
               </a:tabLst>
-              <a:defRPr/>
             </a:pPr>
-            <a:endParaRPr kumimoji="0" lang="en-IN" altLang="en-US" sz="3600" b="1" i="0" u="none" strike="noStrike" kern="1200" cap="none" spc="0" normalizeH="0" baseline="0" noProof="0" dirty="0">
-              <a:ln>
-                <a:noFill/>
-              </a:ln>
-              <a:solidFill>
-                <a:srgbClr val="000000"/>
-              </a:solidFill>
-              <a:effectLst/>
-              <a:uLnTx/>
-              <a:uFillTx/>
-              <a:latin typeface="Times New Roman" panose="02020603050405020304" pitchFamily="16" charset="0"/>
-              <a:ea typeface="+mn-ea"/>
-              <a:cs typeface="DejaVu Sans" charset="0"/>
-            </a:endParaRPr>
+            <a:r>
+              <a:rPr lang="en-US" altLang="en-US" sz="2400" dirty="0">
+                <a:solidFill>
+                  <a:srgbClr val="000000"/>
+                </a:solidFill>
+                <a:latin typeface="Times New Roman" panose="02020603050405020304" pitchFamily="16" charset="0"/>
+                <a:cs typeface="Times New Roman" panose="02020603050405020304" pitchFamily="16" charset="0"/>
+              </a:rPr>
+              <a:t>The platform's </a:t>
+            </a:r>
+            <a:r>
+              <a:rPr lang="en-IN" altLang="en-US" sz="2400" dirty="0">
+                <a:solidFill>
+                  <a:srgbClr val="000000"/>
+                </a:solidFill>
+                <a:latin typeface="Times New Roman" panose="02020603050405020304" pitchFamily="16" charset="0"/>
+                <a:cs typeface="Times New Roman" panose="02020603050405020304" pitchFamily="16" charset="0"/>
+              </a:rPr>
+              <a:t>user </a:t>
+            </a:r>
+            <a:r>
+              <a:rPr lang="en-US" altLang="en-US" sz="2400" dirty="0">
+                <a:solidFill>
+                  <a:srgbClr val="000000"/>
+                </a:solidFill>
+                <a:latin typeface="Times New Roman" panose="02020603050405020304" pitchFamily="16" charset="0"/>
+                <a:cs typeface="Times New Roman" panose="02020603050405020304" pitchFamily="16" charset="0"/>
+              </a:rPr>
+              <a:t>data collection system is fully implemented.</a:t>
+            </a:r>
+          </a:p>
+          <a:p>
+            <a:pPr marL="450850" indent="-342900" algn="just" defTabSz="457200" eaLnBrk="1" hangingPunct="1">
+              <a:lnSpc>
+                <a:spcPct val="93000"/>
+              </a:lnSpc>
+              <a:spcBef>
+                <a:spcPts val="0"/>
+              </a:spcBef>
+              <a:spcAft>
+                <a:spcPts val="1415"/>
+              </a:spcAft>
+              <a:buFont typeface="Arial" panose="020B0604020202020204" pitchFamily="34" charset="0"/>
+              <a:buChar char="•"/>
+              <a:tabLst>
+                <a:tab pos="449580" algn="l"/>
+                <a:tab pos="898525" algn="l"/>
+                <a:tab pos="1348105" algn="l"/>
+                <a:tab pos="1797050" algn="l"/>
+                <a:tab pos="2246630" algn="l"/>
+                <a:tab pos="2695575" algn="l"/>
+                <a:tab pos="3145155" algn="l"/>
+                <a:tab pos="3594100" algn="l"/>
+                <a:tab pos="4043680" algn="l"/>
+                <a:tab pos="4492625" algn="l"/>
+                <a:tab pos="4942205" algn="l"/>
+                <a:tab pos="5391150" algn="l"/>
+                <a:tab pos="5840730" algn="l"/>
+                <a:tab pos="6289675" algn="l"/>
+                <a:tab pos="6739255" algn="l"/>
+                <a:tab pos="7188200" algn="l"/>
+                <a:tab pos="7637780" algn="l"/>
+                <a:tab pos="8086725" algn="l"/>
+                <a:tab pos="8536305" algn="l"/>
+                <a:tab pos="8985250" algn="l"/>
+              </a:tabLst>
+            </a:pPr>
+            <a:r>
+              <a:rPr lang="en-US" altLang="en-US" sz="2400" b="1" dirty="0">
+                <a:solidFill>
+                  <a:srgbClr val="000000"/>
+                </a:solidFill>
+                <a:latin typeface="Times New Roman" panose="02020603050405020304" pitchFamily="16" charset="0"/>
+                <a:cs typeface="Times New Roman" panose="02020603050405020304" pitchFamily="16" charset="0"/>
+              </a:rPr>
+              <a:t>Credly Link Integration:</a:t>
+            </a:r>
+          </a:p>
+          <a:p>
+            <a:pPr marL="908050" lvl="1" indent="-342900" algn="just" defTabSz="457200" eaLnBrk="1" hangingPunct="1">
+              <a:lnSpc>
+                <a:spcPct val="93000"/>
+              </a:lnSpc>
+              <a:spcBef>
+                <a:spcPts val="0"/>
+              </a:spcBef>
+              <a:spcAft>
+                <a:spcPts val="1415"/>
+              </a:spcAft>
+              <a:buFont typeface="Wingdings" panose="05000000000000000000" charset="0"/>
+              <a:buChar char="Ø"/>
+              <a:tabLst>
+                <a:tab pos="449580" algn="l"/>
+                <a:tab pos="898525" algn="l"/>
+                <a:tab pos="1348105" algn="l"/>
+                <a:tab pos="1797050" algn="l"/>
+                <a:tab pos="2246630" algn="l"/>
+                <a:tab pos="2695575" algn="l"/>
+                <a:tab pos="3145155" algn="l"/>
+                <a:tab pos="3594100" algn="l"/>
+                <a:tab pos="4043680" algn="l"/>
+                <a:tab pos="4492625" algn="l"/>
+                <a:tab pos="4942205" algn="l"/>
+                <a:tab pos="5391150" algn="l"/>
+                <a:tab pos="5840730" algn="l"/>
+                <a:tab pos="6289675" algn="l"/>
+                <a:tab pos="6739255" algn="l"/>
+                <a:tab pos="7188200" algn="l"/>
+                <a:tab pos="7637780" algn="l"/>
+                <a:tab pos="8086725" algn="l"/>
+                <a:tab pos="8536305" algn="l"/>
+                <a:tab pos="8985250" algn="l"/>
+              </a:tabLst>
+            </a:pPr>
+            <a:r>
+              <a:rPr lang="en-US" altLang="en-US" sz="2400" dirty="0">
+                <a:solidFill>
+                  <a:srgbClr val="000000"/>
+                </a:solidFill>
+                <a:latin typeface="Times New Roman" panose="02020603050405020304" pitchFamily="16" charset="0"/>
+                <a:cs typeface="Times New Roman" panose="02020603050405020304" pitchFamily="16" charset="0"/>
+              </a:rPr>
+              <a:t>Users can provide their Credly links to automatically fetch their badges.</a:t>
+            </a:r>
+          </a:p>
+          <a:p>
+            <a:pPr marL="1022350" lvl="1" indent="-457200" algn="just" defTabSz="457200" eaLnBrk="1" hangingPunct="1">
+              <a:lnSpc>
+                <a:spcPct val="93000"/>
+              </a:lnSpc>
+              <a:spcBef>
+                <a:spcPts val="0"/>
+              </a:spcBef>
+              <a:spcAft>
+                <a:spcPts val="1415"/>
+              </a:spcAft>
+              <a:buFont typeface="Wingdings" panose="05000000000000000000" charset="0"/>
+              <a:buChar char="Ø"/>
+              <a:tabLst>
+                <a:tab pos="449580" algn="l"/>
+                <a:tab pos="898525" algn="l"/>
+                <a:tab pos="1348105" algn="l"/>
+                <a:tab pos="1797050" algn="l"/>
+                <a:tab pos="2246630" algn="l"/>
+                <a:tab pos="2695575" algn="l"/>
+                <a:tab pos="3145155" algn="l"/>
+                <a:tab pos="3594100" algn="l"/>
+                <a:tab pos="4043680" algn="l"/>
+                <a:tab pos="4492625" algn="l"/>
+                <a:tab pos="4942205" algn="l"/>
+                <a:tab pos="5391150" algn="l"/>
+                <a:tab pos="5840730" algn="l"/>
+                <a:tab pos="6289675" algn="l"/>
+                <a:tab pos="6739255" algn="l"/>
+                <a:tab pos="7188200" algn="l"/>
+                <a:tab pos="7637780" algn="l"/>
+                <a:tab pos="8086725" algn="l"/>
+                <a:tab pos="8536305" algn="l"/>
+                <a:tab pos="8985250" algn="l"/>
+              </a:tabLst>
+            </a:pPr>
+            <a:r>
+              <a:rPr lang="en-US" altLang="en-US" sz="2400" dirty="0">
+                <a:solidFill>
+                  <a:srgbClr val="000000"/>
+                </a:solidFill>
+                <a:latin typeface="Times New Roman" panose="02020603050405020304" pitchFamily="16" charset="0"/>
+                <a:cs typeface="Times New Roman" panose="02020603050405020304" pitchFamily="16" charset="0"/>
+              </a:rPr>
+              <a:t>This simplifies the achievement data collection process.</a:t>
+            </a:r>
+          </a:p>
+          <a:p>
+            <a:pPr marL="450850" indent="-342900" algn="just" defTabSz="457200" eaLnBrk="1" hangingPunct="1">
+              <a:lnSpc>
+                <a:spcPct val="93000"/>
+              </a:lnSpc>
+              <a:spcBef>
+                <a:spcPts val="0"/>
+              </a:spcBef>
+              <a:spcAft>
+                <a:spcPts val="1415"/>
+              </a:spcAft>
+              <a:buFont typeface="Arial" panose="020B0604020202020204" pitchFamily="34" charset="0"/>
+              <a:buChar char="•"/>
+              <a:tabLst>
+                <a:tab pos="449580" algn="l"/>
+                <a:tab pos="898525" algn="l"/>
+                <a:tab pos="1348105" algn="l"/>
+                <a:tab pos="1797050" algn="l"/>
+                <a:tab pos="2246630" algn="l"/>
+                <a:tab pos="2695575" algn="l"/>
+                <a:tab pos="3145155" algn="l"/>
+                <a:tab pos="3594100" algn="l"/>
+                <a:tab pos="4043680" algn="l"/>
+                <a:tab pos="4492625" algn="l"/>
+                <a:tab pos="4942205" algn="l"/>
+                <a:tab pos="5391150" algn="l"/>
+                <a:tab pos="5840730" algn="l"/>
+                <a:tab pos="6289675" algn="l"/>
+                <a:tab pos="6739255" algn="l"/>
+                <a:tab pos="7188200" algn="l"/>
+                <a:tab pos="7637780" algn="l"/>
+                <a:tab pos="8086725" algn="l"/>
+                <a:tab pos="8536305" algn="l"/>
+                <a:tab pos="8985250" algn="l"/>
+              </a:tabLst>
+            </a:pPr>
+            <a:r>
+              <a:rPr lang="en-US" altLang="en-US" sz="2400" b="1" dirty="0">
+                <a:solidFill>
+                  <a:srgbClr val="000000"/>
+                </a:solidFill>
+                <a:latin typeface="Times New Roman" panose="02020603050405020304" pitchFamily="16" charset="0"/>
+                <a:cs typeface="Times New Roman" panose="02020603050405020304" pitchFamily="16" charset="0"/>
+              </a:rPr>
+              <a:t>Certificate Uploading Feature:</a:t>
+            </a:r>
+          </a:p>
+          <a:p>
+            <a:pPr marL="908050" lvl="1" indent="-342900" algn="just" defTabSz="457200" eaLnBrk="1" hangingPunct="1">
+              <a:lnSpc>
+                <a:spcPct val="93000"/>
+              </a:lnSpc>
+              <a:spcBef>
+                <a:spcPts val="0"/>
+              </a:spcBef>
+              <a:spcAft>
+                <a:spcPts val="1415"/>
+              </a:spcAft>
+              <a:buFont typeface="Wingdings" panose="05000000000000000000" charset="0"/>
+              <a:buChar char="Ø"/>
+              <a:tabLst>
+                <a:tab pos="449580" algn="l"/>
+                <a:tab pos="898525" algn="l"/>
+                <a:tab pos="1348105" algn="l"/>
+                <a:tab pos="1797050" algn="l"/>
+                <a:tab pos="2246630" algn="l"/>
+                <a:tab pos="2695575" algn="l"/>
+                <a:tab pos="3145155" algn="l"/>
+                <a:tab pos="3594100" algn="l"/>
+                <a:tab pos="4043680" algn="l"/>
+                <a:tab pos="4492625" algn="l"/>
+                <a:tab pos="4942205" algn="l"/>
+                <a:tab pos="5391150" algn="l"/>
+                <a:tab pos="5840730" algn="l"/>
+                <a:tab pos="6289675" algn="l"/>
+                <a:tab pos="6739255" algn="l"/>
+                <a:tab pos="7188200" algn="l"/>
+                <a:tab pos="7637780" algn="l"/>
+                <a:tab pos="8086725" algn="l"/>
+                <a:tab pos="8536305" algn="l"/>
+                <a:tab pos="8985250" algn="l"/>
+              </a:tabLst>
+            </a:pPr>
+            <a:r>
+              <a:rPr lang="en-US" altLang="en-US" sz="2400" dirty="0">
+                <a:solidFill>
+                  <a:srgbClr val="000000"/>
+                </a:solidFill>
+                <a:latin typeface="Times New Roman" panose="02020603050405020304" pitchFamily="16" charset="0"/>
+                <a:cs typeface="Times New Roman" panose="02020603050405020304" pitchFamily="16" charset="0"/>
+              </a:rPr>
+              <a:t>Users can upload their certificates easily.</a:t>
+            </a:r>
+          </a:p>
+          <a:p>
+            <a:pPr marL="908050" lvl="1" indent="-342900" algn="just" defTabSz="457200" eaLnBrk="1" hangingPunct="1">
+              <a:lnSpc>
+                <a:spcPct val="93000"/>
+              </a:lnSpc>
+              <a:spcBef>
+                <a:spcPts val="0"/>
+              </a:spcBef>
+              <a:spcAft>
+                <a:spcPts val="1415"/>
+              </a:spcAft>
+              <a:buFont typeface="Wingdings" panose="05000000000000000000" charset="0"/>
+              <a:buChar char="Ø"/>
+              <a:tabLst>
+                <a:tab pos="449580" algn="l"/>
+                <a:tab pos="898525" algn="l"/>
+                <a:tab pos="1348105" algn="l"/>
+                <a:tab pos="1797050" algn="l"/>
+                <a:tab pos="2246630" algn="l"/>
+                <a:tab pos="2695575" algn="l"/>
+                <a:tab pos="3145155" algn="l"/>
+                <a:tab pos="3594100" algn="l"/>
+                <a:tab pos="4043680" algn="l"/>
+                <a:tab pos="4492625" algn="l"/>
+                <a:tab pos="4942205" algn="l"/>
+                <a:tab pos="5391150" algn="l"/>
+                <a:tab pos="5840730" algn="l"/>
+                <a:tab pos="6289675" algn="l"/>
+                <a:tab pos="6739255" algn="l"/>
+                <a:tab pos="7188200" algn="l"/>
+                <a:tab pos="7637780" algn="l"/>
+                <a:tab pos="8086725" algn="l"/>
+                <a:tab pos="8536305" algn="l"/>
+                <a:tab pos="8985250" algn="l"/>
+              </a:tabLst>
+            </a:pPr>
+            <a:r>
+              <a:rPr lang="en-US" altLang="en-US" sz="2400" dirty="0">
+                <a:solidFill>
+                  <a:srgbClr val="000000"/>
+                </a:solidFill>
+                <a:latin typeface="Times New Roman" panose="02020603050405020304" pitchFamily="16" charset="0"/>
+                <a:cs typeface="Times New Roman" panose="02020603050405020304" pitchFamily="16" charset="0"/>
+              </a:rPr>
+              <a:t>A robust authentication mechanism verifies the validity of uploaded certificates.</a:t>
+            </a:r>
           </a:p>
         </p:txBody>
       </p:sp>
-      <p:pic>
-        <p:nvPicPr>
-          <p:cNvPr id="2" name="Content Placeholder 1" descr="Pic"/>
-          <p:cNvPicPr>
-            <a:picLocks noGrp="1" noChangeAspect="1"/>
-          </p:cNvPicPr>
-          <p:nvPr>
-            <p:ph idx="1"/>
-          </p:nvPr>
-        </p:nvPicPr>
-        <p:blipFill>
-          <a:blip r:embed="rId3"/>
-          <a:stretch>
-            <a:fillRect/>
-          </a:stretch>
-        </p:blipFill>
-        <p:spPr>
-          <a:xfrm>
-            <a:off x="575945" y="1424305"/>
-            <a:ext cx="9086850" cy="5490845"/>
-          </a:xfrm>
-          <a:prstGeom prst="rect">
-            <a:avLst/>
-          </a:prstGeom>
-        </p:spPr>
-      </p:pic>
     </p:spTree>
   </p:cSld>
   <p:clrMapOvr>
@@ -17311,978 +16678,6 @@
                 <a:ea typeface="+mn-ea"/>
                 <a:cs typeface="DejaVu Sans" charset="0"/>
               </a:rPr>
-              <a:t>12. Summary</a:t>
-            </a:r>
-          </a:p>
-          <a:p>
-            <a:pPr marL="0" marR="0" lvl="0" indent="0" algn="l" defTabSz="457200" rtl="0" eaLnBrk="1" fontAlgn="auto" latinLnBrk="0" hangingPunct="1">
-              <a:lnSpc>
-                <a:spcPct val="93000"/>
-              </a:lnSpc>
-              <a:spcBef>
-                <a:spcPts val="0"/>
-              </a:spcBef>
-              <a:spcAft>
-                <a:spcPts val="0"/>
-              </a:spcAft>
-              <a:buClr>
-                <a:srgbClr val="000000"/>
-              </a:buClr>
-              <a:buSzPct val="100000"/>
-              <a:buFont typeface="Times New Roman" panose="02020603050405020304" pitchFamily="16" charset="0"/>
-              <a:buNone/>
-              <a:tabLst>
-                <a:tab pos="448945" algn="l"/>
-                <a:tab pos="898525" algn="l"/>
-                <a:tab pos="1347470" algn="l"/>
-                <a:tab pos="1797050" algn="l"/>
-                <a:tab pos="2245995" algn="l"/>
-                <a:tab pos="2695575" algn="l"/>
-                <a:tab pos="3144520" algn="l"/>
-                <a:tab pos="3594100" algn="l"/>
-                <a:tab pos="4043045" algn="l"/>
-                <a:tab pos="4492625" algn="l"/>
-                <a:tab pos="4941570" algn="l"/>
-                <a:tab pos="5391150" algn="l"/>
-                <a:tab pos="5840095" algn="l"/>
-                <a:tab pos="6289675" algn="l"/>
-                <a:tab pos="6738620" algn="l"/>
-                <a:tab pos="7188200" algn="l"/>
-                <a:tab pos="7637145" algn="l"/>
-                <a:tab pos="8086725" algn="l"/>
-                <a:tab pos="8535670" algn="l"/>
-                <a:tab pos="8985250" algn="l"/>
-              </a:tabLst>
-              <a:defRPr/>
-            </a:pPr>
-            <a:endParaRPr kumimoji="0" lang="en-IN" altLang="en-US" sz="3600" b="1" i="0" u="none" strike="noStrike" kern="1200" cap="none" spc="0" normalizeH="0" baseline="0" noProof="0" dirty="0">
-              <a:ln>
-                <a:noFill/>
-              </a:ln>
-              <a:solidFill>
-                <a:srgbClr val="000000"/>
-              </a:solidFill>
-              <a:effectLst/>
-              <a:uLnTx/>
-              <a:uFillTx/>
-              <a:latin typeface="Times New Roman" panose="02020603050405020304" pitchFamily="16" charset="0"/>
-              <a:ea typeface="+mn-ea"/>
-              <a:cs typeface="DejaVu Sans" charset="0"/>
-            </a:endParaRPr>
-          </a:p>
-        </p:txBody>
-      </p:sp>
-      <p:sp>
-        <p:nvSpPr>
-          <p:cNvPr id="36867" name="Rectangle 2"/>
-          <p:cNvSpPr/>
-          <p:nvPr/>
-        </p:nvSpPr>
-        <p:spPr>
-          <a:xfrm>
-            <a:off x="431800" y="1329690"/>
-            <a:ext cx="9070975" cy="5223510"/>
-          </a:xfrm>
-          <a:prstGeom prst="rect">
-            <a:avLst/>
-          </a:prstGeom>
-          <a:noFill/>
-          <a:ln w="9525">
-            <a:noFill/>
-          </a:ln>
-        </p:spPr>
-        <p:txBody>
-          <a:bodyPr lIns="0" tIns="21240" rIns="0" bIns="0"/>
-          <a:lstStyle/>
-          <a:p>
-            <a:pPr marL="450850" indent="-342900" algn="just" defTabSz="457200" eaLnBrk="1" hangingPunct="1">
-              <a:lnSpc>
-                <a:spcPct val="93000"/>
-              </a:lnSpc>
-              <a:spcBef>
-                <a:spcPts val="0"/>
-              </a:spcBef>
-              <a:spcAft>
-                <a:spcPts val="1415"/>
-              </a:spcAft>
-              <a:buFont typeface="Arial" panose="020B0604020202020204" pitchFamily="34" charset="0"/>
-              <a:buChar char="•"/>
-              <a:tabLst>
-                <a:tab pos="449580" algn="l"/>
-                <a:tab pos="898525" algn="l"/>
-                <a:tab pos="1348105" algn="l"/>
-                <a:tab pos="1797050" algn="l"/>
-                <a:tab pos="2246630" algn="l"/>
-                <a:tab pos="2695575" algn="l"/>
-                <a:tab pos="3145155" algn="l"/>
-                <a:tab pos="3594100" algn="l"/>
-                <a:tab pos="4043680" algn="l"/>
-                <a:tab pos="4492625" algn="l"/>
-                <a:tab pos="4942205" algn="l"/>
-                <a:tab pos="5391150" algn="l"/>
-                <a:tab pos="5840730" algn="l"/>
-                <a:tab pos="6289675" algn="l"/>
-                <a:tab pos="6739255" algn="l"/>
-                <a:tab pos="7188200" algn="l"/>
-                <a:tab pos="7637780" algn="l"/>
-                <a:tab pos="8086725" algn="l"/>
-                <a:tab pos="8536305" algn="l"/>
-                <a:tab pos="8985250" algn="l"/>
-              </a:tabLst>
-            </a:pPr>
-            <a:r>
-              <a:rPr lang="en-US" altLang="en-US" sz="2400" b="1" dirty="0">
-                <a:solidFill>
-                  <a:srgbClr val="000000"/>
-                </a:solidFill>
-                <a:latin typeface="Times New Roman" panose="02020603050405020304" pitchFamily="16" charset="0"/>
-                <a:cs typeface="Times New Roman" panose="02020603050405020304" pitchFamily="16" charset="0"/>
-              </a:rPr>
-              <a:t>Data Collection Process:</a:t>
-            </a:r>
-          </a:p>
-          <a:p>
-            <a:pPr marL="908050" lvl="1" indent="-342900" algn="just" defTabSz="457200" eaLnBrk="1" hangingPunct="1">
-              <a:lnSpc>
-                <a:spcPct val="93000"/>
-              </a:lnSpc>
-              <a:spcBef>
-                <a:spcPts val="0"/>
-              </a:spcBef>
-              <a:spcAft>
-                <a:spcPts val="1415"/>
-              </a:spcAft>
-              <a:buFont typeface="Wingdings" panose="05000000000000000000" charset="0"/>
-              <a:buChar char="Ø"/>
-              <a:tabLst>
-                <a:tab pos="449580" algn="l"/>
-                <a:tab pos="898525" algn="l"/>
-                <a:tab pos="1348105" algn="l"/>
-                <a:tab pos="1797050" algn="l"/>
-                <a:tab pos="2246630" algn="l"/>
-                <a:tab pos="2695575" algn="l"/>
-                <a:tab pos="3145155" algn="l"/>
-                <a:tab pos="3594100" algn="l"/>
-                <a:tab pos="4043680" algn="l"/>
-                <a:tab pos="4492625" algn="l"/>
-                <a:tab pos="4942205" algn="l"/>
-                <a:tab pos="5391150" algn="l"/>
-                <a:tab pos="5840730" algn="l"/>
-                <a:tab pos="6289675" algn="l"/>
-                <a:tab pos="6739255" algn="l"/>
-                <a:tab pos="7188200" algn="l"/>
-                <a:tab pos="7637780" algn="l"/>
-                <a:tab pos="8086725" algn="l"/>
-                <a:tab pos="8536305" algn="l"/>
-                <a:tab pos="8985250" algn="l"/>
-              </a:tabLst>
-            </a:pPr>
-            <a:r>
-              <a:rPr lang="en-US" altLang="en-US" sz="2400" dirty="0">
-                <a:solidFill>
-                  <a:srgbClr val="000000"/>
-                </a:solidFill>
-                <a:latin typeface="Times New Roman" panose="02020603050405020304" pitchFamily="16" charset="0"/>
-                <a:cs typeface="Times New Roman" panose="02020603050405020304" pitchFamily="16" charset="0"/>
-              </a:rPr>
-              <a:t>The platform's </a:t>
-            </a:r>
-            <a:r>
-              <a:rPr lang="en-IN" altLang="en-US" sz="2400" dirty="0">
-                <a:solidFill>
-                  <a:srgbClr val="000000"/>
-                </a:solidFill>
-                <a:latin typeface="Times New Roman" panose="02020603050405020304" pitchFamily="16" charset="0"/>
-                <a:cs typeface="Times New Roman" panose="02020603050405020304" pitchFamily="16" charset="0"/>
-              </a:rPr>
-              <a:t>user </a:t>
-            </a:r>
-            <a:r>
-              <a:rPr lang="en-US" altLang="en-US" sz="2400" dirty="0">
-                <a:solidFill>
-                  <a:srgbClr val="000000"/>
-                </a:solidFill>
-                <a:latin typeface="Times New Roman" panose="02020603050405020304" pitchFamily="16" charset="0"/>
-                <a:cs typeface="Times New Roman" panose="02020603050405020304" pitchFamily="16" charset="0"/>
-              </a:rPr>
-              <a:t>data collection system is fully implemented.</a:t>
-            </a:r>
-          </a:p>
-          <a:p>
-            <a:pPr marL="450850" indent="-342900" algn="just" defTabSz="457200" eaLnBrk="1" hangingPunct="1">
-              <a:lnSpc>
-                <a:spcPct val="93000"/>
-              </a:lnSpc>
-              <a:spcBef>
-                <a:spcPts val="0"/>
-              </a:spcBef>
-              <a:spcAft>
-                <a:spcPts val="1415"/>
-              </a:spcAft>
-              <a:buFont typeface="Arial" panose="020B0604020202020204" pitchFamily="34" charset="0"/>
-              <a:buChar char="•"/>
-              <a:tabLst>
-                <a:tab pos="449580" algn="l"/>
-                <a:tab pos="898525" algn="l"/>
-                <a:tab pos="1348105" algn="l"/>
-                <a:tab pos="1797050" algn="l"/>
-                <a:tab pos="2246630" algn="l"/>
-                <a:tab pos="2695575" algn="l"/>
-                <a:tab pos="3145155" algn="l"/>
-                <a:tab pos="3594100" algn="l"/>
-                <a:tab pos="4043680" algn="l"/>
-                <a:tab pos="4492625" algn="l"/>
-                <a:tab pos="4942205" algn="l"/>
-                <a:tab pos="5391150" algn="l"/>
-                <a:tab pos="5840730" algn="l"/>
-                <a:tab pos="6289675" algn="l"/>
-                <a:tab pos="6739255" algn="l"/>
-                <a:tab pos="7188200" algn="l"/>
-                <a:tab pos="7637780" algn="l"/>
-                <a:tab pos="8086725" algn="l"/>
-                <a:tab pos="8536305" algn="l"/>
-                <a:tab pos="8985250" algn="l"/>
-              </a:tabLst>
-            </a:pPr>
-            <a:r>
-              <a:rPr lang="en-US" altLang="en-US" sz="2400" b="1" dirty="0">
-                <a:solidFill>
-                  <a:srgbClr val="000000"/>
-                </a:solidFill>
-                <a:latin typeface="Times New Roman" panose="02020603050405020304" pitchFamily="16" charset="0"/>
-                <a:cs typeface="Times New Roman" panose="02020603050405020304" pitchFamily="16" charset="0"/>
-              </a:rPr>
-              <a:t>Credly Link Integration:</a:t>
-            </a:r>
-          </a:p>
-          <a:p>
-            <a:pPr marL="908050" lvl="1" indent="-342900" algn="just" defTabSz="457200" eaLnBrk="1" hangingPunct="1">
-              <a:lnSpc>
-                <a:spcPct val="93000"/>
-              </a:lnSpc>
-              <a:spcBef>
-                <a:spcPts val="0"/>
-              </a:spcBef>
-              <a:spcAft>
-                <a:spcPts val="1415"/>
-              </a:spcAft>
-              <a:buFont typeface="Wingdings" panose="05000000000000000000" charset="0"/>
-              <a:buChar char="Ø"/>
-              <a:tabLst>
-                <a:tab pos="449580" algn="l"/>
-                <a:tab pos="898525" algn="l"/>
-                <a:tab pos="1348105" algn="l"/>
-                <a:tab pos="1797050" algn="l"/>
-                <a:tab pos="2246630" algn="l"/>
-                <a:tab pos="2695575" algn="l"/>
-                <a:tab pos="3145155" algn="l"/>
-                <a:tab pos="3594100" algn="l"/>
-                <a:tab pos="4043680" algn="l"/>
-                <a:tab pos="4492625" algn="l"/>
-                <a:tab pos="4942205" algn="l"/>
-                <a:tab pos="5391150" algn="l"/>
-                <a:tab pos="5840730" algn="l"/>
-                <a:tab pos="6289675" algn="l"/>
-                <a:tab pos="6739255" algn="l"/>
-                <a:tab pos="7188200" algn="l"/>
-                <a:tab pos="7637780" algn="l"/>
-                <a:tab pos="8086725" algn="l"/>
-                <a:tab pos="8536305" algn="l"/>
-                <a:tab pos="8985250" algn="l"/>
-              </a:tabLst>
-            </a:pPr>
-            <a:r>
-              <a:rPr lang="en-US" altLang="en-US" sz="2400" dirty="0">
-                <a:solidFill>
-                  <a:srgbClr val="000000"/>
-                </a:solidFill>
-                <a:latin typeface="Times New Roman" panose="02020603050405020304" pitchFamily="16" charset="0"/>
-                <a:cs typeface="Times New Roman" panose="02020603050405020304" pitchFamily="16" charset="0"/>
-              </a:rPr>
-              <a:t>Users can provide their Credly links to automatically fetch their badges.</a:t>
-            </a:r>
-          </a:p>
-          <a:p>
-            <a:pPr marL="1022350" lvl="1" indent="-457200" algn="just" defTabSz="457200" eaLnBrk="1" hangingPunct="1">
-              <a:lnSpc>
-                <a:spcPct val="93000"/>
-              </a:lnSpc>
-              <a:spcBef>
-                <a:spcPts val="0"/>
-              </a:spcBef>
-              <a:spcAft>
-                <a:spcPts val="1415"/>
-              </a:spcAft>
-              <a:buFont typeface="Wingdings" panose="05000000000000000000" charset="0"/>
-              <a:buChar char="Ø"/>
-              <a:tabLst>
-                <a:tab pos="449580" algn="l"/>
-                <a:tab pos="898525" algn="l"/>
-                <a:tab pos="1348105" algn="l"/>
-                <a:tab pos="1797050" algn="l"/>
-                <a:tab pos="2246630" algn="l"/>
-                <a:tab pos="2695575" algn="l"/>
-                <a:tab pos="3145155" algn="l"/>
-                <a:tab pos="3594100" algn="l"/>
-                <a:tab pos="4043680" algn="l"/>
-                <a:tab pos="4492625" algn="l"/>
-                <a:tab pos="4942205" algn="l"/>
-                <a:tab pos="5391150" algn="l"/>
-                <a:tab pos="5840730" algn="l"/>
-                <a:tab pos="6289675" algn="l"/>
-                <a:tab pos="6739255" algn="l"/>
-                <a:tab pos="7188200" algn="l"/>
-                <a:tab pos="7637780" algn="l"/>
-                <a:tab pos="8086725" algn="l"/>
-                <a:tab pos="8536305" algn="l"/>
-                <a:tab pos="8985250" algn="l"/>
-              </a:tabLst>
-            </a:pPr>
-            <a:r>
-              <a:rPr lang="en-US" altLang="en-US" sz="2400" dirty="0">
-                <a:solidFill>
-                  <a:srgbClr val="000000"/>
-                </a:solidFill>
-                <a:latin typeface="Times New Roman" panose="02020603050405020304" pitchFamily="16" charset="0"/>
-                <a:cs typeface="Times New Roman" panose="02020603050405020304" pitchFamily="16" charset="0"/>
-              </a:rPr>
-              <a:t>This simplifies the achievement data collection process.</a:t>
-            </a:r>
-          </a:p>
-          <a:p>
-            <a:pPr marL="450850" indent="-342900" algn="just" defTabSz="457200" eaLnBrk="1" hangingPunct="1">
-              <a:lnSpc>
-                <a:spcPct val="93000"/>
-              </a:lnSpc>
-              <a:spcBef>
-                <a:spcPts val="0"/>
-              </a:spcBef>
-              <a:spcAft>
-                <a:spcPts val="1415"/>
-              </a:spcAft>
-              <a:buFont typeface="Arial" panose="020B0604020202020204" pitchFamily="34" charset="0"/>
-              <a:buChar char="•"/>
-              <a:tabLst>
-                <a:tab pos="449580" algn="l"/>
-                <a:tab pos="898525" algn="l"/>
-                <a:tab pos="1348105" algn="l"/>
-                <a:tab pos="1797050" algn="l"/>
-                <a:tab pos="2246630" algn="l"/>
-                <a:tab pos="2695575" algn="l"/>
-                <a:tab pos="3145155" algn="l"/>
-                <a:tab pos="3594100" algn="l"/>
-                <a:tab pos="4043680" algn="l"/>
-                <a:tab pos="4492625" algn="l"/>
-                <a:tab pos="4942205" algn="l"/>
-                <a:tab pos="5391150" algn="l"/>
-                <a:tab pos="5840730" algn="l"/>
-                <a:tab pos="6289675" algn="l"/>
-                <a:tab pos="6739255" algn="l"/>
-                <a:tab pos="7188200" algn="l"/>
-                <a:tab pos="7637780" algn="l"/>
-                <a:tab pos="8086725" algn="l"/>
-                <a:tab pos="8536305" algn="l"/>
-                <a:tab pos="8985250" algn="l"/>
-              </a:tabLst>
-            </a:pPr>
-            <a:r>
-              <a:rPr lang="en-US" altLang="en-US" sz="2400" b="1" dirty="0">
-                <a:solidFill>
-                  <a:srgbClr val="000000"/>
-                </a:solidFill>
-                <a:latin typeface="Times New Roman" panose="02020603050405020304" pitchFamily="16" charset="0"/>
-                <a:cs typeface="Times New Roman" panose="02020603050405020304" pitchFamily="16" charset="0"/>
-              </a:rPr>
-              <a:t>Certificate Uploading Feature:</a:t>
-            </a:r>
-          </a:p>
-          <a:p>
-            <a:pPr marL="908050" lvl="1" indent="-342900" algn="just" defTabSz="457200" eaLnBrk="1" hangingPunct="1">
-              <a:lnSpc>
-                <a:spcPct val="93000"/>
-              </a:lnSpc>
-              <a:spcBef>
-                <a:spcPts val="0"/>
-              </a:spcBef>
-              <a:spcAft>
-                <a:spcPts val="1415"/>
-              </a:spcAft>
-              <a:buFont typeface="Wingdings" panose="05000000000000000000" charset="0"/>
-              <a:buChar char="Ø"/>
-              <a:tabLst>
-                <a:tab pos="449580" algn="l"/>
-                <a:tab pos="898525" algn="l"/>
-                <a:tab pos="1348105" algn="l"/>
-                <a:tab pos="1797050" algn="l"/>
-                <a:tab pos="2246630" algn="l"/>
-                <a:tab pos="2695575" algn="l"/>
-                <a:tab pos="3145155" algn="l"/>
-                <a:tab pos="3594100" algn="l"/>
-                <a:tab pos="4043680" algn="l"/>
-                <a:tab pos="4492625" algn="l"/>
-                <a:tab pos="4942205" algn="l"/>
-                <a:tab pos="5391150" algn="l"/>
-                <a:tab pos="5840730" algn="l"/>
-                <a:tab pos="6289675" algn="l"/>
-                <a:tab pos="6739255" algn="l"/>
-                <a:tab pos="7188200" algn="l"/>
-                <a:tab pos="7637780" algn="l"/>
-                <a:tab pos="8086725" algn="l"/>
-                <a:tab pos="8536305" algn="l"/>
-                <a:tab pos="8985250" algn="l"/>
-              </a:tabLst>
-            </a:pPr>
-            <a:r>
-              <a:rPr lang="en-US" altLang="en-US" sz="2400" dirty="0">
-                <a:solidFill>
-                  <a:srgbClr val="000000"/>
-                </a:solidFill>
-                <a:latin typeface="Times New Roman" panose="02020603050405020304" pitchFamily="16" charset="0"/>
-                <a:cs typeface="Times New Roman" panose="02020603050405020304" pitchFamily="16" charset="0"/>
-              </a:rPr>
-              <a:t>Users can upload their certificates easily.</a:t>
-            </a:r>
-          </a:p>
-          <a:p>
-            <a:pPr marL="908050" lvl="1" indent="-342900" algn="just" defTabSz="457200" eaLnBrk="1" hangingPunct="1">
-              <a:lnSpc>
-                <a:spcPct val="93000"/>
-              </a:lnSpc>
-              <a:spcBef>
-                <a:spcPts val="0"/>
-              </a:spcBef>
-              <a:spcAft>
-                <a:spcPts val="1415"/>
-              </a:spcAft>
-              <a:buFont typeface="Wingdings" panose="05000000000000000000" charset="0"/>
-              <a:buChar char="Ø"/>
-              <a:tabLst>
-                <a:tab pos="449580" algn="l"/>
-                <a:tab pos="898525" algn="l"/>
-                <a:tab pos="1348105" algn="l"/>
-                <a:tab pos="1797050" algn="l"/>
-                <a:tab pos="2246630" algn="l"/>
-                <a:tab pos="2695575" algn="l"/>
-                <a:tab pos="3145155" algn="l"/>
-                <a:tab pos="3594100" algn="l"/>
-                <a:tab pos="4043680" algn="l"/>
-                <a:tab pos="4492625" algn="l"/>
-                <a:tab pos="4942205" algn="l"/>
-                <a:tab pos="5391150" algn="l"/>
-                <a:tab pos="5840730" algn="l"/>
-                <a:tab pos="6289675" algn="l"/>
-                <a:tab pos="6739255" algn="l"/>
-                <a:tab pos="7188200" algn="l"/>
-                <a:tab pos="7637780" algn="l"/>
-                <a:tab pos="8086725" algn="l"/>
-                <a:tab pos="8536305" algn="l"/>
-                <a:tab pos="8985250" algn="l"/>
-              </a:tabLst>
-            </a:pPr>
-            <a:r>
-              <a:rPr lang="en-US" altLang="en-US" sz="2400" dirty="0">
-                <a:solidFill>
-                  <a:srgbClr val="000000"/>
-                </a:solidFill>
-                <a:latin typeface="Times New Roman" panose="02020603050405020304" pitchFamily="16" charset="0"/>
-                <a:cs typeface="Times New Roman" panose="02020603050405020304" pitchFamily="16" charset="0"/>
-              </a:rPr>
-              <a:t>A robust authentication mechanism verifies the validity of uploaded certificates.</a:t>
-            </a:r>
-          </a:p>
-        </p:txBody>
-      </p:sp>
-    </p:spTree>
-  </p:cSld>
-  <p:clrMapOvr>
-    <a:overrideClrMapping bg1="lt1" tx1="dk1" bg2="lt2" tx2="dk2" accent1="accent1" accent2="accent2" accent3="accent3" accent4="accent4" accent5="accent5" accent6="accent6" hlink="hlink" folHlink="folHlink"/>
-  </p:clrMapOvr>
-  <p:transition spd="med"/>
-</p:sld>
-</file>
-
-<file path=ppt/slides/slide18.xml><?xml version="1.0" encoding="utf-8"?>
-<p:sld xmlns:a="http://schemas.openxmlformats.org/drawingml/2006/main" xmlns:r="http://schemas.openxmlformats.org/officeDocument/2006/relationships" xmlns:p="http://schemas.openxmlformats.org/presentationml/2006/main">
-  <p:cSld>
-    <p:bg>
-      <p:bgPr>
-        <a:solidFill>
-          <a:srgbClr val="FFFFFF"/>
-        </a:solidFill>
-        <a:effectLst/>
-      </p:bgPr>
-    </p:bg>
-    <p:spTree>
-      <p:nvGrpSpPr>
-        <p:cNvPr id="1" name=""/>
-        <p:cNvGrpSpPr/>
-        <p:nvPr/>
-      </p:nvGrpSpPr>
-      <p:grpSpPr>
-        <a:xfrm>
-          <a:off x="0" y="0"/>
-          <a:ext cx="0" cy="0"/>
-          <a:chOff x="0" y="0"/>
-          <a:chExt cx="0" cy="0"/>
-        </a:xfrm>
-      </p:grpSpPr>
-      <p:sp>
-        <p:nvSpPr>
-          <p:cNvPr id="8194" name="Rectangle 1"/>
-          <p:cNvSpPr>
-            <a:spLocks noChangeArrowheads="1"/>
-          </p:cNvSpPr>
-          <p:nvPr/>
-        </p:nvSpPr>
-        <p:spPr bwMode="auto">
-          <a:xfrm>
-            <a:off x="503238" y="301625"/>
-            <a:ext cx="9070975" cy="1262063"/>
-          </a:xfrm>
-          <a:prstGeom prst="rect">
-            <a:avLst/>
-          </a:prstGeom>
-          <a:noFill/>
-          <a:ln>
-            <a:noFill/>
-          </a:ln>
-          <a:effectLst/>
-        </p:spPr>
-        <p:txBody>
-          <a:bodyPr lIns="0" tIns="31680" rIns="0" bIns="0" anchor="ctr"/>
-          <a:lstStyle>
-            <a:lvl1pPr>
-              <a:lnSpc>
-                <a:spcPct val="93000"/>
-              </a:lnSpc>
-              <a:buClr>
-                <a:srgbClr val="000000"/>
-              </a:buClr>
-              <a:buSzPct val="100000"/>
-              <a:buFont typeface="Times New Roman" panose="02020603050405020304" pitchFamily="16" charset="0"/>
-              <a:tabLst>
-                <a:tab pos="448945" algn="l"/>
-                <a:tab pos="898525" algn="l"/>
-                <a:tab pos="1347470" algn="l"/>
-                <a:tab pos="1797050" algn="l"/>
-                <a:tab pos="2245995" algn="l"/>
-                <a:tab pos="2695575" algn="l"/>
-                <a:tab pos="3144520" algn="l"/>
-                <a:tab pos="3594100" algn="l"/>
-                <a:tab pos="4043045" algn="l"/>
-                <a:tab pos="4492625" algn="l"/>
-                <a:tab pos="4941570" algn="l"/>
-                <a:tab pos="5391150" algn="l"/>
-                <a:tab pos="5840095" algn="l"/>
-                <a:tab pos="6289675" algn="l"/>
-                <a:tab pos="6738620" algn="l"/>
-                <a:tab pos="7188200" algn="l"/>
-                <a:tab pos="7637145" algn="l"/>
-                <a:tab pos="8086725" algn="l"/>
-                <a:tab pos="8535670" algn="l"/>
-                <a:tab pos="8985250" algn="l"/>
-              </a:tabLst>
-              <a:defRPr>
-                <a:solidFill>
-                  <a:schemeClr val="tx1"/>
-                </a:solidFill>
-                <a:latin typeface="Arial" panose="020B0604020202020204" pitchFamily="34" charset="0"/>
-                <a:cs typeface="Noto Sans CJK SC Regular" charset="0"/>
-              </a:defRPr>
-            </a:lvl1pPr>
-            <a:lvl2pPr>
-              <a:lnSpc>
-                <a:spcPct val="93000"/>
-              </a:lnSpc>
-              <a:buClr>
-                <a:srgbClr val="000000"/>
-              </a:buClr>
-              <a:buSzPct val="100000"/>
-              <a:buFont typeface="Times New Roman" panose="02020603050405020304" pitchFamily="16" charset="0"/>
-              <a:tabLst>
-                <a:tab pos="448945" algn="l"/>
-                <a:tab pos="898525" algn="l"/>
-                <a:tab pos="1347470" algn="l"/>
-                <a:tab pos="1797050" algn="l"/>
-                <a:tab pos="2245995" algn="l"/>
-                <a:tab pos="2695575" algn="l"/>
-                <a:tab pos="3144520" algn="l"/>
-                <a:tab pos="3594100" algn="l"/>
-                <a:tab pos="4043045" algn="l"/>
-                <a:tab pos="4492625" algn="l"/>
-                <a:tab pos="4941570" algn="l"/>
-                <a:tab pos="5391150" algn="l"/>
-                <a:tab pos="5840095" algn="l"/>
-                <a:tab pos="6289675" algn="l"/>
-                <a:tab pos="6738620" algn="l"/>
-                <a:tab pos="7188200" algn="l"/>
-                <a:tab pos="7637145" algn="l"/>
-                <a:tab pos="8086725" algn="l"/>
-                <a:tab pos="8535670" algn="l"/>
-                <a:tab pos="8985250" algn="l"/>
-              </a:tabLst>
-              <a:defRPr>
-                <a:solidFill>
-                  <a:schemeClr val="tx1"/>
-                </a:solidFill>
-                <a:latin typeface="Arial" panose="020B0604020202020204" pitchFamily="34" charset="0"/>
-                <a:cs typeface="Noto Sans CJK SC Regular" charset="0"/>
-              </a:defRPr>
-            </a:lvl2pPr>
-            <a:lvl3pPr>
-              <a:lnSpc>
-                <a:spcPct val="93000"/>
-              </a:lnSpc>
-              <a:buClr>
-                <a:srgbClr val="000000"/>
-              </a:buClr>
-              <a:buSzPct val="100000"/>
-              <a:buFont typeface="Times New Roman" panose="02020603050405020304" pitchFamily="16" charset="0"/>
-              <a:tabLst>
-                <a:tab pos="448945" algn="l"/>
-                <a:tab pos="898525" algn="l"/>
-                <a:tab pos="1347470" algn="l"/>
-                <a:tab pos="1797050" algn="l"/>
-                <a:tab pos="2245995" algn="l"/>
-                <a:tab pos="2695575" algn="l"/>
-                <a:tab pos="3144520" algn="l"/>
-                <a:tab pos="3594100" algn="l"/>
-                <a:tab pos="4043045" algn="l"/>
-                <a:tab pos="4492625" algn="l"/>
-                <a:tab pos="4941570" algn="l"/>
-                <a:tab pos="5391150" algn="l"/>
-                <a:tab pos="5840095" algn="l"/>
-                <a:tab pos="6289675" algn="l"/>
-                <a:tab pos="6738620" algn="l"/>
-                <a:tab pos="7188200" algn="l"/>
-                <a:tab pos="7637145" algn="l"/>
-                <a:tab pos="8086725" algn="l"/>
-                <a:tab pos="8535670" algn="l"/>
-                <a:tab pos="8985250" algn="l"/>
-              </a:tabLst>
-              <a:defRPr>
-                <a:solidFill>
-                  <a:schemeClr val="tx1"/>
-                </a:solidFill>
-                <a:latin typeface="Arial" panose="020B0604020202020204" pitchFamily="34" charset="0"/>
-                <a:cs typeface="Noto Sans CJK SC Regular" charset="0"/>
-              </a:defRPr>
-            </a:lvl3pPr>
-            <a:lvl4pPr>
-              <a:lnSpc>
-                <a:spcPct val="93000"/>
-              </a:lnSpc>
-              <a:buClr>
-                <a:srgbClr val="000000"/>
-              </a:buClr>
-              <a:buSzPct val="100000"/>
-              <a:buFont typeface="Times New Roman" panose="02020603050405020304" pitchFamily="16" charset="0"/>
-              <a:tabLst>
-                <a:tab pos="448945" algn="l"/>
-                <a:tab pos="898525" algn="l"/>
-                <a:tab pos="1347470" algn="l"/>
-                <a:tab pos="1797050" algn="l"/>
-                <a:tab pos="2245995" algn="l"/>
-                <a:tab pos="2695575" algn="l"/>
-                <a:tab pos="3144520" algn="l"/>
-                <a:tab pos="3594100" algn="l"/>
-                <a:tab pos="4043045" algn="l"/>
-                <a:tab pos="4492625" algn="l"/>
-                <a:tab pos="4941570" algn="l"/>
-                <a:tab pos="5391150" algn="l"/>
-                <a:tab pos="5840095" algn="l"/>
-                <a:tab pos="6289675" algn="l"/>
-                <a:tab pos="6738620" algn="l"/>
-                <a:tab pos="7188200" algn="l"/>
-                <a:tab pos="7637145" algn="l"/>
-                <a:tab pos="8086725" algn="l"/>
-                <a:tab pos="8535670" algn="l"/>
-                <a:tab pos="8985250" algn="l"/>
-              </a:tabLst>
-              <a:defRPr>
-                <a:solidFill>
-                  <a:schemeClr val="tx1"/>
-                </a:solidFill>
-                <a:latin typeface="Arial" panose="020B0604020202020204" pitchFamily="34" charset="0"/>
-                <a:cs typeface="Noto Sans CJK SC Regular" charset="0"/>
-              </a:defRPr>
-            </a:lvl4pPr>
-            <a:lvl5pPr>
-              <a:lnSpc>
-                <a:spcPct val="93000"/>
-              </a:lnSpc>
-              <a:buClr>
-                <a:srgbClr val="000000"/>
-              </a:buClr>
-              <a:buSzPct val="100000"/>
-              <a:buFont typeface="Times New Roman" panose="02020603050405020304" pitchFamily="16" charset="0"/>
-              <a:tabLst>
-                <a:tab pos="448945" algn="l"/>
-                <a:tab pos="898525" algn="l"/>
-                <a:tab pos="1347470" algn="l"/>
-                <a:tab pos="1797050" algn="l"/>
-                <a:tab pos="2245995" algn="l"/>
-                <a:tab pos="2695575" algn="l"/>
-                <a:tab pos="3144520" algn="l"/>
-                <a:tab pos="3594100" algn="l"/>
-                <a:tab pos="4043045" algn="l"/>
-                <a:tab pos="4492625" algn="l"/>
-                <a:tab pos="4941570" algn="l"/>
-                <a:tab pos="5391150" algn="l"/>
-                <a:tab pos="5840095" algn="l"/>
-                <a:tab pos="6289675" algn="l"/>
-                <a:tab pos="6738620" algn="l"/>
-                <a:tab pos="7188200" algn="l"/>
-                <a:tab pos="7637145" algn="l"/>
-                <a:tab pos="8086725" algn="l"/>
-                <a:tab pos="8535670" algn="l"/>
-                <a:tab pos="8985250" algn="l"/>
-              </a:tabLst>
-              <a:defRPr>
-                <a:solidFill>
-                  <a:schemeClr val="tx1"/>
-                </a:solidFill>
-                <a:latin typeface="Arial" panose="020B0604020202020204" pitchFamily="34" charset="0"/>
-                <a:cs typeface="Noto Sans CJK SC Regular" charset="0"/>
-              </a:defRPr>
-            </a:lvl5pPr>
-            <a:lvl6pPr marL="2514600" indent="-228600" defTabSz="449580" eaLnBrk="0" fontAlgn="base" hangingPunct="0">
-              <a:lnSpc>
-                <a:spcPct val="93000"/>
-              </a:lnSpc>
-              <a:spcBef>
-                <a:spcPct val="0"/>
-              </a:spcBef>
-              <a:spcAft>
-                <a:spcPct val="0"/>
-              </a:spcAft>
-              <a:buClr>
-                <a:srgbClr val="000000"/>
-              </a:buClr>
-              <a:buSzPct val="100000"/>
-              <a:buFont typeface="Times New Roman" panose="02020603050405020304" pitchFamily="16" charset="0"/>
-              <a:tabLst>
-                <a:tab pos="448945" algn="l"/>
-                <a:tab pos="898525" algn="l"/>
-                <a:tab pos="1347470" algn="l"/>
-                <a:tab pos="1797050" algn="l"/>
-                <a:tab pos="2245995" algn="l"/>
-                <a:tab pos="2695575" algn="l"/>
-                <a:tab pos="3144520" algn="l"/>
-                <a:tab pos="3594100" algn="l"/>
-                <a:tab pos="4043045" algn="l"/>
-                <a:tab pos="4492625" algn="l"/>
-                <a:tab pos="4941570" algn="l"/>
-                <a:tab pos="5391150" algn="l"/>
-                <a:tab pos="5840095" algn="l"/>
-                <a:tab pos="6289675" algn="l"/>
-                <a:tab pos="6738620" algn="l"/>
-                <a:tab pos="7188200" algn="l"/>
-                <a:tab pos="7637145" algn="l"/>
-                <a:tab pos="8086725" algn="l"/>
-                <a:tab pos="8535670" algn="l"/>
-                <a:tab pos="8985250" algn="l"/>
-              </a:tabLst>
-              <a:defRPr>
-                <a:solidFill>
-                  <a:schemeClr val="tx1"/>
-                </a:solidFill>
-                <a:latin typeface="Arial" panose="020B0604020202020204" pitchFamily="34" charset="0"/>
-                <a:cs typeface="Noto Sans CJK SC Regular" charset="0"/>
-              </a:defRPr>
-            </a:lvl6pPr>
-            <a:lvl7pPr marL="2971800" indent="-228600" defTabSz="449580" eaLnBrk="0" fontAlgn="base" hangingPunct="0">
-              <a:lnSpc>
-                <a:spcPct val="93000"/>
-              </a:lnSpc>
-              <a:spcBef>
-                <a:spcPct val="0"/>
-              </a:spcBef>
-              <a:spcAft>
-                <a:spcPct val="0"/>
-              </a:spcAft>
-              <a:buClr>
-                <a:srgbClr val="000000"/>
-              </a:buClr>
-              <a:buSzPct val="100000"/>
-              <a:buFont typeface="Times New Roman" panose="02020603050405020304" pitchFamily="16" charset="0"/>
-              <a:tabLst>
-                <a:tab pos="448945" algn="l"/>
-                <a:tab pos="898525" algn="l"/>
-                <a:tab pos="1347470" algn="l"/>
-                <a:tab pos="1797050" algn="l"/>
-                <a:tab pos="2245995" algn="l"/>
-                <a:tab pos="2695575" algn="l"/>
-                <a:tab pos="3144520" algn="l"/>
-                <a:tab pos="3594100" algn="l"/>
-                <a:tab pos="4043045" algn="l"/>
-                <a:tab pos="4492625" algn="l"/>
-                <a:tab pos="4941570" algn="l"/>
-                <a:tab pos="5391150" algn="l"/>
-                <a:tab pos="5840095" algn="l"/>
-                <a:tab pos="6289675" algn="l"/>
-                <a:tab pos="6738620" algn="l"/>
-                <a:tab pos="7188200" algn="l"/>
-                <a:tab pos="7637145" algn="l"/>
-                <a:tab pos="8086725" algn="l"/>
-                <a:tab pos="8535670" algn="l"/>
-                <a:tab pos="8985250" algn="l"/>
-              </a:tabLst>
-              <a:defRPr>
-                <a:solidFill>
-                  <a:schemeClr val="tx1"/>
-                </a:solidFill>
-                <a:latin typeface="Arial" panose="020B0604020202020204" pitchFamily="34" charset="0"/>
-                <a:cs typeface="Noto Sans CJK SC Regular" charset="0"/>
-              </a:defRPr>
-            </a:lvl7pPr>
-            <a:lvl8pPr marL="3429000" indent="-228600" defTabSz="449580" eaLnBrk="0" fontAlgn="base" hangingPunct="0">
-              <a:lnSpc>
-                <a:spcPct val="93000"/>
-              </a:lnSpc>
-              <a:spcBef>
-                <a:spcPct val="0"/>
-              </a:spcBef>
-              <a:spcAft>
-                <a:spcPct val="0"/>
-              </a:spcAft>
-              <a:buClr>
-                <a:srgbClr val="000000"/>
-              </a:buClr>
-              <a:buSzPct val="100000"/>
-              <a:buFont typeface="Times New Roman" panose="02020603050405020304" pitchFamily="16" charset="0"/>
-              <a:tabLst>
-                <a:tab pos="448945" algn="l"/>
-                <a:tab pos="898525" algn="l"/>
-                <a:tab pos="1347470" algn="l"/>
-                <a:tab pos="1797050" algn="l"/>
-                <a:tab pos="2245995" algn="l"/>
-                <a:tab pos="2695575" algn="l"/>
-                <a:tab pos="3144520" algn="l"/>
-                <a:tab pos="3594100" algn="l"/>
-                <a:tab pos="4043045" algn="l"/>
-                <a:tab pos="4492625" algn="l"/>
-                <a:tab pos="4941570" algn="l"/>
-                <a:tab pos="5391150" algn="l"/>
-                <a:tab pos="5840095" algn="l"/>
-                <a:tab pos="6289675" algn="l"/>
-                <a:tab pos="6738620" algn="l"/>
-                <a:tab pos="7188200" algn="l"/>
-                <a:tab pos="7637145" algn="l"/>
-                <a:tab pos="8086725" algn="l"/>
-                <a:tab pos="8535670" algn="l"/>
-                <a:tab pos="8985250" algn="l"/>
-              </a:tabLst>
-              <a:defRPr>
-                <a:solidFill>
-                  <a:schemeClr val="tx1"/>
-                </a:solidFill>
-                <a:latin typeface="Arial" panose="020B0604020202020204" pitchFamily="34" charset="0"/>
-                <a:cs typeface="Noto Sans CJK SC Regular" charset="0"/>
-              </a:defRPr>
-            </a:lvl8pPr>
-            <a:lvl9pPr marL="3886200" indent="-228600" defTabSz="449580" eaLnBrk="0" fontAlgn="base" hangingPunct="0">
-              <a:lnSpc>
-                <a:spcPct val="93000"/>
-              </a:lnSpc>
-              <a:spcBef>
-                <a:spcPct val="0"/>
-              </a:spcBef>
-              <a:spcAft>
-                <a:spcPct val="0"/>
-              </a:spcAft>
-              <a:buClr>
-                <a:srgbClr val="000000"/>
-              </a:buClr>
-              <a:buSzPct val="100000"/>
-              <a:buFont typeface="Times New Roman" panose="02020603050405020304" pitchFamily="16" charset="0"/>
-              <a:tabLst>
-                <a:tab pos="448945" algn="l"/>
-                <a:tab pos="898525" algn="l"/>
-                <a:tab pos="1347470" algn="l"/>
-                <a:tab pos="1797050" algn="l"/>
-                <a:tab pos="2245995" algn="l"/>
-                <a:tab pos="2695575" algn="l"/>
-                <a:tab pos="3144520" algn="l"/>
-                <a:tab pos="3594100" algn="l"/>
-                <a:tab pos="4043045" algn="l"/>
-                <a:tab pos="4492625" algn="l"/>
-                <a:tab pos="4941570" algn="l"/>
-                <a:tab pos="5391150" algn="l"/>
-                <a:tab pos="5840095" algn="l"/>
-                <a:tab pos="6289675" algn="l"/>
-                <a:tab pos="6738620" algn="l"/>
-                <a:tab pos="7188200" algn="l"/>
-                <a:tab pos="7637145" algn="l"/>
-                <a:tab pos="8086725" algn="l"/>
-                <a:tab pos="8535670" algn="l"/>
-                <a:tab pos="8985250" algn="l"/>
-              </a:tabLst>
-              <a:defRPr>
-                <a:solidFill>
-                  <a:schemeClr val="tx1"/>
-                </a:solidFill>
-                <a:latin typeface="Arial" panose="020B0604020202020204" pitchFamily="34" charset="0"/>
-                <a:cs typeface="Noto Sans CJK SC Regular" charset="0"/>
-              </a:defRPr>
-            </a:lvl9pPr>
-          </a:lstStyle>
-          <a:p>
-            <a:pPr marL="0" marR="0" lvl="0" indent="0" algn="l" defTabSz="457200" rtl="0" eaLnBrk="1" fontAlgn="auto" latinLnBrk="0" hangingPunct="1">
-              <a:lnSpc>
-                <a:spcPct val="93000"/>
-              </a:lnSpc>
-              <a:spcBef>
-                <a:spcPts val="0"/>
-              </a:spcBef>
-              <a:spcAft>
-                <a:spcPts val="0"/>
-              </a:spcAft>
-              <a:buClr>
-                <a:srgbClr val="000000"/>
-              </a:buClr>
-              <a:buSzPct val="100000"/>
-              <a:buFont typeface="Times New Roman" panose="02020603050405020304" pitchFamily="16" charset="0"/>
-              <a:buNone/>
-              <a:tabLst>
-                <a:tab pos="448945" algn="l"/>
-                <a:tab pos="898525" algn="l"/>
-                <a:tab pos="1347470" algn="l"/>
-                <a:tab pos="1797050" algn="l"/>
-                <a:tab pos="2245995" algn="l"/>
-                <a:tab pos="2695575" algn="l"/>
-                <a:tab pos="3144520" algn="l"/>
-                <a:tab pos="3594100" algn="l"/>
-                <a:tab pos="4043045" algn="l"/>
-                <a:tab pos="4492625" algn="l"/>
-                <a:tab pos="4941570" algn="l"/>
-                <a:tab pos="5391150" algn="l"/>
-                <a:tab pos="5840095" algn="l"/>
-                <a:tab pos="6289675" algn="l"/>
-                <a:tab pos="6738620" algn="l"/>
-                <a:tab pos="7188200" algn="l"/>
-                <a:tab pos="7637145" algn="l"/>
-                <a:tab pos="8086725" algn="l"/>
-                <a:tab pos="8535670" algn="l"/>
-                <a:tab pos="8985250" algn="l"/>
-              </a:tabLst>
-              <a:defRPr/>
-            </a:pPr>
-            <a:r>
-              <a:rPr kumimoji="0" lang="en-IN" altLang="en-US" sz="3600" b="1" i="0" u="none" strike="noStrike" kern="1200" cap="none" spc="0" normalizeH="0" baseline="0" noProof="0" dirty="0">
-                <a:ln>
-                  <a:noFill/>
-                </a:ln>
-                <a:solidFill>
-                  <a:srgbClr val="000000"/>
-                </a:solidFill>
-                <a:effectLst/>
-                <a:uLnTx/>
-                <a:uFillTx/>
-                <a:latin typeface="Times New Roman" panose="02020603050405020304" pitchFamily="16" charset="0"/>
-                <a:ea typeface="+mn-ea"/>
-                <a:cs typeface="DejaVu Sans" charset="0"/>
-              </a:rPr>
               <a:t>13. References</a:t>
             </a:r>
           </a:p>
@@ -18545,7 +16940,7 @@
 </p:sld>
 </file>
 
-<file path=ppt/slides/slide19.xml><?xml version="1.0" encoding="utf-8"?>
+<file path=ppt/slides/slide18.xml><?xml version="1.0" encoding="utf-8"?>
 <p:sld xmlns:a="http://schemas.openxmlformats.org/drawingml/2006/main" xmlns:r="http://schemas.openxmlformats.org/officeDocument/2006/relationships" xmlns:p="http://schemas.openxmlformats.org/presentationml/2006/main">
   <p:cSld>
     <p:bg>
@@ -19066,79 +17461,6 @@
               </a:defRPr>
             </a:lvl9pPr>
           </a:lstStyle>
-          <a:p>
-            <a:pPr marL="430530" marR="0" lvl="0" indent="-322580" algn="l" defTabSz="457200" rtl="0" eaLnBrk="1" fontAlgn="base" latinLnBrk="0" hangingPunct="1">
-              <a:lnSpc>
-                <a:spcPct val="100000"/>
-              </a:lnSpc>
-              <a:spcBef>
-                <a:spcPct val="0"/>
-              </a:spcBef>
-              <a:spcAft>
-                <a:spcPts val="1415"/>
-              </a:spcAft>
-              <a:buClr>
-                <a:srgbClr val="000000"/>
-              </a:buClr>
-              <a:buSzPct val="45000"/>
-              <a:buFont typeface="Wingdings" panose="05000000000000000000" pitchFamily="2" charset="2"/>
-              <a:buChar char=""/>
-              <a:tabLst>
-                <a:tab pos="448945" algn="l"/>
-                <a:tab pos="898525" algn="l"/>
-                <a:tab pos="1347470" algn="l"/>
-                <a:tab pos="1797050" algn="l"/>
-                <a:tab pos="2245995" algn="l"/>
-                <a:tab pos="2695575" algn="l"/>
-                <a:tab pos="3144520" algn="l"/>
-                <a:tab pos="3594100" algn="l"/>
-                <a:tab pos="4043045" algn="l"/>
-                <a:tab pos="4492625" algn="l"/>
-                <a:tab pos="4941570" algn="l"/>
-                <a:tab pos="5391150" algn="l"/>
-                <a:tab pos="5840095" algn="l"/>
-                <a:tab pos="6289675" algn="l"/>
-                <a:tab pos="6738620" algn="l"/>
-                <a:tab pos="7188200" algn="l"/>
-                <a:tab pos="7637145" algn="l"/>
-                <a:tab pos="8086725" algn="l"/>
-                <a:tab pos="8535670" algn="l"/>
-                <a:tab pos="8985250" algn="l"/>
-              </a:tabLst>
-              <a:defRPr/>
-            </a:pPr>
-            <a:r>
-              <a:rPr kumimoji="0" lang="en-IN" altLang="en-US" sz="2000" b="1" i="0" u="none" strike="noStrike" kern="1200" cap="none" spc="0" normalizeH="0" baseline="0" noProof="0" dirty="0">
-                <a:ln>
-                  <a:noFill/>
-                </a:ln>
-                <a:solidFill>
-                  <a:srgbClr val="000000"/>
-                </a:solidFill>
-                <a:effectLst/>
-                <a:uLnTx/>
-                <a:uFillTx/>
-                <a:latin typeface="Times New Roman" panose="02020603050405020304" pitchFamily="16" charset="0"/>
-                <a:ea typeface="+mn-ea"/>
-                <a:cs typeface="+mn-cs"/>
-              </a:rPr>
-              <a:t>Suggestions given during Review-1</a:t>
-            </a:r>
-            <a:endParaRPr kumimoji="0" lang="en-IN" altLang="en-US" sz="2000" b="1" i="0" u="none" strike="noStrike" kern="1200" cap="none" spc="0" normalizeH="0" baseline="0" noProof="0" dirty="0">
-              <a:ln>
-                <a:noFill/>
-              </a:ln>
-              <a:solidFill>
-                <a:srgbClr val="000000"/>
-              </a:solidFill>
-              <a:effectLst/>
-              <a:uLnTx/>
-              <a:uFillTx/>
-              <a:latin typeface="Times New Roman" panose="02020603050405020304" pitchFamily="16" charset="0"/>
-              <a:ea typeface="+mn-ea"/>
-              <a:cs typeface="DejaVu Sans" charset="0"/>
-            </a:endParaRPr>
-          </a:p>
           <a:p>
             <a:pPr marL="430530" marR="0" lvl="0" indent="-322580" algn="l" defTabSz="457200" rtl="0" eaLnBrk="1" fontAlgn="base" latinLnBrk="0" hangingPunct="1">
               <a:lnSpc>
@@ -20488,755 +18810,6 @@
               </a:tabLst>
               <a:defRPr/>
             </a:pPr>
-            <a:endParaRPr kumimoji="0" lang="en-IN" altLang="en-US" sz="3600" b="1" i="0" u="none" strike="noStrike" kern="1200" cap="none" spc="0" normalizeH="0" baseline="0" noProof="0" dirty="0">
-              <a:ln>
-                <a:noFill/>
-              </a:ln>
-              <a:solidFill>
-                <a:srgbClr val="000000"/>
-              </a:solidFill>
-              <a:effectLst/>
-              <a:uLnTx/>
-              <a:uFillTx/>
-              <a:latin typeface="Times New Roman" panose="02020603050405020304" pitchFamily="16" charset="0"/>
-              <a:ea typeface="+mn-ea"/>
-              <a:cs typeface="DejaVu Sans" charset="0"/>
-            </a:endParaRPr>
-          </a:p>
-          <a:p>
-            <a:pPr marL="0" marR="0" lvl="0" indent="0" algn="l" defTabSz="457200" rtl="0" eaLnBrk="1" fontAlgn="auto" latinLnBrk="0" hangingPunct="1">
-              <a:lnSpc>
-                <a:spcPct val="93000"/>
-              </a:lnSpc>
-              <a:spcBef>
-                <a:spcPts val="0"/>
-              </a:spcBef>
-              <a:spcAft>
-                <a:spcPts val="0"/>
-              </a:spcAft>
-              <a:buClr>
-                <a:srgbClr val="000000"/>
-              </a:buClr>
-              <a:buSzPct val="100000"/>
-              <a:buFont typeface="Times New Roman" panose="02020603050405020304" pitchFamily="16" charset="0"/>
-              <a:buNone/>
-              <a:tabLst>
-                <a:tab pos="448945" algn="l"/>
-                <a:tab pos="898525" algn="l"/>
-                <a:tab pos="1347470" algn="l"/>
-                <a:tab pos="1797050" algn="l"/>
-                <a:tab pos="2245995" algn="l"/>
-                <a:tab pos="2695575" algn="l"/>
-                <a:tab pos="3144520" algn="l"/>
-                <a:tab pos="3594100" algn="l"/>
-                <a:tab pos="4043045" algn="l"/>
-                <a:tab pos="4492625" algn="l"/>
-                <a:tab pos="4941570" algn="l"/>
-                <a:tab pos="5391150" algn="l"/>
-                <a:tab pos="5840095" algn="l"/>
-                <a:tab pos="6289675" algn="l"/>
-                <a:tab pos="6738620" algn="l"/>
-                <a:tab pos="7188200" algn="l"/>
-                <a:tab pos="7637145" algn="l"/>
-                <a:tab pos="8086725" algn="l"/>
-                <a:tab pos="8535670" algn="l"/>
-                <a:tab pos="8985250" algn="l"/>
-              </a:tabLst>
-              <a:defRPr/>
-            </a:pPr>
-            <a:r>
-              <a:rPr kumimoji="0" lang="en-IN" altLang="en-US" sz="3600" b="1" i="0" u="none" strike="noStrike" kern="1200" cap="none" spc="0" normalizeH="0" baseline="0" noProof="0" dirty="0">
-                <a:ln>
-                  <a:noFill/>
-                </a:ln>
-                <a:solidFill>
-                  <a:srgbClr val="000000"/>
-                </a:solidFill>
-                <a:effectLst/>
-                <a:uLnTx/>
-                <a:uFillTx/>
-                <a:latin typeface="Times New Roman" panose="02020603050405020304" pitchFamily="16" charset="0"/>
-                <a:ea typeface="+mn-ea"/>
-                <a:cs typeface="DejaVu Sans" charset="0"/>
-              </a:rPr>
-              <a:t>1. </a:t>
-            </a:r>
-            <a:r>
-              <a:rPr kumimoji="0" lang="en-IN" altLang="en-US" sz="3600" b="1" i="0" u="none" strike="noStrike" kern="1200" cap="none" spc="0" normalizeH="0" baseline="0" noProof="0" dirty="0">
-                <a:ln>
-                  <a:noFill/>
-                </a:ln>
-                <a:solidFill>
-                  <a:srgbClr val="000000"/>
-                </a:solidFill>
-                <a:effectLst/>
-                <a:uLnTx/>
-                <a:uFillTx/>
-                <a:latin typeface="Times New Roman" panose="02020603050405020304" pitchFamily="16" charset="0"/>
-                <a:ea typeface="+mn-ea"/>
-                <a:cs typeface="Noto Sans CJK SC Regular" charset="0"/>
-              </a:rPr>
-              <a:t>Suggestions given during Review-1</a:t>
-            </a:r>
-          </a:p>
-          <a:p>
-            <a:pPr marL="0" marR="0" lvl="0" indent="0" algn="l" defTabSz="457200" rtl="0" eaLnBrk="1" fontAlgn="auto" latinLnBrk="0" hangingPunct="1">
-              <a:lnSpc>
-                <a:spcPct val="93000"/>
-              </a:lnSpc>
-              <a:spcBef>
-                <a:spcPts val="0"/>
-              </a:spcBef>
-              <a:spcAft>
-                <a:spcPts val="0"/>
-              </a:spcAft>
-              <a:buClr>
-                <a:srgbClr val="000000"/>
-              </a:buClr>
-              <a:buSzPct val="100000"/>
-              <a:buFont typeface="Times New Roman" panose="02020603050405020304" pitchFamily="16" charset="0"/>
-              <a:buNone/>
-              <a:tabLst>
-                <a:tab pos="448945" algn="l"/>
-                <a:tab pos="898525" algn="l"/>
-                <a:tab pos="1347470" algn="l"/>
-                <a:tab pos="1797050" algn="l"/>
-                <a:tab pos="2245995" algn="l"/>
-                <a:tab pos="2695575" algn="l"/>
-                <a:tab pos="3144520" algn="l"/>
-                <a:tab pos="3594100" algn="l"/>
-                <a:tab pos="4043045" algn="l"/>
-                <a:tab pos="4492625" algn="l"/>
-                <a:tab pos="4941570" algn="l"/>
-                <a:tab pos="5391150" algn="l"/>
-                <a:tab pos="5840095" algn="l"/>
-                <a:tab pos="6289675" algn="l"/>
-                <a:tab pos="6738620" algn="l"/>
-                <a:tab pos="7188200" algn="l"/>
-                <a:tab pos="7637145" algn="l"/>
-                <a:tab pos="8086725" algn="l"/>
-                <a:tab pos="8535670" algn="l"/>
-                <a:tab pos="8985250" algn="l"/>
-              </a:tabLst>
-              <a:defRPr/>
-            </a:pPr>
-            <a:endParaRPr kumimoji="0" lang="en-IN" altLang="en-US" sz="3600" b="1" i="0" u="none" strike="noStrike" kern="1200" cap="none" spc="0" normalizeH="0" baseline="0" noProof="0" dirty="0">
-              <a:ln>
-                <a:noFill/>
-              </a:ln>
-              <a:solidFill>
-                <a:srgbClr val="000000"/>
-              </a:solidFill>
-              <a:effectLst/>
-              <a:uLnTx/>
-              <a:uFillTx/>
-              <a:latin typeface="Times New Roman" panose="02020603050405020304" pitchFamily="16" charset="0"/>
-              <a:ea typeface="+mn-ea"/>
-              <a:cs typeface="DejaVu Sans" charset="0"/>
-            </a:endParaRPr>
-          </a:p>
-          <a:p>
-            <a:pPr marL="0" marR="0" lvl="0" indent="0" algn="l" defTabSz="457200" rtl="0" eaLnBrk="1" fontAlgn="auto" latinLnBrk="0" hangingPunct="1">
-              <a:lnSpc>
-                <a:spcPct val="93000"/>
-              </a:lnSpc>
-              <a:spcBef>
-                <a:spcPts val="0"/>
-              </a:spcBef>
-              <a:spcAft>
-                <a:spcPts val="0"/>
-              </a:spcAft>
-              <a:buClr>
-                <a:srgbClr val="000000"/>
-              </a:buClr>
-              <a:buSzPct val="100000"/>
-              <a:buFont typeface="Times New Roman" panose="02020603050405020304" pitchFamily="16" charset="0"/>
-              <a:buNone/>
-              <a:tabLst>
-                <a:tab pos="448945" algn="l"/>
-                <a:tab pos="898525" algn="l"/>
-                <a:tab pos="1347470" algn="l"/>
-                <a:tab pos="1797050" algn="l"/>
-                <a:tab pos="2245995" algn="l"/>
-                <a:tab pos="2695575" algn="l"/>
-                <a:tab pos="3144520" algn="l"/>
-                <a:tab pos="3594100" algn="l"/>
-                <a:tab pos="4043045" algn="l"/>
-                <a:tab pos="4492625" algn="l"/>
-                <a:tab pos="4941570" algn="l"/>
-                <a:tab pos="5391150" algn="l"/>
-                <a:tab pos="5840095" algn="l"/>
-                <a:tab pos="6289675" algn="l"/>
-                <a:tab pos="6738620" algn="l"/>
-                <a:tab pos="7188200" algn="l"/>
-                <a:tab pos="7637145" algn="l"/>
-                <a:tab pos="8086725" algn="l"/>
-                <a:tab pos="8535670" algn="l"/>
-                <a:tab pos="8985250" algn="l"/>
-              </a:tabLst>
-              <a:defRPr/>
-            </a:pPr>
-            <a:endParaRPr kumimoji="0" lang="en-IN" altLang="en-US" sz="3600" b="1" i="0" u="none" strike="noStrike" kern="1200" cap="none" spc="0" normalizeH="0" baseline="0" noProof="0" dirty="0">
-              <a:ln>
-                <a:noFill/>
-              </a:ln>
-              <a:solidFill>
-                <a:srgbClr val="000000"/>
-              </a:solidFill>
-              <a:effectLst/>
-              <a:uLnTx/>
-              <a:uFillTx/>
-              <a:latin typeface="Times New Roman" panose="02020603050405020304" pitchFamily="16" charset="0"/>
-              <a:ea typeface="+mn-ea"/>
-              <a:cs typeface="DejaVu Sans" charset="0"/>
-            </a:endParaRPr>
-          </a:p>
-        </p:txBody>
-      </p:sp>
-      <p:sp>
-        <p:nvSpPr>
-          <p:cNvPr id="12291" name="Rectangle 2"/>
-          <p:cNvSpPr/>
-          <p:nvPr/>
-        </p:nvSpPr>
-        <p:spPr>
-          <a:xfrm>
-            <a:off x="431800" y="1563688"/>
-            <a:ext cx="9070975" cy="4989512"/>
-          </a:xfrm>
-          <a:prstGeom prst="rect">
-            <a:avLst/>
-          </a:prstGeom>
-          <a:noFill/>
-          <a:ln w="9525">
-            <a:noFill/>
-          </a:ln>
-        </p:spPr>
-        <p:txBody>
-          <a:bodyPr lIns="0" tIns="21240" rIns="0" bIns="0"/>
-          <a:lstStyle/>
-          <a:p>
-            <a:pPr marL="107950" algn="just" defTabSz="457200" eaLnBrk="1" hangingPunct="1">
-              <a:lnSpc>
-                <a:spcPct val="115000"/>
-              </a:lnSpc>
-              <a:spcBef>
-                <a:spcPts val="0"/>
-              </a:spcBef>
-              <a:spcAft>
-                <a:spcPts val="1415"/>
-              </a:spcAft>
-              <a:tabLst>
-                <a:tab pos="449580" algn="l"/>
-                <a:tab pos="898525" algn="l"/>
-                <a:tab pos="1348105" algn="l"/>
-                <a:tab pos="1797050" algn="l"/>
-                <a:tab pos="2246630" algn="l"/>
-                <a:tab pos="2695575" algn="l"/>
-                <a:tab pos="3145155" algn="l"/>
-                <a:tab pos="3594100" algn="l"/>
-                <a:tab pos="4043680" algn="l"/>
-                <a:tab pos="4492625" algn="l"/>
-                <a:tab pos="4942205" algn="l"/>
-                <a:tab pos="5391150" algn="l"/>
-                <a:tab pos="5840730" algn="l"/>
-                <a:tab pos="6289675" algn="l"/>
-                <a:tab pos="6739255" algn="l"/>
-                <a:tab pos="7188200" algn="l"/>
-                <a:tab pos="7637780" algn="l"/>
-                <a:tab pos="8086725" algn="l"/>
-                <a:tab pos="8536305" algn="l"/>
-                <a:tab pos="8985250" algn="l"/>
-              </a:tabLst>
-            </a:pPr>
-            <a:r>
-              <a:rPr lang="en-IN" altLang="en-US" sz="2400" dirty="0">
-                <a:solidFill>
-                  <a:srgbClr val="000000"/>
-                </a:solidFill>
-                <a:latin typeface="Times New Roman" panose="02020603050405020304" pitchFamily="16" charset="0"/>
-                <a:cs typeface="Times New Roman" panose="02020603050405020304" pitchFamily="16" charset="0"/>
-              </a:rPr>
-              <a:t>1. Refer to IEEE papers instead of general research papers for a more comprehensive understanding of implemented systems.</a:t>
-            </a:r>
-            <a:endParaRPr lang="en-IN" altLang="en-US" sz="2400" dirty="0">
-              <a:solidFill>
-                <a:srgbClr val="000000"/>
-              </a:solidFill>
-              <a:latin typeface="Times New Roman" panose="02020603050405020304" pitchFamily="16" charset="0"/>
-              <a:ea typeface="Times New Roman" panose="02020603050405020304" pitchFamily="16" charset="0"/>
-            </a:endParaRPr>
-          </a:p>
-        </p:txBody>
-      </p:sp>
-    </p:spTree>
-  </p:cSld>
-  <p:clrMapOvr>
-    <a:masterClrMapping/>
-  </p:clrMapOvr>
-  <p:transition spd="med"/>
-</p:sld>
-</file>
-
-<file path=ppt/slides/slide4.xml><?xml version="1.0" encoding="utf-8"?>
-<p:sld xmlns:a="http://schemas.openxmlformats.org/drawingml/2006/main" xmlns:r="http://schemas.openxmlformats.org/officeDocument/2006/relationships" xmlns:p="http://schemas.openxmlformats.org/presentationml/2006/main">
-  <p:cSld>
-    <p:spTree>
-      <p:nvGrpSpPr>
-        <p:cNvPr id="1" name=""/>
-        <p:cNvGrpSpPr/>
-        <p:nvPr/>
-      </p:nvGrpSpPr>
-      <p:grpSpPr>
-        <a:xfrm>
-          <a:off x="0" y="0"/>
-          <a:ext cx="0" cy="0"/>
-          <a:chOff x="0" y="0"/>
-          <a:chExt cx="0" cy="0"/>
-        </a:xfrm>
-      </p:grpSpPr>
-      <p:sp>
-        <p:nvSpPr>
-          <p:cNvPr id="8194" name="Rectangle 1"/>
-          <p:cNvSpPr>
-            <a:spLocks noChangeArrowheads="1"/>
-          </p:cNvSpPr>
-          <p:nvPr/>
-        </p:nvSpPr>
-        <p:spPr bwMode="auto">
-          <a:xfrm>
-            <a:off x="503238" y="301625"/>
-            <a:ext cx="9070975" cy="1262063"/>
-          </a:xfrm>
-          <a:prstGeom prst="rect">
-            <a:avLst/>
-          </a:prstGeom>
-          <a:noFill/>
-          <a:ln>
-            <a:noFill/>
-          </a:ln>
-          <a:effectLst/>
-        </p:spPr>
-        <p:txBody>
-          <a:bodyPr lIns="0" tIns="31680" rIns="0" bIns="0" anchor="ctr"/>
-          <a:lstStyle>
-            <a:lvl1pPr>
-              <a:lnSpc>
-                <a:spcPct val="93000"/>
-              </a:lnSpc>
-              <a:buClr>
-                <a:srgbClr val="000000"/>
-              </a:buClr>
-              <a:buSzPct val="100000"/>
-              <a:buFont typeface="Times New Roman" panose="02020603050405020304" pitchFamily="16" charset="0"/>
-              <a:tabLst>
-                <a:tab pos="448945" algn="l"/>
-                <a:tab pos="898525" algn="l"/>
-                <a:tab pos="1347470" algn="l"/>
-                <a:tab pos="1797050" algn="l"/>
-                <a:tab pos="2245995" algn="l"/>
-                <a:tab pos="2695575" algn="l"/>
-                <a:tab pos="3144520" algn="l"/>
-                <a:tab pos="3594100" algn="l"/>
-                <a:tab pos="4043045" algn="l"/>
-                <a:tab pos="4492625" algn="l"/>
-                <a:tab pos="4941570" algn="l"/>
-                <a:tab pos="5391150" algn="l"/>
-                <a:tab pos="5840095" algn="l"/>
-                <a:tab pos="6289675" algn="l"/>
-                <a:tab pos="6738620" algn="l"/>
-                <a:tab pos="7188200" algn="l"/>
-                <a:tab pos="7637145" algn="l"/>
-                <a:tab pos="8086725" algn="l"/>
-                <a:tab pos="8535670" algn="l"/>
-                <a:tab pos="8985250" algn="l"/>
-              </a:tabLst>
-              <a:defRPr>
-                <a:solidFill>
-                  <a:schemeClr val="tx1"/>
-                </a:solidFill>
-                <a:latin typeface="Arial" panose="020B0604020202020204" pitchFamily="34" charset="0"/>
-                <a:cs typeface="Noto Sans CJK SC Regular" charset="0"/>
-              </a:defRPr>
-            </a:lvl1pPr>
-            <a:lvl2pPr>
-              <a:lnSpc>
-                <a:spcPct val="93000"/>
-              </a:lnSpc>
-              <a:buClr>
-                <a:srgbClr val="000000"/>
-              </a:buClr>
-              <a:buSzPct val="100000"/>
-              <a:buFont typeface="Times New Roman" panose="02020603050405020304" pitchFamily="16" charset="0"/>
-              <a:tabLst>
-                <a:tab pos="448945" algn="l"/>
-                <a:tab pos="898525" algn="l"/>
-                <a:tab pos="1347470" algn="l"/>
-                <a:tab pos="1797050" algn="l"/>
-                <a:tab pos="2245995" algn="l"/>
-                <a:tab pos="2695575" algn="l"/>
-                <a:tab pos="3144520" algn="l"/>
-                <a:tab pos="3594100" algn="l"/>
-                <a:tab pos="4043045" algn="l"/>
-                <a:tab pos="4492625" algn="l"/>
-                <a:tab pos="4941570" algn="l"/>
-                <a:tab pos="5391150" algn="l"/>
-                <a:tab pos="5840095" algn="l"/>
-                <a:tab pos="6289675" algn="l"/>
-                <a:tab pos="6738620" algn="l"/>
-                <a:tab pos="7188200" algn="l"/>
-                <a:tab pos="7637145" algn="l"/>
-                <a:tab pos="8086725" algn="l"/>
-                <a:tab pos="8535670" algn="l"/>
-                <a:tab pos="8985250" algn="l"/>
-              </a:tabLst>
-              <a:defRPr>
-                <a:solidFill>
-                  <a:schemeClr val="tx1"/>
-                </a:solidFill>
-                <a:latin typeface="Arial" panose="020B0604020202020204" pitchFamily="34" charset="0"/>
-                <a:cs typeface="Noto Sans CJK SC Regular" charset="0"/>
-              </a:defRPr>
-            </a:lvl2pPr>
-            <a:lvl3pPr>
-              <a:lnSpc>
-                <a:spcPct val="93000"/>
-              </a:lnSpc>
-              <a:buClr>
-                <a:srgbClr val="000000"/>
-              </a:buClr>
-              <a:buSzPct val="100000"/>
-              <a:buFont typeface="Times New Roman" panose="02020603050405020304" pitchFamily="16" charset="0"/>
-              <a:tabLst>
-                <a:tab pos="448945" algn="l"/>
-                <a:tab pos="898525" algn="l"/>
-                <a:tab pos="1347470" algn="l"/>
-                <a:tab pos="1797050" algn="l"/>
-                <a:tab pos="2245995" algn="l"/>
-                <a:tab pos="2695575" algn="l"/>
-                <a:tab pos="3144520" algn="l"/>
-                <a:tab pos="3594100" algn="l"/>
-                <a:tab pos="4043045" algn="l"/>
-                <a:tab pos="4492625" algn="l"/>
-                <a:tab pos="4941570" algn="l"/>
-                <a:tab pos="5391150" algn="l"/>
-                <a:tab pos="5840095" algn="l"/>
-                <a:tab pos="6289675" algn="l"/>
-                <a:tab pos="6738620" algn="l"/>
-                <a:tab pos="7188200" algn="l"/>
-                <a:tab pos="7637145" algn="l"/>
-                <a:tab pos="8086725" algn="l"/>
-                <a:tab pos="8535670" algn="l"/>
-                <a:tab pos="8985250" algn="l"/>
-              </a:tabLst>
-              <a:defRPr>
-                <a:solidFill>
-                  <a:schemeClr val="tx1"/>
-                </a:solidFill>
-                <a:latin typeface="Arial" panose="020B0604020202020204" pitchFamily="34" charset="0"/>
-                <a:cs typeface="Noto Sans CJK SC Regular" charset="0"/>
-              </a:defRPr>
-            </a:lvl3pPr>
-            <a:lvl4pPr>
-              <a:lnSpc>
-                <a:spcPct val="93000"/>
-              </a:lnSpc>
-              <a:buClr>
-                <a:srgbClr val="000000"/>
-              </a:buClr>
-              <a:buSzPct val="100000"/>
-              <a:buFont typeface="Times New Roman" panose="02020603050405020304" pitchFamily="16" charset="0"/>
-              <a:tabLst>
-                <a:tab pos="448945" algn="l"/>
-                <a:tab pos="898525" algn="l"/>
-                <a:tab pos="1347470" algn="l"/>
-                <a:tab pos="1797050" algn="l"/>
-                <a:tab pos="2245995" algn="l"/>
-                <a:tab pos="2695575" algn="l"/>
-                <a:tab pos="3144520" algn="l"/>
-                <a:tab pos="3594100" algn="l"/>
-                <a:tab pos="4043045" algn="l"/>
-                <a:tab pos="4492625" algn="l"/>
-                <a:tab pos="4941570" algn="l"/>
-                <a:tab pos="5391150" algn="l"/>
-                <a:tab pos="5840095" algn="l"/>
-                <a:tab pos="6289675" algn="l"/>
-                <a:tab pos="6738620" algn="l"/>
-                <a:tab pos="7188200" algn="l"/>
-                <a:tab pos="7637145" algn="l"/>
-                <a:tab pos="8086725" algn="l"/>
-                <a:tab pos="8535670" algn="l"/>
-                <a:tab pos="8985250" algn="l"/>
-              </a:tabLst>
-              <a:defRPr>
-                <a:solidFill>
-                  <a:schemeClr val="tx1"/>
-                </a:solidFill>
-                <a:latin typeface="Arial" panose="020B0604020202020204" pitchFamily="34" charset="0"/>
-                <a:cs typeface="Noto Sans CJK SC Regular" charset="0"/>
-              </a:defRPr>
-            </a:lvl4pPr>
-            <a:lvl5pPr>
-              <a:lnSpc>
-                <a:spcPct val="93000"/>
-              </a:lnSpc>
-              <a:buClr>
-                <a:srgbClr val="000000"/>
-              </a:buClr>
-              <a:buSzPct val="100000"/>
-              <a:buFont typeface="Times New Roman" panose="02020603050405020304" pitchFamily="16" charset="0"/>
-              <a:tabLst>
-                <a:tab pos="448945" algn="l"/>
-                <a:tab pos="898525" algn="l"/>
-                <a:tab pos="1347470" algn="l"/>
-                <a:tab pos="1797050" algn="l"/>
-                <a:tab pos="2245995" algn="l"/>
-                <a:tab pos="2695575" algn="l"/>
-                <a:tab pos="3144520" algn="l"/>
-                <a:tab pos="3594100" algn="l"/>
-                <a:tab pos="4043045" algn="l"/>
-                <a:tab pos="4492625" algn="l"/>
-                <a:tab pos="4941570" algn="l"/>
-                <a:tab pos="5391150" algn="l"/>
-                <a:tab pos="5840095" algn="l"/>
-                <a:tab pos="6289675" algn="l"/>
-                <a:tab pos="6738620" algn="l"/>
-                <a:tab pos="7188200" algn="l"/>
-                <a:tab pos="7637145" algn="l"/>
-                <a:tab pos="8086725" algn="l"/>
-                <a:tab pos="8535670" algn="l"/>
-                <a:tab pos="8985250" algn="l"/>
-              </a:tabLst>
-              <a:defRPr>
-                <a:solidFill>
-                  <a:schemeClr val="tx1"/>
-                </a:solidFill>
-                <a:latin typeface="Arial" panose="020B0604020202020204" pitchFamily="34" charset="0"/>
-                <a:cs typeface="Noto Sans CJK SC Regular" charset="0"/>
-              </a:defRPr>
-            </a:lvl5pPr>
-            <a:lvl6pPr marL="2514600" indent="-228600" defTabSz="449580" eaLnBrk="0" fontAlgn="base" hangingPunct="0">
-              <a:lnSpc>
-                <a:spcPct val="93000"/>
-              </a:lnSpc>
-              <a:spcBef>
-                <a:spcPct val="0"/>
-              </a:spcBef>
-              <a:spcAft>
-                <a:spcPct val="0"/>
-              </a:spcAft>
-              <a:buClr>
-                <a:srgbClr val="000000"/>
-              </a:buClr>
-              <a:buSzPct val="100000"/>
-              <a:buFont typeface="Times New Roman" panose="02020603050405020304" pitchFamily="16" charset="0"/>
-              <a:tabLst>
-                <a:tab pos="448945" algn="l"/>
-                <a:tab pos="898525" algn="l"/>
-                <a:tab pos="1347470" algn="l"/>
-                <a:tab pos="1797050" algn="l"/>
-                <a:tab pos="2245995" algn="l"/>
-                <a:tab pos="2695575" algn="l"/>
-                <a:tab pos="3144520" algn="l"/>
-                <a:tab pos="3594100" algn="l"/>
-                <a:tab pos="4043045" algn="l"/>
-                <a:tab pos="4492625" algn="l"/>
-                <a:tab pos="4941570" algn="l"/>
-                <a:tab pos="5391150" algn="l"/>
-                <a:tab pos="5840095" algn="l"/>
-                <a:tab pos="6289675" algn="l"/>
-                <a:tab pos="6738620" algn="l"/>
-                <a:tab pos="7188200" algn="l"/>
-                <a:tab pos="7637145" algn="l"/>
-                <a:tab pos="8086725" algn="l"/>
-                <a:tab pos="8535670" algn="l"/>
-                <a:tab pos="8985250" algn="l"/>
-              </a:tabLst>
-              <a:defRPr>
-                <a:solidFill>
-                  <a:schemeClr val="tx1"/>
-                </a:solidFill>
-                <a:latin typeface="Arial" panose="020B0604020202020204" pitchFamily="34" charset="0"/>
-                <a:cs typeface="Noto Sans CJK SC Regular" charset="0"/>
-              </a:defRPr>
-            </a:lvl6pPr>
-            <a:lvl7pPr marL="2971800" indent="-228600" defTabSz="449580" eaLnBrk="0" fontAlgn="base" hangingPunct="0">
-              <a:lnSpc>
-                <a:spcPct val="93000"/>
-              </a:lnSpc>
-              <a:spcBef>
-                <a:spcPct val="0"/>
-              </a:spcBef>
-              <a:spcAft>
-                <a:spcPct val="0"/>
-              </a:spcAft>
-              <a:buClr>
-                <a:srgbClr val="000000"/>
-              </a:buClr>
-              <a:buSzPct val="100000"/>
-              <a:buFont typeface="Times New Roman" panose="02020603050405020304" pitchFamily="16" charset="0"/>
-              <a:tabLst>
-                <a:tab pos="448945" algn="l"/>
-                <a:tab pos="898525" algn="l"/>
-                <a:tab pos="1347470" algn="l"/>
-                <a:tab pos="1797050" algn="l"/>
-                <a:tab pos="2245995" algn="l"/>
-                <a:tab pos="2695575" algn="l"/>
-                <a:tab pos="3144520" algn="l"/>
-                <a:tab pos="3594100" algn="l"/>
-                <a:tab pos="4043045" algn="l"/>
-                <a:tab pos="4492625" algn="l"/>
-                <a:tab pos="4941570" algn="l"/>
-                <a:tab pos="5391150" algn="l"/>
-                <a:tab pos="5840095" algn="l"/>
-                <a:tab pos="6289675" algn="l"/>
-                <a:tab pos="6738620" algn="l"/>
-                <a:tab pos="7188200" algn="l"/>
-                <a:tab pos="7637145" algn="l"/>
-                <a:tab pos="8086725" algn="l"/>
-                <a:tab pos="8535670" algn="l"/>
-                <a:tab pos="8985250" algn="l"/>
-              </a:tabLst>
-              <a:defRPr>
-                <a:solidFill>
-                  <a:schemeClr val="tx1"/>
-                </a:solidFill>
-                <a:latin typeface="Arial" panose="020B0604020202020204" pitchFamily="34" charset="0"/>
-                <a:cs typeface="Noto Sans CJK SC Regular" charset="0"/>
-              </a:defRPr>
-            </a:lvl7pPr>
-            <a:lvl8pPr marL="3429000" indent="-228600" defTabSz="449580" eaLnBrk="0" fontAlgn="base" hangingPunct="0">
-              <a:lnSpc>
-                <a:spcPct val="93000"/>
-              </a:lnSpc>
-              <a:spcBef>
-                <a:spcPct val="0"/>
-              </a:spcBef>
-              <a:spcAft>
-                <a:spcPct val="0"/>
-              </a:spcAft>
-              <a:buClr>
-                <a:srgbClr val="000000"/>
-              </a:buClr>
-              <a:buSzPct val="100000"/>
-              <a:buFont typeface="Times New Roman" panose="02020603050405020304" pitchFamily="16" charset="0"/>
-              <a:tabLst>
-                <a:tab pos="448945" algn="l"/>
-                <a:tab pos="898525" algn="l"/>
-                <a:tab pos="1347470" algn="l"/>
-                <a:tab pos="1797050" algn="l"/>
-                <a:tab pos="2245995" algn="l"/>
-                <a:tab pos="2695575" algn="l"/>
-                <a:tab pos="3144520" algn="l"/>
-                <a:tab pos="3594100" algn="l"/>
-                <a:tab pos="4043045" algn="l"/>
-                <a:tab pos="4492625" algn="l"/>
-                <a:tab pos="4941570" algn="l"/>
-                <a:tab pos="5391150" algn="l"/>
-                <a:tab pos="5840095" algn="l"/>
-                <a:tab pos="6289675" algn="l"/>
-                <a:tab pos="6738620" algn="l"/>
-                <a:tab pos="7188200" algn="l"/>
-                <a:tab pos="7637145" algn="l"/>
-                <a:tab pos="8086725" algn="l"/>
-                <a:tab pos="8535670" algn="l"/>
-                <a:tab pos="8985250" algn="l"/>
-              </a:tabLst>
-              <a:defRPr>
-                <a:solidFill>
-                  <a:schemeClr val="tx1"/>
-                </a:solidFill>
-                <a:latin typeface="Arial" panose="020B0604020202020204" pitchFamily="34" charset="0"/>
-                <a:cs typeface="Noto Sans CJK SC Regular" charset="0"/>
-              </a:defRPr>
-            </a:lvl8pPr>
-            <a:lvl9pPr marL="3886200" indent="-228600" defTabSz="449580" eaLnBrk="0" fontAlgn="base" hangingPunct="0">
-              <a:lnSpc>
-                <a:spcPct val="93000"/>
-              </a:lnSpc>
-              <a:spcBef>
-                <a:spcPct val="0"/>
-              </a:spcBef>
-              <a:spcAft>
-                <a:spcPct val="0"/>
-              </a:spcAft>
-              <a:buClr>
-                <a:srgbClr val="000000"/>
-              </a:buClr>
-              <a:buSzPct val="100000"/>
-              <a:buFont typeface="Times New Roman" panose="02020603050405020304" pitchFamily="16" charset="0"/>
-              <a:tabLst>
-                <a:tab pos="448945" algn="l"/>
-                <a:tab pos="898525" algn="l"/>
-                <a:tab pos="1347470" algn="l"/>
-                <a:tab pos="1797050" algn="l"/>
-                <a:tab pos="2245995" algn="l"/>
-                <a:tab pos="2695575" algn="l"/>
-                <a:tab pos="3144520" algn="l"/>
-                <a:tab pos="3594100" algn="l"/>
-                <a:tab pos="4043045" algn="l"/>
-                <a:tab pos="4492625" algn="l"/>
-                <a:tab pos="4941570" algn="l"/>
-                <a:tab pos="5391150" algn="l"/>
-                <a:tab pos="5840095" algn="l"/>
-                <a:tab pos="6289675" algn="l"/>
-                <a:tab pos="6738620" algn="l"/>
-                <a:tab pos="7188200" algn="l"/>
-                <a:tab pos="7637145" algn="l"/>
-                <a:tab pos="8086725" algn="l"/>
-                <a:tab pos="8535670" algn="l"/>
-                <a:tab pos="8985250" algn="l"/>
-              </a:tabLst>
-              <a:defRPr>
-                <a:solidFill>
-                  <a:schemeClr val="tx1"/>
-                </a:solidFill>
-                <a:latin typeface="Arial" panose="020B0604020202020204" pitchFamily="34" charset="0"/>
-                <a:cs typeface="Noto Sans CJK SC Regular" charset="0"/>
-              </a:defRPr>
-            </a:lvl9pPr>
-          </a:lstStyle>
-          <a:p>
-            <a:pPr marL="0" marR="0" lvl="0" indent="0" algn="l" defTabSz="457200" rtl="0" eaLnBrk="1" fontAlgn="auto" latinLnBrk="0" hangingPunct="1">
-              <a:lnSpc>
-                <a:spcPct val="93000"/>
-              </a:lnSpc>
-              <a:spcBef>
-                <a:spcPts val="0"/>
-              </a:spcBef>
-              <a:spcAft>
-                <a:spcPts val="0"/>
-              </a:spcAft>
-              <a:buClr>
-                <a:srgbClr val="000000"/>
-              </a:buClr>
-              <a:buSzPct val="100000"/>
-              <a:buFont typeface="Times New Roman" panose="02020603050405020304" pitchFamily="16" charset="0"/>
-              <a:buNone/>
-              <a:tabLst>
-                <a:tab pos="448945" algn="l"/>
-                <a:tab pos="898525" algn="l"/>
-                <a:tab pos="1347470" algn="l"/>
-                <a:tab pos="1797050" algn="l"/>
-                <a:tab pos="2245995" algn="l"/>
-                <a:tab pos="2695575" algn="l"/>
-                <a:tab pos="3144520" algn="l"/>
-                <a:tab pos="3594100" algn="l"/>
-                <a:tab pos="4043045" algn="l"/>
-                <a:tab pos="4492625" algn="l"/>
-                <a:tab pos="4941570" algn="l"/>
-                <a:tab pos="5391150" algn="l"/>
-                <a:tab pos="5840095" algn="l"/>
-                <a:tab pos="6289675" algn="l"/>
-                <a:tab pos="6738620" algn="l"/>
-                <a:tab pos="7188200" algn="l"/>
-                <a:tab pos="7637145" algn="l"/>
-                <a:tab pos="8086725" algn="l"/>
-                <a:tab pos="8535670" algn="l"/>
-                <a:tab pos="8985250" algn="l"/>
-              </a:tabLst>
-              <a:defRPr/>
-            </a:pPr>
             <a:r>
               <a:rPr kumimoji="0" lang="en-IN" altLang="en-US" sz="3600" b="1" i="0" u="none" strike="noStrike" kern="1200" cap="none" spc="0" normalizeH="0" baseline="0" noProof="0" dirty="0">
                 <a:ln>
@@ -21521,7 +19094,7 @@
 </p:sld>
 </file>
 
-<file path=ppt/slides/slide5.xml><?xml version="1.0" encoding="utf-8"?>
+<file path=ppt/slides/slide4.xml><?xml version="1.0" encoding="utf-8"?>
 <p:sld xmlns:a="http://schemas.openxmlformats.org/drawingml/2006/main" xmlns:r="http://schemas.openxmlformats.org/officeDocument/2006/relationships" xmlns:p="http://schemas.openxmlformats.org/presentationml/2006/main">
   <p:cSld>
     <p:bg>
@@ -22375,6 +19948,1093 @@
               <a:latin typeface="Times New Roman" panose="02020603050405020304" pitchFamily="16" charset="0"/>
               <a:cs typeface="Times New Roman" panose="02020603050405020304" pitchFamily="16" charset="0"/>
             </a:endParaRPr>
+          </a:p>
+        </p:txBody>
+      </p:sp>
+    </p:spTree>
+  </p:cSld>
+  <p:clrMapOvr>
+    <a:overrideClrMapping bg1="lt1" tx1="dk1" bg2="lt2" tx2="dk2" accent1="accent1" accent2="accent2" accent3="accent3" accent4="accent4" accent5="accent5" accent6="accent6" hlink="hlink" folHlink="folHlink"/>
+  </p:clrMapOvr>
+  <p:transition spd="med"/>
+</p:sld>
+</file>
+
+<file path=ppt/slides/slide5.xml><?xml version="1.0" encoding="utf-8"?>
+<p:sld xmlns:a="http://schemas.openxmlformats.org/drawingml/2006/main" xmlns:r="http://schemas.openxmlformats.org/officeDocument/2006/relationships" xmlns:p="http://schemas.openxmlformats.org/presentationml/2006/main">
+  <p:cSld>
+    <p:bg>
+      <p:bgPr>
+        <a:solidFill>
+          <a:srgbClr val="FFFFFF"/>
+        </a:solidFill>
+        <a:effectLst/>
+      </p:bgPr>
+    </p:bg>
+    <p:spTree>
+      <p:nvGrpSpPr>
+        <p:cNvPr id="1" name=""/>
+        <p:cNvGrpSpPr/>
+        <p:nvPr/>
+      </p:nvGrpSpPr>
+      <p:grpSpPr>
+        <a:xfrm>
+          <a:off x="0" y="0"/>
+          <a:ext cx="0" cy="0"/>
+          <a:chOff x="0" y="0"/>
+          <a:chExt cx="0" cy="0"/>
+        </a:xfrm>
+      </p:grpSpPr>
+      <p:sp>
+        <p:nvSpPr>
+          <p:cNvPr id="8194" name="Rectangle 1"/>
+          <p:cNvSpPr>
+            <a:spLocks noChangeArrowheads="1"/>
+          </p:cNvSpPr>
+          <p:nvPr/>
+        </p:nvSpPr>
+        <p:spPr bwMode="auto">
+          <a:xfrm>
+            <a:off x="503238" y="301625"/>
+            <a:ext cx="9070975" cy="1262063"/>
+          </a:xfrm>
+          <a:prstGeom prst="rect">
+            <a:avLst/>
+          </a:prstGeom>
+          <a:noFill/>
+          <a:ln>
+            <a:noFill/>
+          </a:ln>
+          <a:effectLst/>
+        </p:spPr>
+        <p:txBody>
+          <a:bodyPr lIns="0" tIns="31680" rIns="0" bIns="0" anchor="ctr"/>
+          <a:lstStyle>
+            <a:lvl1pPr>
+              <a:lnSpc>
+                <a:spcPct val="93000"/>
+              </a:lnSpc>
+              <a:buClr>
+                <a:srgbClr val="000000"/>
+              </a:buClr>
+              <a:buSzPct val="100000"/>
+              <a:buFont typeface="Times New Roman" panose="02020603050405020304" pitchFamily="16" charset="0"/>
+              <a:tabLst>
+                <a:tab pos="448945" algn="l"/>
+                <a:tab pos="898525" algn="l"/>
+                <a:tab pos="1347470" algn="l"/>
+                <a:tab pos="1797050" algn="l"/>
+                <a:tab pos="2245995" algn="l"/>
+                <a:tab pos="2695575" algn="l"/>
+                <a:tab pos="3144520" algn="l"/>
+                <a:tab pos="3594100" algn="l"/>
+                <a:tab pos="4043045" algn="l"/>
+                <a:tab pos="4492625" algn="l"/>
+                <a:tab pos="4941570" algn="l"/>
+                <a:tab pos="5391150" algn="l"/>
+                <a:tab pos="5840095" algn="l"/>
+                <a:tab pos="6289675" algn="l"/>
+                <a:tab pos="6738620" algn="l"/>
+                <a:tab pos="7188200" algn="l"/>
+                <a:tab pos="7637145" algn="l"/>
+                <a:tab pos="8086725" algn="l"/>
+                <a:tab pos="8535670" algn="l"/>
+                <a:tab pos="8985250" algn="l"/>
+              </a:tabLst>
+              <a:defRPr>
+                <a:solidFill>
+                  <a:schemeClr val="tx1"/>
+                </a:solidFill>
+                <a:latin typeface="Arial" panose="020B0604020202020204" pitchFamily="34" charset="0"/>
+                <a:cs typeface="Noto Sans CJK SC Regular" charset="0"/>
+              </a:defRPr>
+            </a:lvl1pPr>
+            <a:lvl2pPr>
+              <a:lnSpc>
+                <a:spcPct val="93000"/>
+              </a:lnSpc>
+              <a:buClr>
+                <a:srgbClr val="000000"/>
+              </a:buClr>
+              <a:buSzPct val="100000"/>
+              <a:buFont typeface="Times New Roman" panose="02020603050405020304" pitchFamily="16" charset="0"/>
+              <a:tabLst>
+                <a:tab pos="448945" algn="l"/>
+                <a:tab pos="898525" algn="l"/>
+                <a:tab pos="1347470" algn="l"/>
+                <a:tab pos="1797050" algn="l"/>
+                <a:tab pos="2245995" algn="l"/>
+                <a:tab pos="2695575" algn="l"/>
+                <a:tab pos="3144520" algn="l"/>
+                <a:tab pos="3594100" algn="l"/>
+                <a:tab pos="4043045" algn="l"/>
+                <a:tab pos="4492625" algn="l"/>
+                <a:tab pos="4941570" algn="l"/>
+                <a:tab pos="5391150" algn="l"/>
+                <a:tab pos="5840095" algn="l"/>
+                <a:tab pos="6289675" algn="l"/>
+                <a:tab pos="6738620" algn="l"/>
+                <a:tab pos="7188200" algn="l"/>
+                <a:tab pos="7637145" algn="l"/>
+                <a:tab pos="8086725" algn="l"/>
+                <a:tab pos="8535670" algn="l"/>
+                <a:tab pos="8985250" algn="l"/>
+              </a:tabLst>
+              <a:defRPr>
+                <a:solidFill>
+                  <a:schemeClr val="tx1"/>
+                </a:solidFill>
+                <a:latin typeface="Arial" panose="020B0604020202020204" pitchFamily="34" charset="0"/>
+                <a:cs typeface="Noto Sans CJK SC Regular" charset="0"/>
+              </a:defRPr>
+            </a:lvl2pPr>
+            <a:lvl3pPr>
+              <a:lnSpc>
+                <a:spcPct val="93000"/>
+              </a:lnSpc>
+              <a:buClr>
+                <a:srgbClr val="000000"/>
+              </a:buClr>
+              <a:buSzPct val="100000"/>
+              <a:buFont typeface="Times New Roman" panose="02020603050405020304" pitchFamily="16" charset="0"/>
+              <a:tabLst>
+                <a:tab pos="448945" algn="l"/>
+                <a:tab pos="898525" algn="l"/>
+                <a:tab pos="1347470" algn="l"/>
+                <a:tab pos="1797050" algn="l"/>
+                <a:tab pos="2245995" algn="l"/>
+                <a:tab pos="2695575" algn="l"/>
+                <a:tab pos="3144520" algn="l"/>
+                <a:tab pos="3594100" algn="l"/>
+                <a:tab pos="4043045" algn="l"/>
+                <a:tab pos="4492625" algn="l"/>
+                <a:tab pos="4941570" algn="l"/>
+                <a:tab pos="5391150" algn="l"/>
+                <a:tab pos="5840095" algn="l"/>
+                <a:tab pos="6289675" algn="l"/>
+                <a:tab pos="6738620" algn="l"/>
+                <a:tab pos="7188200" algn="l"/>
+                <a:tab pos="7637145" algn="l"/>
+                <a:tab pos="8086725" algn="l"/>
+                <a:tab pos="8535670" algn="l"/>
+                <a:tab pos="8985250" algn="l"/>
+              </a:tabLst>
+              <a:defRPr>
+                <a:solidFill>
+                  <a:schemeClr val="tx1"/>
+                </a:solidFill>
+                <a:latin typeface="Arial" panose="020B0604020202020204" pitchFamily="34" charset="0"/>
+                <a:cs typeface="Noto Sans CJK SC Regular" charset="0"/>
+              </a:defRPr>
+            </a:lvl3pPr>
+            <a:lvl4pPr>
+              <a:lnSpc>
+                <a:spcPct val="93000"/>
+              </a:lnSpc>
+              <a:buClr>
+                <a:srgbClr val="000000"/>
+              </a:buClr>
+              <a:buSzPct val="100000"/>
+              <a:buFont typeface="Times New Roman" panose="02020603050405020304" pitchFamily="16" charset="0"/>
+              <a:tabLst>
+                <a:tab pos="448945" algn="l"/>
+                <a:tab pos="898525" algn="l"/>
+                <a:tab pos="1347470" algn="l"/>
+                <a:tab pos="1797050" algn="l"/>
+                <a:tab pos="2245995" algn="l"/>
+                <a:tab pos="2695575" algn="l"/>
+                <a:tab pos="3144520" algn="l"/>
+                <a:tab pos="3594100" algn="l"/>
+                <a:tab pos="4043045" algn="l"/>
+                <a:tab pos="4492625" algn="l"/>
+                <a:tab pos="4941570" algn="l"/>
+                <a:tab pos="5391150" algn="l"/>
+                <a:tab pos="5840095" algn="l"/>
+                <a:tab pos="6289675" algn="l"/>
+                <a:tab pos="6738620" algn="l"/>
+                <a:tab pos="7188200" algn="l"/>
+                <a:tab pos="7637145" algn="l"/>
+                <a:tab pos="8086725" algn="l"/>
+                <a:tab pos="8535670" algn="l"/>
+                <a:tab pos="8985250" algn="l"/>
+              </a:tabLst>
+              <a:defRPr>
+                <a:solidFill>
+                  <a:schemeClr val="tx1"/>
+                </a:solidFill>
+                <a:latin typeface="Arial" panose="020B0604020202020204" pitchFamily="34" charset="0"/>
+                <a:cs typeface="Noto Sans CJK SC Regular" charset="0"/>
+              </a:defRPr>
+            </a:lvl4pPr>
+            <a:lvl5pPr>
+              <a:lnSpc>
+                <a:spcPct val="93000"/>
+              </a:lnSpc>
+              <a:buClr>
+                <a:srgbClr val="000000"/>
+              </a:buClr>
+              <a:buSzPct val="100000"/>
+              <a:buFont typeface="Times New Roman" panose="02020603050405020304" pitchFamily="16" charset="0"/>
+              <a:tabLst>
+                <a:tab pos="448945" algn="l"/>
+                <a:tab pos="898525" algn="l"/>
+                <a:tab pos="1347470" algn="l"/>
+                <a:tab pos="1797050" algn="l"/>
+                <a:tab pos="2245995" algn="l"/>
+                <a:tab pos="2695575" algn="l"/>
+                <a:tab pos="3144520" algn="l"/>
+                <a:tab pos="3594100" algn="l"/>
+                <a:tab pos="4043045" algn="l"/>
+                <a:tab pos="4492625" algn="l"/>
+                <a:tab pos="4941570" algn="l"/>
+                <a:tab pos="5391150" algn="l"/>
+                <a:tab pos="5840095" algn="l"/>
+                <a:tab pos="6289675" algn="l"/>
+                <a:tab pos="6738620" algn="l"/>
+                <a:tab pos="7188200" algn="l"/>
+                <a:tab pos="7637145" algn="l"/>
+                <a:tab pos="8086725" algn="l"/>
+                <a:tab pos="8535670" algn="l"/>
+                <a:tab pos="8985250" algn="l"/>
+              </a:tabLst>
+              <a:defRPr>
+                <a:solidFill>
+                  <a:schemeClr val="tx1"/>
+                </a:solidFill>
+                <a:latin typeface="Arial" panose="020B0604020202020204" pitchFamily="34" charset="0"/>
+                <a:cs typeface="Noto Sans CJK SC Regular" charset="0"/>
+              </a:defRPr>
+            </a:lvl5pPr>
+            <a:lvl6pPr marL="2514600" indent="-228600" defTabSz="449580" eaLnBrk="0" fontAlgn="base" hangingPunct="0">
+              <a:lnSpc>
+                <a:spcPct val="93000"/>
+              </a:lnSpc>
+              <a:spcBef>
+                <a:spcPct val="0"/>
+              </a:spcBef>
+              <a:spcAft>
+                <a:spcPct val="0"/>
+              </a:spcAft>
+              <a:buClr>
+                <a:srgbClr val="000000"/>
+              </a:buClr>
+              <a:buSzPct val="100000"/>
+              <a:buFont typeface="Times New Roman" panose="02020603050405020304" pitchFamily="16" charset="0"/>
+              <a:tabLst>
+                <a:tab pos="448945" algn="l"/>
+                <a:tab pos="898525" algn="l"/>
+                <a:tab pos="1347470" algn="l"/>
+                <a:tab pos="1797050" algn="l"/>
+                <a:tab pos="2245995" algn="l"/>
+                <a:tab pos="2695575" algn="l"/>
+                <a:tab pos="3144520" algn="l"/>
+                <a:tab pos="3594100" algn="l"/>
+                <a:tab pos="4043045" algn="l"/>
+                <a:tab pos="4492625" algn="l"/>
+                <a:tab pos="4941570" algn="l"/>
+                <a:tab pos="5391150" algn="l"/>
+                <a:tab pos="5840095" algn="l"/>
+                <a:tab pos="6289675" algn="l"/>
+                <a:tab pos="6738620" algn="l"/>
+                <a:tab pos="7188200" algn="l"/>
+                <a:tab pos="7637145" algn="l"/>
+                <a:tab pos="8086725" algn="l"/>
+                <a:tab pos="8535670" algn="l"/>
+                <a:tab pos="8985250" algn="l"/>
+              </a:tabLst>
+              <a:defRPr>
+                <a:solidFill>
+                  <a:schemeClr val="tx1"/>
+                </a:solidFill>
+                <a:latin typeface="Arial" panose="020B0604020202020204" pitchFamily="34" charset="0"/>
+                <a:cs typeface="Noto Sans CJK SC Regular" charset="0"/>
+              </a:defRPr>
+            </a:lvl6pPr>
+            <a:lvl7pPr marL="2971800" indent="-228600" defTabSz="449580" eaLnBrk="0" fontAlgn="base" hangingPunct="0">
+              <a:lnSpc>
+                <a:spcPct val="93000"/>
+              </a:lnSpc>
+              <a:spcBef>
+                <a:spcPct val="0"/>
+              </a:spcBef>
+              <a:spcAft>
+                <a:spcPct val="0"/>
+              </a:spcAft>
+              <a:buClr>
+                <a:srgbClr val="000000"/>
+              </a:buClr>
+              <a:buSzPct val="100000"/>
+              <a:buFont typeface="Times New Roman" panose="02020603050405020304" pitchFamily="16" charset="0"/>
+              <a:tabLst>
+                <a:tab pos="448945" algn="l"/>
+                <a:tab pos="898525" algn="l"/>
+                <a:tab pos="1347470" algn="l"/>
+                <a:tab pos="1797050" algn="l"/>
+                <a:tab pos="2245995" algn="l"/>
+                <a:tab pos="2695575" algn="l"/>
+                <a:tab pos="3144520" algn="l"/>
+                <a:tab pos="3594100" algn="l"/>
+                <a:tab pos="4043045" algn="l"/>
+                <a:tab pos="4492625" algn="l"/>
+                <a:tab pos="4941570" algn="l"/>
+                <a:tab pos="5391150" algn="l"/>
+                <a:tab pos="5840095" algn="l"/>
+                <a:tab pos="6289675" algn="l"/>
+                <a:tab pos="6738620" algn="l"/>
+                <a:tab pos="7188200" algn="l"/>
+                <a:tab pos="7637145" algn="l"/>
+                <a:tab pos="8086725" algn="l"/>
+                <a:tab pos="8535670" algn="l"/>
+                <a:tab pos="8985250" algn="l"/>
+              </a:tabLst>
+              <a:defRPr>
+                <a:solidFill>
+                  <a:schemeClr val="tx1"/>
+                </a:solidFill>
+                <a:latin typeface="Arial" panose="020B0604020202020204" pitchFamily="34" charset="0"/>
+                <a:cs typeface="Noto Sans CJK SC Regular" charset="0"/>
+              </a:defRPr>
+            </a:lvl7pPr>
+            <a:lvl8pPr marL="3429000" indent="-228600" defTabSz="449580" eaLnBrk="0" fontAlgn="base" hangingPunct="0">
+              <a:lnSpc>
+                <a:spcPct val="93000"/>
+              </a:lnSpc>
+              <a:spcBef>
+                <a:spcPct val="0"/>
+              </a:spcBef>
+              <a:spcAft>
+                <a:spcPct val="0"/>
+              </a:spcAft>
+              <a:buClr>
+                <a:srgbClr val="000000"/>
+              </a:buClr>
+              <a:buSzPct val="100000"/>
+              <a:buFont typeface="Times New Roman" panose="02020603050405020304" pitchFamily="16" charset="0"/>
+              <a:tabLst>
+                <a:tab pos="448945" algn="l"/>
+                <a:tab pos="898525" algn="l"/>
+                <a:tab pos="1347470" algn="l"/>
+                <a:tab pos="1797050" algn="l"/>
+                <a:tab pos="2245995" algn="l"/>
+                <a:tab pos="2695575" algn="l"/>
+                <a:tab pos="3144520" algn="l"/>
+                <a:tab pos="3594100" algn="l"/>
+                <a:tab pos="4043045" algn="l"/>
+                <a:tab pos="4492625" algn="l"/>
+                <a:tab pos="4941570" algn="l"/>
+                <a:tab pos="5391150" algn="l"/>
+                <a:tab pos="5840095" algn="l"/>
+                <a:tab pos="6289675" algn="l"/>
+                <a:tab pos="6738620" algn="l"/>
+                <a:tab pos="7188200" algn="l"/>
+                <a:tab pos="7637145" algn="l"/>
+                <a:tab pos="8086725" algn="l"/>
+                <a:tab pos="8535670" algn="l"/>
+                <a:tab pos="8985250" algn="l"/>
+              </a:tabLst>
+              <a:defRPr>
+                <a:solidFill>
+                  <a:schemeClr val="tx1"/>
+                </a:solidFill>
+                <a:latin typeface="Arial" panose="020B0604020202020204" pitchFamily="34" charset="0"/>
+                <a:cs typeface="Noto Sans CJK SC Regular" charset="0"/>
+              </a:defRPr>
+            </a:lvl8pPr>
+            <a:lvl9pPr marL="3886200" indent="-228600" defTabSz="449580" eaLnBrk="0" fontAlgn="base" hangingPunct="0">
+              <a:lnSpc>
+                <a:spcPct val="93000"/>
+              </a:lnSpc>
+              <a:spcBef>
+                <a:spcPct val="0"/>
+              </a:spcBef>
+              <a:spcAft>
+                <a:spcPct val="0"/>
+              </a:spcAft>
+              <a:buClr>
+                <a:srgbClr val="000000"/>
+              </a:buClr>
+              <a:buSzPct val="100000"/>
+              <a:buFont typeface="Times New Roman" panose="02020603050405020304" pitchFamily="16" charset="0"/>
+              <a:tabLst>
+                <a:tab pos="448945" algn="l"/>
+                <a:tab pos="898525" algn="l"/>
+                <a:tab pos="1347470" algn="l"/>
+                <a:tab pos="1797050" algn="l"/>
+                <a:tab pos="2245995" algn="l"/>
+                <a:tab pos="2695575" algn="l"/>
+                <a:tab pos="3144520" algn="l"/>
+                <a:tab pos="3594100" algn="l"/>
+                <a:tab pos="4043045" algn="l"/>
+                <a:tab pos="4492625" algn="l"/>
+                <a:tab pos="4941570" algn="l"/>
+                <a:tab pos="5391150" algn="l"/>
+                <a:tab pos="5840095" algn="l"/>
+                <a:tab pos="6289675" algn="l"/>
+                <a:tab pos="6738620" algn="l"/>
+                <a:tab pos="7188200" algn="l"/>
+                <a:tab pos="7637145" algn="l"/>
+                <a:tab pos="8086725" algn="l"/>
+                <a:tab pos="8535670" algn="l"/>
+                <a:tab pos="8985250" algn="l"/>
+              </a:tabLst>
+              <a:defRPr>
+                <a:solidFill>
+                  <a:schemeClr val="tx1"/>
+                </a:solidFill>
+                <a:latin typeface="Arial" panose="020B0604020202020204" pitchFamily="34" charset="0"/>
+                <a:cs typeface="Noto Sans CJK SC Regular" charset="0"/>
+              </a:defRPr>
+            </a:lvl9pPr>
+          </a:lstStyle>
+          <a:p>
+            <a:pPr marL="0" marR="0" lvl="0" indent="0" algn="l" defTabSz="457200" rtl="0" eaLnBrk="1" fontAlgn="auto" latinLnBrk="0" hangingPunct="1">
+              <a:lnSpc>
+                <a:spcPct val="93000"/>
+              </a:lnSpc>
+              <a:spcBef>
+                <a:spcPts val="0"/>
+              </a:spcBef>
+              <a:spcAft>
+                <a:spcPts val="0"/>
+              </a:spcAft>
+              <a:buClr>
+                <a:srgbClr val="000000"/>
+              </a:buClr>
+              <a:buSzPct val="100000"/>
+              <a:buFont typeface="Times New Roman" panose="02020603050405020304" pitchFamily="16" charset="0"/>
+              <a:buNone/>
+              <a:tabLst>
+                <a:tab pos="448945" algn="l"/>
+                <a:tab pos="898525" algn="l"/>
+                <a:tab pos="1347470" algn="l"/>
+                <a:tab pos="1797050" algn="l"/>
+                <a:tab pos="2245995" algn="l"/>
+                <a:tab pos="2695575" algn="l"/>
+                <a:tab pos="3144520" algn="l"/>
+                <a:tab pos="3594100" algn="l"/>
+                <a:tab pos="4043045" algn="l"/>
+                <a:tab pos="4492625" algn="l"/>
+                <a:tab pos="4941570" algn="l"/>
+                <a:tab pos="5391150" algn="l"/>
+                <a:tab pos="5840095" algn="l"/>
+                <a:tab pos="6289675" algn="l"/>
+                <a:tab pos="6738620" algn="l"/>
+                <a:tab pos="7188200" algn="l"/>
+                <a:tab pos="7637145" algn="l"/>
+                <a:tab pos="8086725" algn="l"/>
+                <a:tab pos="8535670" algn="l"/>
+                <a:tab pos="8985250" algn="l"/>
+              </a:tabLst>
+              <a:defRPr/>
+            </a:pPr>
+            <a:r>
+              <a:rPr kumimoji="0" lang="en-IN" altLang="en-US" sz="3600" b="1" i="0" u="none" strike="noStrike" kern="1200" cap="none" spc="0" normalizeH="0" baseline="0" noProof="0" dirty="0">
+                <a:ln>
+                  <a:noFill/>
+                </a:ln>
+                <a:solidFill>
+                  <a:srgbClr val="000000"/>
+                </a:solidFill>
+                <a:effectLst/>
+                <a:uLnTx/>
+                <a:uFillTx/>
+                <a:latin typeface="Times New Roman" panose="02020603050405020304" pitchFamily="16" charset="0"/>
+                <a:ea typeface="+mn-ea"/>
+                <a:cs typeface="DejaVu Sans" charset="0"/>
+              </a:rPr>
+              <a:t>4. Objectives</a:t>
+            </a:r>
+          </a:p>
+        </p:txBody>
+      </p:sp>
+      <p:sp>
+        <p:nvSpPr>
+          <p:cNvPr id="6146" name="Rectangle 2"/>
+          <p:cNvSpPr>
+            <a:spLocks noChangeArrowheads="1"/>
+          </p:cNvSpPr>
+          <p:nvPr/>
+        </p:nvSpPr>
+        <p:spPr bwMode="auto">
+          <a:xfrm>
+            <a:off x="503555" y="1468120"/>
+            <a:ext cx="9070975" cy="5584190"/>
+          </a:xfrm>
+          <a:prstGeom prst="rect">
+            <a:avLst/>
+          </a:prstGeom>
+          <a:noFill/>
+          <a:ln>
+            <a:noFill/>
+          </a:ln>
+          <a:effectLst/>
+        </p:spPr>
+        <p:txBody>
+          <a:bodyPr lIns="0" tIns="21240" rIns="0" bIns="0"/>
+          <a:lstStyle>
+            <a:lvl1pPr marL="430530" indent="-322580">
+              <a:tabLst>
+                <a:tab pos="448945" algn="l"/>
+                <a:tab pos="898525" algn="l"/>
+                <a:tab pos="1347470" algn="l"/>
+                <a:tab pos="1797050" algn="l"/>
+                <a:tab pos="2245995" algn="l"/>
+                <a:tab pos="2695575" algn="l"/>
+                <a:tab pos="3144520" algn="l"/>
+                <a:tab pos="3594100" algn="l"/>
+                <a:tab pos="4043045" algn="l"/>
+                <a:tab pos="4492625" algn="l"/>
+                <a:tab pos="4941570" algn="l"/>
+                <a:tab pos="5391150" algn="l"/>
+                <a:tab pos="5840095" algn="l"/>
+                <a:tab pos="6289675" algn="l"/>
+                <a:tab pos="6738620" algn="l"/>
+                <a:tab pos="7188200" algn="l"/>
+                <a:tab pos="7637145" algn="l"/>
+                <a:tab pos="8086725" algn="l"/>
+                <a:tab pos="8535670" algn="l"/>
+                <a:tab pos="8985250" algn="l"/>
+              </a:tabLst>
+              <a:defRPr>
+                <a:solidFill>
+                  <a:srgbClr val="000000"/>
+                </a:solidFill>
+                <a:latin typeface="Arial" panose="020B0604020202020204" pitchFamily="34" charset="0"/>
+                <a:cs typeface="Noto Sans CJK SC Regular" charset="0"/>
+              </a:defRPr>
+            </a:lvl1pPr>
+            <a:lvl2pPr>
+              <a:tabLst>
+                <a:tab pos="448945" algn="l"/>
+                <a:tab pos="898525" algn="l"/>
+                <a:tab pos="1347470" algn="l"/>
+                <a:tab pos="1797050" algn="l"/>
+                <a:tab pos="2245995" algn="l"/>
+                <a:tab pos="2695575" algn="l"/>
+                <a:tab pos="3144520" algn="l"/>
+                <a:tab pos="3594100" algn="l"/>
+                <a:tab pos="4043045" algn="l"/>
+                <a:tab pos="4492625" algn="l"/>
+                <a:tab pos="4941570" algn="l"/>
+                <a:tab pos="5391150" algn="l"/>
+                <a:tab pos="5840095" algn="l"/>
+                <a:tab pos="6289675" algn="l"/>
+                <a:tab pos="6738620" algn="l"/>
+                <a:tab pos="7188200" algn="l"/>
+                <a:tab pos="7637145" algn="l"/>
+                <a:tab pos="8086725" algn="l"/>
+                <a:tab pos="8535670" algn="l"/>
+                <a:tab pos="8985250" algn="l"/>
+              </a:tabLst>
+              <a:defRPr>
+                <a:solidFill>
+                  <a:srgbClr val="000000"/>
+                </a:solidFill>
+                <a:latin typeface="Arial" panose="020B0604020202020204" pitchFamily="34" charset="0"/>
+                <a:cs typeface="Noto Sans CJK SC Regular" charset="0"/>
+              </a:defRPr>
+            </a:lvl2pPr>
+            <a:lvl3pPr>
+              <a:tabLst>
+                <a:tab pos="448945" algn="l"/>
+                <a:tab pos="898525" algn="l"/>
+                <a:tab pos="1347470" algn="l"/>
+                <a:tab pos="1797050" algn="l"/>
+                <a:tab pos="2245995" algn="l"/>
+                <a:tab pos="2695575" algn="l"/>
+                <a:tab pos="3144520" algn="l"/>
+                <a:tab pos="3594100" algn="l"/>
+                <a:tab pos="4043045" algn="l"/>
+                <a:tab pos="4492625" algn="l"/>
+                <a:tab pos="4941570" algn="l"/>
+                <a:tab pos="5391150" algn="l"/>
+                <a:tab pos="5840095" algn="l"/>
+                <a:tab pos="6289675" algn="l"/>
+                <a:tab pos="6738620" algn="l"/>
+                <a:tab pos="7188200" algn="l"/>
+                <a:tab pos="7637145" algn="l"/>
+                <a:tab pos="8086725" algn="l"/>
+                <a:tab pos="8535670" algn="l"/>
+                <a:tab pos="8985250" algn="l"/>
+              </a:tabLst>
+              <a:defRPr>
+                <a:solidFill>
+                  <a:srgbClr val="000000"/>
+                </a:solidFill>
+                <a:latin typeface="Arial" panose="020B0604020202020204" pitchFamily="34" charset="0"/>
+                <a:cs typeface="Noto Sans CJK SC Regular" charset="0"/>
+              </a:defRPr>
+            </a:lvl3pPr>
+            <a:lvl4pPr>
+              <a:tabLst>
+                <a:tab pos="448945" algn="l"/>
+                <a:tab pos="898525" algn="l"/>
+                <a:tab pos="1347470" algn="l"/>
+                <a:tab pos="1797050" algn="l"/>
+                <a:tab pos="2245995" algn="l"/>
+                <a:tab pos="2695575" algn="l"/>
+                <a:tab pos="3144520" algn="l"/>
+                <a:tab pos="3594100" algn="l"/>
+                <a:tab pos="4043045" algn="l"/>
+                <a:tab pos="4492625" algn="l"/>
+                <a:tab pos="4941570" algn="l"/>
+                <a:tab pos="5391150" algn="l"/>
+                <a:tab pos="5840095" algn="l"/>
+                <a:tab pos="6289675" algn="l"/>
+                <a:tab pos="6738620" algn="l"/>
+                <a:tab pos="7188200" algn="l"/>
+                <a:tab pos="7637145" algn="l"/>
+                <a:tab pos="8086725" algn="l"/>
+                <a:tab pos="8535670" algn="l"/>
+                <a:tab pos="8985250" algn="l"/>
+              </a:tabLst>
+              <a:defRPr>
+                <a:solidFill>
+                  <a:srgbClr val="000000"/>
+                </a:solidFill>
+                <a:latin typeface="Arial" panose="020B0604020202020204" pitchFamily="34" charset="0"/>
+                <a:cs typeface="Noto Sans CJK SC Regular" charset="0"/>
+              </a:defRPr>
+            </a:lvl4pPr>
+            <a:lvl5pPr>
+              <a:tabLst>
+                <a:tab pos="448945" algn="l"/>
+                <a:tab pos="898525" algn="l"/>
+                <a:tab pos="1347470" algn="l"/>
+                <a:tab pos="1797050" algn="l"/>
+                <a:tab pos="2245995" algn="l"/>
+                <a:tab pos="2695575" algn="l"/>
+                <a:tab pos="3144520" algn="l"/>
+                <a:tab pos="3594100" algn="l"/>
+                <a:tab pos="4043045" algn="l"/>
+                <a:tab pos="4492625" algn="l"/>
+                <a:tab pos="4941570" algn="l"/>
+                <a:tab pos="5391150" algn="l"/>
+                <a:tab pos="5840095" algn="l"/>
+                <a:tab pos="6289675" algn="l"/>
+                <a:tab pos="6738620" algn="l"/>
+                <a:tab pos="7188200" algn="l"/>
+                <a:tab pos="7637145" algn="l"/>
+                <a:tab pos="8086725" algn="l"/>
+                <a:tab pos="8535670" algn="l"/>
+                <a:tab pos="8985250" algn="l"/>
+              </a:tabLst>
+              <a:defRPr>
+                <a:solidFill>
+                  <a:srgbClr val="000000"/>
+                </a:solidFill>
+                <a:latin typeface="Arial" panose="020B0604020202020204" pitchFamily="34" charset="0"/>
+                <a:cs typeface="Noto Sans CJK SC Regular" charset="0"/>
+              </a:defRPr>
+            </a:lvl5pPr>
+            <a:lvl6pPr marL="2514600" indent="-228600" defTabSz="449580" fontAlgn="base" hangingPunct="0">
+              <a:lnSpc>
+                <a:spcPct val="93000"/>
+              </a:lnSpc>
+              <a:spcBef>
+                <a:spcPct val="0"/>
+              </a:spcBef>
+              <a:spcAft>
+                <a:spcPct val="0"/>
+              </a:spcAft>
+              <a:buClr>
+                <a:srgbClr val="000000"/>
+              </a:buClr>
+              <a:buSzPct val="100000"/>
+              <a:buFont typeface="Times New Roman" panose="02020603050405020304" pitchFamily="16" charset="0"/>
+              <a:tabLst>
+                <a:tab pos="448945" algn="l"/>
+                <a:tab pos="898525" algn="l"/>
+                <a:tab pos="1347470" algn="l"/>
+                <a:tab pos="1797050" algn="l"/>
+                <a:tab pos="2245995" algn="l"/>
+                <a:tab pos="2695575" algn="l"/>
+                <a:tab pos="3144520" algn="l"/>
+                <a:tab pos="3594100" algn="l"/>
+                <a:tab pos="4043045" algn="l"/>
+                <a:tab pos="4492625" algn="l"/>
+                <a:tab pos="4941570" algn="l"/>
+                <a:tab pos="5391150" algn="l"/>
+                <a:tab pos="5840095" algn="l"/>
+                <a:tab pos="6289675" algn="l"/>
+                <a:tab pos="6738620" algn="l"/>
+                <a:tab pos="7188200" algn="l"/>
+                <a:tab pos="7637145" algn="l"/>
+                <a:tab pos="8086725" algn="l"/>
+                <a:tab pos="8535670" algn="l"/>
+                <a:tab pos="8985250" algn="l"/>
+              </a:tabLst>
+              <a:defRPr>
+                <a:solidFill>
+                  <a:srgbClr val="000000"/>
+                </a:solidFill>
+                <a:latin typeface="Arial" panose="020B0604020202020204" pitchFamily="34" charset="0"/>
+                <a:cs typeface="Noto Sans CJK SC Regular" charset="0"/>
+              </a:defRPr>
+            </a:lvl6pPr>
+            <a:lvl7pPr marL="2971800" indent="-228600" defTabSz="449580" fontAlgn="base" hangingPunct="0">
+              <a:lnSpc>
+                <a:spcPct val="93000"/>
+              </a:lnSpc>
+              <a:spcBef>
+                <a:spcPct val="0"/>
+              </a:spcBef>
+              <a:spcAft>
+                <a:spcPct val="0"/>
+              </a:spcAft>
+              <a:buClr>
+                <a:srgbClr val="000000"/>
+              </a:buClr>
+              <a:buSzPct val="100000"/>
+              <a:buFont typeface="Times New Roman" panose="02020603050405020304" pitchFamily="16" charset="0"/>
+              <a:tabLst>
+                <a:tab pos="448945" algn="l"/>
+                <a:tab pos="898525" algn="l"/>
+                <a:tab pos="1347470" algn="l"/>
+                <a:tab pos="1797050" algn="l"/>
+                <a:tab pos="2245995" algn="l"/>
+                <a:tab pos="2695575" algn="l"/>
+                <a:tab pos="3144520" algn="l"/>
+                <a:tab pos="3594100" algn="l"/>
+                <a:tab pos="4043045" algn="l"/>
+                <a:tab pos="4492625" algn="l"/>
+                <a:tab pos="4941570" algn="l"/>
+                <a:tab pos="5391150" algn="l"/>
+                <a:tab pos="5840095" algn="l"/>
+                <a:tab pos="6289675" algn="l"/>
+                <a:tab pos="6738620" algn="l"/>
+                <a:tab pos="7188200" algn="l"/>
+                <a:tab pos="7637145" algn="l"/>
+                <a:tab pos="8086725" algn="l"/>
+                <a:tab pos="8535670" algn="l"/>
+                <a:tab pos="8985250" algn="l"/>
+              </a:tabLst>
+              <a:defRPr>
+                <a:solidFill>
+                  <a:srgbClr val="000000"/>
+                </a:solidFill>
+                <a:latin typeface="Arial" panose="020B0604020202020204" pitchFamily="34" charset="0"/>
+                <a:cs typeface="Noto Sans CJK SC Regular" charset="0"/>
+              </a:defRPr>
+            </a:lvl7pPr>
+            <a:lvl8pPr marL="3429000" indent="-228600" defTabSz="449580" fontAlgn="base" hangingPunct="0">
+              <a:lnSpc>
+                <a:spcPct val="93000"/>
+              </a:lnSpc>
+              <a:spcBef>
+                <a:spcPct val="0"/>
+              </a:spcBef>
+              <a:spcAft>
+                <a:spcPct val="0"/>
+              </a:spcAft>
+              <a:buClr>
+                <a:srgbClr val="000000"/>
+              </a:buClr>
+              <a:buSzPct val="100000"/>
+              <a:buFont typeface="Times New Roman" panose="02020603050405020304" pitchFamily="16" charset="0"/>
+              <a:tabLst>
+                <a:tab pos="448945" algn="l"/>
+                <a:tab pos="898525" algn="l"/>
+                <a:tab pos="1347470" algn="l"/>
+                <a:tab pos="1797050" algn="l"/>
+                <a:tab pos="2245995" algn="l"/>
+                <a:tab pos="2695575" algn="l"/>
+                <a:tab pos="3144520" algn="l"/>
+                <a:tab pos="3594100" algn="l"/>
+                <a:tab pos="4043045" algn="l"/>
+                <a:tab pos="4492625" algn="l"/>
+                <a:tab pos="4941570" algn="l"/>
+                <a:tab pos="5391150" algn="l"/>
+                <a:tab pos="5840095" algn="l"/>
+                <a:tab pos="6289675" algn="l"/>
+                <a:tab pos="6738620" algn="l"/>
+                <a:tab pos="7188200" algn="l"/>
+                <a:tab pos="7637145" algn="l"/>
+                <a:tab pos="8086725" algn="l"/>
+                <a:tab pos="8535670" algn="l"/>
+                <a:tab pos="8985250" algn="l"/>
+              </a:tabLst>
+              <a:defRPr>
+                <a:solidFill>
+                  <a:srgbClr val="000000"/>
+                </a:solidFill>
+                <a:latin typeface="Arial" panose="020B0604020202020204" pitchFamily="34" charset="0"/>
+                <a:cs typeface="Noto Sans CJK SC Regular" charset="0"/>
+              </a:defRPr>
+            </a:lvl8pPr>
+            <a:lvl9pPr marL="3886200" indent="-228600" defTabSz="449580" fontAlgn="base" hangingPunct="0">
+              <a:lnSpc>
+                <a:spcPct val="93000"/>
+              </a:lnSpc>
+              <a:spcBef>
+                <a:spcPct val="0"/>
+              </a:spcBef>
+              <a:spcAft>
+                <a:spcPct val="0"/>
+              </a:spcAft>
+              <a:buClr>
+                <a:srgbClr val="000000"/>
+              </a:buClr>
+              <a:buSzPct val="100000"/>
+              <a:buFont typeface="Times New Roman" panose="02020603050405020304" pitchFamily="16" charset="0"/>
+              <a:tabLst>
+                <a:tab pos="448945" algn="l"/>
+                <a:tab pos="898525" algn="l"/>
+                <a:tab pos="1347470" algn="l"/>
+                <a:tab pos="1797050" algn="l"/>
+                <a:tab pos="2245995" algn="l"/>
+                <a:tab pos="2695575" algn="l"/>
+                <a:tab pos="3144520" algn="l"/>
+                <a:tab pos="3594100" algn="l"/>
+                <a:tab pos="4043045" algn="l"/>
+                <a:tab pos="4492625" algn="l"/>
+                <a:tab pos="4941570" algn="l"/>
+                <a:tab pos="5391150" algn="l"/>
+                <a:tab pos="5840095" algn="l"/>
+                <a:tab pos="6289675" algn="l"/>
+                <a:tab pos="6738620" algn="l"/>
+                <a:tab pos="7188200" algn="l"/>
+                <a:tab pos="7637145" algn="l"/>
+                <a:tab pos="8086725" algn="l"/>
+                <a:tab pos="8535670" algn="l"/>
+                <a:tab pos="8985250" algn="l"/>
+              </a:tabLst>
+              <a:defRPr>
+                <a:solidFill>
+                  <a:srgbClr val="000000"/>
+                </a:solidFill>
+                <a:latin typeface="Arial" panose="020B0604020202020204" pitchFamily="34" charset="0"/>
+                <a:cs typeface="Noto Sans CJK SC Regular" charset="0"/>
+              </a:defRPr>
+            </a:lvl9pPr>
+          </a:lstStyle>
+          <a:p>
+            <a:pPr marL="452120" marR="0" lvl="0" indent="-342900" algn="just" defTabSz="457200" rtl="0" eaLnBrk="1" fontAlgn="auto" latinLnBrk="0" hangingPunct="1">
+              <a:lnSpc>
+                <a:spcPct val="115000"/>
+              </a:lnSpc>
+              <a:spcBef>
+                <a:spcPts val="0"/>
+              </a:spcBef>
+              <a:spcAft>
+                <a:spcPts val="1415"/>
+              </a:spcAft>
+              <a:buClrTx/>
+              <a:buSzTx/>
+              <a:buFont typeface="Arial" panose="020B0604020202020204" pitchFamily="34" charset="0"/>
+              <a:buChar char="•"/>
+              <a:tabLst>
+                <a:tab pos="448945" algn="l"/>
+                <a:tab pos="898525" algn="l"/>
+                <a:tab pos="1347470" algn="l"/>
+                <a:tab pos="1797050" algn="l"/>
+                <a:tab pos="2245995" algn="l"/>
+                <a:tab pos="2695575" algn="l"/>
+                <a:tab pos="3144520" algn="l"/>
+                <a:tab pos="3594100" algn="l"/>
+                <a:tab pos="4043045" algn="l"/>
+                <a:tab pos="4492625" algn="l"/>
+                <a:tab pos="4941570" algn="l"/>
+                <a:tab pos="5391150" algn="l"/>
+                <a:tab pos="5840095" algn="l"/>
+                <a:tab pos="6289675" algn="l"/>
+                <a:tab pos="6738620" algn="l"/>
+                <a:tab pos="7188200" algn="l"/>
+                <a:tab pos="7637145" algn="l"/>
+                <a:tab pos="8086725" algn="l"/>
+                <a:tab pos="8535670" algn="l"/>
+                <a:tab pos="8985250" algn="l"/>
+              </a:tabLst>
+              <a:defRPr/>
+            </a:pPr>
+            <a:r>
+              <a:rPr kumimoji="0" lang="en-IN" altLang="en-US" sz="2400" b="0" i="0" u="none" strike="noStrike" kern="1200" cap="none" spc="0" normalizeH="0" baseline="0" noProof="0" dirty="0">
+                <a:ln>
+                  <a:noFill/>
+                </a:ln>
+                <a:solidFill>
+                  <a:srgbClr val="000000"/>
+                </a:solidFill>
+                <a:effectLst/>
+                <a:uLnTx/>
+                <a:uFillTx/>
+                <a:latin typeface="Times New Roman" panose="02020603050405020304" pitchFamily="16" charset="0"/>
+                <a:ea typeface="+mn-ea"/>
+                <a:cs typeface="Times New Roman" panose="02020603050405020304" pitchFamily="16" charset="0"/>
+              </a:rPr>
+              <a:t>To design and develop a web framework/cross-platform app offering a holistic view of student achievements.</a:t>
+            </a:r>
+          </a:p>
+          <a:p>
+            <a:pPr marL="452120" marR="0" lvl="0" indent="-342900" algn="just" defTabSz="457200" rtl="0" eaLnBrk="1" fontAlgn="auto" latinLnBrk="0" hangingPunct="1">
+              <a:lnSpc>
+                <a:spcPct val="115000"/>
+              </a:lnSpc>
+              <a:spcBef>
+                <a:spcPts val="0"/>
+              </a:spcBef>
+              <a:spcAft>
+                <a:spcPts val="1415"/>
+              </a:spcAft>
+              <a:buClrTx/>
+              <a:buSzTx/>
+              <a:buFont typeface="Arial" panose="020B0604020202020204" pitchFamily="34" charset="0"/>
+              <a:buChar char="•"/>
+              <a:tabLst>
+                <a:tab pos="448945" algn="l"/>
+                <a:tab pos="898525" algn="l"/>
+                <a:tab pos="1347470" algn="l"/>
+                <a:tab pos="1797050" algn="l"/>
+                <a:tab pos="2245995" algn="l"/>
+                <a:tab pos="2695575" algn="l"/>
+                <a:tab pos="3144520" algn="l"/>
+                <a:tab pos="3594100" algn="l"/>
+                <a:tab pos="4043045" algn="l"/>
+                <a:tab pos="4492625" algn="l"/>
+                <a:tab pos="4941570" algn="l"/>
+                <a:tab pos="5391150" algn="l"/>
+                <a:tab pos="5840095" algn="l"/>
+                <a:tab pos="6289675" algn="l"/>
+                <a:tab pos="6738620" algn="l"/>
+                <a:tab pos="7188200" algn="l"/>
+                <a:tab pos="7637145" algn="l"/>
+                <a:tab pos="8086725" algn="l"/>
+                <a:tab pos="8535670" algn="l"/>
+                <a:tab pos="8985250" algn="l"/>
+              </a:tabLst>
+              <a:defRPr/>
+            </a:pPr>
+            <a:r>
+              <a:rPr kumimoji="0" lang="en-IN" altLang="en-US" sz="2400" b="0" i="0" u="none" strike="noStrike" kern="1200" cap="none" spc="0" normalizeH="0" baseline="0" noProof="0" dirty="0">
+                <a:ln>
+                  <a:noFill/>
+                </a:ln>
+                <a:solidFill>
+                  <a:srgbClr val="000000"/>
+                </a:solidFill>
+                <a:effectLst/>
+                <a:uLnTx/>
+                <a:uFillTx/>
+                <a:latin typeface="Times New Roman" panose="02020603050405020304" pitchFamily="16" charset="0"/>
+                <a:ea typeface="+mn-ea"/>
+                <a:cs typeface="Times New Roman" panose="02020603050405020304" pitchFamily="16" charset="0"/>
+              </a:rPr>
+              <a:t>To help students generate personalized courses, using ML to identify gaps and AI to create content.</a:t>
+            </a:r>
+          </a:p>
+          <a:p>
+            <a:pPr marL="452120" marR="0" lvl="0" indent="-342900" algn="just" defTabSz="457200" rtl="0" eaLnBrk="1" fontAlgn="auto" latinLnBrk="0" hangingPunct="1">
+              <a:lnSpc>
+                <a:spcPct val="115000"/>
+              </a:lnSpc>
+              <a:spcBef>
+                <a:spcPts val="0"/>
+              </a:spcBef>
+              <a:spcAft>
+                <a:spcPts val="1415"/>
+              </a:spcAft>
+              <a:buClrTx/>
+              <a:buSzTx/>
+              <a:buFont typeface="Arial" panose="020B0604020202020204" pitchFamily="34" charset="0"/>
+              <a:buChar char="•"/>
+              <a:tabLst>
+                <a:tab pos="448945" algn="l"/>
+                <a:tab pos="898525" algn="l"/>
+                <a:tab pos="1347470" algn="l"/>
+                <a:tab pos="1797050" algn="l"/>
+                <a:tab pos="2245995" algn="l"/>
+                <a:tab pos="2695575" algn="l"/>
+                <a:tab pos="3144520" algn="l"/>
+                <a:tab pos="3594100" algn="l"/>
+                <a:tab pos="4043045" algn="l"/>
+                <a:tab pos="4492625" algn="l"/>
+                <a:tab pos="4941570" algn="l"/>
+                <a:tab pos="5391150" algn="l"/>
+                <a:tab pos="5840095" algn="l"/>
+                <a:tab pos="6289675" algn="l"/>
+                <a:tab pos="6738620" algn="l"/>
+                <a:tab pos="7188200" algn="l"/>
+                <a:tab pos="7637145" algn="l"/>
+                <a:tab pos="8086725" algn="l"/>
+                <a:tab pos="8535670" algn="l"/>
+                <a:tab pos="8985250" algn="l"/>
+              </a:tabLst>
+              <a:defRPr/>
+            </a:pPr>
+            <a:r>
+              <a:rPr kumimoji="0" lang="en-IN" altLang="en-US" sz="2400" b="0" i="0" u="none" strike="noStrike" kern="1200" cap="none" spc="0" normalizeH="0" baseline="0" noProof="0" dirty="0">
+                <a:ln>
+                  <a:noFill/>
+                </a:ln>
+                <a:solidFill>
+                  <a:srgbClr val="000000"/>
+                </a:solidFill>
+                <a:effectLst/>
+                <a:uLnTx/>
+                <a:uFillTx/>
+                <a:latin typeface="Times New Roman" panose="02020603050405020304" pitchFamily="16" charset="0"/>
+                <a:ea typeface="+mn-ea"/>
+                <a:cs typeface="Times New Roman" panose="02020603050405020304" pitchFamily="16" charset="0"/>
+              </a:rPr>
+              <a:t>To create a data visualization platform providing clear, actionable insights through interactive displays.</a:t>
+            </a:r>
+          </a:p>
+          <a:p>
+            <a:pPr marL="452120" marR="0" lvl="0" indent="-342900" algn="just" defTabSz="457200" rtl="0" eaLnBrk="1" fontAlgn="auto" latinLnBrk="0" hangingPunct="1">
+              <a:lnSpc>
+                <a:spcPct val="115000"/>
+              </a:lnSpc>
+              <a:spcBef>
+                <a:spcPts val="0"/>
+              </a:spcBef>
+              <a:spcAft>
+                <a:spcPts val="1415"/>
+              </a:spcAft>
+              <a:buClrTx/>
+              <a:buSzTx/>
+              <a:buFont typeface="Arial" panose="020B0604020202020204" pitchFamily="34" charset="0"/>
+              <a:buChar char="•"/>
+              <a:tabLst>
+                <a:tab pos="448945" algn="l"/>
+                <a:tab pos="898525" algn="l"/>
+                <a:tab pos="1347470" algn="l"/>
+                <a:tab pos="1797050" algn="l"/>
+                <a:tab pos="2245995" algn="l"/>
+                <a:tab pos="2695575" algn="l"/>
+                <a:tab pos="3144520" algn="l"/>
+                <a:tab pos="3594100" algn="l"/>
+                <a:tab pos="4043045" algn="l"/>
+                <a:tab pos="4492625" algn="l"/>
+                <a:tab pos="4941570" algn="l"/>
+                <a:tab pos="5391150" algn="l"/>
+                <a:tab pos="5840095" algn="l"/>
+                <a:tab pos="6289675" algn="l"/>
+                <a:tab pos="6738620" algn="l"/>
+                <a:tab pos="7188200" algn="l"/>
+                <a:tab pos="7637145" algn="l"/>
+                <a:tab pos="8086725" algn="l"/>
+                <a:tab pos="8535670" algn="l"/>
+                <a:tab pos="8985250" algn="l"/>
+              </a:tabLst>
+              <a:defRPr/>
+            </a:pPr>
+            <a:r>
+              <a:rPr kumimoji="0" lang="en-IN" altLang="en-US" sz="2400" b="0" i="0" u="none" strike="noStrike" kern="1200" cap="none" spc="0" normalizeH="0" baseline="0" noProof="0" dirty="0">
+                <a:ln>
+                  <a:noFill/>
+                </a:ln>
+                <a:solidFill>
+                  <a:srgbClr val="000000"/>
+                </a:solidFill>
+                <a:effectLst/>
+                <a:uLnTx/>
+                <a:uFillTx/>
+                <a:latin typeface="Times New Roman" panose="02020603050405020304" pitchFamily="16" charset="0"/>
+                <a:ea typeface="+mn-ea"/>
+                <a:cs typeface="Times New Roman" panose="02020603050405020304" pitchFamily="16" charset="0"/>
+              </a:rPr>
+              <a:t>To build a scalable cloud infrastructure for real-time data processing.</a:t>
+            </a:r>
           </a:p>
         </p:txBody>
       </p:sp>
@@ -22869,1093 +21529,6 @@
                 <a:ea typeface="+mn-ea"/>
                 <a:cs typeface="DejaVu Sans" charset="0"/>
               </a:rPr>
-              <a:t>4. Objectives</a:t>
-            </a:r>
-          </a:p>
-        </p:txBody>
-      </p:sp>
-      <p:sp>
-        <p:nvSpPr>
-          <p:cNvPr id="6146" name="Rectangle 2"/>
-          <p:cNvSpPr>
-            <a:spLocks noChangeArrowheads="1"/>
-          </p:cNvSpPr>
-          <p:nvPr/>
-        </p:nvSpPr>
-        <p:spPr bwMode="auto">
-          <a:xfrm>
-            <a:off x="503555" y="1468120"/>
-            <a:ext cx="9070975" cy="5584190"/>
-          </a:xfrm>
-          <a:prstGeom prst="rect">
-            <a:avLst/>
-          </a:prstGeom>
-          <a:noFill/>
-          <a:ln>
-            <a:noFill/>
-          </a:ln>
-          <a:effectLst/>
-        </p:spPr>
-        <p:txBody>
-          <a:bodyPr lIns="0" tIns="21240" rIns="0" bIns="0"/>
-          <a:lstStyle>
-            <a:lvl1pPr marL="430530" indent="-322580">
-              <a:tabLst>
-                <a:tab pos="448945" algn="l"/>
-                <a:tab pos="898525" algn="l"/>
-                <a:tab pos="1347470" algn="l"/>
-                <a:tab pos="1797050" algn="l"/>
-                <a:tab pos="2245995" algn="l"/>
-                <a:tab pos="2695575" algn="l"/>
-                <a:tab pos="3144520" algn="l"/>
-                <a:tab pos="3594100" algn="l"/>
-                <a:tab pos="4043045" algn="l"/>
-                <a:tab pos="4492625" algn="l"/>
-                <a:tab pos="4941570" algn="l"/>
-                <a:tab pos="5391150" algn="l"/>
-                <a:tab pos="5840095" algn="l"/>
-                <a:tab pos="6289675" algn="l"/>
-                <a:tab pos="6738620" algn="l"/>
-                <a:tab pos="7188200" algn="l"/>
-                <a:tab pos="7637145" algn="l"/>
-                <a:tab pos="8086725" algn="l"/>
-                <a:tab pos="8535670" algn="l"/>
-                <a:tab pos="8985250" algn="l"/>
-              </a:tabLst>
-              <a:defRPr>
-                <a:solidFill>
-                  <a:srgbClr val="000000"/>
-                </a:solidFill>
-                <a:latin typeface="Arial" panose="020B0604020202020204" pitchFamily="34" charset="0"/>
-                <a:cs typeface="Noto Sans CJK SC Regular" charset="0"/>
-              </a:defRPr>
-            </a:lvl1pPr>
-            <a:lvl2pPr>
-              <a:tabLst>
-                <a:tab pos="448945" algn="l"/>
-                <a:tab pos="898525" algn="l"/>
-                <a:tab pos="1347470" algn="l"/>
-                <a:tab pos="1797050" algn="l"/>
-                <a:tab pos="2245995" algn="l"/>
-                <a:tab pos="2695575" algn="l"/>
-                <a:tab pos="3144520" algn="l"/>
-                <a:tab pos="3594100" algn="l"/>
-                <a:tab pos="4043045" algn="l"/>
-                <a:tab pos="4492625" algn="l"/>
-                <a:tab pos="4941570" algn="l"/>
-                <a:tab pos="5391150" algn="l"/>
-                <a:tab pos="5840095" algn="l"/>
-                <a:tab pos="6289675" algn="l"/>
-                <a:tab pos="6738620" algn="l"/>
-                <a:tab pos="7188200" algn="l"/>
-                <a:tab pos="7637145" algn="l"/>
-                <a:tab pos="8086725" algn="l"/>
-                <a:tab pos="8535670" algn="l"/>
-                <a:tab pos="8985250" algn="l"/>
-              </a:tabLst>
-              <a:defRPr>
-                <a:solidFill>
-                  <a:srgbClr val="000000"/>
-                </a:solidFill>
-                <a:latin typeface="Arial" panose="020B0604020202020204" pitchFamily="34" charset="0"/>
-                <a:cs typeface="Noto Sans CJK SC Regular" charset="0"/>
-              </a:defRPr>
-            </a:lvl2pPr>
-            <a:lvl3pPr>
-              <a:tabLst>
-                <a:tab pos="448945" algn="l"/>
-                <a:tab pos="898525" algn="l"/>
-                <a:tab pos="1347470" algn="l"/>
-                <a:tab pos="1797050" algn="l"/>
-                <a:tab pos="2245995" algn="l"/>
-                <a:tab pos="2695575" algn="l"/>
-                <a:tab pos="3144520" algn="l"/>
-                <a:tab pos="3594100" algn="l"/>
-                <a:tab pos="4043045" algn="l"/>
-                <a:tab pos="4492625" algn="l"/>
-                <a:tab pos="4941570" algn="l"/>
-                <a:tab pos="5391150" algn="l"/>
-                <a:tab pos="5840095" algn="l"/>
-                <a:tab pos="6289675" algn="l"/>
-                <a:tab pos="6738620" algn="l"/>
-                <a:tab pos="7188200" algn="l"/>
-                <a:tab pos="7637145" algn="l"/>
-                <a:tab pos="8086725" algn="l"/>
-                <a:tab pos="8535670" algn="l"/>
-                <a:tab pos="8985250" algn="l"/>
-              </a:tabLst>
-              <a:defRPr>
-                <a:solidFill>
-                  <a:srgbClr val="000000"/>
-                </a:solidFill>
-                <a:latin typeface="Arial" panose="020B0604020202020204" pitchFamily="34" charset="0"/>
-                <a:cs typeface="Noto Sans CJK SC Regular" charset="0"/>
-              </a:defRPr>
-            </a:lvl3pPr>
-            <a:lvl4pPr>
-              <a:tabLst>
-                <a:tab pos="448945" algn="l"/>
-                <a:tab pos="898525" algn="l"/>
-                <a:tab pos="1347470" algn="l"/>
-                <a:tab pos="1797050" algn="l"/>
-                <a:tab pos="2245995" algn="l"/>
-                <a:tab pos="2695575" algn="l"/>
-                <a:tab pos="3144520" algn="l"/>
-                <a:tab pos="3594100" algn="l"/>
-                <a:tab pos="4043045" algn="l"/>
-                <a:tab pos="4492625" algn="l"/>
-                <a:tab pos="4941570" algn="l"/>
-                <a:tab pos="5391150" algn="l"/>
-                <a:tab pos="5840095" algn="l"/>
-                <a:tab pos="6289675" algn="l"/>
-                <a:tab pos="6738620" algn="l"/>
-                <a:tab pos="7188200" algn="l"/>
-                <a:tab pos="7637145" algn="l"/>
-                <a:tab pos="8086725" algn="l"/>
-                <a:tab pos="8535670" algn="l"/>
-                <a:tab pos="8985250" algn="l"/>
-              </a:tabLst>
-              <a:defRPr>
-                <a:solidFill>
-                  <a:srgbClr val="000000"/>
-                </a:solidFill>
-                <a:latin typeface="Arial" panose="020B0604020202020204" pitchFamily="34" charset="0"/>
-                <a:cs typeface="Noto Sans CJK SC Regular" charset="0"/>
-              </a:defRPr>
-            </a:lvl4pPr>
-            <a:lvl5pPr>
-              <a:tabLst>
-                <a:tab pos="448945" algn="l"/>
-                <a:tab pos="898525" algn="l"/>
-                <a:tab pos="1347470" algn="l"/>
-                <a:tab pos="1797050" algn="l"/>
-                <a:tab pos="2245995" algn="l"/>
-                <a:tab pos="2695575" algn="l"/>
-                <a:tab pos="3144520" algn="l"/>
-                <a:tab pos="3594100" algn="l"/>
-                <a:tab pos="4043045" algn="l"/>
-                <a:tab pos="4492625" algn="l"/>
-                <a:tab pos="4941570" algn="l"/>
-                <a:tab pos="5391150" algn="l"/>
-                <a:tab pos="5840095" algn="l"/>
-                <a:tab pos="6289675" algn="l"/>
-                <a:tab pos="6738620" algn="l"/>
-                <a:tab pos="7188200" algn="l"/>
-                <a:tab pos="7637145" algn="l"/>
-                <a:tab pos="8086725" algn="l"/>
-                <a:tab pos="8535670" algn="l"/>
-                <a:tab pos="8985250" algn="l"/>
-              </a:tabLst>
-              <a:defRPr>
-                <a:solidFill>
-                  <a:srgbClr val="000000"/>
-                </a:solidFill>
-                <a:latin typeface="Arial" panose="020B0604020202020204" pitchFamily="34" charset="0"/>
-                <a:cs typeface="Noto Sans CJK SC Regular" charset="0"/>
-              </a:defRPr>
-            </a:lvl5pPr>
-            <a:lvl6pPr marL="2514600" indent="-228600" defTabSz="449580" fontAlgn="base" hangingPunct="0">
-              <a:lnSpc>
-                <a:spcPct val="93000"/>
-              </a:lnSpc>
-              <a:spcBef>
-                <a:spcPct val="0"/>
-              </a:spcBef>
-              <a:spcAft>
-                <a:spcPct val="0"/>
-              </a:spcAft>
-              <a:buClr>
-                <a:srgbClr val="000000"/>
-              </a:buClr>
-              <a:buSzPct val="100000"/>
-              <a:buFont typeface="Times New Roman" panose="02020603050405020304" pitchFamily="16" charset="0"/>
-              <a:tabLst>
-                <a:tab pos="448945" algn="l"/>
-                <a:tab pos="898525" algn="l"/>
-                <a:tab pos="1347470" algn="l"/>
-                <a:tab pos="1797050" algn="l"/>
-                <a:tab pos="2245995" algn="l"/>
-                <a:tab pos="2695575" algn="l"/>
-                <a:tab pos="3144520" algn="l"/>
-                <a:tab pos="3594100" algn="l"/>
-                <a:tab pos="4043045" algn="l"/>
-                <a:tab pos="4492625" algn="l"/>
-                <a:tab pos="4941570" algn="l"/>
-                <a:tab pos="5391150" algn="l"/>
-                <a:tab pos="5840095" algn="l"/>
-                <a:tab pos="6289675" algn="l"/>
-                <a:tab pos="6738620" algn="l"/>
-                <a:tab pos="7188200" algn="l"/>
-                <a:tab pos="7637145" algn="l"/>
-                <a:tab pos="8086725" algn="l"/>
-                <a:tab pos="8535670" algn="l"/>
-                <a:tab pos="8985250" algn="l"/>
-              </a:tabLst>
-              <a:defRPr>
-                <a:solidFill>
-                  <a:srgbClr val="000000"/>
-                </a:solidFill>
-                <a:latin typeface="Arial" panose="020B0604020202020204" pitchFamily="34" charset="0"/>
-                <a:cs typeface="Noto Sans CJK SC Regular" charset="0"/>
-              </a:defRPr>
-            </a:lvl6pPr>
-            <a:lvl7pPr marL="2971800" indent="-228600" defTabSz="449580" fontAlgn="base" hangingPunct="0">
-              <a:lnSpc>
-                <a:spcPct val="93000"/>
-              </a:lnSpc>
-              <a:spcBef>
-                <a:spcPct val="0"/>
-              </a:spcBef>
-              <a:spcAft>
-                <a:spcPct val="0"/>
-              </a:spcAft>
-              <a:buClr>
-                <a:srgbClr val="000000"/>
-              </a:buClr>
-              <a:buSzPct val="100000"/>
-              <a:buFont typeface="Times New Roman" panose="02020603050405020304" pitchFamily="16" charset="0"/>
-              <a:tabLst>
-                <a:tab pos="448945" algn="l"/>
-                <a:tab pos="898525" algn="l"/>
-                <a:tab pos="1347470" algn="l"/>
-                <a:tab pos="1797050" algn="l"/>
-                <a:tab pos="2245995" algn="l"/>
-                <a:tab pos="2695575" algn="l"/>
-                <a:tab pos="3144520" algn="l"/>
-                <a:tab pos="3594100" algn="l"/>
-                <a:tab pos="4043045" algn="l"/>
-                <a:tab pos="4492625" algn="l"/>
-                <a:tab pos="4941570" algn="l"/>
-                <a:tab pos="5391150" algn="l"/>
-                <a:tab pos="5840095" algn="l"/>
-                <a:tab pos="6289675" algn="l"/>
-                <a:tab pos="6738620" algn="l"/>
-                <a:tab pos="7188200" algn="l"/>
-                <a:tab pos="7637145" algn="l"/>
-                <a:tab pos="8086725" algn="l"/>
-                <a:tab pos="8535670" algn="l"/>
-                <a:tab pos="8985250" algn="l"/>
-              </a:tabLst>
-              <a:defRPr>
-                <a:solidFill>
-                  <a:srgbClr val="000000"/>
-                </a:solidFill>
-                <a:latin typeface="Arial" panose="020B0604020202020204" pitchFamily="34" charset="0"/>
-                <a:cs typeface="Noto Sans CJK SC Regular" charset="0"/>
-              </a:defRPr>
-            </a:lvl7pPr>
-            <a:lvl8pPr marL="3429000" indent="-228600" defTabSz="449580" fontAlgn="base" hangingPunct="0">
-              <a:lnSpc>
-                <a:spcPct val="93000"/>
-              </a:lnSpc>
-              <a:spcBef>
-                <a:spcPct val="0"/>
-              </a:spcBef>
-              <a:spcAft>
-                <a:spcPct val="0"/>
-              </a:spcAft>
-              <a:buClr>
-                <a:srgbClr val="000000"/>
-              </a:buClr>
-              <a:buSzPct val="100000"/>
-              <a:buFont typeface="Times New Roman" panose="02020603050405020304" pitchFamily="16" charset="0"/>
-              <a:tabLst>
-                <a:tab pos="448945" algn="l"/>
-                <a:tab pos="898525" algn="l"/>
-                <a:tab pos="1347470" algn="l"/>
-                <a:tab pos="1797050" algn="l"/>
-                <a:tab pos="2245995" algn="l"/>
-                <a:tab pos="2695575" algn="l"/>
-                <a:tab pos="3144520" algn="l"/>
-                <a:tab pos="3594100" algn="l"/>
-                <a:tab pos="4043045" algn="l"/>
-                <a:tab pos="4492625" algn="l"/>
-                <a:tab pos="4941570" algn="l"/>
-                <a:tab pos="5391150" algn="l"/>
-                <a:tab pos="5840095" algn="l"/>
-                <a:tab pos="6289675" algn="l"/>
-                <a:tab pos="6738620" algn="l"/>
-                <a:tab pos="7188200" algn="l"/>
-                <a:tab pos="7637145" algn="l"/>
-                <a:tab pos="8086725" algn="l"/>
-                <a:tab pos="8535670" algn="l"/>
-                <a:tab pos="8985250" algn="l"/>
-              </a:tabLst>
-              <a:defRPr>
-                <a:solidFill>
-                  <a:srgbClr val="000000"/>
-                </a:solidFill>
-                <a:latin typeface="Arial" panose="020B0604020202020204" pitchFamily="34" charset="0"/>
-                <a:cs typeface="Noto Sans CJK SC Regular" charset="0"/>
-              </a:defRPr>
-            </a:lvl8pPr>
-            <a:lvl9pPr marL="3886200" indent="-228600" defTabSz="449580" fontAlgn="base" hangingPunct="0">
-              <a:lnSpc>
-                <a:spcPct val="93000"/>
-              </a:lnSpc>
-              <a:spcBef>
-                <a:spcPct val="0"/>
-              </a:spcBef>
-              <a:spcAft>
-                <a:spcPct val="0"/>
-              </a:spcAft>
-              <a:buClr>
-                <a:srgbClr val="000000"/>
-              </a:buClr>
-              <a:buSzPct val="100000"/>
-              <a:buFont typeface="Times New Roman" panose="02020603050405020304" pitchFamily="16" charset="0"/>
-              <a:tabLst>
-                <a:tab pos="448945" algn="l"/>
-                <a:tab pos="898525" algn="l"/>
-                <a:tab pos="1347470" algn="l"/>
-                <a:tab pos="1797050" algn="l"/>
-                <a:tab pos="2245995" algn="l"/>
-                <a:tab pos="2695575" algn="l"/>
-                <a:tab pos="3144520" algn="l"/>
-                <a:tab pos="3594100" algn="l"/>
-                <a:tab pos="4043045" algn="l"/>
-                <a:tab pos="4492625" algn="l"/>
-                <a:tab pos="4941570" algn="l"/>
-                <a:tab pos="5391150" algn="l"/>
-                <a:tab pos="5840095" algn="l"/>
-                <a:tab pos="6289675" algn="l"/>
-                <a:tab pos="6738620" algn="l"/>
-                <a:tab pos="7188200" algn="l"/>
-                <a:tab pos="7637145" algn="l"/>
-                <a:tab pos="8086725" algn="l"/>
-                <a:tab pos="8535670" algn="l"/>
-                <a:tab pos="8985250" algn="l"/>
-              </a:tabLst>
-              <a:defRPr>
-                <a:solidFill>
-                  <a:srgbClr val="000000"/>
-                </a:solidFill>
-                <a:latin typeface="Arial" panose="020B0604020202020204" pitchFamily="34" charset="0"/>
-                <a:cs typeface="Noto Sans CJK SC Regular" charset="0"/>
-              </a:defRPr>
-            </a:lvl9pPr>
-          </a:lstStyle>
-          <a:p>
-            <a:pPr marL="452120" marR="0" lvl="0" indent="-342900" algn="just" defTabSz="457200" rtl="0" eaLnBrk="1" fontAlgn="auto" latinLnBrk="0" hangingPunct="1">
-              <a:lnSpc>
-                <a:spcPct val="115000"/>
-              </a:lnSpc>
-              <a:spcBef>
-                <a:spcPts val="0"/>
-              </a:spcBef>
-              <a:spcAft>
-                <a:spcPts val="1415"/>
-              </a:spcAft>
-              <a:buClrTx/>
-              <a:buSzTx/>
-              <a:buFont typeface="Arial" panose="020B0604020202020204" pitchFamily="34" charset="0"/>
-              <a:buChar char="•"/>
-              <a:tabLst>
-                <a:tab pos="448945" algn="l"/>
-                <a:tab pos="898525" algn="l"/>
-                <a:tab pos="1347470" algn="l"/>
-                <a:tab pos="1797050" algn="l"/>
-                <a:tab pos="2245995" algn="l"/>
-                <a:tab pos="2695575" algn="l"/>
-                <a:tab pos="3144520" algn="l"/>
-                <a:tab pos="3594100" algn="l"/>
-                <a:tab pos="4043045" algn="l"/>
-                <a:tab pos="4492625" algn="l"/>
-                <a:tab pos="4941570" algn="l"/>
-                <a:tab pos="5391150" algn="l"/>
-                <a:tab pos="5840095" algn="l"/>
-                <a:tab pos="6289675" algn="l"/>
-                <a:tab pos="6738620" algn="l"/>
-                <a:tab pos="7188200" algn="l"/>
-                <a:tab pos="7637145" algn="l"/>
-                <a:tab pos="8086725" algn="l"/>
-                <a:tab pos="8535670" algn="l"/>
-                <a:tab pos="8985250" algn="l"/>
-              </a:tabLst>
-              <a:defRPr/>
-            </a:pPr>
-            <a:r>
-              <a:rPr kumimoji="0" lang="en-IN" altLang="en-US" sz="2400" b="0" i="0" u="none" strike="noStrike" kern="1200" cap="none" spc="0" normalizeH="0" baseline="0" noProof="0" dirty="0">
-                <a:ln>
-                  <a:noFill/>
-                </a:ln>
-                <a:solidFill>
-                  <a:srgbClr val="000000"/>
-                </a:solidFill>
-                <a:effectLst/>
-                <a:uLnTx/>
-                <a:uFillTx/>
-                <a:latin typeface="Times New Roman" panose="02020603050405020304" pitchFamily="16" charset="0"/>
-                <a:ea typeface="+mn-ea"/>
-                <a:cs typeface="Times New Roman" panose="02020603050405020304" pitchFamily="16" charset="0"/>
-              </a:rPr>
-              <a:t>To design and develop a web framework/cross-platform app offering a holistic view of student achievements.</a:t>
-            </a:r>
-          </a:p>
-          <a:p>
-            <a:pPr marL="452120" marR="0" lvl="0" indent="-342900" algn="just" defTabSz="457200" rtl="0" eaLnBrk="1" fontAlgn="auto" latinLnBrk="0" hangingPunct="1">
-              <a:lnSpc>
-                <a:spcPct val="115000"/>
-              </a:lnSpc>
-              <a:spcBef>
-                <a:spcPts val="0"/>
-              </a:spcBef>
-              <a:spcAft>
-                <a:spcPts val="1415"/>
-              </a:spcAft>
-              <a:buClrTx/>
-              <a:buSzTx/>
-              <a:buFont typeface="Arial" panose="020B0604020202020204" pitchFamily="34" charset="0"/>
-              <a:buChar char="•"/>
-              <a:tabLst>
-                <a:tab pos="448945" algn="l"/>
-                <a:tab pos="898525" algn="l"/>
-                <a:tab pos="1347470" algn="l"/>
-                <a:tab pos="1797050" algn="l"/>
-                <a:tab pos="2245995" algn="l"/>
-                <a:tab pos="2695575" algn="l"/>
-                <a:tab pos="3144520" algn="l"/>
-                <a:tab pos="3594100" algn="l"/>
-                <a:tab pos="4043045" algn="l"/>
-                <a:tab pos="4492625" algn="l"/>
-                <a:tab pos="4941570" algn="l"/>
-                <a:tab pos="5391150" algn="l"/>
-                <a:tab pos="5840095" algn="l"/>
-                <a:tab pos="6289675" algn="l"/>
-                <a:tab pos="6738620" algn="l"/>
-                <a:tab pos="7188200" algn="l"/>
-                <a:tab pos="7637145" algn="l"/>
-                <a:tab pos="8086725" algn="l"/>
-                <a:tab pos="8535670" algn="l"/>
-                <a:tab pos="8985250" algn="l"/>
-              </a:tabLst>
-              <a:defRPr/>
-            </a:pPr>
-            <a:r>
-              <a:rPr kumimoji="0" lang="en-IN" altLang="en-US" sz="2400" b="0" i="0" u="none" strike="noStrike" kern="1200" cap="none" spc="0" normalizeH="0" baseline="0" noProof="0" dirty="0">
-                <a:ln>
-                  <a:noFill/>
-                </a:ln>
-                <a:solidFill>
-                  <a:srgbClr val="000000"/>
-                </a:solidFill>
-                <a:effectLst/>
-                <a:uLnTx/>
-                <a:uFillTx/>
-                <a:latin typeface="Times New Roman" panose="02020603050405020304" pitchFamily="16" charset="0"/>
-                <a:ea typeface="+mn-ea"/>
-                <a:cs typeface="Times New Roman" panose="02020603050405020304" pitchFamily="16" charset="0"/>
-              </a:rPr>
-              <a:t>To help students generate personalized courses, using ML to identify gaps and AI to create content.</a:t>
-            </a:r>
-          </a:p>
-          <a:p>
-            <a:pPr marL="452120" marR="0" lvl="0" indent="-342900" algn="just" defTabSz="457200" rtl="0" eaLnBrk="1" fontAlgn="auto" latinLnBrk="0" hangingPunct="1">
-              <a:lnSpc>
-                <a:spcPct val="115000"/>
-              </a:lnSpc>
-              <a:spcBef>
-                <a:spcPts val="0"/>
-              </a:spcBef>
-              <a:spcAft>
-                <a:spcPts val="1415"/>
-              </a:spcAft>
-              <a:buClrTx/>
-              <a:buSzTx/>
-              <a:buFont typeface="Arial" panose="020B0604020202020204" pitchFamily="34" charset="0"/>
-              <a:buChar char="•"/>
-              <a:tabLst>
-                <a:tab pos="448945" algn="l"/>
-                <a:tab pos="898525" algn="l"/>
-                <a:tab pos="1347470" algn="l"/>
-                <a:tab pos="1797050" algn="l"/>
-                <a:tab pos="2245995" algn="l"/>
-                <a:tab pos="2695575" algn="l"/>
-                <a:tab pos="3144520" algn="l"/>
-                <a:tab pos="3594100" algn="l"/>
-                <a:tab pos="4043045" algn="l"/>
-                <a:tab pos="4492625" algn="l"/>
-                <a:tab pos="4941570" algn="l"/>
-                <a:tab pos="5391150" algn="l"/>
-                <a:tab pos="5840095" algn="l"/>
-                <a:tab pos="6289675" algn="l"/>
-                <a:tab pos="6738620" algn="l"/>
-                <a:tab pos="7188200" algn="l"/>
-                <a:tab pos="7637145" algn="l"/>
-                <a:tab pos="8086725" algn="l"/>
-                <a:tab pos="8535670" algn="l"/>
-                <a:tab pos="8985250" algn="l"/>
-              </a:tabLst>
-              <a:defRPr/>
-            </a:pPr>
-            <a:r>
-              <a:rPr kumimoji="0" lang="en-IN" altLang="en-US" sz="2400" b="0" i="0" u="none" strike="noStrike" kern="1200" cap="none" spc="0" normalizeH="0" baseline="0" noProof="0" dirty="0">
-                <a:ln>
-                  <a:noFill/>
-                </a:ln>
-                <a:solidFill>
-                  <a:srgbClr val="000000"/>
-                </a:solidFill>
-                <a:effectLst/>
-                <a:uLnTx/>
-                <a:uFillTx/>
-                <a:latin typeface="Times New Roman" panose="02020603050405020304" pitchFamily="16" charset="0"/>
-                <a:ea typeface="+mn-ea"/>
-                <a:cs typeface="Times New Roman" panose="02020603050405020304" pitchFamily="16" charset="0"/>
-              </a:rPr>
-              <a:t>To create a data visualization platform providing clear, actionable insights through interactive displays.</a:t>
-            </a:r>
-          </a:p>
-          <a:p>
-            <a:pPr marL="452120" marR="0" lvl="0" indent="-342900" algn="just" defTabSz="457200" rtl="0" eaLnBrk="1" fontAlgn="auto" latinLnBrk="0" hangingPunct="1">
-              <a:lnSpc>
-                <a:spcPct val="115000"/>
-              </a:lnSpc>
-              <a:spcBef>
-                <a:spcPts val="0"/>
-              </a:spcBef>
-              <a:spcAft>
-                <a:spcPts val="1415"/>
-              </a:spcAft>
-              <a:buClrTx/>
-              <a:buSzTx/>
-              <a:buFont typeface="Arial" panose="020B0604020202020204" pitchFamily="34" charset="0"/>
-              <a:buChar char="•"/>
-              <a:tabLst>
-                <a:tab pos="448945" algn="l"/>
-                <a:tab pos="898525" algn="l"/>
-                <a:tab pos="1347470" algn="l"/>
-                <a:tab pos="1797050" algn="l"/>
-                <a:tab pos="2245995" algn="l"/>
-                <a:tab pos="2695575" algn="l"/>
-                <a:tab pos="3144520" algn="l"/>
-                <a:tab pos="3594100" algn="l"/>
-                <a:tab pos="4043045" algn="l"/>
-                <a:tab pos="4492625" algn="l"/>
-                <a:tab pos="4941570" algn="l"/>
-                <a:tab pos="5391150" algn="l"/>
-                <a:tab pos="5840095" algn="l"/>
-                <a:tab pos="6289675" algn="l"/>
-                <a:tab pos="6738620" algn="l"/>
-                <a:tab pos="7188200" algn="l"/>
-                <a:tab pos="7637145" algn="l"/>
-                <a:tab pos="8086725" algn="l"/>
-                <a:tab pos="8535670" algn="l"/>
-                <a:tab pos="8985250" algn="l"/>
-              </a:tabLst>
-              <a:defRPr/>
-            </a:pPr>
-            <a:r>
-              <a:rPr kumimoji="0" lang="en-IN" altLang="en-US" sz="2400" b="0" i="0" u="none" strike="noStrike" kern="1200" cap="none" spc="0" normalizeH="0" baseline="0" noProof="0" dirty="0">
-                <a:ln>
-                  <a:noFill/>
-                </a:ln>
-                <a:solidFill>
-                  <a:srgbClr val="000000"/>
-                </a:solidFill>
-                <a:effectLst/>
-                <a:uLnTx/>
-                <a:uFillTx/>
-                <a:latin typeface="Times New Roman" panose="02020603050405020304" pitchFamily="16" charset="0"/>
-                <a:ea typeface="+mn-ea"/>
-                <a:cs typeface="Times New Roman" panose="02020603050405020304" pitchFamily="16" charset="0"/>
-              </a:rPr>
-              <a:t>To build a scalable cloud infrastructure for real-time data processing and reliable app availability.</a:t>
-            </a:r>
-          </a:p>
-        </p:txBody>
-      </p:sp>
-    </p:spTree>
-  </p:cSld>
-  <p:clrMapOvr>
-    <a:overrideClrMapping bg1="lt1" tx1="dk1" bg2="lt2" tx2="dk2" accent1="accent1" accent2="accent2" accent3="accent3" accent4="accent4" accent5="accent5" accent6="accent6" hlink="hlink" folHlink="folHlink"/>
-  </p:clrMapOvr>
-  <p:transition spd="med"/>
-</p:sld>
-</file>
-
-<file path=ppt/slides/slide7.xml><?xml version="1.0" encoding="utf-8"?>
-<p:sld xmlns:a="http://schemas.openxmlformats.org/drawingml/2006/main" xmlns:r="http://schemas.openxmlformats.org/officeDocument/2006/relationships" xmlns:p="http://schemas.openxmlformats.org/presentationml/2006/main">
-  <p:cSld>
-    <p:bg>
-      <p:bgPr>
-        <a:solidFill>
-          <a:srgbClr val="FFFFFF"/>
-        </a:solidFill>
-        <a:effectLst/>
-      </p:bgPr>
-    </p:bg>
-    <p:spTree>
-      <p:nvGrpSpPr>
-        <p:cNvPr id="1" name=""/>
-        <p:cNvGrpSpPr/>
-        <p:nvPr/>
-      </p:nvGrpSpPr>
-      <p:grpSpPr>
-        <a:xfrm>
-          <a:off x="0" y="0"/>
-          <a:ext cx="0" cy="0"/>
-          <a:chOff x="0" y="0"/>
-          <a:chExt cx="0" cy="0"/>
-        </a:xfrm>
-      </p:grpSpPr>
-      <p:sp>
-        <p:nvSpPr>
-          <p:cNvPr id="8194" name="Rectangle 1"/>
-          <p:cNvSpPr>
-            <a:spLocks noChangeArrowheads="1"/>
-          </p:cNvSpPr>
-          <p:nvPr/>
-        </p:nvSpPr>
-        <p:spPr bwMode="auto">
-          <a:xfrm>
-            <a:off x="503238" y="301625"/>
-            <a:ext cx="9070975" cy="1262063"/>
-          </a:xfrm>
-          <a:prstGeom prst="rect">
-            <a:avLst/>
-          </a:prstGeom>
-          <a:noFill/>
-          <a:ln>
-            <a:noFill/>
-          </a:ln>
-          <a:effectLst/>
-        </p:spPr>
-        <p:txBody>
-          <a:bodyPr lIns="0" tIns="31680" rIns="0" bIns="0" anchor="ctr"/>
-          <a:lstStyle>
-            <a:lvl1pPr>
-              <a:lnSpc>
-                <a:spcPct val="93000"/>
-              </a:lnSpc>
-              <a:buClr>
-                <a:srgbClr val="000000"/>
-              </a:buClr>
-              <a:buSzPct val="100000"/>
-              <a:buFont typeface="Times New Roman" panose="02020603050405020304" pitchFamily="16" charset="0"/>
-              <a:tabLst>
-                <a:tab pos="448945" algn="l"/>
-                <a:tab pos="898525" algn="l"/>
-                <a:tab pos="1347470" algn="l"/>
-                <a:tab pos="1797050" algn="l"/>
-                <a:tab pos="2245995" algn="l"/>
-                <a:tab pos="2695575" algn="l"/>
-                <a:tab pos="3144520" algn="l"/>
-                <a:tab pos="3594100" algn="l"/>
-                <a:tab pos="4043045" algn="l"/>
-                <a:tab pos="4492625" algn="l"/>
-                <a:tab pos="4941570" algn="l"/>
-                <a:tab pos="5391150" algn="l"/>
-                <a:tab pos="5840095" algn="l"/>
-                <a:tab pos="6289675" algn="l"/>
-                <a:tab pos="6738620" algn="l"/>
-                <a:tab pos="7188200" algn="l"/>
-                <a:tab pos="7637145" algn="l"/>
-                <a:tab pos="8086725" algn="l"/>
-                <a:tab pos="8535670" algn="l"/>
-                <a:tab pos="8985250" algn="l"/>
-              </a:tabLst>
-              <a:defRPr>
-                <a:solidFill>
-                  <a:schemeClr val="tx1"/>
-                </a:solidFill>
-                <a:latin typeface="Arial" panose="020B0604020202020204" pitchFamily="34" charset="0"/>
-                <a:cs typeface="Noto Sans CJK SC Regular" charset="0"/>
-              </a:defRPr>
-            </a:lvl1pPr>
-            <a:lvl2pPr>
-              <a:lnSpc>
-                <a:spcPct val="93000"/>
-              </a:lnSpc>
-              <a:buClr>
-                <a:srgbClr val="000000"/>
-              </a:buClr>
-              <a:buSzPct val="100000"/>
-              <a:buFont typeface="Times New Roman" panose="02020603050405020304" pitchFamily="16" charset="0"/>
-              <a:tabLst>
-                <a:tab pos="448945" algn="l"/>
-                <a:tab pos="898525" algn="l"/>
-                <a:tab pos="1347470" algn="l"/>
-                <a:tab pos="1797050" algn="l"/>
-                <a:tab pos="2245995" algn="l"/>
-                <a:tab pos="2695575" algn="l"/>
-                <a:tab pos="3144520" algn="l"/>
-                <a:tab pos="3594100" algn="l"/>
-                <a:tab pos="4043045" algn="l"/>
-                <a:tab pos="4492625" algn="l"/>
-                <a:tab pos="4941570" algn="l"/>
-                <a:tab pos="5391150" algn="l"/>
-                <a:tab pos="5840095" algn="l"/>
-                <a:tab pos="6289675" algn="l"/>
-                <a:tab pos="6738620" algn="l"/>
-                <a:tab pos="7188200" algn="l"/>
-                <a:tab pos="7637145" algn="l"/>
-                <a:tab pos="8086725" algn="l"/>
-                <a:tab pos="8535670" algn="l"/>
-                <a:tab pos="8985250" algn="l"/>
-              </a:tabLst>
-              <a:defRPr>
-                <a:solidFill>
-                  <a:schemeClr val="tx1"/>
-                </a:solidFill>
-                <a:latin typeface="Arial" panose="020B0604020202020204" pitchFamily="34" charset="0"/>
-                <a:cs typeface="Noto Sans CJK SC Regular" charset="0"/>
-              </a:defRPr>
-            </a:lvl2pPr>
-            <a:lvl3pPr>
-              <a:lnSpc>
-                <a:spcPct val="93000"/>
-              </a:lnSpc>
-              <a:buClr>
-                <a:srgbClr val="000000"/>
-              </a:buClr>
-              <a:buSzPct val="100000"/>
-              <a:buFont typeface="Times New Roman" panose="02020603050405020304" pitchFamily="16" charset="0"/>
-              <a:tabLst>
-                <a:tab pos="448945" algn="l"/>
-                <a:tab pos="898525" algn="l"/>
-                <a:tab pos="1347470" algn="l"/>
-                <a:tab pos="1797050" algn="l"/>
-                <a:tab pos="2245995" algn="l"/>
-                <a:tab pos="2695575" algn="l"/>
-                <a:tab pos="3144520" algn="l"/>
-                <a:tab pos="3594100" algn="l"/>
-                <a:tab pos="4043045" algn="l"/>
-                <a:tab pos="4492625" algn="l"/>
-                <a:tab pos="4941570" algn="l"/>
-                <a:tab pos="5391150" algn="l"/>
-                <a:tab pos="5840095" algn="l"/>
-                <a:tab pos="6289675" algn="l"/>
-                <a:tab pos="6738620" algn="l"/>
-                <a:tab pos="7188200" algn="l"/>
-                <a:tab pos="7637145" algn="l"/>
-                <a:tab pos="8086725" algn="l"/>
-                <a:tab pos="8535670" algn="l"/>
-                <a:tab pos="8985250" algn="l"/>
-              </a:tabLst>
-              <a:defRPr>
-                <a:solidFill>
-                  <a:schemeClr val="tx1"/>
-                </a:solidFill>
-                <a:latin typeface="Arial" panose="020B0604020202020204" pitchFamily="34" charset="0"/>
-                <a:cs typeface="Noto Sans CJK SC Regular" charset="0"/>
-              </a:defRPr>
-            </a:lvl3pPr>
-            <a:lvl4pPr>
-              <a:lnSpc>
-                <a:spcPct val="93000"/>
-              </a:lnSpc>
-              <a:buClr>
-                <a:srgbClr val="000000"/>
-              </a:buClr>
-              <a:buSzPct val="100000"/>
-              <a:buFont typeface="Times New Roman" panose="02020603050405020304" pitchFamily="16" charset="0"/>
-              <a:tabLst>
-                <a:tab pos="448945" algn="l"/>
-                <a:tab pos="898525" algn="l"/>
-                <a:tab pos="1347470" algn="l"/>
-                <a:tab pos="1797050" algn="l"/>
-                <a:tab pos="2245995" algn="l"/>
-                <a:tab pos="2695575" algn="l"/>
-                <a:tab pos="3144520" algn="l"/>
-                <a:tab pos="3594100" algn="l"/>
-                <a:tab pos="4043045" algn="l"/>
-                <a:tab pos="4492625" algn="l"/>
-                <a:tab pos="4941570" algn="l"/>
-                <a:tab pos="5391150" algn="l"/>
-                <a:tab pos="5840095" algn="l"/>
-                <a:tab pos="6289675" algn="l"/>
-                <a:tab pos="6738620" algn="l"/>
-                <a:tab pos="7188200" algn="l"/>
-                <a:tab pos="7637145" algn="l"/>
-                <a:tab pos="8086725" algn="l"/>
-                <a:tab pos="8535670" algn="l"/>
-                <a:tab pos="8985250" algn="l"/>
-              </a:tabLst>
-              <a:defRPr>
-                <a:solidFill>
-                  <a:schemeClr val="tx1"/>
-                </a:solidFill>
-                <a:latin typeface="Arial" panose="020B0604020202020204" pitchFamily="34" charset="0"/>
-                <a:cs typeface="Noto Sans CJK SC Regular" charset="0"/>
-              </a:defRPr>
-            </a:lvl4pPr>
-            <a:lvl5pPr>
-              <a:lnSpc>
-                <a:spcPct val="93000"/>
-              </a:lnSpc>
-              <a:buClr>
-                <a:srgbClr val="000000"/>
-              </a:buClr>
-              <a:buSzPct val="100000"/>
-              <a:buFont typeface="Times New Roman" panose="02020603050405020304" pitchFamily="16" charset="0"/>
-              <a:tabLst>
-                <a:tab pos="448945" algn="l"/>
-                <a:tab pos="898525" algn="l"/>
-                <a:tab pos="1347470" algn="l"/>
-                <a:tab pos="1797050" algn="l"/>
-                <a:tab pos="2245995" algn="l"/>
-                <a:tab pos="2695575" algn="l"/>
-                <a:tab pos="3144520" algn="l"/>
-                <a:tab pos="3594100" algn="l"/>
-                <a:tab pos="4043045" algn="l"/>
-                <a:tab pos="4492625" algn="l"/>
-                <a:tab pos="4941570" algn="l"/>
-                <a:tab pos="5391150" algn="l"/>
-                <a:tab pos="5840095" algn="l"/>
-                <a:tab pos="6289675" algn="l"/>
-                <a:tab pos="6738620" algn="l"/>
-                <a:tab pos="7188200" algn="l"/>
-                <a:tab pos="7637145" algn="l"/>
-                <a:tab pos="8086725" algn="l"/>
-                <a:tab pos="8535670" algn="l"/>
-                <a:tab pos="8985250" algn="l"/>
-              </a:tabLst>
-              <a:defRPr>
-                <a:solidFill>
-                  <a:schemeClr val="tx1"/>
-                </a:solidFill>
-                <a:latin typeface="Arial" panose="020B0604020202020204" pitchFamily="34" charset="0"/>
-                <a:cs typeface="Noto Sans CJK SC Regular" charset="0"/>
-              </a:defRPr>
-            </a:lvl5pPr>
-            <a:lvl6pPr marL="2514600" indent="-228600" defTabSz="449580" eaLnBrk="0" fontAlgn="base" hangingPunct="0">
-              <a:lnSpc>
-                <a:spcPct val="93000"/>
-              </a:lnSpc>
-              <a:spcBef>
-                <a:spcPct val="0"/>
-              </a:spcBef>
-              <a:spcAft>
-                <a:spcPct val="0"/>
-              </a:spcAft>
-              <a:buClr>
-                <a:srgbClr val="000000"/>
-              </a:buClr>
-              <a:buSzPct val="100000"/>
-              <a:buFont typeface="Times New Roman" panose="02020603050405020304" pitchFamily="16" charset="0"/>
-              <a:tabLst>
-                <a:tab pos="448945" algn="l"/>
-                <a:tab pos="898525" algn="l"/>
-                <a:tab pos="1347470" algn="l"/>
-                <a:tab pos="1797050" algn="l"/>
-                <a:tab pos="2245995" algn="l"/>
-                <a:tab pos="2695575" algn="l"/>
-                <a:tab pos="3144520" algn="l"/>
-                <a:tab pos="3594100" algn="l"/>
-                <a:tab pos="4043045" algn="l"/>
-                <a:tab pos="4492625" algn="l"/>
-                <a:tab pos="4941570" algn="l"/>
-                <a:tab pos="5391150" algn="l"/>
-                <a:tab pos="5840095" algn="l"/>
-                <a:tab pos="6289675" algn="l"/>
-                <a:tab pos="6738620" algn="l"/>
-                <a:tab pos="7188200" algn="l"/>
-                <a:tab pos="7637145" algn="l"/>
-                <a:tab pos="8086725" algn="l"/>
-                <a:tab pos="8535670" algn="l"/>
-                <a:tab pos="8985250" algn="l"/>
-              </a:tabLst>
-              <a:defRPr>
-                <a:solidFill>
-                  <a:schemeClr val="tx1"/>
-                </a:solidFill>
-                <a:latin typeface="Arial" panose="020B0604020202020204" pitchFamily="34" charset="0"/>
-                <a:cs typeface="Noto Sans CJK SC Regular" charset="0"/>
-              </a:defRPr>
-            </a:lvl6pPr>
-            <a:lvl7pPr marL="2971800" indent="-228600" defTabSz="449580" eaLnBrk="0" fontAlgn="base" hangingPunct="0">
-              <a:lnSpc>
-                <a:spcPct val="93000"/>
-              </a:lnSpc>
-              <a:spcBef>
-                <a:spcPct val="0"/>
-              </a:spcBef>
-              <a:spcAft>
-                <a:spcPct val="0"/>
-              </a:spcAft>
-              <a:buClr>
-                <a:srgbClr val="000000"/>
-              </a:buClr>
-              <a:buSzPct val="100000"/>
-              <a:buFont typeface="Times New Roman" panose="02020603050405020304" pitchFamily="16" charset="0"/>
-              <a:tabLst>
-                <a:tab pos="448945" algn="l"/>
-                <a:tab pos="898525" algn="l"/>
-                <a:tab pos="1347470" algn="l"/>
-                <a:tab pos="1797050" algn="l"/>
-                <a:tab pos="2245995" algn="l"/>
-                <a:tab pos="2695575" algn="l"/>
-                <a:tab pos="3144520" algn="l"/>
-                <a:tab pos="3594100" algn="l"/>
-                <a:tab pos="4043045" algn="l"/>
-                <a:tab pos="4492625" algn="l"/>
-                <a:tab pos="4941570" algn="l"/>
-                <a:tab pos="5391150" algn="l"/>
-                <a:tab pos="5840095" algn="l"/>
-                <a:tab pos="6289675" algn="l"/>
-                <a:tab pos="6738620" algn="l"/>
-                <a:tab pos="7188200" algn="l"/>
-                <a:tab pos="7637145" algn="l"/>
-                <a:tab pos="8086725" algn="l"/>
-                <a:tab pos="8535670" algn="l"/>
-                <a:tab pos="8985250" algn="l"/>
-              </a:tabLst>
-              <a:defRPr>
-                <a:solidFill>
-                  <a:schemeClr val="tx1"/>
-                </a:solidFill>
-                <a:latin typeface="Arial" panose="020B0604020202020204" pitchFamily="34" charset="0"/>
-                <a:cs typeface="Noto Sans CJK SC Regular" charset="0"/>
-              </a:defRPr>
-            </a:lvl7pPr>
-            <a:lvl8pPr marL="3429000" indent="-228600" defTabSz="449580" eaLnBrk="0" fontAlgn="base" hangingPunct="0">
-              <a:lnSpc>
-                <a:spcPct val="93000"/>
-              </a:lnSpc>
-              <a:spcBef>
-                <a:spcPct val="0"/>
-              </a:spcBef>
-              <a:spcAft>
-                <a:spcPct val="0"/>
-              </a:spcAft>
-              <a:buClr>
-                <a:srgbClr val="000000"/>
-              </a:buClr>
-              <a:buSzPct val="100000"/>
-              <a:buFont typeface="Times New Roman" panose="02020603050405020304" pitchFamily="16" charset="0"/>
-              <a:tabLst>
-                <a:tab pos="448945" algn="l"/>
-                <a:tab pos="898525" algn="l"/>
-                <a:tab pos="1347470" algn="l"/>
-                <a:tab pos="1797050" algn="l"/>
-                <a:tab pos="2245995" algn="l"/>
-                <a:tab pos="2695575" algn="l"/>
-                <a:tab pos="3144520" algn="l"/>
-                <a:tab pos="3594100" algn="l"/>
-                <a:tab pos="4043045" algn="l"/>
-                <a:tab pos="4492625" algn="l"/>
-                <a:tab pos="4941570" algn="l"/>
-                <a:tab pos="5391150" algn="l"/>
-                <a:tab pos="5840095" algn="l"/>
-                <a:tab pos="6289675" algn="l"/>
-                <a:tab pos="6738620" algn="l"/>
-                <a:tab pos="7188200" algn="l"/>
-                <a:tab pos="7637145" algn="l"/>
-                <a:tab pos="8086725" algn="l"/>
-                <a:tab pos="8535670" algn="l"/>
-                <a:tab pos="8985250" algn="l"/>
-              </a:tabLst>
-              <a:defRPr>
-                <a:solidFill>
-                  <a:schemeClr val="tx1"/>
-                </a:solidFill>
-                <a:latin typeface="Arial" panose="020B0604020202020204" pitchFamily="34" charset="0"/>
-                <a:cs typeface="Noto Sans CJK SC Regular" charset="0"/>
-              </a:defRPr>
-            </a:lvl8pPr>
-            <a:lvl9pPr marL="3886200" indent="-228600" defTabSz="449580" eaLnBrk="0" fontAlgn="base" hangingPunct="0">
-              <a:lnSpc>
-                <a:spcPct val="93000"/>
-              </a:lnSpc>
-              <a:spcBef>
-                <a:spcPct val="0"/>
-              </a:spcBef>
-              <a:spcAft>
-                <a:spcPct val="0"/>
-              </a:spcAft>
-              <a:buClr>
-                <a:srgbClr val="000000"/>
-              </a:buClr>
-              <a:buSzPct val="100000"/>
-              <a:buFont typeface="Times New Roman" panose="02020603050405020304" pitchFamily="16" charset="0"/>
-              <a:tabLst>
-                <a:tab pos="448945" algn="l"/>
-                <a:tab pos="898525" algn="l"/>
-                <a:tab pos="1347470" algn="l"/>
-                <a:tab pos="1797050" algn="l"/>
-                <a:tab pos="2245995" algn="l"/>
-                <a:tab pos="2695575" algn="l"/>
-                <a:tab pos="3144520" algn="l"/>
-                <a:tab pos="3594100" algn="l"/>
-                <a:tab pos="4043045" algn="l"/>
-                <a:tab pos="4492625" algn="l"/>
-                <a:tab pos="4941570" algn="l"/>
-                <a:tab pos="5391150" algn="l"/>
-                <a:tab pos="5840095" algn="l"/>
-                <a:tab pos="6289675" algn="l"/>
-                <a:tab pos="6738620" algn="l"/>
-                <a:tab pos="7188200" algn="l"/>
-                <a:tab pos="7637145" algn="l"/>
-                <a:tab pos="8086725" algn="l"/>
-                <a:tab pos="8535670" algn="l"/>
-                <a:tab pos="8985250" algn="l"/>
-              </a:tabLst>
-              <a:defRPr>
-                <a:solidFill>
-                  <a:schemeClr val="tx1"/>
-                </a:solidFill>
-                <a:latin typeface="Arial" panose="020B0604020202020204" pitchFamily="34" charset="0"/>
-                <a:cs typeface="Noto Sans CJK SC Regular" charset="0"/>
-              </a:defRPr>
-            </a:lvl9pPr>
-          </a:lstStyle>
-          <a:p>
-            <a:pPr marL="0" marR="0" lvl="0" indent="0" algn="l" defTabSz="457200" rtl="0" eaLnBrk="1" fontAlgn="auto" latinLnBrk="0" hangingPunct="1">
-              <a:lnSpc>
-                <a:spcPct val="93000"/>
-              </a:lnSpc>
-              <a:spcBef>
-                <a:spcPts val="0"/>
-              </a:spcBef>
-              <a:spcAft>
-                <a:spcPts val="0"/>
-              </a:spcAft>
-              <a:buClr>
-                <a:srgbClr val="000000"/>
-              </a:buClr>
-              <a:buSzPct val="100000"/>
-              <a:buFont typeface="Times New Roman" panose="02020603050405020304" pitchFamily="16" charset="0"/>
-              <a:buNone/>
-              <a:tabLst>
-                <a:tab pos="448945" algn="l"/>
-                <a:tab pos="898525" algn="l"/>
-                <a:tab pos="1347470" algn="l"/>
-                <a:tab pos="1797050" algn="l"/>
-                <a:tab pos="2245995" algn="l"/>
-                <a:tab pos="2695575" algn="l"/>
-                <a:tab pos="3144520" algn="l"/>
-                <a:tab pos="3594100" algn="l"/>
-                <a:tab pos="4043045" algn="l"/>
-                <a:tab pos="4492625" algn="l"/>
-                <a:tab pos="4941570" algn="l"/>
-                <a:tab pos="5391150" algn="l"/>
-                <a:tab pos="5840095" algn="l"/>
-                <a:tab pos="6289675" algn="l"/>
-                <a:tab pos="6738620" algn="l"/>
-                <a:tab pos="7188200" algn="l"/>
-                <a:tab pos="7637145" algn="l"/>
-                <a:tab pos="8086725" algn="l"/>
-                <a:tab pos="8535670" algn="l"/>
-                <a:tab pos="8985250" algn="l"/>
-              </a:tabLst>
-              <a:defRPr/>
-            </a:pPr>
-            <a:r>
-              <a:rPr kumimoji="0" lang="en-IN" altLang="en-US" sz="3600" b="1" i="0" u="none" strike="noStrike" kern="1200" cap="none" spc="0" normalizeH="0" baseline="0" noProof="0" dirty="0">
-                <a:ln>
-                  <a:noFill/>
-                </a:ln>
-                <a:solidFill>
-                  <a:srgbClr val="000000"/>
-                </a:solidFill>
-                <a:effectLst/>
-                <a:uLnTx/>
-                <a:uFillTx/>
-                <a:latin typeface="Times New Roman" panose="02020603050405020304" pitchFamily="16" charset="0"/>
-                <a:ea typeface="+mn-ea"/>
-                <a:cs typeface="DejaVu Sans" charset="0"/>
-              </a:rPr>
               <a:t>5. Project Scope</a:t>
             </a:r>
           </a:p>
@@ -24226,7 +21799,7 @@
 </p:sld>
 </file>
 
-<file path=ppt/slides/slide8.xml><?xml version="1.0" encoding="utf-8"?>
+<file path=ppt/slides/slide7.xml><?xml version="1.0" encoding="utf-8"?>
 <p:sld xmlns:a="http://schemas.openxmlformats.org/drawingml/2006/main" xmlns:r="http://schemas.openxmlformats.org/officeDocument/2006/relationships" xmlns:p="http://schemas.openxmlformats.org/presentationml/2006/main">
   <p:cSld>
     <p:bg>
@@ -25738,7 +23311,7 @@
 </p:sld>
 </file>
 
-<file path=ppt/slides/slide9.xml><?xml version="1.0" encoding="utf-8"?>
+<file path=ppt/slides/slide8.xml><?xml version="1.0" encoding="utf-8"?>
 <p:sld xmlns:a="http://schemas.openxmlformats.org/drawingml/2006/main" xmlns:r="http://schemas.openxmlformats.org/officeDocument/2006/relationships" xmlns:p="http://schemas.openxmlformats.org/presentationml/2006/main">
   <p:cSld>
     <p:spTree>
@@ -26530,6 +24103,1527 @@
   </p:cSld>
   <p:clrMapOvr>
     <a:masterClrMapping/>
+  </p:clrMapOvr>
+  <p:transition spd="med"/>
+</p:sld>
+</file>
+
+<file path=ppt/slides/slide9.xml><?xml version="1.0" encoding="utf-8"?>
+<p:sld xmlns:a="http://schemas.openxmlformats.org/drawingml/2006/main" xmlns:r="http://schemas.openxmlformats.org/officeDocument/2006/relationships" xmlns:p="http://schemas.openxmlformats.org/presentationml/2006/main">
+  <p:cSld>
+    <p:bg>
+      <p:bgPr>
+        <a:solidFill>
+          <a:srgbClr val="FFFFFF"/>
+        </a:solidFill>
+        <a:effectLst/>
+      </p:bgPr>
+    </p:bg>
+    <p:spTree>
+      <p:nvGrpSpPr>
+        <p:cNvPr id="1" name=""/>
+        <p:cNvGrpSpPr/>
+        <p:nvPr/>
+      </p:nvGrpSpPr>
+      <p:grpSpPr>
+        <a:xfrm>
+          <a:off x="0" y="0"/>
+          <a:ext cx="0" cy="0"/>
+          <a:chOff x="0" y="0"/>
+          <a:chExt cx="0" cy="0"/>
+        </a:xfrm>
+      </p:grpSpPr>
+      <p:sp>
+        <p:nvSpPr>
+          <p:cNvPr id="8194" name="Rectangle 1"/>
+          <p:cNvSpPr>
+            <a:spLocks noChangeArrowheads="1"/>
+          </p:cNvSpPr>
+          <p:nvPr/>
+        </p:nvSpPr>
+        <p:spPr bwMode="auto">
+          <a:xfrm>
+            <a:off x="503555" y="301625"/>
+            <a:ext cx="9070975" cy="1028065"/>
+          </a:xfrm>
+          <a:prstGeom prst="rect">
+            <a:avLst/>
+          </a:prstGeom>
+          <a:noFill/>
+          <a:ln>
+            <a:noFill/>
+          </a:ln>
+          <a:effectLst/>
+        </p:spPr>
+        <p:txBody>
+          <a:bodyPr lIns="0" tIns="31680" rIns="0" bIns="0" anchor="ctr"/>
+          <a:lstStyle>
+            <a:lvl1pPr>
+              <a:lnSpc>
+                <a:spcPct val="93000"/>
+              </a:lnSpc>
+              <a:buClr>
+                <a:srgbClr val="000000"/>
+              </a:buClr>
+              <a:buSzPct val="100000"/>
+              <a:buFont typeface="Times New Roman" panose="02020603050405020304" pitchFamily="16" charset="0"/>
+              <a:tabLst>
+                <a:tab pos="448945" algn="l"/>
+                <a:tab pos="898525" algn="l"/>
+                <a:tab pos="1347470" algn="l"/>
+                <a:tab pos="1797050" algn="l"/>
+                <a:tab pos="2245995" algn="l"/>
+                <a:tab pos="2695575" algn="l"/>
+                <a:tab pos="3144520" algn="l"/>
+                <a:tab pos="3594100" algn="l"/>
+                <a:tab pos="4043045" algn="l"/>
+                <a:tab pos="4492625" algn="l"/>
+                <a:tab pos="4941570" algn="l"/>
+                <a:tab pos="5391150" algn="l"/>
+                <a:tab pos="5840095" algn="l"/>
+                <a:tab pos="6289675" algn="l"/>
+                <a:tab pos="6738620" algn="l"/>
+                <a:tab pos="7188200" algn="l"/>
+                <a:tab pos="7637145" algn="l"/>
+                <a:tab pos="8086725" algn="l"/>
+                <a:tab pos="8535670" algn="l"/>
+                <a:tab pos="8985250" algn="l"/>
+              </a:tabLst>
+              <a:defRPr>
+                <a:solidFill>
+                  <a:schemeClr val="tx1"/>
+                </a:solidFill>
+                <a:latin typeface="Arial" panose="020B0604020202020204" pitchFamily="34" charset="0"/>
+                <a:cs typeface="Noto Sans CJK SC Regular" charset="0"/>
+              </a:defRPr>
+            </a:lvl1pPr>
+            <a:lvl2pPr>
+              <a:lnSpc>
+                <a:spcPct val="93000"/>
+              </a:lnSpc>
+              <a:buClr>
+                <a:srgbClr val="000000"/>
+              </a:buClr>
+              <a:buSzPct val="100000"/>
+              <a:buFont typeface="Times New Roman" panose="02020603050405020304" pitchFamily="16" charset="0"/>
+              <a:tabLst>
+                <a:tab pos="448945" algn="l"/>
+                <a:tab pos="898525" algn="l"/>
+                <a:tab pos="1347470" algn="l"/>
+                <a:tab pos="1797050" algn="l"/>
+                <a:tab pos="2245995" algn="l"/>
+                <a:tab pos="2695575" algn="l"/>
+                <a:tab pos="3144520" algn="l"/>
+                <a:tab pos="3594100" algn="l"/>
+                <a:tab pos="4043045" algn="l"/>
+                <a:tab pos="4492625" algn="l"/>
+                <a:tab pos="4941570" algn="l"/>
+                <a:tab pos="5391150" algn="l"/>
+                <a:tab pos="5840095" algn="l"/>
+                <a:tab pos="6289675" algn="l"/>
+                <a:tab pos="6738620" algn="l"/>
+                <a:tab pos="7188200" algn="l"/>
+                <a:tab pos="7637145" algn="l"/>
+                <a:tab pos="8086725" algn="l"/>
+                <a:tab pos="8535670" algn="l"/>
+                <a:tab pos="8985250" algn="l"/>
+              </a:tabLst>
+              <a:defRPr>
+                <a:solidFill>
+                  <a:schemeClr val="tx1"/>
+                </a:solidFill>
+                <a:latin typeface="Arial" panose="020B0604020202020204" pitchFamily="34" charset="0"/>
+                <a:cs typeface="Noto Sans CJK SC Regular" charset="0"/>
+              </a:defRPr>
+            </a:lvl2pPr>
+            <a:lvl3pPr>
+              <a:lnSpc>
+                <a:spcPct val="93000"/>
+              </a:lnSpc>
+              <a:buClr>
+                <a:srgbClr val="000000"/>
+              </a:buClr>
+              <a:buSzPct val="100000"/>
+              <a:buFont typeface="Times New Roman" panose="02020603050405020304" pitchFamily="16" charset="0"/>
+              <a:tabLst>
+                <a:tab pos="448945" algn="l"/>
+                <a:tab pos="898525" algn="l"/>
+                <a:tab pos="1347470" algn="l"/>
+                <a:tab pos="1797050" algn="l"/>
+                <a:tab pos="2245995" algn="l"/>
+                <a:tab pos="2695575" algn="l"/>
+                <a:tab pos="3144520" algn="l"/>
+                <a:tab pos="3594100" algn="l"/>
+                <a:tab pos="4043045" algn="l"/>
+                <a:tab pos="4492625" algn="l"/>
+                <a:tab pos="4941570" algn="l"/>
+                <a:tab pos="5391150" algn="l"/>
+                <a:tab pos="5840095" algn="l"/>
+                <a:tab pos="6289675" algn="l"/>
+                <a:tab pos="6738620" algn="l"/>
+                <a:tab pos="7188200" algn="l"/>
+                <a:tab pos="7637145" algn="l"/>
+                <a:tab pos="8086725" algn="l"/>
+                <a:tab pos="8535670" algn="l"/>
+                <a:tab pos="8985250" algn="l"/>
+              </a:tabLst>
+              <a:defRPr>
+                <a:solidFill>
+                  <a:schemeClr val="tx1"/>
+                </a:solidFill>
+                <a:latin typeface="Arial" panose="020B0604020202020204" pitchFamily="34" charset="0"/>
+                <a:cs typeface="Noto Sans CJK SC Regular" charset="0"/>
+              </a:defRPr>
+            </a:lvl3pPr>
+            <a:lvl4pPr>
+              <a:lnSpc>
+                <a:spcPct val="93000"/>
+              </a:lnSpc>
+              <a:buClr>
+                <a:srgbClr val="000000"/>
+              </a:buClr>
+              <a:buSzPct val="100000"/>
+              <a:buFont typeface="Times New Roman" panose="02020603050405020304" pitchFamily="16" charset="0"/>
+              <a:tabLst>
+                <a:tab pos="448945" algn="l"/>
+                <a:tab pos="898525" algn="l"/>
+                <a:tab pos="1347470" algn="l"/>
+                <a:tab pos="1797050" algn="l"/>
+                <a:tab pos="2245995" algn="l"/>
+                <a:tab pos="2695575" algn="l"/>
+                <a:tab pos="3144520" algn="l"/>
+                <a:tab pos="3594100" algn="l"/>
+                <a:tab pos="4043045" algn="l"/>
+                <a:tab pos="4492625" algn="l"/>
+                <a:tab pos="4941570" algn="l"/>
+                <a:tab pos="5391150" algn="l"/>
+                <a:tab pos="5840095" algn="l"/>
+                <a:tab pos="6289675" algn="l"/>
+                <a:tab pos="6738620" algn="l"/>
+                <a:tab pos="7188200" algn="l"/>
+                <a:tab pos="7637145" algn="l"/>
+                <a:tab pos="8086725" algn="l"/>
+                <a:tab pos="8535670" algn="l"/>
+                <a:tab pos="8985250" algn="l"/>
+              </a:tabLst>
+              <a:defRPr>
+                <a:solidFill>
+                  <a:schemeClr val="tx1"/>
+                </a:solidFill>
+                <a:latin typeface="Arial" panose="020B0604020202020204" pitchFamily="34" charset="0"/>
+                <a:cs typeface="Noto Sans CJK SC Regular" charset="0"/>
+              </a:defRPr>
+            </a:lvl4pPr>
+            <a:lvl5pPr>
+              <a:lnSpc>
+                <a:spcPct val="93000"/>
+              </a:lnSpc>
+              <a:buClr>
+                <a:srgbClr val="000000"/>
+              </a:buClr>
+              <a:buSzPct val="100000"/>
+              <a:buFont typeface="Times New Roman" panose="02020603050405020304" pitchFamily="16" charset="0"/>
+              <a:tabLst>
+                <a:tab pos="448945" algn="l"/>
+                <a:tab pos="898525" algn="l"/>
+                <a:tab pos="1347470" algn="l"/>
+                <a:tab pos="1797050" algn="l"/>
+                <a:tab pos="2245995" algn="l"/>
+                <a:tab pos="2695575" algn="l"/>
+                <a:tab pos="3144520" algn="l"/>
+                <a:tab pos="3594100" algn="l"/>
+                <a:tab pos="4043045" algn="l"/>
+                <a:tab pos="4492625" algn="l"/>
+                <a:tab pos="4941570" algn="l"/>
+                <a:tab pos="5391150" algn="l"/>
+                <a:tab pos="5840095" algn="l"/>
+                <a:tab pos="6289675" algn="l"/>
+                <a:tab pos="6738620" algn="l"/>
+                <a:tab pos="7188200" algn="l"/>
+                <a:tab pos="7637145" algn="l"/>
+                <a:tab pos="8086725" algn="l"/>
+                <a:tab pos="8535670" algn="l"/>
+                <a:tab pos="8985250" algn="l"/>
+              </a:tabLst>
+              <a:defRPr>
+                <a:solidFill>
+                  <a:schemeClr val="tx1"/>
+                </a:solidFill>
+                <a:latin typeface="Arial" panose="020B0604020202020204" pitchFamily="34" charset="0"/>
+                <a:cs typeface="Noto Sans CJK SC Regular" charset="0"/>
+              </a:defRPr>
+            </a:lvl5pPr>
+            <a:lvl6pPr marL="2514600" indent="-228600" defTabSz="449580" eaLnBrk="0" fontAlgn="base" hangingPunct="0">
+              <a:lnSpc>
+                <a:spcPct val="93000"/>
+              </a:lnSpc>
+              <a:spcBef>
+                <a:spcPct val="0"/>
+              </a:spcBef>
+              <a:spcAft>
+                <a:spcPct val="0"/>
+              </a:spcAft>
+              <a:buClr>
+                <a:srgbClr val="000000"/>
+              </a:buClr>
+              <a:buSzPct val="100000"/>
+              <a:buFont typeface="Times New Roman" panose="02020603050405020304" pitchFamily="16" charset="0"/>
+              <a:tabLst>
+                <a:tab pos="448945" algn="l"/>
+                <a:tab pos="898525" algn="l"/>
+                <a:tab pos="1347470" algn="l"/>
+                <a:tab pos="1797050" algn="l"/>
+                <a:tab pos="2245995" algn="l"/>
+                <a:tab pos="2695575" algn="l"/>
+                <a:tab pos="3144520" algn="l"/>
+                <a:tab pos="3594100" algn="l"/>
+                <a:tab pos="4043045" algn="l"/>
+                <a:tab pos="4492625" algn="l"/>
+                <a:tab pos="4941570" algn="l"/>
+                <a:tab pos="5391150" algn="l"/>
+                <a:tab pos="5840095" algn="l"/>
+                <a:tab pos="6289675" algn="l"/>
+                <a:tab pos="6738620" algn="l"/>
+                <a:tab pos="7188200" algn="l"/>
+                <a:tab pos="7637145" algn="l"/>
+                <a:tab pos="8086725" algn="l"/>
+                <a:tab pos="8535670" algn="l"/>
+                <a:tab pos="8985250" algn="l"/>
+              </a:tabLst>
+              <a:defRPr>
+                <a:solidFill>
+                  <a:schemeClr val="tx1"/>
+                </a:solidFill>
+                <a:latin typeface="Arial" panose="020B0604020202020204" pitchFamily="34" charset="0"/>
+                <a:cs typeface="Noto Sans CJK SC Regular" charset="0"/>
+              </a:defRPr>
+            </a:lvl6pPr>
+            <a:lvl7pPr marL="2971800" indent="-228600" defTabSz="449580" eaLnBrk="0" fontAlgn="base" hangingPunct="0">
+              <a:lnSpc>
+                <a:spcPct val="93000"/>
+              </a:lnSpc>
+              <a:spcBef>
+                <a:spcPct val="0"/>
+              </a:spcBef>
+              <a:spcAft>
+                <a:spcPct val="0"/>
+              </a:spcAft>
+              <a:buClr>
+                <a:srgbClr val="000000"/>
+              </a:buClr>
+              <a:buSzPct val="100000"/>
+              <a:buFont typeface="Times New Roman" panose="02020603050405020304" pitchFamily="16" charset="0"/>
+              <a:tabLst>
+                <a:tab pos="448945" algn="l"/>
+                <a:tab pos="898525" algn="l"/>
+                <a:tab pos="1347470" algn="l"/>
+                <a:tab pos="1797050" algn="l"/>
+                <a:tab pos="2245995" algn="l"/>
+                <a:tab pos="2695575" algn="l"/>
+                <a:tab pos="3144520" algn="l"/>
+                <a:tab pos="3594100" algn="l"/>
+                <a:tab pos="4043045" algn="l"/>
+                <a:tab pos="4492625" algn="l"/>
+                <a:tab pos="4941570" algn="l"/>
+                <a:tab pos="5391150" algn="l"/>
+                <a:tab pos="5840095" algn="l"/>
+                <a:tab pos="6289675" algn="l"/>
+                <a:tab pos="6738620" algn="l"/>
+                <a:tab pos="7188200" algn="l"/>
+                <a:tab pos="7637145" algn="l"/>
+                <a:tab pos="8086725" algn="l"/>
+                <a:tab pos="8535670" algn="l"/>
+                <a:tab pos="8985250" algn="l"/>
+              </a:tabLst>
+              <a:defRPr>
+                <a:solidFill>
+                  <a:schemeClr val="tx1"/>
+                </a:solidFill>
+                <a:latin typeface="Arial" panose="020B0604020202020204" pitchFamily="34" charset="0"/>
+                <a:cs typeface="Noto Sans CJK SC Regular" charset="0"/>
+              </a:defRPr>
+            </a:lvl7pPr>
+            <a:lvl8pPr marL="3429000" indent="-228600" defTabSz="449580" eaLnBrk="0" fontAlgn="base" hangingPunct="0">
+              <a:lnSpc>
+                <a:spcPct val="93000"/>
+              </a:lnSpc>
+              <a:spcBef>
+                <a:spcPct val="0"/>
+              </a:spcBef>
+              <a:spcAft>
+                <a:spcPct val="0"/>
+              </a:spcAft>
+              <a:buClr>
+                <a:srgbClr val="000000"/>
+              </a:buClr>
+              <a:buSzPct val="100000"/>
+              <a:buFont typeface="Times New Roman" panose="02020603050405020304" pitchFamily="16" charset="0"/>
+              <a:tabLst>
+                <a:tab pos="448945" algn="l"/>
+                <a:tab pos="898525" algn="l"/>
+                <a:tab pos="1347470" algn="l"/>
+                <a:tab pos="1797050" algn="l"/>
+                <a:tab pos="2245995" algn="l"/>
+                <a:tab pos="2695575" algn="l"/>
+                <a:tab pos="3144520" algn="l"/>
+                <a:tab pos="3594100" algn="l"/>
+                <a:tab pos="4043045" algn="l"/>
+                <a:tab pos="4492625" algn="l"/>
+                <a:tab pos="4941570" algn="l"/>
+                <a:tab pos="5391150" algn="l"/>
+                <a:tab pos="5840095" algn="l"/>
+                <a:tab pos="6289675" algn="l"/>
+                <a:tab pos="6738620" algn="l"/>
+                <a:tab pos="7188200" algn="l"/>
+                <a:tab pos="7637145" algn="l"/>
+                <a:tab pos="8086725" algn="l"/>
+                <a:tab pos="8535670" algn="l"/>
+                <a:tab pos="8985250" algn="l"/>
+              </a:tabLst>
+              <a:defRPr>
+                <a:solidFill>
+                  <a:schemeClr val="tx1"/>
+                </a:solidFill>
+                <a:latin typeface="Arial" panose="020B0604020202020204" pitchFamily="34" charset="0"/>
+                <a:cs typeface="Noto Sans CJK SC Regular" charset="0"/>
+              </a:defRPr>
+            </a:lvl8pPr>
+            <a:lvl9pPr marL="3886200" indent="-228600" defTabSz="449580" eaLnBrk="0" fontAlgn="base" hangingPunct="0">
+              <a:lnSpc>
+                <a:spcPct val="93000"/>
+              </a:lnSpc>
+              <a:spcBef>
+                <a:spcPct val="0"/>
+              </a:spcBef>
+              <a:spcAft>
+                <a:spcPct val="0"/>
+              </a:spcAft>
+              <a:buClr>
+                <a:srgbClr val="000000"/>
+              </a:buClr>
+              <a:buSzPct val="100000"/>
+              <a:buFont typeface="Times New Roman" panose="02020603050405020304" pitchFamily="16" charset="0"/>
+              <a:tabLst>
+                <a:tab pos="448945" algn="l"/>
+                <a:tab pos="898525" algn="l"/>
+                <a:tab pos="1347470" algn="l"/>
+                <a:tab pos="1797050" algn="l"/>
+                <a:tab pos="2245995" algn="l"/>
+                <a:tab pos="2695575" algn="l"/>
+                <a:tab pos="3144520" algn="l"/>
+                <a:tab pos="3594100" algn="l"/>
+                <a:tab pos="4043045" algn="l"/>
+                <a:tab pos="4492625" algn="l"/>
+                <a:tab pos="4941570" algn="l"/>
+                <a:tab pos="5391150" algn="l"/>
+                <a:tab pos="5840095" algn="l"/>
+                <a:tab pos="6289675" algn="l"/>
+                <a:tab pos="6738620" algn="l"/>
+                <a:tab pos="7188200" algn="l"/>
+                <a:tab pos="7637145" algn="l"/>
+                <a:tab pos="8086725" algn="l"/>
+                <a:tab pos="8535670" algn="l"/>
+                <a:tab pos="8985250" algn="l"/>
+              </a:tabLst>
+              <a:defRPr>
+                <a:solidFill>
+                  <a:schemeClr val="tx1"/>
+                </a:solidFill>
+                <a:latin typeface="Arial" panose="020B0604020202020204" pitchFamily="34" charset="0"/>
+                <a:cs typeface="Noto Sans CJK SC Regular" charset="0"/>
+              </a:defRPr>
+            </a:lvl9pPr>
+          </a:lstStyle>
+          <a:p>
+            <a:pPr marL="0" marR="0" lvl="0" indent="0" algn="l" defTabSz="457200" rtl="0" eaLnBrk="1" fontAlgn="auto" latinLnBrk="0" hangingPunct="1">
+              <a:lnSpc>
+                <a:spcPct val="93000"/>
+              </a:lnSpc>
+              <a:spcBef>
+                <a:spcPts val="0"/>
+              </a:spcBef>
+              <a:spcAft>
+                <a:spcPts val="0"/>
+              </a:spcAft>
+              <a:buClr>
+                <a:srgbClr val="000000"/>
+              </a:buClr>
+              <a:buSzPct val="100000"/>
+              <a:buFont typeface="Times New Roman" panose="02020603050405020304" pitchFamily="16" charset="0"/>
+              <a:buNone/>
+              <a:tabLst>
+                <a:tab pos="448945" algn="l"/>
+                <a:tab pos="898525" algn="l"/>
+                <a:tab pos="1347470" algn="l"/>
+                <a:tab pos="1797050" algn="l"/>
+                <a:tab pos="2245995" algn="l"/>
+                <a:tab pos="2695575" algn="l"/>
+                <a:tab pos="3144520" algn="l"/>
+                <a:tab pos="3594100" algn="l"/>
+                <a:tab pos="4043045" algn="l"/>
+                <a:tab pos="4492625" algn="l"/>
+                <a:tab pos="4941570" algn="l"/>
+                <a:tab pos="5391150" algn="l"/>
+                <a:tab pos="5840095" algn="l"/>
+                <a:tab pos="6289675" algn="l"/>
+                <a:tab pos="6738620" algn="l"/>
+                <a:tab pos="7188200" algn="l"/>
+                <a:tab pos="7637145" algn="l"/>
+                <a:tab pos="8086725" algn="l"/>
+                <a:tab pos="8535670" algn="l"/>
+                <a:tab pos="8985250" algn="l"/>
+              </a:tabLst>
+              <a:defRPr/>
+            </a:pPr>
+            <a:r>
+              <a:rPr kumimoji="0" lang="en-IN" altLang="en-US" sz="3600" b="1" i="0" u="none" strike="noStrike" kern="1200" cap="none" spc="0" normalizeH="0" baseline="0" noProof="0" dirty="0">
+                <a:ln>
+                  <a:noFill/>
+                </a:ln>
+                <a:solidFill>
+                  <a:srgbClr val="000000"/>
+                </a:solidFill>
+                <a:effectLst/>
+                <a:uLnTx/>
+                <a:uFillTx/>
+                <a:latin typeface="Times New Roman" panose="02020603050405020304" pitchFamily="16" charset="0"/>
+                <a:ea typeface="+mn-ea"/>
+                <a:cs typeface="DejaVu Sans" charset="0"/>
+              </a:rPr>
+              <a:t>8. Technology Stack</a:t>
+            </a:r>
+          </a:p>
+        </p:txBody>
+      </p:sp>
+      <p:sp>
+        <p:nvSpPr>
+          <p:cNvPr id="6146" name="Rectangle 2"/>
+          <p:cNvSpPr>
+            <a:spLocks noChangeArrowheads="1"/>
+          </p:cNvSpPr>
+          <p:nvPr/>
+        </p:nvSpPr>
+        <p:spPr bwMode="auto">
+          <a:xfrm>
+            <a:off x="503555" y="1365250"/>
+            <a:ext cx="9070975" cy="5702300"/>
+          </a:xfrm>
+          <a:prstGeom prst="rect">
+            <a:avLst/>
+          </a:prstGeom>
+          <a:noFill/>
+          <a:ln>
+            <a:noFill/>
+          </a:ln>
+          <a:effectLst/>
+        </p:spPr>
+        <p:txBody>
+          <a:bodyPr lIns="0" tIns="21240" rIns="0" bIns="0"/>
+          <a:lstStyle>
+            <a:lvl1pPr marL="430530" indent="-322580">
+              <a:tabLst>
+                <a:tab pos="448945" algn="l"/>
+                <a:tab pos="898525" algn="l"/>
+                <a:tab pos="1347470" algn="l"/>
+                <a:tab pos="1797050" algn="l"/>
+                <a:tab pos="2245995" algn="l"/>
+                <a:tab pos="2695575" algn="l"/>
+                <a:tab pos="3144520" algn="l"/>
+                <a:tab pos="3594100" algn="l"/>
+                <a:tab pos="4043045" algn="l"/>
+                <a:tab pos="4492625" algn="l"/>
+                <a:tab pos="4941570" algn="l"/>
+                <a:tab pos="5391150" algn="l"/>
+                <a:tab pos="5840095" algn="l"/>
+                <a:tab pos="6289675" algn="l"/>
+                <a:tab pos="6738620" algn="l"/>
+                <a:tab pos="7188200" algn="l"/>
+                <a:tab pos="7637145" algn="l"/>
+                <a:tab pos="8086725" algn="l"/>
+                <a:tab pos="8535670" algn="l"/>
+                <a:tab pos="8985250" algn="l"/>
+              </a:tabLst>
+              <a:defRPr>
+                <a:solidFill>
+                  <a:srgbClr val="000000"/>
+                </a:solidFill>
+                <a:latin typeface="Arial" panose="020B0604020202020204" pitchFamily="34" charset="0"/>
+                <a:cs typeface="Noto Sans CJK SC Regular" charset="0"/>
+              </a:defRPr>
+            </a:lvl1pPr>
+            <a:lvl2pPr>
+              <a:tabLst>
+                <a:tab pos="448945" algn="l"/>
+                <a:tab pos="898525" algn="l"/>
+                <a:tab pos="1347470" algn="l"/>
+                <a:tab pos="1797050" algn="l"/>
+                <a:tab pos="2245995" algn="l"/>
+                <a:tab pos="2695575" algn="l"/>
+                <a:tab pos="3144520" algn="l"/>
+                <a:tab pos="3594100" algn="l"/>
+                <a:tab pos="4043045" algn="l"/>
+                <a:tab pos="4492625" algn="l"/>
+                <a:tab pos="4941570" algn="l"/>
+                <a:tab pos="5391150" algn="l"/>
+                <a:tab pos="5840095" algn="l"/>
+                <a:tab pos="6289675" algn="l"/>
+                <a:tab pos="6738620" algn="l"/>
+                <a:tab pos="7188200" algn="l"/>
+                <a:tab pos="7637145" algn="l"/>
+                <a:tab pos="8086725" algn="l"/>
+                <a:tab pos="8535670" algn="l"/>
+                <a:tab pos="8985250" algn="l"/>
+              </a:tabLst>
+              <a:defRPr>
+                <a:solidFill>
+                  <a:srgbClr val="000000"/>
+                </a:solidFill>
+                <a:latin typeface="Arial" panose="020B0604020202020204" pitchFamily="34" charset="0"/>
+                <a:cs typeface="Noto Sans CJK SC Regular" charset="0"/>
+              </a:defRPr>
+            </a:lvl2pPr>
+            <a:lvl3pPr>
+              <a:tabLst>
+                <a:tab pos="448945" algn="l"/>
+                <a:tab pos="898525" algn="l"/>
+                <a:tab pos="1347470" algn="l"/>
+                <a:tab pos="1797050" algn="l"/>
+                <a:tab pos="2245995" algn="l"/>
+                <a:tab pos="2695575" algn="l"/>
+                <a:tab pos="3144520" algn="l"/>
+                <a:tab pos="3594100" algn="l"/>
+                <a:tab pos="4043045" algn="l"/>
+                <a:tab pos="4492625" algn="l"/>
+                <a:tab pos="4941570" algn="l"/>
+                <a:tab pos="5391150" algn="l"/>
+                <a:tab pos="5840095" algn="l"/>
+                <a:tab pos="6289675" algn="l"/>
+                <a:tab pos="6738620" algn="l"/>
+                <a:tab pos="7188200" algn="l"/>
+                <a:tab pos="7637145" algn="l"/>
+                <a:tab pos="8086725" algn="l"/>
+                <a:tab pos="8535670" algn="l"/>
+                <a:tab pos="8985250" algn="l"/>
+              </a:tabLst>
+              <a:defRPr>
+                <a:solidFill>
+                  <a:srgbClr val="000000"/>
+                </a:solidFill>
+                <a:latin typeface="Arial" panose="020B0604020202020204" pitchFamily="34" charset="0"/>
+                <a:cs typeface="Noto Sans CJK SC Regular" charset="0"/>
+              </a:defRPr>
+            </a:lvl3pPr>
+            <a:lvl4pPr>
+              <a:tabLst>
+                <a:tab pos="448945" algn="l"/>
+                <a:tab pos="898525" algn="l"/>
+                <a:tab pos="1347470" algn="l"/>
+                <a:tab pos="1797050" algn="l"/>
+                <a:tab pos="2245995" algn="l"/>
+                <a:tab pos="2695575" algn="l"/>
+                <a:tab pos="3144520" algn="l"/>
+                <a:tab pos="3594100" algn="l"/>
+                <a:tab pos="4043045" algn="l"/>
+                <a:tab pos="4492625" algn="l"/>
+                <a:tab pos="4941570" algn="l"/>
+                <a:tab pos="5391150" algn="l"/>
+                <a:tab pos="5840095" algn="l"/>
+                <a:tab pos="6289675" algn="l"/>
+                <a:tab pos="6738620" algn="l"/>
+                <a:tab pos="7188200" algn="l"/>
+                <a:tab pos="7637145" algn="l"/>
+                <a:tab pos="8086725" algn="l"/>
+                <a:tab pos="8535670" algn="l"/>
+                <a:tab pos="8985250" algn="l"/>
+              </a:tabLst>
+              <a:defRPr>
+                <a:solidFill>
+                  <a:srgbClr val="000000"/>
+                </a:solidFill>
+                <a:latin typeface="Arial" panose="020B0604020202020204" pitchFamily="34" charset="0"/>
+                <a:cs typeface="Noto Sans CJK SC Regular" charset="0"/>
+              </a:defRPr>
+            </a:lvl4pPr>
+            <a:lvl5pPr>
+              <a:tabLst>
+                <a:tab pos="448945" algn="l"/>
+                <a:tab pos="898525" algn="l"/>
+                <a:tab pos="1347470" algn="l"/>
+                <a:tab pos="1797050" algn="l"/>
+                <a:tab pos="2245995" algn="l"/>
+                <a:tab pos="2695575" algn="l"/>
+                <a:tab pos="3144520" algn="l"/>
+                <a:tab pos="3594100" algn="l"/>
+                <a:tab pos="4043045" algn="l"/>
+                <a:tab pos="4492625" algn="l"/>
+                <a:tab pos="4941570" algn="l"/>
+                <a:tab pos="5391150" algn="l"/>
+                <a:tab pos="5840095" algn="l"/>
+                <a:tab pos="6289675" algn="l"/>
+                <a:tab pos="6738620" algn="l"/>
+                <a:tab pos="7188200" algn="l"/>
+                <a:tab pos="7637145" algn="l"/>
+                <a:tab pos="8086725" algn="l"/>
+                <a:tab pos="8535670" algn="l"/>
+                <a:tab pos="8985250" algn="l"/>
+              </a:tabLst>
+              <a:defRPr>
+                <a:solidFill>
+                  <a:srgbClr val="000000"/>
+                </a:solidFill>
+                <a:latin typeface="Arial" panose="020B0604020202020204" pitchFamily="34" charset="0"/>
+                <a:cs typeface="Noto Sans CJK SC Regular" charset="0"/>
+              </a:defRPr>
+            </a:lvl5pPr>
+            <a:lvl6pPr marL="2514600" indent="-228600" defTabSz="449580" fontAlgn="base" hangingPunct="0">
+              <a:lnSpc>
+                <a:spcPct val="93000"/>
+              </a:lnSpc>
+              <a:spcBef>
+                <a:spcPct val="0"/>
+              </a:spcBef>
+              <a:spcAft>
+                <a:spcPct val="0"/>
+              </a:spcAft>
+              <a:buClr>
+                <a:srgbClr val="000000"/>
+              </a:buClr>
+              <a:buSzPct val="100000"/>
+              <a:buFont typeface="Times New Roman" panose="02020603050405020304" pitchFamily="16" charset="0"/>
+              <a:tabLst>
+                <a:tab pos="448945" algn="l"/>
+                <a:tab pos="898525" algn="l"/>
+                <a:tab pos="1347470" algn="l"/>
+                <a:tab pos="1797050" algn="l"/>
+                <a:tab pos="2245995" algn="l"/>
+                <a:tab pos="2695575" algn="l"/>
+                <a:tab pos="3144520" algn="l"/>
+                <a:tab pos="3594100" algn="l"/>
+                <a:tab pos="4043045" algn="l"/>
+                <a:tab pos="4492625" algn="l"/>
+                <a:tab pos="4941570" algn="l"/>
+                <a:tab pos="5391150" algn="l"/>
+                <a:tab pos="5840095" algn="l"/>
+                <a:tab pos="6289675" algn="l"/>
+                <a:tab pos="6738620" algn="l"/>
+                <a:tab pos="7188200" algn="l"/>
+                <a:tab pos="7637145" algn="l"/>
+                <a:tab pos="8086725" algn="l"/>
+                <a:tab pos="8535670" algn="l"/>
+                <a:tab pos="8985250" algn="l"/>
+              </a:tabLst>
+              <a:defRPr>
+                <a:solidFill>
+                  <a:srgbClr val="000000"/>
+                </a:solidFill>
+                <a:latin typeface="Arial" panose="020B0604020202020204" pitchFamily="34" charset="0"/>
+                <a:cs typeface="Noto Sans CJK SC Regular" charset="0"/>
+              </a:defRPr>
+            </a:lvl6pPr>
+            <a:lvl7pPr marL="2971800" indent="-228600" defTabSz="449580" fontAlgn="base" hangingPunct="0">
+              <a:lnSpc>
+                <a:spcPct val="93000"/>
+              </a:lnSpc>
+              <a:spcBef>
+                <a:spcPct val="0"/>
+              </a:spcBef>
+              <a:spcAft>
+                <a:spcPct val="0"/>
+              </a:spcAft>
+              <a:buClr>
+                <a:srgbClr val="000000"/>
+              </a:buClr>
+              <a:buSzPct val="100000"/>
+              <a:buFont typeface="Times New Roman" panose="02020603050405020304" pitchFamily="16" charset="0"/>
+              <a:tabLst>
+                <a:tab pos="448945" algn="l"/>
+                <a:tab pos="898525" algn="l"/>
+                <a:tab pos="1347470" algn="l"/>
+                <a:tab pos="1797050" algn="l"/>
+                <a:tab pos="2245995" algn="l"/>
+                <a:tab pos="2695575" algn="l"/>
+                <a:tab pos="3144520" algn="l"/>
+                <a:tab pos="3594100" algn="l"/>
+                <a:tab pos="4043045" algn="l"/>
+                <a:tab pos="4492625" algn="l"/>
+                <a:tab pos="4941570" algn="l"/>
+                <a:tab pos="5391150" algn="l"/>
+                <a:tab pos="5840095" algn="l"/>
+                <a:tab pos="6289675" algn="l"/>
+                <a:tab pos="6738620" algn="l"/>
+                <a:tab pos="7188200" algn="l"/>
+                <a:tab pos="7637145" algn="l"/>
+                <a:tab pos="8086725" algn="l"/>
+                <a:tab pos="8535670" algn="l"/>
+                <a:tab pos="8985250" algn="l"/>
+              </a:tabLst>
+              <a:defRPr>
+                <a:solidFill>
+                  <a:srgbClr val="000000"/>
+                </a:solidFill>
+                <a:latin typeface="Arial" panose="020B0604020202020204" pitchFamily="34" charset="0"/>
+                <a:cs typeface="Noto Sans CJK SC Regular" charset="0"/>
+              </a:defRPr>
+            </a:lvl7pPr>
+            <a:lvl8pPr marL="3429000" indent="-228600" defTabSz="449580" fontAlgn="base" hangingPunct="0">
+              <a:lnSpc>
+                <a:spcPct val="93000"/>
+              </a:lnSpc>
+              <a:spcBef>
+                <a:spcPct val="0"/>
+              </a:spcBef>
+              <a:spcAft>
+                <a:spcPct val="0"/>
+              </a:spcAft>
+              <a:buClr>
+                <a:srgbClr val="000000"/>
+              </a:buClr>
+              <a:buSzPct val="100000"/>
+              <a:buFont typeface="Times New Roman" panose="02020603050405020304" pitchFamily="16" charset="0"/>
+              <a:tabLst>
+                <a:tab pos="448945" algn="l"/>
+                <a:tab pos="898525" algn="l"/>
+                <a:tab pos="1347470" algn="l"/>
+                <a:tab pos="1797050" algn="l"/>
+                <a:tab pos="2245995" algn="l"/>
+                <a:tab pos="2695575" algn="l"/>
+                <a:tab pos="3144520" algn="l"/>
+                <a:tab pos="3594100" algn="l"/>
+                <a:tab pos="4043045" algn="l"/>
+                <a:tab pos="4492625" algn="l"/>
+                <a:tab pos="4941570" algn="l"/>
+                <a:tab pos="5391150" algn="l"/>
+                <a:tab pos="5840095" algn="l"/>
+                <a:tab pos="6289675" algn="l"/>
+                <a:tab pos="6738620" algn="l"/>
+                <a:tab pos="7188200" algn="l"/>
+                <a:tab pos="7637145" algn="l"/>
+                <a:tab pos="8086725" algn="l"/>
+                <a:tab pos="8535670" algn="l"/>
+                <a:tab pos="8985250" algn="l"/>
+              </a:tabLst>
+              <a:defRPr>
+                <a:solidFill>
+                  <a:srgbClr val="000000"/>
+                </a:solidFill>
+                <a:latin typeface="Arial" panose="020B0604020202020204" pitchFamily="34" charset="0"/>
+                <a:cs typeface="Noto Sans CJK SC Regular" charset="0"/>
+              </a:defRPr>
+            </a:lvl8pPr>
+            <a:lvl9pPr marL="3886200" indent="-228600" defTabSz="449580" fontAlgn="base" hangingPunct="0">
+              <a:lnSpc>
+                <a:spcPct val="93000"/>
+              </a:lnSpc>
+              <a:spcBef>
+                <a:spcPct val="0"/>
+              </a:spcBef>
+              <a:spcAft>
+                <a:spcPct val="0"/>
+              </a:spcAft>
+              <a:buClr>
+                <a:srgbClr val="000000"/>
+              </a:buClr>
+              <a:buSzPct val="100000"/>
+              <a:buFont typeface="Times New Roman" panose="02020603050405020304" pitchFamily="16" charset="0"/>
+              <a:tabLst>
+                <a:tab pos="448945" algn="l"/>
+                <a:tab pos="898525" algn="l"/>
+                <a:tab pos="1347470" algn="l"/>
+                <a:tab pos="1797050" algn="l"/>
+                <a:tab pos="2245995" algn="l"/>
+                <a:tab pos="2695575" algn="l"/>
+                <a:tab pos="3144520" algn="l"/>
+                <a:tab pos="3594100" algn="l"/>
+                <a:tab pos="4043045" algn="l"/>
+                <a:tab pos="4492625" algn="l"/>
+                <a:tab pos="4941570" algn="l"/>
+                <a:tab pos="5391150" algn="l"/>
+                <a:tab pos="5840095" algn="l"/>
+                <a:tab pos="6289675" algn="l"/>
+                <a:tab pos="6738620" algn="l"/>
+                <a:tab pos="7188200" algn="l"/>
+                <a:tab pos="7637145" algn="l"/>
+                <a:tab pos="8086725" algn="l"/>
+                <a:tab pos="8535670" algn="l"/>
+                <a:tab pos="8985250" algn="l"/>
+              </a:tabLst>
+              <a:defRPr>
+                <a:solidFill>
+                  <a:srgbClr val="000000"/>
+                </a:solidFill>
+                <a:latin typeface="Arial" panose="020B0604020202020204" pitchFamily="34" charset="0"/>
+                <a:cs typeface="Noto Sans CJK SC Regular" charset="0"/>
+              </a:defRPr>
+            </a:lvl9pPr>
+          </a:lstStyle>
+          <a:p>
+            <a:pPr marL="109220" marR="0" lvl="0" indent="0" algn="just" defTabSz="457200" rtl="0" eaLnBrk="1" fontAlgn="auto" latinLnBrk="0" hangingPunct="1">
+              <a:lnSpc>
+                <a:spcPct val="93000"/>
+              </a:lnSpc>
+              <a:spcBef>
+                <a:spcPts val="0"/>
+              </a:spcBef>
+              <a:spcAft>
+                <a:spcPts val="1415"/>
+              </a:spcAft>
+              <a:buClrTx/>
+              <a:buSzTx/>
+              <a:buFontTx/>
+              <a:buNone/>
+              <a:tabLst>
+                <a:tab pos="448945" algn="l"/>
+                <a:tab pos="898525" algn="l"/>
+                <a:tab pos="1347470" algn="l"/>
+                <a:tab pos="1797050" algn="l"/>
+                <a:tab pos="2245995" algn="l"/>
+                <a:tab pos="2695575" algn="l"/>
+                <a:tab pos="3144520" algn="l"/>
+                <a:tab pos="3594100" algn="l"/>
+                <a:tab pos="4043045" algn="l"/>
+                <a:tab pos="4492625" algn="l"/>
+                <a:tab pos="4941570" algn="l"/>
+                <a:tab pos="5391150" algn="l"/>
+                <a:tab pos="5840095" algn="l"/>
+                <a:tab pos="6289675" algn="l"/>
+                <a:tab pos="6738620" algn="l"/>
+                <a:tab pos="7188200" algn="l"/>
+                <a:tab pos="7637145" algn="l"/>
+                <a:tab pos="8086725" algn="l"/>
+                <a:tab pos="8535670" algn="l"/>
+                <a:tab pos="8985250" algn="l"/>
+              </a:tabLst>
+              <a:defRPr/>
+            </a:pPr>
+            <a:r>
+              <a:rPr kumimoji="0" lang="en-IN" altLang="en-US" sz="2400" b="1" i="0" u="none" strike="noStrike" kern="1200" cap="none" spc="0" normalizeH="0" baseline="0" noProof="0" dirty="0">
+                <a:ln>
+                  <a:noFill/>
+                </a:ln>
+                <a:solidFill>
+                  <a:srgbClr val="000000"/>
+                </a:solidFill>
+                <a:effectLst/>
+                <a:uLnTx/>
+                <a:uFillTx/>
+                <a:latin typeface="Times New Roman" panose="02020603050405020304" pitchFamily="16" charset="0"/>
+                <a:ea typeface="+mn-ea"/>
+                <a:cs typeface="Times New Roman" panose="02020603050405020304" pitchFamily="16" charset="0"/>
+              </a:rPr>
+              <a:t>1. FRONTEND (GUI):</a:t>
+            </a:r>
+            <a:endParaRPr kumimoji="0" lang="en-IN" altLang="en-US" sz="2400" b="0" i="0" u="none" strike="noStrike" kern="1200" cap="none" spc="0" normalizeH="0" baseline="0" noProof="0" dirty="0">
+              <a:ln>
+                <a:noFill/>
+              </a:ln>
+              <a:solidFill>
+                <a:srgbClr val="000000"/>
+              </a:solidFill>
+              <a:effectLst/>
+              <a:uLnTx/>
+              <a:uFillTx/>
+              <a:latin typeface="Times New Roman" panose="02020603050405020304" pitchFamily="16" charset="0"/>
+              <a:ea typeface="+mn-ea"/>
+              <a:cs typeface="Times New Roman" panose="02020603050405020304" pitchFamily="16" charset="0"/>
+            </a:endParaRPr>
+          </a:p>
+          <a:p>
+            <a:pPr marL="452120" marR="0" lvl="0" indent="-342900" algn="just" defTabSz="457200" rtl="0" eaLnBrk="1" fontAlgn="auto" latinLnBrk="0" hangingPunct="1">
+              <a:lnSpc>
+                <a:spcPct val="93000"/>
+              </a:lnSpc>
+              <a:spcBef>
+                <a:spcPts val="0"/>
+              </a:spcBef>
+              <a:spcAft>
+                <a:spcPts val="1415"/>
+              </a:spcAft>
+              <a:buClrTx/>
+              <a:buSzTx/>
+              <a:buFont typeface="Arial" panose="020B0604020202020204" pitchFamily="34" charset="0"/>
+              <a:buChar char="•"/>
+              <a:tabLst>
+                <a:tab pos="448945" algn="l"/>
+                <a:tab pos="898525" algn="l"/>
+                <a:tab pos="1347470" algn="l"/>
+                <a:tab pos="1797050" algn="l"/>
+                <a:tab pos="2245995" algn="l"/>
+                <a:tab pos="2695575" algn="l"/>
+                <a:tab pos="3144520" algn="l"/>
+                <a:tab pos="3594100" algn="l"/>
+                <a:tab pos="4043045" algn="l"/>
+                <a:tab pos="4492625" algn="l"/>
+                <a:tab pos="4941570" algn="l"/>
+                <a:tab pos="5391150" algn="l"/>
+                <a:tab pos="5840095" algn="l"/>
+                <a:tab pos="6289675" algn="l"/>
+                <a:tab pos="6738620" algn="l"/>
+                <a:tab pos="7188200" algn="l"/>
+                <a:tab pos="7637145" algn="l"/>
+                <a:tab pos="8086725" algn="l"/>
+                <a:tab pos="8535670" algn="l"/>
+                <a:tab pos="8985250" algn="l"/>
+              </a:tabLst>
+              <a:defRPr/>
+            </a:pPr>
+            <a:r>
+              <a:rPr kumimoji="0" lang="en-IN" altLang="en-US" sz="2400" b="0" i="0" u="none" strike="noStrike" kern="1200" cap="none" spc="0" normalizeH="0" baseline="0" noProof="0" dirty="0">
+                <a:ln>
+                  <a:noFill/>
+                </a:ln>
+                <a:solidFill>
+                  <a:srgbClr val="000000"/>
+                </a:solidFill>
+                <a:effectLst/>
+                <a:uLnTx/>
+                <a:uFillTx/>
+                <a:latin typeface="Times New Roman" panose="02020603050405020304" pitchFamily="16" charset="0"/>
+                <a:ea typeface="+mn-ea"/>
+                <a:cs typeface="Times New Roman" panose="02020603050405020304" pitchFamily="16" charset="0"/>
+              </a:rPr>
+              <a:t>HTML</a:t>
+            </a:r>
+          </a:p>
+          <a:p>
+            <a:pPr marL="452120" marR="0" lvl="0" indent="-342900" algn="just" defTabSz="457200" rtl="0" eaLnBrk="1" fontAlgn="auto" latinLnBrk="0" hangingPunct="1">
+              <a:lnSpc>
+                <a:spcPct val="93000"/>
+              </a:lnSpc>
+              <a:spcBef>
+                <a:spcPts val="0"/>
+              </a:spcBef>
+              <a:spcAft>
+                <a:spcPts val="1415"/>
+              </a:spcAft>
+              <a:buClrTx/>
+              <a:buSzTx/>
+              <a:buFont typeface="Arial" panose="020B0604020202020204" pitchFamily="34" charset="0"/>
+              <a:buChar char="•"/>
+              <a:tabLst>
+                <a:tab pos="448945" algn="l"/>
+                <a:tab pos="898525" algn="l"/>
+                <a:tab pos="1347470" algn="l"/>
+                <a:tab pos="1797050" algn="l"/>
+                <a:tab pos="2245995" algn="l"/>
+                <a:tab pos="2695575" algn="l"/>
+                <a:tab pos="3144520" algn="l"/>
+                <a:tab pos="3594100" algn="l"/>
+                <a:tab pos="4043045" algn="l"/>
+                <a:tab pos="4492625" algn="l"/>
+                <a:tab pos="4941570" algn="l"/>
+                <a:tab pos="5391150" algn="l"/>
+                <a:tab pos="5840095" algn="l"/>
+                <a:tab pos="6289675" algn="l"/>
+                <a:tab pos="6738620" algn="l"/>
+                <a:tab pos="7188200" algn="l"/>
+                <a:tab pos="7637145" algn="l"/>
+                <a:tab pos="8086725" algn="l"/>
+                <a:tab pos="8535670" algn="l"/>
+                <a:tab pos="8985250" algn="l"/>
+              </a:tabLst>
+              <a:defRPr/>
+            </a:pPr>
+            <a:r>
+              <a:rPr kumimoji="0" lang="en-IN" altLang="en-US" sz="2400" b="0" i="0" u="none" strike="noStrike" kern="1200" cap="none" spc="0" normalizeH="0" baseline="0" noProof="0" dirty="0">
+                <a:ln>
+                  <a:noFill/>
+                </a:ln>
+                <a:solidFill>
+                  <a:srgbClr val="000000"/>
+                </a:solidFill>
+                <a:effectLst/>
+                <a:uLnTx/>
+                <a:uFillTx/>
+                <a:latin typeface="Times New Roman" panose="02020603050405020304" pitchFamily="16" charset="0"/>
+                <a:ea typeface="+mn-ea"/>
+                <a:cs typeface="Times New Roman" panose="02020603050405020304" pitchFamily="16" charset="0"/>
+              </a:rPr>
+              <a:t>CSS</a:t>
+            </a:r>
+          </a:p>
+          <a:p>
+            <a:pPr marL="452120" marR="0" lvl="0" indent="-342900" algn="just" defTabSz="457200" rtl="0" eaLnBrk="1" fontAlgn="auto" latinLnBrk="0" hangingPunct="1">
+              <a:lnSpc>
+                <a:spcPct val="93000"/>
+              </a:lnSpc>
+              <a:spcBef>
+                <a:spcPts val="0"/>
+              </a:spcBef>
+              <a:spcAft>
+                <a:spcPts val="1415"/>
+              </a:spcAft>
+              <a:buClrTx/>
+              <a:buSzTx/>
+              <a:buFont typeface="Arial" panose="020B0604020202020204" pitchFamily="34" charset="0"/>
+              <a:buChar char="•"/>
+              <a:tabLst>
+                <a:tab pos="448945" algn="l"/>
+                <a:tab pos="898525" algn="l"/>
+                <a:tab pos="1347470" algn="l"/>
+                <a:tab pos="1797050" algn="l"/>
+                <a:tab pos="2245995" algn="l"/>
+                <a:tab pos="2695575" algn="l"/>
+                <a:tab pos="3144520" algn="l"/>
+                <a:tab pos="3594100" algn="l"/>
+                <a:tab pos="4043045" algn="l"/>
+                <a:tab pos="4492625" algn="l"/>
+                <a:tab pos="4941570" algn="l"/>
+                <a:tab pos="5391150" algn="l"/>
+                <a:tab pos="5840095" algn="l"/>
+                <a:tab pos="6289675" algn="l"/>
+                <a:tab pos="6738620" algn="l"/>
+                <a:tab pos="7188200" algn="l"/>
+                <a:tab pos="7637145" algn="l"/>
+                <a:tab pos="8086725" algn="l"/>
+                <a:tab pos="8535670" algn="l"/>
+                <a:tab pos="8985250" algn="l"/>
+              </a:tabLst>
+              <a:defRPr/>
+            </a:pPr>
+            <a:r>
+              <a:rPr kumimoji="0" lang="en-IN" altLang="en-US" sz="2400" b="0" i="0" u="none" strike="noStrike" kern="1200" cap="none" spc="0" normalizeH="0" baseline="0" noProof="0" dirty="0">
+                <a:ln>
+                  <a:noFill/>
+                </a:ln>
+                <a:solidFill>
+                  <a:srgbClr val="000000"/>
+                </a:solidFill>
+                <a:effectLst/>
+                <a:uLnTx/>
+                <a:uFillTx/>
+                <a:latin typeface="Times New Roman" panose="02020603050405020304" pitchFamily="16" charset="0"/>
+                <a:ea typeface="+mn-ea"/>
+                <a:cs typeface="Times New Roman" panose="02020603050405020304" pitchFamily="16" charset="0"/>
+              </a:rPr>
+              <a:t>JAVASCRIPT</a:t>
+            </a:r>
+          </a:p>
+          <a:p>
+            <a:pPr marL="109220" marR="0" lvl="0" indent="0" algn="just" defTabSz="457200" rtl="0" eaLnBrk="1" fontAlgn="auto" latinLnBrk="0" hangingPunct="1">
+              <a:lnSpc>
+                <a:spcPct val="93000"/>
+              </a:lnSpc>
+              <a:spcBef>
+                <a:spcPts val="0"/>
+              </a:spcBef>
+              <a:spcAft>
+                <a:spcPts val="1415"/>
+              </a:spcAft>
+              <a:buClrTx/>
+              <a:buSzTx/>
+              <a:buFontTx/>
+              <a:buNone/>
+              <a:tabLst>
+                <a:tab pos="448945" algn="l"/>
+                <a:tab pos="898525" algn="l"/>
+                <a:tab pos="1347470" algn="l"/>
+                <a:tab pos="1797050" algn="l"/>
+                <a:tab pos="2245995" algn="l"/>
+                <a:tab pos="2695575" algn="l"/>
+                <a:tab pos="3144520" algn="l"/>
+                <a:tab pos="3594100" algn="l"/>
+                <a:tab pos="4043045" algn="l"/>
+                <a:tab pos="4492625" algn="l"/>
+                <a:tab pos="4941570" algn="l"/>
+                <a:tab pos="5391150" algn="l"/>
+                <a:tab pos="5840095" algn="l"/>
+                <a:tab pos="6289675" algn="l"/>
+                <a:tab pos="6738620" algn="l"/>
+                <a:tab pos="7188200" algn="l"/>
+                <a:tab pos="7637145" algn="l"/>
+                <a:tab pos="8086725" algn="l"/>
+                <a:tab pos="8535670" algn="l"/>
+                <a:tab pos="8985250" algn="l"/>
+              </a:tabLst>
+              <a:defRPr/>
+            </a:pPr>
+            <a:endParaRPr kumimoji="0" lang="en-IN" altLang="en-US" sz="2400" b="0" i="0" u="none" strike="noStrike" kern="1200" cap="none" spc="0" normalizeH="0" baseline="0" noProof="0" dirty="0">
+              <a:ln>
+                <a:noFill/>
+              </a:ln>
+              <a:solidFill>
+                <a:srgbClr val="000000"/>
+              </a:solidFill>
+              <a:effectLst/>
+              <a:uLnTx/>
+              <a:uFillTx/>
+              <a:latin typeface="Times New Roman" panose="02020603050405020304" pitchFamily="16" charset="0"/>
+              <a:ea typeface="+mn-ea"/>
+              <a:cs typeface="Times New Roman" panose="02020603050405020304" pitchFamily="16" charset="0"/>
+            </a:endParaRPr>
+          </a:p>
+          <a:p>
+            <a:pPr marL="109220" marR="0" lvl="0" indent="0" algn="just" defTabSz="457200" rtl="0" eaLnBrk="1" fontAlgn="auto" latinLnBrk="0" hangingPunct="1">
+              <a:lnSpc>
+                <a:spcPct val="93000"/>
+              </a:lnSpc>
+              <a:spcBef>
+                <a:spcPts val="0"/>
+              </a:spcBef>
+              <a:spcAft>
+                <a:spcPts val="1415"/>
+              </a:spcAft>
+              <a:buClrTx/>
+              <a:buSzTx/>
+              <a:buFontTx/>
+              <a:buNone/>
+              <a:tabLst>
+                <a:tab pos="448945" algn="l"/>
+                <a:tab pos="898525" algn="l"/>
+                <a:tab pos="1347470" algn="l"/>
+                <a:tab pos="1797050" algn="l"/>
+                <a:tab pos="2245995" algn="l"/>
+                <a:tab pos="2695575" algn="l"/>
+                <a:tab pos="3144520" algn="l"/>
+                <a:tab pos="3594100" algn="l"/>
+                <a:tab pos="4043045" algn="l"/>
+                <a:tab pos="4492625" algn="l"/>
+                <a:tab pos="4941570" algn="l"/>
+                <a:tab pos="5391150" algn="l"/>
+                <a:tab pos="5840095" algn="l"/>
+                <a:tab pos="6289675" algn="l"/>
+                <a:tab pos="6738620" algn="l"/>
+                <a:tab pos="7188200" algn="l"/>
+                <a:tab pos="7637145" algn="l"/>
+                <a:tab pos="8086725" algn="l"/>
+                <a:tab pos="8535670" algn="l"/>
+                <a:tab pos="8985250" algn="l"/>
+              </a:tabLst>
+              <a:defRPr/>
+            </a:pPr>
+            <a:r>
+              <a:rPr kumimoji="0" lang="en-IN" altLang="en-US" sz="2400" b="1" i="0" u="none" strike="noStrike" kern="1200" cap="none" spc="0" normalizeH="0" baseline="0" noProof="0" dirty="0">
+                <a:ln>
+                  <a:noFill/>
+                </a:ln>
+                <a:solidFill>
+                  <a:srgbClr val="000000"/>
+                </a:solidFill>
+                <a:effectLst/>
+                <a:uLnTx/>
+                <a:uFillTx/>
+                <a:latin typeface="Times New Roman" panose="02020603050405020304" pitchFamily="16" charset="0"/>
+                <a:ea typeface="+mn-ea"/>
+                <a:cs typeface="Times New Roman" panose="02020603050405020304" pitchFamily="16" charset="0"/>
+              </a:rPr>
+              <a:t>2. BACKEND:</a:t>
+            </a:r>
+          </a:p>
+          <a:p>
+            <a:pPr marL="452120" marR="0" lvl="0" indent="-342900" algn="just" defTabSz="457200" rtl="0" eaLnBrk="1" fontAlgn="auto" latinLnBrk="0" hangingPunct="1">
+              <a:lnSpc>
+                <a:spcPct val="93000"/>
+              </a:lnSpc>
+              <a:spcBef>
+                <a:spcPts val="0"/>
+              </a:spcBef>
+              <a:spcAft>
+                <a:spcPts val="1415"/>
+              </a:spcAft>
+              <a:buClrTx/>
+              <a:buSzTx/>
+              <a:buFont typeface="Arial" panose="020B0604020202020204" pitchFamily="34" charset="0"/>
+              <a:buChar char="•"/>
+              <a:tabLst>
+                <a:tab pos="448945" algn="l"/>
+                <a:tab pos="898525" algn="l"/>
+                <a:tab pos="1347470" algn="l"/>
+                <a:tab pos="1797050" algn="l"/>
+                <a:tab pos="2245995" algn="l"/>
+                <a:tab pos="2695575" algn="l"/>
+                <a:tab pos="3144520" algn="l"/>
+                <a:tab pos="3594100" algn="l"/>
+                <a:tab pos="4043045" algn="l"/>
+                <a:tab pos="4492625" algn="l"/>
+                <a:tab pos="4941570" algn="l"/>
+                <a:tab pos="5391150" algn="l"/>
+                <a:tab pos="5840095" algn="l"/>
+                <a:tab pos="6289675" algn="l"/>
+                <a:tab pos="6738620" algn="l"/>
+                <a:tab pos="7188200" algn="l"/>
+                <a:tab pos="7637145" algn="l"/>
+                <a:tab pos="8086725" algn="l"/>
+                <a:tab pos="8535670" algn="l"/>
+                <a:tab pos="8985250" algn="l"/>
+              </a:tabLst>
+              <a:defRPr/>
+            </a:pPr>
+            <a:r>
+              <a:rPr kumimoji="0" lang="en-IN" altLang="en-US" sz="2400" b="0" i="0" u="none" strike="noStrike" kern="1200" cap="none" spc="0" normalizeH="0" baseline="0" noProof="0" dirty="0">
+                <a:ln>
+                  <a:noFill/>
+                </a:ln>
+                <a:solidFill>
+                  <a:srgbClr val="000000"/>
+                </a:solidFill>
+                <a:effectLst/>
+                <a:uLnTx/>
+                <a:uFillTx/>
+                <a:latin typeface="Times New Roman" panose="02020603050405020304" pitchFamily="16" charset="0"/>
+                <a:ea typeface="+mn-ea"/>
+                <a:cs typeface="Times New Roman" panose="02020603050405020304" pitchFamily="16" charset="0"/>
+              </a:rPr>
+              <a:t>Node.js</a:t>
+            </a:r>
+          </a:p>
+          <a:p>
+            <a:pPr marL="452120" marR="0" lvl="0" indent="-342900" algn="just" defTabSz="457200" rtl="0" eaLnBrk="1" fontAlgn="auto" latinLnBrk="0" hangingPunct="1">
+              <a:lnSpc>
+                <a:spcPct val="93000"/>
+              </a:lnSpc>
+              <a:spcBef>
+                <a:spcPts val="0"/>
+              </a:spcBef>
+              <a:spcAft>
+                <a:spcPts val="1415"/>
+              </a:spcAft>
+              <a:buClrTx/>
+              <a:buSzTx/>
+              <a:buFont typeface="Arial" panose="020B0604020202020204" pitchFamily="34" charset="0"/>
+              <a:buChar char="•"/>
+              <a:tabLst>
+                <a:tab pos="448945" algn="l"/>
+                <a:tab pos="898525" algn="l"/>
+                <a:tab pos="1347470" algn="l"/>
+                <a:tab pos="1797050" algn="l"/>
+                <a:tab pos="2245995" algn="l"/>
+                <a:tab pos="2695575" algn="l"/>
+                <a:tab pos="3144520" algn="l"/>
+                <a:tab pos="3594100" algn="l"/>
+                <a:tab pos="4043045" algn="l"/>
+                <a:tab pos="4492625" algn="l"/>
+                <a:tab pos="4941570" algn="l"/>
+                <a:tab pos="5391150" algn="l"/>
+                <a:tab pos="5840095" algn="l"/>
+                <a:tab pos="6289675" algn="l"/>
+                <a:tab pos="6738620" algn="l"/>
+                <a:tab pos="7188200" algn="l"/>
+                <a:tab pos="7637145" algn="l"/>
+                <a:tab pos="8086725" algn="l"/>
+                <a:tab pos="8535670" algn="l"/>
+                <a:tab pos="8985250" algn="l"/>
+              </a:tabLst>
+              <a:defRPr/>
+            </a:pPr>
+            <a:r>
+              <a:rPr kumimoji="0" lang="en-IN" altLang="en-US" sz="2400" b="0" i="0" u="none" strike="noStrike" kern="1200" cap="none" spc="0" normalizeH="0" baseline="0" noProof="0" dirty="0">
+                <a:ln>
+                  <a:noFill/>
+                </a:ln>
+                <a:solidFill>
+                  <a:srgbClr val="000000"/>
+                </a:solidFill>
+                <a:effectLst/>
+                <a:uLnTx/>
+                <a:uFillTx/>
+                <a:latin typeface="Times New Roman" panose="02020603050405020304" pitchFamily="16" charset="0"/>
+                <a:ea typeface="+mn-ea"/>
+                <a:cs typeface="Times New Roman" panose="02020603050405020304" pitchFamily="16" charset="0"/>
+              </a:rPr>
+              <a:t>Express.js</a:t>
+            </a:r>
+          </a:p>
+          <a:p>
+            <a:pPr marL="452120" marR="0" lvl="0" indent="-342900" algn="just" defTabSz="457200" rtl="0" eaLnBrk="1" fontAlgn="auto" latinLnBrk="0" hangingPunct="1">
+              <a:lnSpc>
+                <a:spcPct val="93000"/>
+              </a:lnSpc>
+              <a:spcBef>
+                <a:spcPts val="0"/>
+              </a:spcBef>
+              <a:spcAft>
+                <a:spcPts val="1415"/>
+              </a:spcAft>
+              <a:buClrTx/>
+              <a:buSzTx/>
+              <a:buFont typeface="Arial" panose="020B0604020202020204" pitchFamily="34" charset="0"/>
+              <a:buChar char="•"/>
+              <a:tabLst>
+                <a:tab pos="448945" algn="l"/>
+                <a:tab pos="898525" algn="l"/>
+                <a:tab pos="1347470" algn="l"/>
+                <a:tab pos="1797050" algn="l"/>
+                <a:tab pos="2245995" algn="l"/>
+                <a:tab pos="2695575" algn="l"/>
+                <a:tab pos="3144520" algn="l"/>
+                <a:tab pos="3594100" algn="l"/>
+                <a:tab pos="4043045" algn="l"/>
+                <a:tab pos="4492625" algn="l"/>
+                <a:tab pos="4941570" algn="l"/>
+                <a:tab pos="5391150" algn="l"/>
+                <a:tab pos="5840095" algn="l"/>
+                <a:tab pos="6289675" algn="l"/>
+                <a:tab pos="6738620" algn="l"/>
+                <a:tab pos="7188200" algn="l"/>
+                <a:tab pos="7637145" algn="l"/>
+                <a:tab pos="8086725" algn="l"/>
+                <a:tab pos="8535670" algn="l"/>
+                <a:tab pos="8985250" algn="l"/>
+              </a:tabLst>
+              <a:defRPr/>
+            </a:pPr>
+            <a:r>
+              <a:rPr kumimoji="0" lang="en-IN" altLang="en-US" sz="2400" b="0" i="0" u="none" strike="noStrike" kern="1200" cap="none" spc="0" normalizeH="0" baseline="0" noProof="0" dirty="0">
+                <a:ln>
+                  <a:noFill/>
+                </a:ln>
+                <a:solidFill>
+                  <a:srgbClr val="000000"/>
+                </a:solidFill>
+                <a:effectLst/>
+                <a:uLnTx/>
+                <a:uFillTx/>
+                <a:latin typeface="Times New Roman" panose="02020603050405020304" pitchFamily="16" charset="0"/>
+                <a:ea typeface="+mn-ea"/>
+                <a:cs typeface="Times New Roman" panose="02020603050405020304" pitchFamily="16" charset="0"/>
+              </a:rPr>
+              <a:t>MongoDB</a:t>
+            </a:r>
+          </a:p>
+          <a:p>
+            <a:pPr marL="452120" marR="0" lvl="0" indent="-342900" algn="just" defTabSz="457200" rtl="0" eaLnBrk="1" fontAlgn="auto" latinLnBrk="0" hangingPunct="1">
+              <a:lnSpc>
+                <a:spcPct val="93000"/>
+              </a:lnSpc>
+              <a:spcBef>
+                <a:spcPts val="0"/>
+              </a:spcBef>
+              <a:spcAft>
+                <a:spcPts val="1415"/>
+              </a:spcAft>
+              <a:buClrTx/>
+              <a:buSzTx/>
+              <a:buFont typeface="Arial" panose="020B0604020202020204" pitchFamily="34" charset="0"/>
+              <a:buChar char="•"/>
+              <a:tabLst>
+                <a:tab pos="448945" algn="l"/>
+                <a:tab pos="898525" algn="l"/>
+                <a:tab pos="1347470" algn="l"/>
+                <a:tab pos="1797050" algn="l"/>
+                <a:tab pos="2245995" algn="l"/>
+                <a:tab pos="2695575" algn="l"/>
+                <a:tab pos="3144520" algn="l"/>
+                <a:tab pos="3594100" algn="l"/>
+                <a:tab pos="4043045" algn="l"/>
+                <a:tab pos="4492625" algn="l"/>
+                <a:tab pos="4941570" algn="l"/>
+                <a:tab pos="5391150" algn="l"/>
+                <a:tab pos="5840095" algn="l"/>
+                <a:tab pos="6289675" algn="l"/>
+                <a:tab pos="6738620" algn="l"/>
+                <a:tab pos="7188200" algn="l"/>
+                <a:tab pos="7637145" algn="l"/>
+                <a:tab pos="8086725" algn="l"/>
+                <a:tab pos="8535670" algn="l"/>
+                <a:tab pos="8985250" algn="l"/>
+              </a:tabLst>
+              <a:defRPr/>
+            </a:pPr>
+            <a:r>
+              <a:rPr kumimoji="0" lang="en-IN" altLang="en-US" sz="2400" b="0" i="0" u="none" strike="noStrike" kern="1200" cap="none" spc="0" normalizeH="0" baseline="0" noProof="0" dirty="0">
+                <a:ln>
+                  <a:noFill/>
+                </a:ln>
+                <a:solidFill>
+                  <a:srgbClr val="000000"/>
+                </a:solidFill>
+                <a:effectLst/>
+                <a:uLnTx/>
+                <a:uFillTx/>
+                <a:latin typeface="Times New Roman" panose="02020603050405020304" pitchFamily="16" charset="0"/>
+                <a:ea typeface="+mn-ea"/>
+                <a:cs typeface="Times New Roman" panose="02020603050405020304" pitchFamily="16" charset="0"/>
+              </a:rPr>
+              <a:t>Python</a:t>
+            </a:r>
+          </a:p>
+          <a:p>
+            <a:pPr marL="452120" marR="0" lvl="0" indent="-342900" algn="just" defTabSz="457200" rtl="0" eaLnBrk="1" fontAlgn="auto" latinLnBrk="0" hangingPunct="1">
+              <a:lnSpc>
+                <a:spcPct val="93000"/>
+              </a:lnSpc>
+              <a:spcBef>
+                <a:spcPts val="0"/>
+              </a:spcBef>
+              <a:spcAft>
+                <a:spcPts val="1415"/>
+              </a:spcAft>
+              <a:buClrTx/>
+              <a:buSzTx/>
+              <a:buFont typeface="Arial" panose="020B0604020202020204" pitchFamily="34" charset="0"/>
+              <a:buChar char="•"/>
+              <a:tabLst>
+                <a:tab pos="448945" algn="l"/>
+                <a:tab pos="898525" algn="l"/>
+                <a:tab pos="1347470" algn="l"/>
+                <a:tab pos="1797050" algn="l"/>
+                <a:tab pos="2245995" algn="l"/>
+                <a:tab pos="2695575" algn="l"/>
+                <a:tab pos="3144520" algn="l"/>
+                <a:tab pos="3594100" algn="l"/>
+                <a:tab pos="4043045" algn="l"/>
+                <a:tab pos="4492625" algn="l"/>
+                <a:tab pos="4941570" algn="l"/>
+                <a:tab pos="5391150" algn="l"/>
+                <a:tab pos="5840095" algn="l"/>
+                <a:tab pos="6289675" algn="l"/>
+                <a:tab pos="6738620" algn="l"/>
+                <a:tab pos="7188200" algn="l"/>
+                <a:tab pos="7637145" algn="l"/>
+                <a:tab pos="8086725" algn="l"/>
+                <a:tab pos="8535670" algn="l"/>
+                <a:tab pos="8985250" algn="l"/>
+              </a:tabLst>
+              <a:defRPr/>
+            </a:pPr>
+            <a:r>
+              <a:rPr kumimoji="0" lang="en-IN" altLang="en-US" sz="2400" b="0" i="0" u="none" strike="noStrike" kern="1200" cap="none" spc="0" normalizeH="0" baseline="0" noProof="0" dirty="0">
+                <a:ln>
+                  <a:noFill/>
+                </a:ln>
+                <a:solidFill>
+                  <a:srgbClr val="000000"/>
+                </a:solidFill>
+                <a:effectLst/>
+                <a:uLnTx/>
+                <a:uFillTx/>
+                <a:latin typeface="Times New Roman" panose="02020603050405020304" pitchFamily="16" charset="0"/>
+                <a:ea typeface="+mn-ea"/>
+                <a:cs typeface="Times New Roman" panose="02020603050405020304" pitchFamily="16" charset="0"/>
+              </a:rPr>
+              <a:t>External </a:t>
+            </a:r>
+            <a:r>
+              <a:rPr lang="en-IN" altLang="en-US" sz="2400" dirty="0">
+                <a:latin typeface="Times New Roman" panose="02020603050405020304" pitchFamily="16" charset="0"/>
+                <a:cs typeface="Times New Roman" panose="02020603050405020304" pitchFamily="16" charset="0"/>
+              </a:rPr>
+              <a:t>Source</a:t>
+            </a:r>
+            <a:r>
+              <a:rPr kumimoji="0" lang="en-IN" altLang="en-US" sz="2400" b="0" i="0" u="none" strike="noStrike" kern="1200" cap="none" spc="0" normalizeH="0" baseline="0" noProof="0" dirty="0">
+                <a:ln>
+                  <a:noFill/>
+                </a:ln>
+                <a:solidFill>
+                  <a:srgbClr val="000000"/>
+                </a:solidFill>
+                <a:effectLst/>
+                <a:uLnTx/>
+                <a:uFillTx/>
+                <a:latin typeface="Times New Roman" panose="02020603050405020304" pitchFamily="16" charset="0"/>
+                <a:ea typeface="+mn-ea"/>
+                <a:cs typeface="Times New Roman" panose="02020603050405020304" pitchFamily="16" charset="0"/>
+              </a:rPr>
+              <a:t> (Credly)</a:t>
+            </a:r>
+          </a:p>
+        </p:txBody>
+      </p:sp>
+    </p:spTree>
+  </p:cSld>
+  <p:clrMapOvr>
+    <a:overrideClrMapping bg1="lt1" tx1="dk1" bg2="lt2" tx2="dk2" accent1="accent1" accent2="accent2" accent3="accent3" accent4="accent4" accent5="accent5" accent6="accent6" hlink="hlink" folHlink="folHlink"/>
   </p:clrMapOvr>
   <p:transition spd="med"/>
 </p:sld>
